--- a/RQuickRef.pptx
+++ b/RQuickRef.pptx
@@ -3109,7 +3109,7 @@
         </p:nvSpPr>
         <p:spPr>
           <a:xfrm>
-            <a:off x="4604609" y="230905"/>
+            <a:off x="4568288" y="232849"/>
             <a:ext cx="2971568" cy="226295"/>
           </a:xfrm>
           <a:prstGeom prst="rect">
@@ -3160,13 +3160,13 @@
           <p:nvPr>
             <p:extLst>
               <p:ext uri="{D42A27DB-BD31-4B8C-83A1-F6EECF244321}">
-                <p14:modId xmlns:p14="http://schemas.microsoft.com/office/powerpoint/2010/main" val="2718232815"/>
+                <p14:modId xmlns:p14="http://schemas.microsoft.com/office/powerpoint/2010/main" val="2158417612"/>
               </p:ext>
             </p:extLst>
           </p:nvPr>
         </p:nvGraphicFramePr>
         <p:xfrm>
-          <a:off x="4814509" y="488719"/>
+          <a:off x="4814509" y="583963"/>
           <a:ext cx="2676288" cy="9251523"/>
         </p:xfrm>
         <a:graphic>
@@ -9167,7 +9167,7 @@
         </p:nvSpPr>
         <p:spPr>
           <a:xfrm rot="16200000">
-            <a:off x="4418230" y="4175488"/>
+            <a:off x="4418230" y="4270732"/>
             <a:ext cx="526619" cy="246221"/>
           </a:xfrm>
           <a:prstGeom prst="rect">
@@ -9209,7 +9209,7 @@
         </p:nvSpPr>
         <p:spPr>
           <a:xfrm rot="16200000">
-            <a:off x="4215129" y="3024824"/>
+            <a:off x="4215129" y="3120068"/>
             <a:ext cx="932817" cy="246221"/>
           </a:xfrm>
           <a:prstGeom prst="rect">
@@ -9251,7 +9251,7 @@
         </p:nvSpPr>
         <p:spPr>
           <a:xfrm rot="16200000">
-            <a:off x="4272108" y="1701449"/>
+            <a:off x="4272108" y="1796693"/>
             <a:ext cx="818854" cy="246221"/>
           </a:xfrm>
           <a:prstGeom prst="rect">
@@ -9293,7 +9293,7 @@
         </p:nvSpPr>
         <p:spPr>
           <a:xfrm rot="16200000">
-            <a:off x="4072614" y="5313671"/>
+            <a:off x="4072614" y="5408915"/>
             <a:ext cx="1217851" cy="246221"/>
           </a:xfrm>
           <a:prstGeom prst="rect">
@@ -9335,7 +9335,7 @@
         </p:nvSpPr>
         <p:spPr>
           <a:xfrm rot="16200000">
-            <a:off x="4313969" y="7636340"/>
+            <a:off x="4313969" y="7731584"/>
             <a:ext cx="754859" cy="246221"/>
           </a:xfrm>
           <a:prstGeom prst="rect">
@@ -9411,50 +9411,1880 @@
       </p:sp>
       <p:sp>
         <p:nvSpPr>
-          <p:cNvPr id="13" name="Rectangle 12"/>
-          <p:cNvSpPr/>
+          <p:cNvPr id="17" name="TextBox 16"/>
+          <p:cNvSpPr txBox="1"/>
           <p:nvPr/>
         </p:nvSpPr>
         <p:spPr>
           <a:xfrm>
-            <a:off x="235361" y="941520"/>
-            <a:ext cx="4165349" cy="8933501"/>
+            <a:off x="235364" y="3962568"/>
+            <a:ext cx="4165348" cy="5842624"/>
           </a:xfrm>
           <a:prstGeom prst="rect">
             <a:avLst/>
           </a:prstGeom>
-          <a:ln w="12700" cmpd="sng">
+          <a:noFill/>
+          <a:ln>
             <a:solidFill>
-              <a:srgbClr val="D9D9D9"/>
+              <a:srgbClr val="A6A6A6"/>
             </a:solidFill>
           </a:ln>
         </p:spPr>
-        <p:style>
-          <a:lnRef idx="2">
-            <a:schemeClr val="dk1"/>
-          </a:lnRef>
-          <a:fillRef idx="1">
-            <a:schemeClr val="lt1"/>
-          </a:fillRef>
-          <a:effectRef idx="0">
-            <a:schemeClr val="dk1"/>
-          </a:effectRef>
-          <a:fontRef idx="minor">
-            <a:schemeClr val="dk1"/>
-          </a:fontRef>
-        </p:style>
         <p:txBody>
-          <a:bodyPr rtlCol="0" anchor="ctr"/>
+          <a:bodyPr wrap="square" lIns="91440" tIns="91440" rIns="91440" bIns="91440" rtlCol="0">
+            <a:spAutoFit/>
+          </a:bodyPr>
           <a:lstStyle/>
           <a:p>
-            <a:pPr algn="ctr"/>
-            <a:endParaRPr lang="en-US" dirty="0">
+            <a:pPr>
+              <a:tabLst>
+                <a:tab pos="3778250" algn="r"/>
+              </a:tabLst>
+            </a:pPr>
+            <a:r>
+              <a:rPr lang="en-US" sz="1000" b="1" dirty="0" smtClean="0">
+                <a:latin typeface="Helvetica"/>
+                <a:cs typeface="Helvetica"/>
+              </a:rPr>
+              <a:t>Reading and writing data</a:t>
+            </a:r>
+          </a:p>
+          <a:p>
+            <a:pPr>
+              <a:tabLst>
+                <a:tab pos="3778250" algn="r"/>
+              </a:tabLst>
+            </a:pPr>
+            <a:r>
+              <a:rPr lang="en-US" sz="1000" dirty="0" smtClean="0">
+                <a:latin typeface="Helvetica"/>
+                <a:cs typeface="Helvetica"/>
+              </a:rPr>
+              <a:t>Combine elements into a vector	</a:t>
+            </a:r>
+            <a:r>
+              <a:rPr lang="en-US" sz="1000" dirty="0" smtClean="0">
+                <a:latin typeface="Monaco"/>
+                <a:cs typeface="Monaco"/>
+              </a:rPr>
+              <a:t>c(1,2,3,4)</a:t>
+            </a:r>
+          </a:p>
+          <a:p>
+            <a:pPr>
+              <a:tabLst>
+                <a:tab pos="3778250" algn="r"/>
+              </a:tabLst>
+            </a:pPr>
+            <a:r>
+              <a:rPr lang="en-US" sz="1000" dirty="0" smtClean="0">
+                <a:latin typeface="Helvetica"/>
+                <a:cs typeface="Helvetica"/>
+              </a:rPr>
+              <a:t>Create  number sequence	</a:t>
+            </a:r>
+            <a:r>
+              <a:rPr lang="en-US" sz="1000" dirty="0" err="1" smtClean="0">
+                <a:latin typeface="Monaco"/>
+                <a:cs typeface="Monaco"/>
+              </a:rPr>
+              <a:t>seq</a:t>
+            </a:r>
+            <a:r>
+              <a:rPr lang="en-US" sz="1000" dirty="0" smtClean="0">
+                <a:latin typeface="Monaco"/>
+                <a:cs typeface="Monaco"/>
+              </a:rPr>
+              <a:t>(start, end)</a:t>
+            </a:r>
+          </a:p>
+          <a:p>
+            <a:pPr>
+              <a:tabLst>
+                <a:tab pos="3778250" algn="r"/>
+              </a:tabLst>
+            </a:pPr>
+            <a:r>
+              <a:rPr lang="en-US" sz="1000" dirty="0" smtClean="0">
+                <a:latin typeface="Helvetica"/>
+                <a:cs typeface="Helvetica"/>
+              </a:rPr>
+              <a:t>Combine vectors by rows	</a:t>
+            </a:r>
+            <a:r>
+              <a:rPr lang="en-US" sz="1000" dirty="0" err="1" smtClean="0">
+                <a:latin typeface="Monaco"/>
+                <a:cs typeface="Monaco"/>
+              </a:rPr>
+              <a:t>rbind</a:t>
+            </a:r>
+            <a:r>
+              <a:rPr lang="en-US" sz="1000" dirty="0" smtClean="0">
+                <a:latin typeface="Monaco"/>
+                <a:cs typeface="Monaco"/>
+              </a:rPr>
+              <a:t>(vectr1, vectr2</a:t>
+            </a:r>
+            <a:r>
+              <a:rPr lang="en-US" sz="1000" dirty="0" smtClean="0">
+                <a:latin typeface="Helvetica"/>
+                <a:cs typeface="Helvetica"/>
+              </a:rPr>
+              <a:t>)</a:t>
+            </a:r>
+          </a:p>
+          <a:p>
+            <a:pPr>
+              <a:tabLst>
+                <a:tab pos="3778250" algn="r"/>
+              </a:tabLst>
+            </a:pPr>
+            <a:r>
+              <a:rPr lang="en-US" sz="1000" dirty="0" smtClean="0">
+                <a:latin typeface="Helvetica"/>
+                <a:cs typeface="Helvetica"/>
+              </a:rPr>
+              <a:t>Combine </a:t>
+            </a:r>
+            <a:r>
+              <a:rPr lang="en-US" sz="1000" dirty="0" smtClean="0">
+                <a:latin typeface="Helvetica"/>
+                <a:cs typeface="Helvetica"/>
+              </a:rPr>
+              <a:t>vectors by columns	</a:t>
+            </a:r>
+            <a:r>
+              <a:rPr lang="en-US" sz="1000" dirty="0" err="1" smtClean="0">
+                <a:latin typeface="Monaco"/>
+                <a:cs typeface="Monaco"/>
+              </a:rPr>
+              <a:t>cbind</a:t>
+            </a:r>
+            <a:r>
+              <a:rPr lang="en-US" sz="1000" dirty="0" smtClean="0">
+                <a:latin typeface="Monaco"/>
+                <a:cs typeface="Monaco"/>
+              </a:rPr>
+              <a:t>(vectr1, vectr2)</a:t>
+            </a:r>
+          </a:p>
+          <a:p>
+            <a:pPr>
+              <a:tabLst>
+                <a:tab pos="3778250" algn="r"/>
+              </a:tabLst>
+            </a:pPr>
+            <a:r>
+              <a:rPr lang="en-US" sz="1000" dirty="0" smtClean="0">
+                <a:latin typeface="Helvetica"/>
+                <a:cs typeface="Helvetica"/>
+              </a:rPr>
+              <a:t>Create data frame from vectors	</a:t>
+            </a:r>
+            <a:r>
+              <a:rPr lang="en-US" sz="1000" dirty="0" err="1" smtClean="0">
+                <a:latin typeface="Monaco"/>
+                <a:cs typeface="Monaco"/>
+              </a:rPr>
+              <a:t>data.frame</a:t>
+            </a:r>
+            <a:r>
+              <a:rPr lang="en-US" sz="1000" dirty="0" smtClean="0">
+                <a:latin typeface="Monaco"/>
+                <a:cs typeface="Monaco"/>
+              </a:rPr>
+              <a:t>(tag = value)</a:t>
+            </a:r>
+            <a:endParaRPr lang="en-US" sz="1000" dirty="0" smtClean="0">
               <a:latin typeface="Helvetica"/>
               <a:cs typeface="Helvetica"/>
             </a:endParaRPr>
           </a:p>
+          <a:p>
+            <a:pPr>
+              <a:tabLst>
+                <a:tab pos="3778250" algn="r"/>
+              </a:tabLst>
+            </a:pPr>
+            <a:r>
+              <a:rPr lang="en-US" sz="1000" dirty="0" smtClean="0">
+                <a:latin typeface="Helvetica"/>
+                <a:cs typeface="Helvetica"/>
+              </a:rPr>
+              <a:t>Load an existing data set</a:t>
+            </a:r>
+            <a:r>
+              <a:rPr lang="en-US" sz="1000" baseline="30000" dirty="0" smtClean="0">
+                <a:latin typeface="Helvetica"/>
+                <a:cs typeface="Helvetica"/>
+              </a:rPr>
+              <a:t>[1]</a:t>
+            </a:r>
+            <a:r>
+              <a:rPr lang="en-US" sz="1000" dirty="0" smtClean="0">
+                <a:latin typeface="Helvetica"/>
+                <a:cs typeface="Helvetica"/>
+              </a:rPr>
+              <a:t>	</a:t>
+            </a:r>
+            <a:r>
+              <a:rPr lang="en-US" sz="1000" dirty="0" err="1" smtClean="0">
+                <a:latin typeface="Monaco"/>
+                <a:cs typeface="Monaco"/>
+              </a:rPr>
+              <a:t>read.csv</a:t>
+            </a:r>
+            <a:r>
+              <a:rPr lang="en-US" sz="1000" dirty="0" smtClean="0">
+                <a:latin typeface="Monaco"/>
+                <a:cs typeface="Monaco"/>
+              </a:rPr>
+              <a:t>(‘</a:t>
+            </a:r>
+            <a:r>
+              <a:rPr lang="en-US" sz="1000" dirty="0" err="1" smtClean="0">
+                <a:latin typeface="Monaco"/>
+                <a:cs typeface="Monaco"/>
+              </a:rPr>
+              <a:t>mydata.csv</a:t>
+            </a:r>
+            <a:r>
+              <a:rPr lang="en-US" sz="1000" dirty="0" smtClean="0">
+                <a:latin typeface="Monaco"/>
+                <a:cs typeface="Monaco"/>
+              </a:rPr>
+              <a:t>’)</a:t>
+            </a:r>
+            <a:endParaRPr lang="en-US" sz="1000" dirty="0" smtClean="0">
+              <a:latin typeface="Helvetica"/>
+              <a:cs typeface="Helvetica"/>
+            </a:endParaRPr>
+          </a:p>
+          <a:p>
+            <a:pPr>
+              <a:tabLst>
+                <a:tab pos="3778250" algn="r"/>
+              </a:tabLst>
+            </a:pPr>
+            <a:r>
+              <a:rPr lang="en-US" sz="1000" dirty="0" smtClean="0">
+                <a:latin typeface="Helvetica"/>
+                <a:cs typeface="Helvetica"/>
+              </a:rPr>
+              <a:t>	</a:t>
+            </a:r>
+            <a:r>
+              <a:rPr lang="en-US" sz="1000" dirty="0" err="1" smtClean="0">
+                <a:latin typeface="Monaco"/>
+                <a:cs typeface="Monaco"/>
+              </a:rPr>
+              <a:t>read.xlsx</a:t>
+            </a:r>
+            <a:r>
+              <a:rPr lang="en-US" sz="1000" dirty="0" smtClean="0">
+                <a:latin typeface="Monaco"/>
+                <a:cs typeface="Monaco"/>
+              </a:rPr>
+              <a:t>(‘</a:t>
+            </a:r>
+            <a:r>
+              <a:rPr lang="en-US" sz="1000" dirty="0" err="1" smtClean="0">
+                <a:latin typeface="Monaco"/>
+                <a:cs typeface="Monaco"/>
+              </a:rPr>
+              <a:t>mydata.xls</a:t>
+            </a:r>
+            <a:r>
+              <a:rPr lang="en-US" sz="1000" dirty="0" smtClean="0">
+                <a:latin typeface="Monaco"/>
+                <a:cs typeface="Monaco"/>
+              </a:rPr>
+              <a:t>’)</a:t>
+            </a:r>
+          </a:p>
+          <a:p>
+            <a:pPr>
+              <a:tabLst>
+                <a:tab pos="3778250" algn="r"/>
+              </a:tabLst>
+            </a:pPr>
+            <a:endParaRPr lang="en-US" sz="1000" dirty="0" smtClean="0">
+              <a:latin typeface="Helvetica"/>
+              <a:cs typeface="Helvetica"/>
+            </a:endParaRPr>
+          </a:p>
+          <a:p>
+            <a:pPr>
+              <a:tabLst>
+                <a:tab pos="3778250" algn="r"/>
+              </a:tabLst>
+            </a:pPr>
+            <a:r>
+              <a:rPr lang="en-US" sz="1000" b="1" dirty="0" smtClean="0">
+                <a:latin typeface="Helvetica"/>
+                <a:cs typeface="Helvetica"/>
+              </a:rPr>
+              <a:t>Exploring datasets</a:t>
+            </a:r>
+          </a:p>
+          <a:p>
+            <a:pPr>
+              <a:tabLst>
+                <a:tab pos="3778250" algn="r"/>
+              </a:tabLst>
+            </a:pPr>
+            <a:r>
+              <a:rPr lang="en-US" sz="1000" dirty="0" smtClean="0">
+                <a:latin typeface="Helvetica"/>
+                <a:cs typeface="Helvetica"/>
+              </a:rPr>
+              <a:t>View topmost rows	</a:t>
+            </a:r>
+            <a:r>
+              <a:rPr lang="en-US" sz="1000" dirty="0" smtClean="0">
+                <a:latin typeface="Monaco"/>
+                <a:cs typeface="Monaco"/>
+              </a:rPr>
+              <a:t>head(data)</a:t>
+            </a:r>
+          </a:p>
+          <a:p>
+            <a:pPr>
+              <a:tabLst>
+                <a:tab pos="3778250" algn="r"/>
+              </a:tabLst>
+            </a:pPr>
+            <a:r>
+              <a:rPr lang="en-US" sz="1000" dirty="0" smtClean="0">
+                <a:latin typeface="Helvetica"/>
+                <a:cs typeface="Helvetica"/>
+              </a:rPr>
+              <a:t>View structure of data	</a:t>
+            </a:r>
+            <a:r>
+              <a:rPr lang="en-US" sz="1000" dirty="0" err="1" smtClean="0">
+                <a:latin typeface="Monaco"/>
+                <a:cs typeface="Monaco"/>
+              </a:rPr>
+              <a:t>str</a:t>
+            </a:r>
+            <a:r>
+              <a:rPr lang="en-US" sz="1000" dirty="0" smtClean="0">
+                <a:latin typeface="Monaco"/>
+                <a:cs typeface="Monaco"/>
+              </a:rPr>
+              <a:t>(data)</a:t>
+            </a:r>
+          </a:p>
+          <a:p>
+            <a:pPr>
+              <a:tabLst>
+                <a:tab pos="3778250" algn="r"/>
+              </a:tabLst>
+            </a:pPr>
+            <a:r>
+              <a:rPr lang="en-US" sz="1000" dirty="0" smtClean="0">
+                <a:latin typeface="Helvetica"/>
+                <a:cs typeface="Helvetica"/>
+              </a:rPr>
+              <a:t>View summary of data</a:t>
+            </a:r>
+            <a:r>
+              <a:rPr lang="en-US" sz="1000" baseline="30000" dirty="0" smtClean="0">
+                <a:latin typeface="Helvetica"/>
+                <a:cs typeface="Helvetica"/>
+              </a:rPr>
+              <a:t>[2]	</a:t>
+            </a:r>
+            <a:r>
+              <a:rPr lang="en-US" sz="1000" dirty="0" smtClean="0">
+                <a:latin typeface="Monaco"/>
+                <a:cs typeface="Monaco"/>
+              </a:rPr>
+              <a:t>summary(data)</a:t>
+            </a:r>
+            <a:endParaRPr lang="en-US" sz="1000" baseline="30000" dirty="0" smtClean="0">
+              <a:latin typeface="Monaco"/>
+              <a:cs typeface="Monaco"/>
+            </a:endParaRPr>
+          </a:p>
+          <a:p>
+            <a:pPr>
+              <a:tabLst>
+                <a:tab pos="3778250" algn="r"/>
+              </a:tabLst>
+            </a:pPr>
+            <a:endParaRPr lang="en-US" sz="1000" baseline="30000" dirty="0" smtClean="0">
+              <a:latin typeface="Helvetica"/>
+              <a:cs typeface="Helvetica"/>
+            </a:endParaRPr>
+          </a:p>
+          <a:p>
+            <a:pPr>
+              <a:tabLst>
+                <a:tab pos="3778250" algn="r"/>
+              </a:tabLst>
+            </a:pPr>
+            <a:r>
+              <a:rPr lang="en-US" sz="1000" b="1" dirty="0" smtClean="0">
+                <a:latin typeface="Helvetica"/>
+                <a:cs typeface="Helvetica"/>
+              </a:rPr>
+              <a:t>Data types</a:t>
+            </a:r>
+          </a:p>
+          <a:p>
+            <a:pPr>
+              <a:tabLst>
+                <a:tab pos="3778250" algn="r"/>
+              </a:tabLst>
+            </a:pPr>
+            <a:r>
+              <a:rPr lang="en-US" sz="1000" dirty="0" smtClean="0">
+                <a:latin typeface="Helvetica"/>
+                <a:cs typeface="Helvetica"/>
+              </a:rPr>
+              <a:t>(In the examples below, fill in </a:t>
+            </a:r>
+            <a:r>
+              <a:rPr lang="en-US" sz="1000" dirty="0" err="1">
+                <a:latin typeface="Monaco"/>
+                <a:cs typeface="Monaco"/>
+              </a:rPr>
+              <a:t>datatype</a:t>
+            </a:r>
+            <a:r>
+              <a:rPr lang="en-US" sz="1000" dirty="0">
+                <a:latin typeface="Helvetica"/>
+                <a:cs typeface="Helvetica"/>
+              </a:rPr>
+              <a:t> with the type of data you want, such as </a:t>
+            </a:r>
+            <a:r>
+              <a:rPr lang="en-US" sz="1000" dirty="0">
+                <a:latin typeface="Monaco"/>
+                <a:cs typeface="Monaco"/>
+              </a:rPr>
+              <a:t>factor</a:t>
+            </a:r>
+            <a:r>
+              <a:rPr lang="en-US" sz="1000" dirty="0">
+                <a:latin typeface="Helvetica"/>
+                <a:cs typeface="Helvetica"/>
+              </a:rPr>
+              <a:t>, </a:t>
+            </a:r>
+            <a:r>
+              <a:rPr lang="en-US" sz="1000" dirty="0">
+                <a:latin typeface="Monaco"/>
+                <a:cs typeface="Monaco"/>
+              </a:rPr>
+              <a:t>character</a:t>
+            </a:r>
+            <a:r>
+              <a:rPr lang="en-US" sz="1000" dirty="0">
+                <a:latin typeface="Helvetica"/>
+                <a:cs typeface="Helvetica"/>
+              </a:rPr>
+              <a:t>, </a:t>
+            </a:r>
+            <a:r>
+              <a:rPr lang="en-US" sz="1000" dirty="0">
+                <a:latin typeface="Monaco"/>
+                <a:cs typeface="Monaco"/>
+              </a:rPr>
+              <a:t>numeric</a:t>
+            </a:r>
+            <a:r>
+              <a:rPr lang="en-US" sz="1000" dirty="0">
+                <a:latin typeface="Helvetica"/>
+                <a:cs typeface="Helvetica"/>
+              </a:rPr>
+              <a:t>, or </a:t>
+            </a:r>
+            <a:r>
+              <a:rPr lang="en-US" sz="1000" dirty="0">
+                <a:latin typeface="Monaco"/>
+                <a:cs typeface="Monaco"/>
+              </a:rPr>
+              <a:t>logical</a:t>
+            </a:r>
+            <a:r>
+              <a:rPr lang="en-US" sz="1000" dirty="0">
+                <a:latin typeface="Helvetica"/>
+                <a:cs typeface="Helvetica"/>
+              </a:rPr>
+              <a:t>.</a:t>
+            </a:r>
+            <a:r>
+              <a:rPr lang="en-US" sz="1000" dirty="0" smtClean="0">
+                <a:latin typeface="Helvetica"/>
+                <a:cs typeface="Helvetica"/>
+              </a:rPr>
+              <a:t>)</a:t>
+            </a:r>
+            <a:endParaRPr lang="en-US" sz="1000" b="1" dirty="0" smtClean="0">
+              <a:latin typeface="Helvetica"/>
+              <a:cs typeface="Helvetica"/>
+            </a:endParaRPr>
+          </a:p>
+          <a:p>
+            <a:pPr>
+              <a:tabLst>
+                <a:tab pos="3778250" algn="r"/>
+              </a:tabLst>
+            </a:pPr>
+            <a:r>
+              <a:rPr lang="en-US" sz="1000" dirty="0" smtClean="0">
+                <a:latin typeface="Helvetica"/>
+                <a:cs typeface="Helvetica"/>
+              </a:rPr>
+              <a:t>Converting to other data types	</a:t>
+            </a:r>
+            <a:r>
+              <a:rPr lang="en-US" sz="1000" dirty="0" err="1" smtClean="0">
+                <a:latin typeface="Monaco"/>
+                <a:cs typeface="Monaco"/>
+              </a:rPr>
+              <a:t>as.dataype</a:t>
+            </a:r>
+            <a:r>
+              <a:rPr lang="en-US" sz="1000" dirty="0" smtClean="0">
+                <a:latin typeface="Monaco"/>
+                <a:cs typeface="Monaco"/>
+              </a:rPr>
+              <a:t>(</a:t>
+            </a:r>
+            <a:r>
+              <a:rPr lang="en-US" sz="1000" dirty="0" err="1" smtClean="0">
+                <a:latin typeface="Monaco"/>
+                <a:cs typeface="Monaco"/>
+              </a:rPr>
+              <a:t>vectr</a:t>
+            </a:r>
+            <a:r>
+              <a:rPr lang="en-US" sz="1000" dirty="0" smtClean="0">
+                <a:latin typeface="Monaco"/>
+                <a:cs typeface="Monaco"/>
+              </a:rPr>
+              <a:t>)</a:t>
+            </a:r>
+          </a:p>
+          <a:p>
+            <a:pPr>
+              <a:tabLst>
+                <a:tab pos="3778250" algn="r"/>
+              </a:tabLst>
+            </a:pPr>
+            <a:r>
+              <a:rPr lang="en-US" sz="1000" dirty="0" smtClean="0">
+                <a:latin typeface="Helvetica"/>
+                <a:cs typeface="Helvetica"/>
+              </a:rPr>
+              <a:t>Check data type of a vector	</a:t>
+            </a:r>
+            <a:r>
+              <a:rPr lang="en-US" sz="1000" dirty="0" err="1" smtClean="0">
+                <a:latin typeface="Monaco"/>
+                <a:cs typeface="Monaco"/>
+              </a:rPr>
+              <a:t>is.datatype</a:t>
+            </a:r>
+            <a:r>
+              <a:rPr lang="en-US" sz="1000" dirty="0" smtClean="0">
+                <a:latin typeface="Monaco"/>
+                <a:cs typeface="Monaco"/>
+              </a:rPr>
+              <a:t>(</a:t>
+            </a:r>
+            <a:r>
+              <a:rPr lang="en-US" sz="1000" dirty="0" err="1" smtClean="0">
+                <a:latin typeface="Monaco"/>
+                <a:cs typeface="Monaco"/>
+              </a:rPr>
+              <a:t>vectr</a:t>
+            </a:r>
+            <a:r>
+              <a:rPr lang="en-US" sz="1000" dirty="0" smtClean="0">
+                <a:latin typeface="Monaco"/>
+                <a:cs typeface="Monaco"/>
+              </a:rPr>
+              <a:t>)</a:t>
+            </a:r>
+          </a:p>
+          <a:p>
+            <a:pPr>
+              <a:tabLst>
+                <a:tab pos="3778250" algn="r"/>
+              </a:tabLst>
+            </a:pPr>
+            <a:r>
+              <a:rPr lang="en-US" sz="1000" dirty="0" smtClean="0">
+                <a:latin typeface="Helvetica"/>
+                <a:cs typeface="Helvetica"/>
+              </a:rPr>
+              <a:t>View/set levels of a factor	</a:t>
+            </a:r>
+            <a:r>
+              <a:rPr lang="en-US" sz="1000" dirty="0" smtClean="0">
+                <a:latin typeface="Monaco"/>
+                <a:cs typeface="Monaco"/>
+              </a:rPr>
+              <a:t>levels(</a:t>
+            </a:r>
+            <a:r>
+              <a:rPr lang="en-US" sz="1000" dirty="0" err="1" smtClean="0">
+                <a:latin typeface="Monaco"/>
+                <a:cs typeface="Monaco"/>
+              </a:rPr>
+              <a:t>data$columnName</a:t>
+            </a:r>
+            <a:r>
+              <a:rPr lang="en-US" sz="1000" dirty="0" smtClean="0">
+                <a:latin typeface="Monaco"/>
+                <a:cs typeface="Monaco"/>
+              </a:rPr>
+              <a:t>)</a:t>
+            </a:r>
+          </a:p>
+          <a:p>
+            <a:pPr>
+              <a:tabLst>
+                <a:tab pos="3778250" algn="r"/>
+              </a:tabLst>
+            </a:pPr>
+            <a:endParaRPr lang="en-US" sz="1000" b="1" dirty="0">
+              <a:latin typeface="Helvetica"/>
+              <a:cs typeface="Helvetica"/>
+            </a:endParaRPr>
+          </a:p>
+          <a:p>
+            <a:pPr>
+              <a:tabLst>
+                <a:tab pos="3778250" algn="r"/>
+              </a:tabLst>
+            </a:pPr>
+            <a:r>
+              <a:rPr lang="en-US" sz="1000" b="1" dirty="0">
+                <a:latin typeface="Helvetica"/>
+                <a:cs typeface="Helvetica"/>
+              </a:rPr>
+              <a:t>Selecting and extracting </a:t>
+            </a:r>
+            <a:r>
+              <a:rPr lang="en-US" sz="1000" b="1" dirty="0" smtClean="0">
+                <a:latin typeface="Helvetica"/>
+                <a:cs typeface="Helvetica"/>
+              </a:rPr>
+              <a:t>data</a:t>
+            </a:r>
+            <a:endParaRPr lang="en-US" sz="1000" baseline="30000" dirty="0">
+              <a:latin typeface="Helvetica"/>
+              <a:cs typeface="Helvetica"/>
+            </a:endParaRPr>
+          </a:p>
+          <a:p>
+            <a:pPr>
+              <a:tabLst>
+                <a:tab pos="3778250" algn="r"/>
+              </a:tabLst>
+            </a:pPr>
+            <a:r>
+              <a:rPr lang="en-US" sz="1000" dirty="0" smtClean="0">
+                <a:latin typeface="Helvetica"/>
+                <a:cs typeface="Helvetica"/>
+              </a:rPr>
+              <a:t>View all column names	</a:t>
+            </a:r>
+            <a:r>
+              <a:rPr lang="en-US" sz="1000" dirty="0" smtClean="0">
+                <a:latin typeface="Monaco"/>
+                <a:cs typeface="Monaco"/>
+              </a:rPr>
+              <a:t>names(data)</a:t>
+            </a:r>
+          </a:p>
+          <a:p>
+            <a:pPr>
+              <a:tabLst>
+                <a:tab pos="3778250" algn="r"/>
+              </a:tabLst>
+            </a:pPr>
+            <a:r>
+              <a:rPr lang="en-US" sz="1000" dirty="0" smtClean="0">
+                <a:latin typeface="Helvetica"/>
+                <a:cs typeface="Helvetica"/>
+              </a:rPr>
+              <a:t>Get </a:t>
+            </a:r>
+            <a:r>
+              <a:rPr lang="en-US" sz="1000" dirty="0" smtClean="0">
+                <a:latin typeface="Helvetica"/>
+                <a:cs typeface="Helvetica"/>
+              </a:rPr>
+              <a:t>column by name	</a:t>
+            </a:r>
+            <a:r>
+              <a:rPr lang="en-US" sz="1000" dirty="0" err="1" smtClean="0">
+                <a:latin typeface="Monaco"/>
+                <a:cs typeface="Monaco"/>
+              </a:rPr>
+              <a:t>data$columnName</a:t>
+            </a:r>
+            <a:endParaRPr lang="en-US" sz="1000" dirty="0" smtClean="0">
+              <a:latin typeface="Monaco"/>
+              <a:cs typeface="Monaco"/>
+            </a:endParaRPr>
+          </a:p>
+          <a:p>
+            <a:pPr>
+              <a:tabLst>
+                <a:tab pos="3778250" algn="r"/>
+              </a:tabLst>
+            </a:pPr>
+            <a:r>
+              <a:rPr lang="en-US" sz="1000" dirty="0" smtClean="0">
+                <a:latin typeface="Helvetica"/>
+                <a:cs typeface="Helvetica"/>
+              </a:rPr>
+              <a:t>Get </a:t>
+            </a:r>
+            <a:r>
+              <a:rPr lang="en-US" sz="1000" dirty="0" err="1" smtClean="0">
+                <a:latin typeface="Helvetica"/>
+                <a:cs typeface="Helvetica"/>
+              </a:rPr>
+              <a:t>i-th</a:t>
+            </a:r>
+            <a:r>
+              <a:rPr lang="en-US" sz="1000" dirty="0" smtClean="0">
+                <a:latin typeface="Helvetica"/>
+                <a:cs typeface="Helvetica"/>
+              </a:rPr>
+              <a:t> row	</a:t>
+            </a:r>
+            <a:r>
+              <a:rPr lang="en-US" sz="1000" dirty="0" smtClean="0">
+                <a:latin typeface="Monaco"/>
+                <a:cs typeface="Monaco"/>
+              </a:rPr>
+              <a:t>data[</a:t>
+            </a:r>
+            <a:r>
+              <a:rPr lang="en-US" sz="1000" dirty="0" err="1" smtClean="0">
+                <a:latin typeface="Monaco"/>
+                <a:cs typeface="Monaco"/>
+              </a:rPr>
+              <a:t>i</a:t>
+            </a:r>
+            <a:r>
+              <a:rPr lang="en-US" sz="1000" dirty="0" smtClean="0">
+                <a:latin typeface="Monaco"/>
+                <a:cs typeface="Monaco"/>
+              </a:rPr>
+              <a:t>, ]</a:t>
+            </a:r>
+          </a:p>
+          <a:p>
+            <a:pPr>
+              <a:tabLst>
+                <a:tab pos="3778250" algn="r"/>
+              </a:tabLst>
+            </a:pPr>
+            <a:r>
+              <a:rPr lang="en-US" sz="1000" dirty="0" smtClean="0">
+                <a:latin typeface="Helvetica"/>
+                <a:cs typeface="Helvetica"/>
+              </a:rPr>
+              <a:t>Get j-</a:t>
+            </a:r>
+            <a:r>
+              <a:rPr lang="en-US" sz="1000" dirty="0" err="1" smtClean="0">
+                <a:latin typeface="Helvetica"/>
+                <a:cs typeface="Helvetica"/>
+              </a:rPr>
+              <a:t>th</a:t>
+            </a:r>
+            <a:r>
+              <a:rPr lang="en-US" sz="1000" dirty="0" smtClean="0">
+                <a:latin typeface="Helvetica"/>
+                <a:cs typeface="Helvetica"/>
+              </a:rPr>
+              <a:t> column	</a:t>
+            </a:r>
+            <a:r>
+              <a:rPr lang="en-US" sz="1000" dirty="0" smtClean="0">
+                <a:latin typeface="Monaco"/>
+                <a:cs typeface="Monaco"/>
+              </a:rPr>
+              <a:t>data[, j]</a:t>
+            </a:r>
+          </a:p>
+          <a:p>
+            <a:pPr>
+              <a:tabLst>
+                <a:tab pos="3778250" algn="r"/>
+              </a:tabLst>
+            </a:pPr>
+            <a:r>
+              <a:rPr lang="en-US" sz="1000" dirty="0">
+                <a:latin typeface="Helvetica"/>
+                <a:cs typeface="Helvetica"/>
+              </a:rPr>
+              <a:t>Get element at row </a:t>
+            </a:r>
+            <a:r>
+              <a:rPr lang="en-US" sz="1000" dirty="0" err="1">
+                <a:latin typeface="Helvetica"/>
+                <a:cs typeface="Helvetica"/>
+              </a:rPr>
+              <a:t>i</a:t>
+            </a:r>
+            <a:r>
+              <a:rPr lang="en-US" sz="1000" dirty="0">
+                <a:latin typeface="Helvetica"/>
+                <a:cs typeface="Helvetica"/>
+              </a:rPr>
+              <a:t>, column j	</a:t>
+            </a:r>
+            <a:r>
+              <a:rPr lang="en-US" sz="1000" dirty="0">
+                <a:latin typeface="Monaco"/>
+                <a:cs typeface="Monaco"/>
+              </a:rPr>
+              <a:t>data</a:t>
+            </a:r>
+            <a:r>
+              <a:rPr lang="en-US" sz="1000" dirty="0" smtClean="0">
+                <a:latin typeface="Monaco"/>
+                <a:cs typeface="Monaco"/>
+              </a:rPr>
+              <a:t>[</a:t>
+            </a:r>
+            <a:r>
+              <a:rPr lang="en-US" sz="1000" dirty="0" err="1" smtClean="0">
+                <a:latin typeface="Monaco"/>
+                <a:cs typeface="Monaco"/>
+              </a:rPr>
+              <a:t>i</a:t>
+            </a:r>
+            <a:r>
+              <a:rPr lang="en-US" sz="1000" dirty="0" smtClean="0">
+                <a:latin typeface="Monaco"/>
+                <a:cs typeface="Monaco"/>
+              </a:rPr>
+              <a:t>, </a:t>
+            </a:r>
+            <a:r>
+              <a:rPr lang="en-US" sz="1000" dirty="0">
+                <a:latin typeface="Monaco"/>
+                <a:cs typeface="Monaco"/>
+              </a:rPr>
+              <a:t>j</a:t>
+            </a:r>
+            <a:r>
+              <a:rPr lang="en-US" sz="1000" dirty="0" smtClean="0">
+                <a:latin typeface="Monaco"/>
+                <a:cs typeface="Monaco"/>
+              </a:rPr>
+              <a:t>]</a:t>
+            </a:r>
+          </a:p>
+          <a:p>
+            <a:pPr>
+              <a:tabLst>
+                <a:tab pos="3778250" algn="r"/>
+              </a:tabLst>
+            </a:pPr>
+            <a:r>
+              <a:rPr lang="en-US" sz="1000" dirty="0" smtClean="0">
+                <a:latin typeface="Helvetica"/>
+                <a:cs typeface="Helvetica"/>
+              </a:rPr>
+              <a:t>Select rows using logical</a:t>
+            </a:r>
+            <a:r>
+              <a:rPr lang="en-US" sz="1000" baseline="30000" dirty="0" smtClean="0">
+                <a:latin typeface="Helvetica"/>
+                <a:cs typeface="Helvetica"/>
+              </a:rPr>
+              <a:t>[3]</a:t>
+            </a:r>
+            <a:r>
+              <a:rPr lang="en-US" sz="1000" dirty="0" smtClean="0">
+                <a:latin typeface="Helvetica"/>
+                <a:cs typeface="Helvetica"/>
+              </a:rPr>
+              <a:t>	</a:t>
+            </a:r>
+            <a:r>
+              <a:rPr lang="en-US" sz="1000" dirty="0" smtClean="0">
+                <a:latin typeface="Monaco"/>
+                <a:cs typeface="Monaco"/>
+              </a:rPr>
+              <a:t>data[</a:t>
+            </a:r>
+            <a:r>
+              <a:rPr lang="en-US" sz="1000" dirty="0" err="1" smtClean="0">
+                <a:latin typeface="Monaco"/>
+                <a:cs typeface="Monaco"/>
+              </a:rPr>
+              <a:t>data$group</a:t>
+            </a:r>
+            <a:r>
+              <a:rPr lang="en-US" sz="1000" dirty="0" smtClean="0">
+                <a:latin typeface="Monaco"/>
+                <a:cs typeface="Monaco"/>
+              </a:rPr>
+              <a:t> == ‘A’, ]</a:t>
+            </a:r>
+          </a:p>
+          <a:p>
+            <a:pPr>
+              <a:tabLst>
+                <a:tab pos="3778250" algn="r"/>
+              </a:tabLst>
+            </a:pPr>
+            <a:endParaRPr lang="en-US" sz="1000" b="1" dirty="0" smtClean="0">
+              <a:latin typeface="Helvetica"/>
+              <a:cs typeface="Helvetica"/>
+            </a:endParaRPr>
+          </a:p>
+          <a:p>
+            <a:pPr>
+              <a:tabLst>
+                <a:tab pos="3778250" algn="r"/>
+              </a:tabLst>
+            </a:pPr>
+            <a:r>
+              <a:rPr lang="en-US" sz="900" u="sng" dirty="0" smtClean="0">
+                <a:latin typeface="Helvetica"/>
+                <a:cs typeface="Helvetica"/>
+              </a:rPr>
+              <a:t>Notes:</a:t>
+            </a:r>
+            <a:r>
+              <a:rPr lang="en-US" sz="900" dirty="0" smtClean="0">
+                <a:latin typeface="Helvetica"/>
+                <a:cs typeface="Helvetica"/>
+              </a:rPr>
+              <a:t> </a:t>
+            </a:r>
+          </a:p>
+          <a:p>
+            <a:pPr>
+              <a:tabLst>
+                <a:tab pos="3778250" algn="r"/>
+              </a:tabLst>
+            </a:pPr>
+            <a:r>
+              <a:rPr lang="en-US" sz="900" dirty="0" smtClean="0">
+                <a:latin typeface="Helvetica"/>
+                <a:cs typeface="Helvetica"/>
+              </a:rPr>
+              <a:t>[1] Make sure you are in the correct working directory!</a:t>
+            </a:r>
+            <a:endParaRPr lang="en-US" sz="900" dirty="0">
+              <a:latin typeface="Helvetica"/>
+              <a:cs typeface="Helvetica"/>
+            </a:endParaRPr>
+          </a:p>
+          <a:p>
+            <a:pPr>
+              <a:tabLst>
+                <a:tab pos="3778250" algn="r"/>
+              </a:tabLst>
+            </a:pPr>
+            <a:r>
+              <a:rPr lang="en-US" sz="900" dirty="0" smtClean="0">
+                <a:latin typeface="Helvetica"/>
+                <a:cs typeface="Helvetica"/>
+              </a:rPr>
+              <a:t>[2] </a:t>
+            </a:r>
+            <a:r>
+              <a:rPr lang="en-US" sz="900" dirty="0" smtClean="0">
+                <a:latin typeface="Monaco"/>
+                <a:cs typeface="Monaco"/>
+              </a:rPr>
+              <a:t>summary</a:t>
+            </a:r>
+            <a:r>
+              <a:rPr lang="en-US" sz="900" dirty="0" smtClean="0">
+                <a:latin typeface="Helvetica"/>
+                <a:cs typeface="Helvetica"/>
+              </a:rPr>
+              <a:t> returns different results depending on the object you want to summarize. Try it out with data frames, models, statistical tests, etc., to see what information it gives you.</a:t>
+            </a:r>
+          </a:p>
+          <a:p>
+            <a:pPr>
+              <a:tabLst>
+                <a:tab pos="3778250" algn="r"/>
+              </a:tabLst>
+            </a:pPr>
+            <a:r>
+              <a:rPr lang="en-US" sz="900" dirty="0" smtClean="0">
+                <a:latin typeface="Helvetica"/>
+                <a:cs typeface="Helvetica"/>
+              </a:rPr>
+              <a:t>[3] Don’t forget the comma! This will return all rows that match the condition in the brackets. You can use this syntax to subset your data frame by </a:t>
+            </a:r>
+            <a:r>
+              <a:rPr lang="en-US" sz="900" i="1" dirty="0" smtClean="0">
+                <a:latin typeface="Helvetica"/>
+                <a:cs typeface="Helvetica"/>
+              </a:rPr>
+              <a:t>any </a:t>
+            </a:r>
+            <a:r>
+              <a:rPr lang="en-US" sz="900" dirty="0" smtClean="0">
+                <a:latin typeface="Helvetica"/>
+                <a:cs typeface="Helvetica"/>
+              </a:rPr>
+              <a:t>criterion, such as subjects that are above a certain age, all measurements taken in a drug trial before treatment, </a:t>
+            </a:r>
+            <a:r>
+              <a:rPr lang="en-US" sz="900" dirty="0" smtClean="0">
+                <a:latin typeface="Helvetica"/>
+                <a:cs typeface="Helvetica"/>
+              </a:rPr>
+              <a:t>etc.</a:t>
+            </a:r>
+          </a:p>
         </p:txBody>
       </p:sp>
+      <p:sp>
+        <p:nvSpPr>
+          <p:cNvPr id="2" name="TextBox 1"/>
+          <p:cNvSpPr txBox="1"/>
+          <p:nvPr/>
+        </p:nvSpPr>
+        <p:spPr>
+          <a:xfrm>
+            <a:off x="235366" y="1087494"/>
+            <a:ext cx="4165347" cy="2492990"/>
+          </a:xfrm>
+          <a:prstGeom prst="rect">
+            <a:avLst/>
+          </a:prstGeom>
+          <a:noFill/>
+          <a:ln w="12700" cmpd="sng">
+            <a:solidFill>
+              <a:schemeClr val="bg1">
+                <a:lumMod val="65000"/>
+              </a:schemeClr>
+            </a:solidFill>
+          </a:ln>
+        </p:spPr>
+        <p:txBody>
+          <a:bodyPr wrap="square" lIns="91440" tIns="91440" rIns="91440" bIns="91440" rtlCol="0">
+            <a:spAutoFit/>
+          </a:bodyPr>
+          <a:lstStyle/>
+          <a:p>
+            <a:r>
+              <a:rPr lang="en-US" sz="1000" dirty="0" smtClean="0">
+                <a:latin typeface="Helvetica"/>
+                <a:cs typeface="Helvetica"/>
+              </a:rPr>
+              <a:t>Install library: </a:t>
+            </a:r>
+            <a:r>
+              <a:rPr lang="en-US" sz="1000" dirty="0" err="1" smtClean="0">
+                <a:latin typeface="Monaco"/>
+                <a:cs typeface="Monaco"/>
+              </a:rPr>
+              <a:t>install.packages</a:t>
+            </a:r>
+            <a:r>
+              <a:rPr lang="en-US" sz="1000" dirty="0" smtClean="0">
+                <a:latin typeface="Monaco"/>
+                <a:cs typeface="Monaco"/>
+              </a:rPr>
+              <a:t>(‘</a:t>
+            </a:r>
+            <a:r>
+              <a:rPr lang="en-US" sz="1000" dirty="0" err="1" smtClean="0">
+                <a:latin typeface="Monaco"/>
+                <a:cs typeface="Monaco"/>
+              </a:rPr>
+              <a:t>mylibrary</a:t>
+            </a:r>
+            <a:r>
+              <a:rPr lang="en-US" sz="1000" dirty="0" smtClean="0">
+                <a:latin typeface="Monaco"/>
+                <a:cs typeface="Monaco"/>
+              </a:rPr>
+              <a:t>’</a:t>
+            </a:r>
+            <a:r>
+              <a:rPr lang="en-US" sz="1000" dirty="0" smtClean="0">
+                <a:latin typeface="Helvetica"/>
+                <a:cs typeface="Helvetica"/>
+              </a:rPr>
+              <a:t>)</a:t>
+            </a:r>
+          </a:p>
+          <a:p>
+            <a:r>
+              <a:rPr lang="en-US" sz="1000" dirty="0" smtClean="0">
+                <a:latin typeface="Helvetica"/>
+                <a:cs typeface="Helvetica"/>
+              </a:rPr>
+              <a:t>Load library: </a:t>
+            </a:r>
+            <a:r>
+              <a:rPr lang="en-US" sz="1000" dirty="0" smtClean="0">
+                <a:latin typeface="Monaco"/>
+                <a:cs typeface="Monaco"/>
+              </a:rPr>
+              <a:t>library(</a:t>
+            </a:r>
+            <a:r>
+              <a:rPr lang="en-US" sz="1000" dirty="0" err="1" smtClean="0">
+                <a:latin typeface="Monaco"/>
+                <a:cs typeface="Monaco"/>
+              </a:rPr>
+              <a:t>mylibrary</a:t>
+            </a:r>
+            <a:r>
+              <a:rPr lang="en-US" sz="1000" dirty="0" smtClean="0">
+                <a:latin typeface="Monaco"/>
+                <a:cs typeface="Monaco"/>
+              </a:rPr>
+              <a:t>)</a:t>
+            </a:r>
+            <a:endParaRPr lang="en-US" sz="1000" dirty="0" smtClean="0">
+              <a:latin typeface="Helvetica"/>
+              <a:cs typeface="Helvetica"/>
+            </a:endParaRPr>
+          </a:p>
+          <a:p>
+            <a:r>
+              <a:rPr lang="en-US" sz="1000" dirty="0" smtClean="0">
+                <a:latin typeface="Helvetica"/>
+                <a:cs typeface="Helvetica"/>
+              </a:rPr>
+              <a:t>Useful libraries to start with:</a:t>
+            </a:r>
+          </a:p>
+          <a:p>
+            <a:r>
+              <a:rPr lang="en-US" sz="1000" dirty="0" smtClean="0">
+                <a:latin typeface="Helvetica"/>
+                <a:cs typeface="Helvetica"/>
+              </a:rPr>
+              <a:t> </a:t>
+            </a:r>
+          </a:p>
+          <a:p>
+            <a:endParaRPr lang="en-US" sz="1000" dirty="0">
+              <a:latin typeface="Helvetica"/>
+              <a:cs typeface="Helvetica"/>
+            </a:endParaRPr>
+          </a:p>
+          <a:p>
+            <a:endParaRPr lang="en-US" sz="1000" dirty="0" smtClean="0">
+              <a:latin typeface="Helvetica"/>
+              <a:cs typeface="Helvetica"/>
+            </a:endParaRPr>
+          </a:p>
+          <a:p>
+            <a:endParaRPr lang="en-US" sz="1000" dirty="0">
+              <a:latin typeface="Helvetica"/>
+              <a:cs typeface="Helvetica"/>
+            </a:endParaRPr>
+          </a:p>
+          <a:p>
+            <a:endParaRPr lang="en-US" sz="1000" dirty="0" smtClean="0">
+              <a:latin typeface="Helvetica"/>
+              <a:cs typeface="Helvetica"/>
+            </a:endParaRPr>
+          </a:p>
+          <a:p>
+            <a:endParaRPr lang="en-US" sz="1000" dirty="0">
+              <a:latin typeface="Helvetica"/>
+              <a:cs typeface="Helvetica"/>
+            </a:endParaRPr>
+          </a:p>
+          <a:p>
+            <a:r>
+              <a:rPr lang="en-US" sz="1000" dirty="0" smtClean="0">
+                <a:latin typeface="Helvetica"/>
+                <a:cs typeface="Helvetica"/>
+              </a:rPr>
+              <a:t>Set working directory: </a:t>
+            </a:r>
+            <a:r>
+              <a:rPr lang="en-US" sz="1000" dirty="0" err="1" smtClean="0">
+                <a:latin typeface="Monaco"/>
+                <a:cs typeface="Monaco"/>
+              </a:rPr>
+              <a:t>setwd</a:t>
+            </a:r>
+            <a:r>
+              <a:rPr lang="en-US" sz="1000" dirty="0" smtClean="0">
+                <a:latin typeface="Monaco"/>
+                <a:cs typeface="Monaco"/>
+              </a:rPr>
+              <a:t>(‘~/path/to/my/data’)</a:t>
+            </a:r>
+          </a:p>
+          <a:p>
+            <a:r>
+              <a:rPr lang="en-US" sz="1000" dirty="0" smtClean="0">
+                <a:latin typeface="Helvetica"/>
+                <a:cs typeface="Helvetica"/>
+              </a:rPr>
+              <a:t>Get current working directory: </a:t>
+            </a:r>
+            <a:r>
+              <a:rPr lang="en-US" sz="1000" dirty="0" err="1" smtClean="0">
+                <a:latin typeface="Monaco"/>
+                <a:cs typeface="Monaco"/>
+              </a:rPr>
+              <a:t>getwd</a:t>
+            </a:r>
+            <a:r>
+              <a:rPr lang="en-US" sz="1000" dirty="0" smtClean="0">
+                <a:latin typeface="Monaco"/>
+                <a:cs typeface="Monaco"/>
+              </a:rPr>
+              <a:t>()</a:t>
+            </a:r>
+          </a:p>
+          <a:p>
+            <a:endParaRPr lang="en-US" sz="1000" dirty="0" smtClean="0">
+              <a:latin typeface="Helvetica"/>
+              <a:cs typeface="Helvetica"/>
+            </a:endParaRPr>
+          </a:p>
+          <a:p>
+            <a:r>
+              <a:rPr lang="en-US" sz="1000" dirty="0" smtClean="0">
+                <a:latin typeface="Helvetica"/>
+                <a:cs typeface="Helvetica"/>
+              </a:rPr>
+              <a:t>Search for a function in the R documentation:</a:t>
+            </a:r>
+          </a:p>
+          <a:p>
+            <a:r>
+              <a:rPr lang="en-US" sz="1000" dirty="0">
+                <a:latin typeface="Helvetica"/>
+                <a:cs typeface="Helvetica"/>
+              </a:rPr>
+              <a:t>	</a:t>
+            </a:r>
+            <a:r>
+              <a:rPr lang="en-US" sz="1000" dirty="0" smtClean="0">
+                <a:latin typeface="Helvetica"/>
+                <a:cs typeface="Helvetica"/>
+              </a:rPr>
+              <a:t>By its exact name: </a:t>
+            </a:r>
+            <a:r>
+              <a:rPr lang="en-US" sz="1000" dirty="0" smtClean="0">
+                <a:latin typeface="Monaco"/>
+                <a:cs typeface="Monaco"/>
+              </a:rPr>
+              <a:t>?</a:t>
+            </a:r>
+            <a:r>
+              <a:rPr lang="en-US" sz="1000" dirty="0" err="1" smtClean="0">
+                <a:latin typeface="Monaco"/>
+                <a:cs typeface="Monaco"/>
+              </a:rPr>
+              <a:t>functionName</a:t>
+            </a:r>
+            <a:endParaRPr lang="en-US" sz="1000" dirty="0">
+              <a:latin typeface="Monaco"/>
+              <a:cs typeface="Monaco"/>
+            </a:endParaRPr>
+          </a:p>
+          <a:p>
+            <a:r>
+              <a:rPr lang="en-US" sz="1000" dirty="0">
+                <a:latin typeface="Helvetica"/>
+                <a:cs typeface="Helvetica"/>
+              </a:rPr>
+              <a:t>	</a:t>
+            </a:r>
+            <a:r>
+              <a:rPr lang="en-US" sz="1000" dirty="0" smtClean="0">
+                <a:latin typeface="Helvetica"/>
+                <a:cs typeface="Helvetica"/>
+              </a:rPr>
+              <a:t>By part of its name: </a:t>
+            </a:r>
+            <a:r>
+              <a:rPr lang="en-US" sz="1000" dirty="0" smtClean="0">
+                <a:latin typeface="Monaco"/>
+                <a:cs typeface="Monaco"/>
+              </a:rPr>
+              <a:t>??fun</a:t>
+            </a:r>
+          </a:p>
+        </p:txBody>
+      </p:sp>
+      <p:graphicFrame>
+        <p:nvGraphicFramePr>
+          <p:cNvPr id="4" name="Table 3"/>
+          <p:cNvGraphicFramePr>
+            <a:graphicFrameLocks noGrp="1"/>
+          </p:cNvGraphicFramePr>
+          <p:nvPr>
+            <p:extLst>
+              <p:ext uri="{D42A27DB-BD31-4B8C-83A1-F6EECF244321}">
+                <p14:modId xmlns:p14="http://schemas.microsoft.com/office/powerpoint/2010/main" val="3644406791"/>
+              </p:ext>
+            </p:extLst>
+          </p:nvPr>
+        </p:nvGraphicFramePr>
+        <p:xfrm>
+          <a:off x="223957" y="1758377"/>
+          <a:ext cx="4055588" cy="792480"/>
+        </p:xfrm>
+        <a:graphic>
+          <a:graphicData uri="http://schemas.openxmlformats.org/drawingml/2006/table">
+            <a:tbl>
+              <a:tblPr firstRow="1" bandRow="1">
+                <a:tableStyleId>{2D5ABB26-0587-4C30-8999-92F81FD0307C}</a:tableStyleId>
+              </a:tblPr>
+              <a:tblGrid>
+                <a:gridCol w="1013897"/>
+                <a:gridCol w="1013897"/>
+                <a:gridCol w="1013897"/>
+                <a:gridCol w="1013897"/>
+              </a:tblGrid>
+              <a:tr h="141596">
+                <a:tc>
+                  <a:txBody>
+                    <a:bodyPr/>
+                    <a:lstStyle/>
+                    <a:p>
+                      <a:pPr algn="ctr"/>
+                      <a:r>
+                        <a:rPr lang="en-US" sz="1000" b="1" dirty="0" smtClean="0">
+                          <a:latin typeface="Helvetica"/>
+                          <a:cs typeface="Helvetica"/>
+                        </a:rPr>
+                        <a:t>Load data</a:t>
+                      </a:r>
+                      <a:endParaRPr lang="en-US" sz="1000" b="1" dirty="0">
+                        <a:latin typeface="Helvetica"/>
+                        <a:cs typeface="Helvetica"/>
+                      </a:endParaRPr>
+                    </a:p>
+                  </a:txBody>
+                  <a:tcPr>
+                    <a:lnL w="12700" cap="flat" cmpd="sng" algn="ctr">
+                      <a:noFill/>
+                      <a:prstDash val="solid"/>
+                      <a:round/>
+                      <a:headEnd type="none" w="med" len="med"/>
+                      <a:tailEnd type="none" w="med" len="med"/>
+                    </a:lnL>
+                    <a:lnR w="12700" cap="flat" cmpd="sng" algn="ctr">
+                      <a:noFill/>
+                      <a:prstDash val="solid"/>
+                      <a:round/>
+                      <a:headEnd type="none" w="med" len="med"/>
+                      <a:tailEnd type="none" w="med" len="med"/>
+                    </a:lnR>
+                    <a:lnT w="12700" cap="flat" cmpd="sng" algn="ctr">
+                      <a:noFill/>
+                      <a:prstDash val="solid"/>
+                      <a:round/>
+                      <a:headEnd type="none" w="med" len="med"/>
+                      <a:tailEnd type="none" w="med" len="med"/>
+                    </a:lnT>
+                    <a:lnB w="12700" cap="flat" cmpd="sng" algn="ctr">
+                      <a:noFill/>
+                      <a:prstDash val="solid"/>
+                      <a:round/>
+                      <a:headEnd type="none" w="med" len="med"/>
+                      <a:tailEnd type="none" w="med" len="med"/>
+                    </a:lnB>
+                    <a:noFill/>
+                  </a:tcPr>
+                </a:tc>
+                <a:tc>
+                  <a:txBody>
+                    <a:bodyPr/>
+                    <a:lstStyle/>
+                    <a:p>
+                      <a:pPr algn="ctr"/>
+                      <a:r>
+                        <a:rPr lang="en-US" sz="1000" b="1" dirty="0" smtClean="0">
+                          <a:latin typeface="Helvetica"/>
+                          <a:cs typeface="Helvetica"/>
+                        </a:rPr>
+                        <a:t>Clean</a:t>
+                      </a:r>
+                      <a:r>
+                        <a:rPr lang="en-US" sz="1000" b="1" baseline="0" dirty="0" smtClean="0">
+                          <a:latin typeface="Helvetica"/>
+                          <a:cs typeface="Helvetica"/>
+                        </a:rPr>
+                        <a:t> up data</a:t>
+                      </a:r>
+                      <a:endParaRPr lang="en-US" sz="1000" b="1" dirty="0">
+                        <a:latin typeface="Helvetica"/>
+                        <a:cs typeface="Helvetica"/>
+                      </a:endParaRPr>
+                    </a:p>
+                  </a:txBody>
+                  <a:tcPr>
+                    <a:lnL w="12700" cap="flat" cmpd="sng" algn="ctr">
+                      <a:noFill/>
+                      <a:prstDash val="solid"/>
+                      <a:round/>
+                      <a:headEnd type="none" w="med" len="med"/>
+                      <a:tailEnd type="none" w="med" len="med"/>
+                    </a:lnL>
+                    <a:lnR w="12700" cap="flat" cmpd="sng" algn="ctr">
+                      <a:noFill/>
+                      <a:prstDash val="solid"/>
+                      <a:round/>
+                      <a:headEnd type="none" w="med" len="med"/>
+                      <a:tailEnd type="none" w="med" len="med"/>
+                    </a:lnR>
+                    <a:lnT w="12700" cap="flat" cmpd="sng" algn="ctr">
+                      <a:noFill/>
+                      <a:prstDash val="solid"/>
+                      <a:round/>
+                      <a:headEnd type="none" w="med" len="med"/>
+                      <a:tailEnd type="none" w="med" len="med"/>
+                    </a:lnT>
+                    <a:lnB w="12700" cap="flat" cmpd="sng" algn="ctr">
+                      <a:noFill/>
+                      <a:prstDash val="solid"/>
+                      <a:round/>
+                      <a:headEnd type="none" w="med" len="med"/>
+                      <a:tailEnd type="none" w="med" len="med"/>
+                    </a:lnB>
+                    <a:noFill/>
+                  </a:tcPr>
+                </a:tc>
+                <a:tc>
+                  <a:txBody>
+                    <a:bodyPr/>
+                    <a:lstStyle/>
+                    <a:p>
+                      <a:pPr algn="ctr"/>
+                      <a:r>
+                        <a:rPr lang="en-US" sz="1000" b="1" dirty="0" smtClean="0">
+                          <a:latin typeface="Helvetica"/>
+                          <a:cs typeface="Helvetica"/>
+                        </a:rPr>
+                        <a:t>Statistics</a:t>
+                      </a:r>
+                      <a:endParaRPr lang="en-US" sz="1000" b="1" dirty="0">
+                        <a:latin typeface="Helvetica"/>
+                        <a:cs typeface="Helvetica"/>
+                      </a:endParaRPr>
+                    </a:p>
+                  </a:txBody>
+                  <a:tcPr>
+                    <a:lnL w="12700" cap="flat" cmpd="sng" algn="ctr">
+                      <a:noFill/>
+                      <a:prstDash val="solid"/>
+                      <a:round/>
+                      <a:headEnd type="none" w="med" len="med"/>
+                      <a:tailEnd type="none" w="med" len="med"/>
+                    </a:lnL>
+                    <a:lnR w="12700" cap="flat" cmpd="sng" algn="ctr">
+                      <a:noFill/>
+                      <a:prstDash val="solid"/>
+                      <a:round/>
+                      <a:headEnd type="none" w="med" len="med"/>
+                      <a:tailEnd type="none" w="med" len="med"/>
+                    </a:lnR>
+                    <a:lnT w="12700" cap="flat" cmpd="sng" algn="ctr">
+                      <a:noFill/>
+                      <a:prstDash val="solid"/>
+                      <a:round/>
+                      <a:headEnd type="none" w="med" len="med"/>
+                      <a:tailEnd type="none" w="med" len="med"/>
+                    </a:lnT>
+                    <a:lnB w="12700" cap="flat" cmpd="sng" algn="ctr">
+                      <a:noFill/>
+                      <a:prstDash val="solid"/>
+                      <a:round/>
+                      <a:headEnd type="none" w="med" len="med"/>
+                      <a:tailEnd type="none" w="med" len="med"/>
+                    </a:lnB>
+                    <a:noFill/>
+                  </a:tcPr>
+                </a:tc>
+                <a:tc>
+                  <a:txBody>
+                    <a:bodyPr/>
+                    <a:lstStyle/>
+                    <a:p>
+                      <a:pPr algn="ctr"/>
+                      <a:r>
+                        <a:rPr lang="en-US" sz="1000" b="1" dirty="0" smtClean="0">
+                          <a:latin typeface="Helvetica"/>
+                          <a:cs typeface="Helvetica"/>
+                        </a:rPr>
+                        <a:t>Shar</a:t>
+                      </a:r>
+                      <a:r>
+                        <a:rPr lang="en-US" sz="1000" b="1" baseline="0" dirty="0" smtClean="0">
+                          <a:latin typeface="Helvetica"/>
+                          <a:cs typeface="Helvetica"/>
+                        </a:rPr>
+                        <a:t>e </a:t>
+                      </a:r>
+                      <a:r>
+                        <a:rPr lang="en-US" sz="1000" b="1" dirty="0" smtClean="0">
+                          <a:latin typeface="Helvetica"/>
+                          <a:cs typeface="Helvetica"/>
+                        </a:rPr>
+                        <a:t>results</a:t>
+                      </a:r>
+                      <a:endParaRPr lang="en-US" sz="1000" b="1" dirty="0">
+                        <a:latin typeface="Helvetica"/>
+                        <a:cs typeface="Helvetica"/>
+                      </a:endParaRPr>
+                    </a:p>
+                  </a:txBody>
+                  <a:tcPr>
+                    <a:lnL w="12700" cap="flat" cmpd="sng" algn="ctr">
+                      <a:noFill/>
+                      <a:prstDash val="solid"/>
+                      <a:round/>
+                      <a:headEnd type="none" w="med" len="med"/>
+                      <a:tailEnd type="none" w="med" len="med"/>
+                    </a:lnL>
+                    <a:lnR w="12700" cap="flat" cmpd="sng" algn="ctr">
+                      <a:noFill/>
+                      <a:prstDash val="solid"/>
+                      <a:round/>
+                      <a:headEnd type="none" w="med" len="med"/>
+                      <a:tailEnd type="none" w="med" len="med"/>
+                    </a:lnR>
+                    <a:lnT w="12700" cap="flat" cmpd="sng" algn="ctr">
+                      <a:noFill/>
+                      <a:prstDash val="solid"/>
+                      <a:round/>
+                      <a:headEnd type="none" w="med" len="med"/>
+                      <a:tailEnd type="none" w="med" len="med"/>
+                    </a:lnT>
+                    <a:lnB w="12700" cap="flat" cmpd="sng" algn="ctr">
+                      <a:noFill/>
+                      <a:prstDash val="solid"/>
+                      <a:round/>
+                      <a:headEnd type="none" w="med" len="med"/>
+                      <a:tailEnd type="none" w="med" len="med"/>
+                    </a:lnB>
+                    <a:noFill/>
+                  </a:tcPr>
+                </a:tc>
+              </a:tr>
+              <a:tr h="318590">
+                <a:tc>
+                  <a:txBody>
+                    <a:bodyPr/>
+                    <a:lstStyle/>
+                    <a:p>
+                      <a:pPr algn="ctr"/>
+                      <a:r>
+                        <a:rPr lang="en-US" sz="1000" dirty="0" err="1" smtClean="0">
+                          <a:latin typeface="Monaco"/>
+                          <a:cs typeface="Monaco"/>
+                        </a:rPr>
+                        <a:t>xlsx</a:t>
+                      </a:r>
+                      <a:endParaRPr lang="en-US" sz="1000" dirty="0" smtClean="0">
+                        <a:latin typeface="Monaco"/>
+                        <a:cs typeface="Monaco"/>
+                      </a:endParaRPr>
+                    </a:p>
+                    <a:p>
+                      <a:pPr algn="ctr"/>
+                      <a:r>
+                        <a:rPr lang="en-US" sz="1000" dirty="0" err="1" smtClean="0">
+                          <a:latin typeface="Monaco"/>
+                          <a:cs typeface="Monaco"/>
+                        </a:rPr>
+                        <a:t>R.Matlab</a:t>
+                      </a:r>
+                      <a:endParaRPr lang="en-US" sz="1000" dirty="0" smtClean="0">
+                        <a:latin typeface="Monaco"/>
+                        <a:cs typeface="Monaco"/>
+                      </a:endParaRPr>
+                    </a:p>
+                    <a:p>
+                      <a:pPr algn="ctr"/>
+                      <a:r>
+                        <a:rPr lang="en-US" sz="1000" dirty="0" err="1" smtClean="0">
+                          <a:latin typeface="Monaco"/>
+                          <a:cs typeface="Monaco"/>
+                        </a:rPr>
+                        <a:t>jsonlite</a:t>
+                      </a:r>
+                      <a:endParaRPr lang="en-US" sz="1000" dirty="0">
+                        <a:latin typeface="Monaco"/>
+                        <a:cs typeface="Monaco"/>
+                      </a:endParaRPr>
+                    </a:p>
+                  </a:txBody>
+                  <a:tcPr>
+                    <a:lnL w="12700" cap="flat" cmpd="sng" algn="ctr">
+                      <a:noFill/>
+                      <a:prstDash val="solid"/>
+                      <a:round/>
+                      <a:headEnd type="none" w="med" len="med"/>
+                      <a:tailEnd type="none" w="med" len="med"/>
+                    </a:lnL>
+                    <a:lnR w="12700" cap="flat" cmpd="sng" algn="ctr">
+                      <a:noFill/>
+                      <a:prstDash val="solid"/>
+                      <a:round/>
+                      <a:headEnd type="none" w="med" len="med"/>
+                      <a:tailEnd type="none" w="med" len="med"/>
+                    </a:lnR>
+                    <a:lnT w="12700" cap="flat" cmpd="sng" algn="ctr">
+                      <a:noFill/>
+                      <a:prstDash val="solid"/>
+                      <a:round/>
+                      <a:headEnd type="none" w="med" len="med"/>
+                      <a:tailEnd type="none" w="med" len="med"/>
+                    </a:lnT>
+                    <a:lnB w="12700" cap="flat" cmpd="sng" algn="ctr">
+                      <a:noFill/>
+                      <a:prstDash val="solid"/>
+                      <a:round/>
+                      <a:headEnd type="none" w="med" len="med"/>
+                      <a:tailEnd type="none" w="med" len="med"/>
+                    </a:lnB>
+                    <a:noFill/>
+                  </a:tcPr>
+                </a:tc>
+                <a:tc>
+                  <a:txBody>
+                    <a:bodyPr/>
+                    <a:lstStyle/>
+                    <a:p>
+                      <a:pPr algn="ctr"/>
+                      <a:r>
+                        <a:rPr lang="en-US" sz="1000" dirty="0" err="1" smtClean="0">
+                          <a:latin typeface="Monaco"/>
+                          <a:cs typeface="Monaco"/>
+                        </a:rPr>
+                        <a:t>plyr</a:t>
+                      </a:r>
+                      <a:endParaRPr lang="en-US" sz="1000" dirty="0" smtClean="0">
+                        <a:latin typeface="Monaco"/>
+                        <a:cs typeface="Monaco"/>
+                      </a:endParaRPr>
+                    </a:p>
+                    <a:p>
+                      <a:pPr algn="ctr"/>
+                      <a:r>
+                        <a:rPr lang="en-US" sz="1000" dirty="0" err="1" smtClean="0">
+                          <a:latin typeface="Monaco"/>
+                          <a:cs typeface="Monaco"/>
+                        </a:rPr>
+                        <a:t>dplyr</a:t>
+                      </a:r>
+                      <a:endParaRPr lang="en-US" sz="1000" dirty="0" smtClean="0">
+                        <a:latin typeface="Monaco"/>
+                        <a:cs typeface="Monaco"/>
+                      </a:endParaRPr>
+                    </a:p>
+                    <a:p>
+                      <a:pPr algn="ctr"/>
+                      <a:r>
+                        <a:rPr lang="en-US" sz="1000" dirty="0" err="1" smtClean="0">
+                          <a:latin typeface="Monaco"/>
+                          <a:cs typeface="Monaco"/>
+                        </a:rPr>
+                        <a:t>tidyr</a:t>
+                      </a:r>
+                      <a:endParaRPr lang="en-US" sz="1000" dirty="0">
+                        <a:latin typeface="Monaco"/>
+                        <a:cs typeface="Monaco"/>
+                      </a:endParaRPr>
+                    </a:p>
+                  </a:txBody>
+                  <a:tcPr>
+                    <a:lnL w="12700" cap="flat" cmpd="sng" algn="ctr">
+                      <a:noFill/>
+                      <a:prstDash val="solid"/>
+                      <a:round/>
+                      <a:headEnd type="none" w="med" len="med"/>
+                      <a:tailEnd type="none" w="med" len="med"/>
+                    </a:lnL>
+                    <a:lnR w="12700" cap="flat" cmpd="sng" algn="ctr">
+                      <a:noFill/>
+                      <a:prstDash val="solid"/>
+                      <a:round/>
+                      <a:headEnd type="none" w="med" len="med"/>
+                      <a:tailEnd type="none" w="med" len="med"/>
+                    </a:lnR>
+                    <a:lnT w="12700" cap="flat" cmpd="sng" algn="ctr">
+                      <a:noFill/>
+                      <a:prstDash val="solid"/>
+                      <a:round/>
+                      <a:headEnd type="none" w="med" len="med"/>
+                      <a:tailEnd type="none" w="med" len="med"/>
+                    </a:lnT>
+                    <a:lnB w="12700" cap="flat" cmpd="sng" algn="ctr">
+                      <a:noFill/>
+                      <a:prstDash val="solid"/>
+                      <a:round/>
+                      <a:headEnd type="none" w="med" len="med"/>
+                      <a:tailEnd type="none" w="med" len="med"/>
+                    </a:lnB>
+                    <a:noFill/>
+                  </a:tcPr>
+                </a:tc>
+                <a:tc>
+                  <a:txBody>
+                    <a:bodyPr/>
+                    <a:lstStyle/>
+                    <a:p>
+                      <a:pPr algn="ctr"/>
+                      <a:r>
+                        <a:rPr lang="en-US" sz="1000" dirty="0" smtClean="0">
+                          <a:latin typeface="Monaco"/>
+                          <a:cs typeface="Monaco"/>
+                        </a:rPr>
+                        <a:t>car</a:t>
+                      </a:r>
+                    </a:p>
+                    <a:p>
+                      <a:pPr algn="ctr"/>
+                      <a:r>
+                        <a:rPr lang="en-US" sz="1000" dirty="0" err="1" smtClean="0">
+                          <a:latin typeface="Monaco"/>
+                          <a:cs typeface="Monaco"/>
+                        </a:rPr>
+                        <a:t>nlm</a:t>
+                      </a:r>
+                      <a:endParaRPr lang="en-US" sz="1000" dirty="0" smtClean="0">
+                        <a:latin typeface="Monaco"/>
+                        <a:cs typeface="Monaco"/>
+                      </a:endParaRPr>
+                    </a:p>
+                    <a:p>
+                      <a:pPr algn="ctr"/>
+                      <a:r>
+                        <a:rPr lang="en-US" sz="1000" dirty="0" smtClean="0">
+                          <a:latin typeface="Monaco"/>
+                          <a:cs typeface="Monaco"/>
+                        </a:rPr>
+                        <a:t>lme4</a:t>
+                      </a:r>
+                      <a:endParaRPr lang="en-US" sz="1000" dirty="0">
+                        <a:latin typeface="Monaco"/>
+                        <a:cs typeface="Monaco"/>
+                      </a:endParaRPr>
+                    </a:p>
+                  </a:txBody>
+                  <a:tcPr>
+                    <a:lnL w="12700" cap="flat" cmpd="sng" algn="ctr">
+                      <a:noFill/>
+                      <a:prstDash val="solid"/>
+                      <a:round/>
+                      <a:headEnd type="none" w="med" len="med"/>
+                      <a:tailEnd type="none" w="med" len="med"/>
+                    </a:lnL>
+                    <a:lnR w="12700" cap="flat" cmpd="sng" algn="ctr">
+                      <a:noFill/>
+                      <a:prstDash val="solid"/>
+                      <a:round/>
+                      <a:headEnd type="none" w="med" len="med"/>
+                      <a:tailEnd type="none" w="med" len="med"/>
+                    </a:lnR>
+                    <a:lnT w="12700" cap="flat" cmpd="sng" algn="ctr">
+                      <a:noFill/>
+                      <a:prstDash val="solid"/>
+                      <a:round/>
+                      <a:headEnd type="none" w="med" len="med"/>
+                      <a:tailEnd type="none" w="med" len="med"/>
+                    </a:lnT>
+                    <a:lnB w="12700" cap="flat" cmpd="sng" algn="ctr">
+                      <a:noFill/>
+                      <a:prstDash val="solid"/>
+                      <a:round/>
+                      <a:headEnd type="none" w="med" len="med"/>
+                      <a:tailEnd type="none" w="med" len="med"/>
+                    </a:lnB>
+                    <a:noFill/>
+                  </a:tcPr>
+                </a:tc>
+                <a:tc>
+                  <a:txBody>
+                    <a:bodyPr/>
+                    <a:lstStyle/>
+                    <a:p>
+                      <a:pPr algn="ctr"/>
+                      <a:r>
+                        <a:rPr lang="en-US" sz="1000" dirty="0" smtClean="0">
+                          <a:latin typeface="Monaco"/>
+                          <a:cs typeface="Monaco"/>
+                        </a:rPr>
+                        <a:t>ggplot2</a:t>
+                      </a:r>
+                    </a:p>
+                    <a:p>
+                      <a:pPr algn="ctr"/>
+                      <a:r>
+                        <a:rPr lang="en-US" sz="1000" dirty="0" err="1" smtClean="0">
+                          <a:latin typeface="Monaco"/>
+                          <a:cs typeface="Monaco"/>
+                        </a:rPr>
+                        <a:t>rmarkdown</a:t>
+                      </a:r>
+                      <a:endParaRPr lang="en-US" sz="1000" dirty="0">
+                        <a:latin typeface="Monaco"/>
+                        <a:cs typeface="Monaco"/>
+                      </a:endParaRPr>
+                    </a:p>
+                  </a:txBody>
+                  <a:tcPr>
+                    <a:lnL w="12700" cap="flat" cmpd="sng" algn="ctr">
+                      <a:noFill/>
+                      <a:prstDash val="solid"/>
+                      <a:round/>
+                      <a:headEnd type="none" w="med" len="med"/>
+                      <a:tailEnd type="none" w="med" len="med"/>
+                    </a:lnL>
+                    <a:lnR w="12700" cap="flat" cmpd="sng" algn="ctr">
+                      <a:noFill/>
+                      <a:prstDash val="solid"/>
+                      <a:round/>
+                      <a:headEnd type="none" w="med" len="med"/>
+                      <a:tailEnd type="none" w="med" len="med"/>
+                    </a:lnR>
+                    <a:lnT w="12700" cap="flat" cmpd="sng" algn="ctr">
+                      <a:noFill/>
+                      <a:prstDash val="solid"/>
+                      <a:round/>
+                      <a:headEnd type="none" w="med" len="med"/>
+                      <a:tailEnd type="none" w="med" len="med"/>
+                    </a:lnT>
+                    <a:lnB w="12700" cap="flat" cmpd="sng" algn="ctr">
+                      <a:noFill/>
+                      <a:prstDash val="solid"/>
+                      <a:round/>
+                      <a:headEnd type="none" w="med" len="med"/>
+                      <a:tailEnd type="none" w="med" len="med"/>
+                    </a:lnB>
+                    <a:noFill/>
+                  </a:tcPr>
+                </a:tc>
+              </a:tr>
+            </a:tbl>
+          </a:graphicData>
+        </a:graphic>
+      </p:graphicFrame>
       <p:sp>
         <p:nvSpPr>
           <p:cNvPr id="14" name="Rectangle 13"/>
@@ -9463,7 +11293,7 @@
         </p:nvSpPr>
         <p:spPr>
           <a:xfrm>
-            <a:off x="235360" y="940569"/>
+            <a:off x="235360" y="861199"/>
             <a:ext cx="4165349" cy="226295"/>
           </a:xfrm>
           <a:prstGeom prst="rect">
@@ -9557,1941 +11387,46 @@
       </p:sp>
       <p:sp>
         <p:nvSpPr>
-          <p:cNvPr id="17" name="TextBox 16"/>
-          <p:cNvSpPr txBox="1"/>
+          <p:cNvPr id="3" name="Rectangle 2"/>
+          <p:cNvSpPr/>
           <p:nvPr/>
         </p:nvSpPr>
         <p:spPr>
           <a:xfrm>
-            <a:off x="235364" y="3899072"/>
-            <a:ext cx="4165348" cy="6027290"/>
+            <a:off x="5650828" y="6140951"/>
+            <a:ext cx="1889028" cy="730221"/>
           </a:xfrm>
           <a:prstGeom prst="rect">
             <a:avLst/>
           </a:prstGeom>
-          <a:noFill/>
         </p:spPr>
+        <p:style>
+          <a:lnRef idx="1">
+            <a:schemeClr val="accent1"/>
+          </a:lnRef>
+          <a:fillRef idx="3">
+            <a:schemeClr val="accent1"/>
+          </a:fillRef>
+          <a:effectRef idx="2">
+            <a:schemeClr val="accent1"/>
+          </a:effectRef>
+          <a:fontRef idx="minor">
+            <a:schemeClr val="lt1"/>
+          </a:fontRef>
+        </p:style>
         <p:txBody>
-          <a:bodyPr wrap="square" lIns="182880" tIns="182880" rIns="182880" bIns="182880" rtlCol="0">
-            <a:spAutoFit/>
-          </a:bodyPr>
+          <a:bodyPr rtlCol="0" anchor="ctr"/>
           <a:lstStyle/>
           <a:p>
-            <a:pPr>
-              <a:tabLst>
-                <a:tab pos="3778250" algn="r"/>
-              </a:tabLst>
-            </a:pPr>
-            <a:r>
-              <a:rPr lang="en-US" sz="1000" b="1" dirty="0" smtClean="0">
-                <a:latin typeface="Helvetica"/>
-                <a:cs typeface="Helvetica"/>
-              </a:rPr>
-              <a:t>R</a:t>
-            </a:r>
-            <a:r>
-              <a:rPr lang="en-US" sz="1000" b="1" dirty="0" smtClean="0">
-                <a:latin typeface="Helvetica"/>
-                <a:cs typeface="Helvetica"/>
-              </a:rPr>
-              <a:t>eading and writing data</a:t>
-            </a:r>
-          </a:p>
-          <a:p>
-            <a:pPr>
-              <a:tabLst>
-                <a:tab pos="3778250" algn="r"/>
-              </a:tabLst>
-            </a:pPr>
-            <a:r>
-              <a:rPr lang="en-US" sz="1000" dirty="0" smtClean="0">
-                <a:latin typeface="Helvetica"/>
-                <a:cs typeface="Helvetica"/>
-              </a:rPr>
-              <a:t>Combine elements into a vector</a:t>
-            </a:r>
-            <a:r>
-              <a:rPr lang="en-US" sz="1000" dirty="0" smtClean="0">
-                <a:latin typeface="Helvetica"/>
-                <a:cs typeface="Helvetica"/>
-              </a:rPr>
-              <a:t>	</a:t>
-            </a:r>
-            <a:r>
-              <a:rPr lang="en-US" sz="1000" dirty="0" smtClean="0">
-                <a:latin typeface="Monaco"/>
-                <a:cs typeface="Monaco"/>
-              </a:rPr>
-              <a:t>c(1,2,3,4)</a:t>
-            </a:r>
-          </a:p>
-          <a:p>
-            <a:pPr>
-              <a:tabLst>
-                <a:tab pos="3778250" algn="r"/>
-              </a:tabLst>
-            </a:pPr>
-            <a:r>
-              <a:rPr lang="en-US" sz="1000" dirty="0" smtClean="0">
-                <a:latin typeface="Helvetica"/>
-                <a:cs typeface="Helvetica"/>
-              </a:rPr>
-              <a:t>Create  number sequence	</a:t>
-            </a:r>
-            <a:r>
-              <a:rPr lang="en-US" sz="1000" dirty="0" err="1" smtClean="0">
-                <a:latin typeface="Monaco"/>
-                <a:cs typeface="Monaco"/>
-              </a:rPr>
-              <a:t>start:end</a:t>
-            </a:r>
-            <a:endParaRPr lang="en-US" sz="1000" dirty="0" smtClean="0">
-              <a:latin typeface="Monaco"/>
-              <a:cs typeface="Monaco"/>
-            </a:endParaRPr>
-          </a:p>
-          <a:p>
-            <a:pPr>
-              <a:tabLst>
-                <a:tab pos="3778250" algn="r"/>
-              </a:tabLst>
-            </a:pPr>
-            <a:r>
-              <a:rPr lang="en-US" sz="1000" dirty="0">
-                <a:latin typeface="Monaco"/>
-                <a:cs typeface="Monaco"/>
-              </a:rPr>
-              <a:t>	</a:t>
-            </a:r>
-            <a:r>
-              <a:rPr lang="en-US" sz="1000" dirty="0" err="1" smtClean="0">
-                <a:latin typeface="Monaco"/>
-                <a:cs typeface="Monaco"/>
-              </a:rPr>
-              <a:t>seq</a:t>
-            </a:r>
-            <a:r>
-              <a:rPr lang="en-US" sz="1000" dirty="0" smtClean="0">
-                <a:latin typeface="Monaco"/>
-                <a:cs typeface="Monaco"/>
-              </a:rPr>
-              <a:t>(start, end)</a:t>
-            </a:r>
-          </a:p>
-          <a:p>
-            <a:pPr>
-              <a:tabLst>
-                <a:tab pos="3778250" algn="r"/>
-              </a:tabLst>
-            </a:pPr>
-            <a:r>
-              <a:rPr lang="en-US" sz="1000" dirty="0" smtClean="0">
-                <a:latin typeface="Helvetica"/>
-                <a:cs typeface="Helvetica"/>
-              </a:rPr>
-              <a:t>Combine vectors by rows	</a:t>
-            </a:r>
-            <a:r>
-              <a:rPr lang="en-US" sz="1000" dirty="0" err="1" smtClean="0">
-                <a:latin typeface="Monaco"/>
-                <a:cs typeface="Monaco"/>
-              </a:rPr>
-              <a:t>rbind</a:t>
-            </a:r>
-            <a:r>
-              <a:rPr lang="en-US" sz="1000" dirty="0" smtClean="0">
-                <a:latin typeface="Monaco"/>
-                <a:cs typeface="Monaco"/>
-              </a:rPr>
-              <a:t>(vectr1, vectr2</a:t>
-            </a:r>
-            <a:r>
-              <a:rPr lang="en-US" sz="1000" dirty="0" smtClean="0">
-                <a:latin typeface="Helvetica"/>
-                <a:cs typeface="Helvetica"/>
-              </a:rPr>
-              <a:t>)</a:t>
-            </a:r>
-          </a:p>
-          <a:p>
-            <a:pPr>
-              <a:tabLst>
-                <a:tab pos="3778250" algn="r"/>
-              </a:tabLst>
-            </a:pPr>
-            <a:r>
-              <a:rPr lang="en-US" sz="1000" dirty="0" smtClean="0">
-                <a:latin typeface="Helvetica"/>
-                <a:cs typeface="Helvetica"/>
-              </a:rPr>
-              <a:t>Combine ve</a:t>
-            </a:r>
-            <a:r>
-              <a:rPr lang="en-US" sz="1000" dirty="0" smtClean="0">
-                <a:latin typeface="Helvetica"/>
-                <a:cs typeface="Helvetica"/>
-              </a:rPr>
-              <a:t>ctors by columns	</a:t>
-            </a:r>
-            <a:r>
-              <a:rPr lang="en-US" sz="1000" dirty="0" err="1" smtClean="0">
-                <a:latin typeface="Monaco"/>
-                <a:cs typeface="Monaco"/>
-              </a:rPr>
-              <a:t>cbind</a:t>
-            </a:r>
-            <a:r>
-              <a:rPr lang="en-US" sz="1000" dirty="0" smtClean="0">
-                <a:latin typeface="Monaco"/>
-                <a:cs typeface="Monaco"/>
-              </a:rPr>
-              <a:t>(vectr1, vectr2)</a:t>
-            </a:r>
-            <a:endParaRPr lang="en-US" sz="1000" dirty="0" smtClean="0">
-              <a:latin typeface="Monaco"/>
-              <a:cs typeface="Monaco"/>
-            </a:endParaRPr>
-          </a:p>
-          <a:p>
-            <a:pPr>
-              <a:tabLst>
-                <a:tab pos="3778250" algn="r"/>
-              </a:tabLst>
-            </a:pPr>
-            <a:r>
-              <a:rPr lang="en-US" sz="1000" dirty="0" smtClean="0">
-                <a:latin typeface="Helvetica"/>
-                <a:cs typeface="Helvetica"/>
-              </a:rPr>
-              <a:t>Create data frame from vectors	</a:t>
-            </a:r>
-            <a:r>
-              <a:rPr lang="en-US" sz="1000" dirty="0" err="1" smtClean="0">
-                <a:latin typeface="Monaco"/>
-                <a:cs typeface="Monaco"/>
-              </a:rPr>
-              <a:t>data.fra</a:t>
-            </a:r>
-            <a:r>
-              <a:rPr lang="en-US" sz="1000" dirty="0" err="1" smtClean="0">
-                <a:latin typeface="Monaco"/>
-                <a:cs typeface="Monaco"/>
-              </a:rPr>
-              <a:t>me</a:t>
-            </a:r>
-            <a:r>
-              <a:rPr lang="en-US" sz="1000" dirty="0" smtClean="0">
-                <a:latin typeface="Monaco"/>
-                <a:cs typeface="Monaco"/>
-              </a:rPr>
-              <a:t>(tag = value)</a:t>
-            </a:r>
-            <a:endParaRPr lang="en-US" sz="1000" dirty="0" smtClean="0">
-              <a:latin typeface="Helvetica"/>
-              <a:cs typeface="Helvetica"/>
-            </a:endParaRPr>
-          </a:p>
-          <a:p>
-            <a:pPr>
-              <a:tabLst>
-                <a:tab pos="3778250" algn="r"/>
-              </a:tabLst>
-            </a:pPr>
-            <a:r>
-              <a:rPr lang="en-US" sz="1000" dirty="0" smtClean="0">
-                <a:latin typeface="Helvetica"/>
-                <a:cs typeface="Helvetica"/>
-              </a:rPr>
-              <a:t>Load an existing data set</a:t>
-            </a:r>
-            <a:r>
-              <a:rPr lang="en-US" sz="1000" baseline="30000" dirty="0" smtClean="0">
-                <a:latin typeface="Helvetica"/>
-                <a:cs typeface="Helvetica"/>
-              </a:rPr>
-              <a:t>[1]</a:t>
-            </a:r>
-            <a:r>
-              <a:rPr lang="en-US" sz="1000" dirty="0" smtClean="0">
-                <a:latin typeface="Helvetica"/>
-                <a:cs typeface="Helvetica"/>
-              </a:rPr>
-              <a:t>	</a:t>
-            </a:r>
-            <a:r>
-              <a:rPr lang="en-US" sz="1000" dirty="0" err="1" smtClean="0">
-                <a:latin typeface="Monaco"/>
-                <a:cs typeface="Monaco"/>
-              </a:rPr>
-              <a:t>read.csv</a:t>
-            </a:r>
-            <a:r>
-              <a:rPr lang="en-US" sz="1000" dirty="0" smtClean="0">
-                <a:latin typeface="Monaco"/>
-                <a:cs typeface="Monaco"/>
-              </a:rPr>
-              <a:t>(‘</a:t>
-            </a:r>
-            <a:r>
-              <a:rPr lang="en-US" sz="1000" dirty="0" err="1" smtClean="0">
-                <a:latin typeface="Monaco"/>
-                <a:cs typeface="Monaco"/>
-              </a:rPr>
-              <a:t>mydata.csv</a:t>
-            </a:r>
-            <a:r>
-              <a:rPr lang="en-US" sz="1000" dirty="0" smtClean="0">
-                <a:latin typeface="Monaco"/>
-                <a:cs typeface="Monaco"/>
-              </a:rPr>
-              <a:t>’)</a:t>
-            </a:r>
-            <a:endParaRPr lang="en-US" sz="1000" dirty="0" smtClean="0">
-              <a:latin typeface="Helvetica"/>
-              <a:cs typeface="Helvetica"/>
-            </a:endParaRPr>
-          </a:p>
-          <a:p>
-            <a:pPr>
-              <a:tabLst>
-                <a:tab pos="3778250" algn="r"/>
-              </a:tabLst>
-            </a:pPr>
-            <a:r>
-              <a:rPr lang="en-US" sz="1000" dirty="0" smtClean="0">
-                <a:latin typeface="Helvetica"/>
-                <a:cs typeface="Helvetica"/>
-              </a:rPr>
-              <a:t>	</a:t>
-            </a:r>
-            <a:r>
-              <a:rPr lang="en-US" sz="1000" dirty="0" err="1" smtClean="0">
-                <a:latin typeface="Monaco"/>
-                <a:cs typeface="Monaco"/>
-              </a:rPr>
-              <a:t>read.xlsx</a:t>
-            </a:r>
-            <a:r>
-              <a:rPr lang="en-US" sz="1000" dirty="0" smtClean="0">
-                <a:latin typeface="Monaco"/>
-                <a:cs typeface="Monaco"/>
-              </a:rPr>
-              <a:t>(‘</a:t>
-            </a:r>
-            <a:r>
-              <a:rPr lang="en-US" sz="1000" dirty="0" err="1" smtClean="0">
-                <a:latin typeface="Monaco"/>
-                <a:cs typeface="Monaco"/>
-              </a:rPr>
-              <a:t>mydata.xls</a:t>
-            </a:r>
-            <a:r>
-              <a:rPr lang="en-US" sz="1000" dirty="0" smtClean="0">
-                <a:latin typeface="Monaco"/>
-                <a:cs typeface="Monaco"/>
-              </a:rPr>
-              <a:t>’)</a:t>
-            </a:r>
-          </a:p>
-          <a:p>
-            <a:pPr>
-              <a:tabLst>
-                <a:tab pos="3778250" algn="r"/>
-              </a:tabLst>
-            </a:pPr>
-            <a:endParaRPr lang="en-US" sz="1000" dirty="0" smtClean="0">
-              <a:latin typeface="Helvetica"/>
-              <a:cs typeface="Helvetica"/>
-            </a:endParaRPr>
-          </a:p>
-          <a:p>
-            <a:pPr>
-              <a:tabLst>
-                <a:tab pos="3778250" algn="r"/>
-              </a:tabLst>
-            </a:pPr>
-            <a:r>
-              <a:rPr lang="en-US" sz="1000" b="1" dirty="0" smtClean="0">
-                <a:latin typeface="Helvetica"/>
-                <a:cs typeface="Helvetica"/>
-              </a:rPr>
-              <a:t>Exploring </a:t>
-            </a:r>
-            <a:r>
-              <a:rPr lang="en-US" sz="1000" b="1" dirty="0" smtClean="0">
-                <a:latin typeface="Helvetica"/>
-                <a:cs typeface="Helvetica"/>
-              </a:rPr>
-              <a:t>datasets</a:t>
-            </a:r>
-          </a:p>
-          <a:p>
-            <a:pPr>
-              <a:tabLst>
-                <a:tab pos="3778250" algn="r"/>
-              </a:tabLst>
-            </a:pPr>
-            <a:r>
-              <a:rPr lang="en-US" sz="1000" dirty="0" smtClean="0">
-                <a:latin typeface="Helvetica"/>
-                <a:cs typeface="Helvetica"/>
-              </a:rPr>
-              <a:t>View topmost rows	</a:t>
-            </a:r>
-            <a:r>
-              <a:rPr lang="en-US" sz="1000" dirty="0" smtClean="0">
-                <a:latin typeface="Monaco"/>
-                <a:cs typeface="Monaco"/>
-              </a:rPr>
-              <a:t>head(data)</a:t>
-            </a:r>
-          </a:p>
-          <a:p>
-            <a:pPr>
-              <a:tabLst>
-                <a:tab pos="3778250" algn="r"/>
-              </a:tabLst>
-            </a:pPr>
-            <a:r>
-              <a:rPr lang="en-US" sz="1000" dirty="0" smtClean="0">
-                <a:latin typeface="Helvetica"/>
-                <a:cs typeface="Helvetica"/>
-              </a:rPr>
-              <a:t>View structure of data	</a:t>
-            </a:r>
-            <a:r>
-              <a:rPr lang="en-US" sz="1000" dirty="0" err="1" smtClean="0">
-                <a:latin typeface="Monaco"/>
-                <a:cs typeface="Monaco"/>
-              </a:rPr>
-              <a:t>str</a:t>
-            </a:r>
-            <a:r>
-              <a:rPr lang="en-US" sz="1000" dirty="0" smtClean="0">
-                <a:latin typeface="Monaco"/>
-                <a:cs typeface="Monaco"/>
-              </a:rPr>
-              <a:t>(data)</a:t>
-            </a:r>
-          </a:p>
-          <a:p>
-            <a:pPr>
-              <a:tabLst>
-                <a:tab pos="3778250" algn="r"/>
-              </a:tabLst>
-            </a:pPr>
-            <a:r>
-              <a:rPr lang="en-US" sz="1000" dirty="0" smtClean="0">
-                <a:latin typeface="Helvetica"/>
-                <a:cs typeface="Helvetica"/>
-              </a:rPr>
-              <a:t>View summary of data</a:t>
-            </a:r>
-            <a:r>
-              <a:rPr lang="en-US" sz="1000" baseline="30000" dirty="0" smtClean="0">
-                <a:latin typeface="Helvetica"/>
-                <a:cs typeface="Helvetica"/>
-              </a:rPr>
-              <a:t>[2]	</a:t>
-            </a:r>
-            <a:r>
-              <a:rPr lang="en-US" sz="1000" dirty="0" smtClean="0">
-                <a:latin typeface="Monaco"/>
-                <a:cs typeface="Monaco"/>
-              </a:rPr>
-              <a:t>summary(data)</a:t>
-            </a:r>
-            <a:endParaRPr lang="en-US" sz="1000" baseline="30000" dirty="0" smtClean="0">
-              <a:latin typeface="Monaco"/>
-              <a:cs typeface="Monaco"/>
-            </a:endParaRPr>
-          </a:p>
-          <a:p>
-            <a:pPr>
-              <a:tabLst>
-                <a:tab pos="3778250" algn="r"/>
-              </a:tabLst>
-            </a:pPr>
-            <a:endParaRPr lang="en-US" sz="1000" baseline="30000" dirty="0" smtClean="0">
-              <a:latin typeface="Helvetica"/>
-              <a:cs typeface="Helvetica"/>
-            </a:endParaRPr>
-          </a:p>
-          <a:p>
-            <a:pPr>
-              <a:tabLst>
-                <a:tab pos="3778250" algn="r"/>
-              </a:tabLst>
-            </a:pPr>
-            <a:r>
-              <a:rPr lang="en-US" sz="1000" b="1" dirty="0" smtClean="0">
-                <a:latin typeface="Helvetica"/>
-                <a:cs typeface="Helvetica"/>
-              </a:rPr>
-              <a:t>Data </a:t>
-            </a:r>
-            <a:r>
-              <a:rPr lang="en-US" sz="1000" b="1" dirty="0" smtClean="0">
-                <a:latin typeface="Helvetica"/>
-                <a:cs typeface="Helvetica"/>
-              </a:rPr>
-              <a:t>types</a:t>
-            </a:r>
-          </a:p>
-          <a:p>
-            <a:pPr>
-              <a:tabLst>
-                <a:tab pos="3778250" algn="r"/>
-              </a:tabLst>
-            </a:pPr>
-            <a:r>
-              <a:rPr lang="en-US" sz="1000" dirty="0" smtClean="0">
-                <a:latin typeface="Helvetica"/>
-                <a:cs typeface="Helvetica"/>
-              </a:rPr>
-              <a:t>(In the examples below, fill in </a:t>
-            </a:r>
-            <a:r>
-              <a:rPr lang="en-US" sz="1000" dirty="0" err="1">
-                <a:latin typeface="Monaco"/>
-                <a:cs typeface="Monaco"/>
-              </a:rPr>
-              <a:t>datatype</a:t>
-            </a:r>
-            <a:r>
-              <a:rPr lang="en-US" sz="1000" dirty="0">
-                <a:latin typeface="Helvetica"/>
-                <a:cs typeface="Helvetica"/>
-              </a:rPr>
-              <a:t> with the type of data you want, such as </a:t>
-            </a:r>
-            <a:r>
-              <a:rPr lang="en-US" sz="1000" dirty="0">
-                <a:latin typeface="Monaco"/>
-                <a:cs typeface="Monaco"/>
-              </a:rPr>
-              <a:t>factor</a:t>
-            </a:r>
-            <a:r>
-              <a:rPr lang="en-US" sz="1000" dirty="0">
-                <a:latin typeface="Helvetica"/>
-                <a:cs typeface="Helvetica"/>
-              </a:rPr>
-              <a:t>, </a:t>
-            </a:r>
-            <a:r>
-              <a:rPr lang="en-US" sz="1000" dirty="0">
-                <a:latin typeface="Monaco"/>
-                <a:cs typeface="Monaco"/>
-              </a:rPr>
-              <a:t>character</a:t>
-            </a:r>
-            <a:r>
-              <a:rPr lang="en-US" sz="1000" dirty="0">
-                <a:latin typeface="Helvetica"/>
-                <a:cs typeface="Helvetica"/>
-              </a:rPr>
-              <a:t>, </a:t>
-            </a:r>
-            <a:r>
-              <a:rPr lang="en-US" sz="1000" dirty="0">
-                <a:latin typeface="Monaco"/>
-                <a:cs typeface="Monaco"/>
-              </a:rPr>
-              <a:t>numeric</a:t>
-            </a:r>
-            <a:r>
-              <a:rPr lang="en-US" sz="1000" dirty="0">
-                <a:latin typeface="Helvetica"/>
-                <a:cs typeface="Helvetica"/>
-              </a:rPr>
-              <a:t>, or </a:t>
-            </a:r>
-            <a:r>
-              <a:rPr lang="en-US" sz="1000" dirty="0">
-                <a:latin typeface="Monaco"/>
-                <a:cs typeface="Monaco"/>
-              </a:rPr>
-              <a:t>logical</a:t>
-            </a:r>
-            <a:r>
-              <a:rPr lang="en-US" sz="1000" dirty="0">
-                <a:latin typeface="Helvetica"/>
-                <a:cs typeface="Helvetica"/>
-              </a:rPr>
-              <a:t>.</a:t>
-            </a:r>
-            <a:r>
-              <a:rPr lang="en-US" sz="1000" dirty="0" smtClean="0">
-                <a:latin typeface="Helvetica"/>
-                <a:cs typeface="Helvetica"/>
-              </a:rPr>
-              <a:t>)</a:t>
-            </a:r>
-            <a:endParaRPr lang="en-US" sz="1000" b="1" dirty="0" smtClean="0">
-              <a:latin typeface="Helvetica"/>
-              <a:cs typeface="Helvetica"/>
-            </a:endParaRPr>
-          </a:p>
-          <a:p>
-            <a:pPr>
-              <a:tabLst>
-                <a:tab pos="3778250" algn="r"/>
-              </a:tabLst>
-            </a:pPr>
-            <a:r>
-              <a:rPr lang="en-US" sz="1000" dirty="0" smtClean="0">
-                <a:latin typeface="Helvetica"/>
-                <a:cs typeface="Helvetica"/>
-              </a:rPr>
-              <a:t>Converting to other data types	</a:t>
-            </a:r>
-            <a:r>
-              <a:rPr lang="en-US" sz="1000" dirty="0" err="1" smtClean="0">
-                <a:latin typeface="Monaco"/>
-                <a:cs typeface="Monaco"/>
-              </a:rPr>
-              <a:t>as.dataype</a:t>
-            </a:r>
-            <a:r>
-              <a:rPr lang="en-US" sz="1000" dirty="0" smtClean="0">
-                <a:latin typeface="Monaco"/>
-                <a:cs typeface="Monaco"/>
-              </a:rPr>
-              <a:t>(</a:t>
-            </a:r>
-            <a:r>
-              <a:rPr lang="en-US" sz="1000" dirty="0" err="1" smtClean="0">
-                <a:latin typeface="Monaco"/>
-                <a:cs typeface="Monaco"/>
-              </a:rPr>
-              <a:t>vectr</a:t>
-            </a:r>
-            <a:r>
-              <a:rPr lang="en-US" sz="1000" dirty="0" smtClean="0">
-                <a:latin typeface="Monaco"/>
-                <a:cs typeface="Monaco"/>
-              </a:rPr>
-              <a:t>)</a:t>
-            </a:r>
-            <a:endParaRPr lang="en-US" sz="1000" dirty="0" smtClean="0">
-              <a:latin typeface="Monaco"/>
-              <a:cs typeface="Monaco"/>
-            </a:endParaRPr>
-          </a:p>
-          <a:p>
-            <a:pPr>
-              <a:tabLst>
-                <a:tab pos="3778250" algn="r"/>
-              </a:tabLst>
-            </a:pPr>
-            <a:r>
-              <a:rPr lang="en-US" sz="1000" dirty="0" smtClean="0">
-                <a:latin typeface="Helvetica"/>
-                <a:cs typeface="Helvetica"/>
-              </a:rPr>
-              <a:t>Check data type of a vector	</a:t>
-            </a:r>
-            <a:r>
-              <a:rPr lang="en-US" sz="1000" dirty="0" err="1" smtClean="0">
-                <a:latin typeface="Monaco"/>
-                <a:cs typeface="Monaco"/>
-              </a:rPr>
-              <a:t>is.datatype</a:t>
-            </a:r>
-            <a:r>
-              <a:rPr lang="en-US" sz="1000" dirty="0" smtClean="0">
-                <a:latin typeface="Monaco"/>
-                <a:cs typeface="Monaco"/>
-              </a:rPr>
-              <a:t>(</a:t>
-            </a:r>
-            <a:r>
-              <a:rPr lang="en-US" sz="1000" dirty="0" err="1" smtClean="0">
-                <a:latin typeface="Monaco"/>
-                <a:cs typeface="Monaco"/>
-              </a:rPr>
-              <a:t>vectr</a:t>
-            </a:r>
-            <a:r>
-              <a:rPr lang="en-US" sz="1000" dirty="0" smtClean="0">
-                <a:latin typeface="Monaco"/>
-                <a:cs typeface="Monaco"/>
-              </a:rPr>
-              <a:t>)</a:t>
-            </a:r>
-          </a:p>
-          <a:p>
-            <a:pPr>
-              <a:tabLst>
-                <a:tab pos="3778250" algn="r"/>
-              </a:tabLst>
-            </a:pPr>
-            <a:r>
-              <a:rPr lang="en-US" sz="1000" dirty="0" smtClean="0">
-                <a:latin typeface="Helvetica"/>
-                <a:cs typeface="Helvetica"/>
-              </a:rPr>
-              <a:t>View/set levels of a factor	</a:t>
-            </a:r>
-            <a:r>
-              <a:rPr lang="en-US" sz="1000" dirty="0" smtClean="0">
-                <a:latin typeface="Monaco"/>
-                <a:cs typeface="Monaco"/>
-              </a:rPr>
-              <a:t>levels(</a:t>
-            </a:r>
-            <a:r>
-              <a:rPr lang="en-US" sz="1000" dirty="0" err="1" smtClean="0">
-                <a:latin typeface="Monaco"/>
-                <a:cs typeface="Monaco"/>
-              </a:rPr>
-              <a:t>data$columnName</a:t>
-            </a:r>
-            <a:r>
-              <a:rPr lang="en-US" sz="1000" dirty="0" smtClean="0">
-                <a:latin typeface="Monaco"/>
-                <a:cs typeface="Monaco"/>
-              </a:rPr>
-              <a:t>)</a:t>
-            </a:r>
-          </a:p>
-          <a:p>
-            <a:pPr>
-              <a:tabLst>
-                <a:tab pos="3778250" algn="r"/>
-              </a:tabLst>
-            </a:pPr>
-            <a:endParaRPr lang="en-US" sz="1000" b="1" dirty="0">
-              <a:latin typeface="Helvetica"/>
-              <a:cs typeface="Helvetica"/>
-            </a:endParaRPr>
-          </a:p>
-          <a:p>
-            <a:pPr>
-              <a:tabLst>
-                <a:tab pos="3778250" algn="r"/>
-              </a:tabLst>
-            </a:pPr>
-            <a:r>
-              <a:rPr lang="en-US" sz="1000" b="1" dirty="0">
-                <a:latin typeface="Helvetica"/>
-                <a:cs typeface="Helvetica"/>
-              </a:rPr>
-              <a:t>Selecting and extracting </a:t>
-            </a:r>
-            <a:r>
-              <a:rPr lang="en-US" sz="1000" b="1" dirty="0" smtClean="0">
-                <a:latin typeface="Helvetica"/>
-                <a:cs typeface="Helvetica"/>
-              </a:rPr>
-              <a:t>data</a:t>
-            </a:r>
-            <a:endParaRPr lang="en-US" sz="1000" baseline="30000" dirty="0">
-              <a:latin typeface="Helvetica"/>
-              <a:cs typeface="Helvetica"/>
-            </a:endParaRPr>
-          </a:p>
-          <a:p>
-            <a:pPr>
-              <a:tabLst>
-                <a:tab pos="3778250" algn="r"/>
-              </a:tabLst>
-            </a:pPr>
-            <a:r>
-              <a:rPr lang="en-US" sz="1000" dirty="0" smtClean="0">
-                <a:latin typeface="Helvetica"/>
-                <a:cs typeface="Helvetica"/>
-              </a:rPr>
-              <a:t>Get</a:t>
-            </a:r>
-            <a:r>
-              <a:rPr lang="en-US" sz="1000" dirty="0" smtClean="0">
-                <a:latin typeface="Helvetica"/>
-                <a:cs typeface="Helvetica"/>
-              </a:rPr>
-              <a:t> column by name	</a:t>
-            </a:r>
-            <a:r>
-              <a:rPr lang="en-US" sz="1000" dirty="0" err="1" smtClean="0">
-                <a:latin typeface="Monaco"/>
-                <a:cs typeface="Monaco"/>
-              </a:rPr>
-              <a:t>data$</a:t>
-            </a:r>
-            <a:r>
-              <a:rPr lang="en-US" sz="1000" dirty="0" err="1" smtClean="0">
-                <a:latin typeface="Monaco"/>
-                <a:cs typeface="Monaco"/>
-              </a:rPr>
-              <a:t>columnName</a:t>
-            </a:r>
-            <a:endParaRPr lang="en-US" sz="1000" dirty="0" smtClean="0">
-              <a:latin typeface="Monaco"/>
-              <a:cs typeface="Monaco"/>
-            </a:endParaRPr>
-          </a:p>
-          <a:p>
-            <a:pPr>
-              <a:tabLst>
-                <a:tab pos="3778250" algn="r"/>
-              </a:tabLst>
-            </a:pPr>
-            <a:r>
-              <a:rPr lang="en-US" sz="1000" dirty="0" smtClean="0">
-                <a:latin typeface="Helvetica"/>
-                <a:cs typeface="Helvetica"/>
-              </a:rPr>
-              <a:t>Get </a:t>
-            </a:r>
-            <a:r>
-              <a:rPr lang="en-US" sz="1000" dirty="0" err="1" smtClean="0">
-                <a:latin typeface="Helvetica"/>
-                <a:cs typeface="Helvetica"/>
-              </a:rPr>
-              <a:t>i-th</a:t>
-            </a:r>
-            <a:r>
-              <a:rPr lang="en-US" sz="1000" dirty="0" smtClean="0">
-                <a:latin typeface="Helvetica"/>
-                <a:cs typeface="Helvetica"/>
-              </a:rPr>
-              <a:t> row	</a:t>
-            </a:r>
-            <a:r>
-              <a:rPr lang="en-US" sz="1000" dirty="0" smtClean="0">
-                <a:latin typeface="Monaco"/>
-                <a:cs typeface="Monaco"/>
-              </a:rPr>
-              <a:t>data[</a:t>
-            </a:r>
-            <a:r>
-              <a:rPr lang="en-US" sz="1000" dirty="0" err="1" smtClean="0">
-                <a:latin typeface="Monaco"/>
-                <a:cs typeface="Monaco"/>
-              </a:rPr>
-              <a:t>i</a:t>
-            </a:r>
-            <a:r>
-              <a:rPr lang="en-US" sz="1000" dirty="0" smtClean="0">
-                <a:latin typeface="Monaco"/>
-                <a:cs typeface="Monaco"/>
-              </a:rPr>
-              <a:t>, ]</a:t>
-            </a:r>
-          </a:p>
-          <a:p>
-            <a:pPr>
-              <a:tabLst>
-                <a:tab pos="3778250" algn="r"/>
-              </a:tabLst>
-            </a:pPr>
-            <a:r>
-              <a:rPr lang="en-US" sz="1000" dirty="0" smtClean="0">
-                <a:latin typeface="Helvetica"/>
-                <a:cs typeface="Helvetica"/>
-              </a:rPr>
-              <a:t>Get j-</a:t>
-            </a:r>
-            <a:r>
-              <a:rPr lang="en-US" sz="1000" dirty="0" err="1" smtClean="0">
-                <a:latin typeface="Helvetica"/>
-                <a:cs typeface="Helvetica"/>
-              </a:rPr>
-              <a:t>th</a:t>
-            </a:r>
-            <a:r>
-              <a:rPr lang="en-US" sz="1000" dirty="0" smtClean="0">
-                <a:latin typeface="Helvetica"/>
-                <a:cs typeface="Helvetica"/>
-              </a:rPr>
-              <a:t> column	</a:t>
-            </a:r>
-            <a:r>
-              <a:rPr lang="en-US" sz="1000" dirty="0" smtClean="0">
-                <a:latin typeface="Monaco"/>
-                <a:cs typeface="Monaco"/>
-              </a:rPr>
-              <a:t>data[, j]</a:t>
-            </a:r>
-            <a:endParaRPr lang="en-US" sz="1000" dirty="0" smtClean="0">
-              <a:latin typeface="Monaco"/>
-              <a:cs typeface="Monaco"/>
-            </a:endParaRPr>
-          </a:p>
-          <a:p>
-            <a:pPr>
-              <a:tabLst>
-                <a:tab pos="3778250" algn="r"/>
-              </a:tabLst>
-            </a:pPr>
-            <a:r>
-              <a:rPr lang="en-US" sz="1000" dirty="0">
-                <a:latin typeface="Helvetica"/>
-                <a:cs typeface="Helvetica"/>
-              </a:rPr>
-              <a:t>Get element at row </a:t>
-            </a:r>
-            <a:r>
-              <a:rPr lang="en-US" sz="1000" dirty="0" err="1">
-                <a:latin typeface="Helvetica"/>
-                <a:cs typeface="Helvetica"/>
-              </a:rPr>
-              <a:t>i</a:t>
-            </a:r>
-            <a:r>
-              <a:rPr lang="en-US" sz="1000" dirty="0">
-                <a:latin typeface="Helvetica"/>
-                <a:cs typeface="Helvetica"/>
-              </a:rPr>
-              <a:t>, column j	</a:t>
-            </a:r>
-            <a:r>
-              <a:rPr lang="en-US" sz="1000" dirty="0">
-                <a:latin typeface="Monaco"/>
-                <a:cs typeface="Monaco"/>
-              </a:rPr>
-              <a:t>data</a:t>
-            </a:r>
-            <a:r>
-              <a:rPr lang="en-US" sz="1000" dirty="0" smtClean="0">
-                <a:latin typeface="Monaco"/>
-                <a:cs typeface="Monaco"/>
-              </a:rPr>
-              <a:t>[</a:t>
-            </a:r>
-            <a:r>
-              <a:rPr lang="en-US" sz="1000" dirty="0" err="1" smtClean="0">
-                <a:latin typeface="Monaco"/>
-                <a:cs typeface="Monaco"/>
-              </a:rPr>
-              <a:t>i</a:t>
-            </a:r>
-            <a:r>
-              <a:rPr lang="en-US" sz="1000" dirty="0" smtClean="0">
-                <a:latin typeface="Monaco"/>
-                <a:cs typeface="Monaco"/>
-              </a:rPr>
-              <a:t>, </a:t>
-            </a:r>
-            <a:r>
-              <a:rPr lang="en-US" sz="1000" dirty="0">
-                <a:latin typeface="Monaco"/>
-                <a:cs typeface="Monaco"/>
-              </a:rPr>
-              <a:t>j</a:t>
-            </a:r>
-            <a:r>
-              <a:rPr lang="en-US" sz="1000" dirty="0" smtClean="0">
-                <a:latin typeface="Monaco"/>
-                <a:cs typeface="Monaco"/>
-              </a:rPr>
-              <a:t>]</a:t>
-            </a:r>
-          </a:p>
-          <a:p>
-            <a:pPr>
-              <a:tabLst>
-                <a:tab pos="3778250" algn="r"/>
-              </a:tabLst>
-            </a:pPr>
-            <a:r>
-              <a:rPr lang="en-US" sz="1000" dirty="0" smtClean="0">
-                <a:latin typeface="Helvetica"/>
-                <a:cs typeface="Helvetica"/>
-              </a:rPr>
-              <a:t>Select rows using logical</a:t>
-            </a:r>
-            <a:r>
-              <a:rPr lang="en-US" sz="1000" baseline="30000" dirty="0" smtClean="0">
-                <a:latin typeface="Helvetica"/>
-                <a:cs typeface="Helvetica"/>
-              </a:rPr>
-              <a:t>[3]</a:t>
-            </a:r>
-            <a:r>
-              <a:rPr lang="en-US" sz="1000" dirty="0" smtClean="0">
-                <a:latin typeface="Helvetica"/>
-                <a:cs typeface="Helvetica"/>
-              </a:rPr>
-              <a:t>	</a:t>
-            </a:r>
-            <a:r>
-              <a:rPr lang="en-US" sz="1000" dirty="0" smtClean="0">
-                <a:latin typeface="Monaco"/>
-                <a:cs typeface="Monaco"/>
-              </a:rPr>
-              <a:t>data[</a:t>
-            </a:r>
-            <a:r>
-              <a:rPr lang="en-US" sz="1000" dirty="0" err="1" smtClean="0">
-                <a:latin typeface="Monaco"/>
-                <a:cs typeface="Monaco"/>
-              </a:rPr>
-              <a:t>data$group</a:t>
-            </a:r>
-            <a:r>
-              <a:rPr lang="en-US" sz="1000" dirty="0" smtClean="0">
-                <a:latin typeface="Monaco"/>
-                <a:cs typeface="Monaco"/>
-              </a:rPr>
-              <a:t> == ‘A’, ]</a:t>
-            </a:r>
-          </a:p>
-          <a:p>
-            <a:pPr>
-              <a:tabLst>
-                <a:tab pos="3778250" algn="r"/>
-              </a:tabLst>
-            </a:pPr>
-            <a:endParaRPr lang="en-US" sz="1000" b="1" dirty="0" smtClean="0">
-              <a:latin typeface="Helvetica"/>
-              <a:cs typeface="Helvetica"/>
-            </a:endParaRPr>
-          </a:p>
-          <a:p>
-            <a:pPr>
-              <a:tabLst>
-                <a:tab pos="3778250" algn="r"/>
-              </a:tabLst>
-            </a:pPr>
-            <a:r>
-              <a:rPr lang="en-US" sz="900" u="sng" dirty="0" smtClean="0">
-                <a:latin typeface="Helvetica"/>
-                <a:cs typeface="Helvetica"/>
-              </a:rPr>
-              <a:t>Notes:</a:t>
-            </a:r>
-            <a:r>
-              <a:rPr lang="en-US" sz="900" dirty="0" smtClean="0">
-                <a:latin typeface="Helvetica"/>
-                <a:cs typeface="Helvetica"/>
-              </a:rPr>
-              <a:t> </a:t>
-            </a:r>
-          </a:p>
-          <a:p>
-            <a:pPr>
-              <a:tabLst>
-                <a:tab pos="3778250" algn="r"/>
-              </a:tabLst>
-            </a:pPr>
-            <a:r>
-              <a:rPr lang="en-US" sz="900" dirty="0" smtClean="0">
-                <a:latin typeface="Helvetica"/>
-                <a:cs typeface="Helvetica"/>
-              </a:rPr>
-              <a:t>[1] Make sure you are in the correct working directory!</a:t>
-            </a:r>
-            <a:endParaRPr lang="en-US" sz="900" dirty="0">
-              <a:latin typeface="Helvetica"/>
-              <a:cs typeface="Helvetica"/>
-            </a:endParaRPr>
-          </a:p>
-          <a:p>
-            <a:pPr>
-              <a:tabLst>
-                <a:tab pos="3778250" algn="r"/>
-              </a:tabLst>
-            </a:pPr>
-            <a:r>
-              <a:rPr lang="en-US" sz="900" dirty="0" smtClean="0">
-                <a:latin typeface="Helvetica"/>
-                <a:cs typeface="Helvetica"/>
-              </a:rPr>
-              <a:t>[2] </a:t>
-            </a:r>
-            <a:r>
-              <a:rPr lang="en-US" sz="900" dirty="0" smtClean="0">
-                <a:latin typeface="Monaco"/>
-                <a:cs typeface="Monaco"/>
-              </a:rPr>
-              <a:t>summary</a:t>
-            </a:r>
-            <a:r>
-              <a:rPr lang="en-US" sz="900" dirty="0" smtClean="0">
-                <a:latin typeface="Helvetica"/>
-                <a:cs typeface="Helvetica"/>
-              </a:rPr>
-              <a:t> returns different results depending on the object you want to summarize. Try it out with data frames, models, statistical tests, etc., to see what information it gives </a:t>
-            </a:r>
-            <a:r>
-              <a:rPr lang="en-US" sz="900" dirty="0" smtClean="0">
-                <a:latin typeface="Helvetica"/>
-                <a:cs typeface="Helvetica"/>
-              </a:rPr>
-              <a:t>you.</a:t>
-            </a:r>
-          </a:p>
-          <a:p>
-            <a:pPr>
-              <a:tabLst>
-                <a:tab pos="3778250" algn="r"/>
-              </a:tabLst>
-            </a:pPr>
-            <a:r>
-              <a:rPr lang="en-US" sz="900" dirty="0" smtClean="0">
-                <a:latin typeface="Helvetica"/>
-                <a:cs typeface="Helvetica"/>
-              </a:rPr>
-              <a:t>[3] Don’t forget the comma! This will return all rows that match the condition in the brackets. You can use this syntax to subset your data frame by </a:t>
-            </a:r>
-            <a:r>
-              <a:rPr lang="en-US" sz="900" i="1" dirty="0" smtClean="0">
-                <a:latin typeface="Helvetica"/>
-                <a:cs typeface="Helvetica"/>
-              </a:rPr>
-              <a:t>any </a:t>
-            </a:r>
-            <a:r>
-              <a:rPr lang="en-US" sz="900" dirty="0" smtClean="0">
-                <a:latin typeface="Helvetica"/>
-                <a:cs typeface="Helvetica"/>
-              </a:rPr>
-              <a:t>criterion, such as subjects that are above a certain age, all measurements taken in a drug trial before treatment, etc.</a:t>
-            </a:r>
-            <a:endParaRPr lang="en-US" sz="900" u="sng" dirty="0" smtClean="0">
-              <a:latin typeface="Helvetica"/>
-              <a:cs typeface="Helvetica"/>
-            </a:endParaRPr>
+            <a:pPr algn="ctr"/>
+            <a:r>
+              <a:rPr lang="en-US" dirty="0" smtClean="0"/>
+              <a:t>Missing ANOVA, length</a:t>
+            </a:r>
+            <a:endParaRPr lang="en-US" dirty="0"/>
           </a:p>
         </p:txBody>
       </p:sp>
-      <p:sp>
-        <p:nvSpPr>
-          <p:cNvPr id="2" name="TextBox 1"/>
-          <p:cNvSpPr txBox="1"/>
-          <p:nvPr/>
-        </p:nvSpPr>
-        <p:spPr>
-          <a:xfrm>
-            <a:off x="235366" y="1166864"/>
-            <a:ext cx="4165347" cy="2677656"/>
-          </a:xfrm>
-          <a:prstGeom prst="rect">
-            <a:avLst/>
-          </a:prstGeom>
-          <a:noFill/>
-        </p:spPr>
-        <p:txBody>
-          <a:bodyPr wrap="square" lIns="182880" tIns="182880" rIns="182880" bIns="182880" rtlCol="0">
-            <a:spAutoFit/>
-          </a:bodyPr>
-          <a:lstStyle/>
-          <a:p>
-            <a:r>
-              <a:rPr lang="en-US" sz="1000" dirty="0" smtClean="0">
-                <a:latin typeface="Helvetica"/>
-                <a:cs typeface="Helvetica"/>
-              </a:rPr>
-              <a:t>Install library: </a:t>
-            </a:r>
-            <a:r>
-              <a:rPr lang="en-US" sz="1000" dirty="0" err="1" smtClean="0">
-                <a:latin typeface="Monaco"/>
-                <a:cs typeface="Monaco"/>
-              </a:rPr>
-              <a:t>install.packages</a:t>
-            </a:r>
-            <a:r>
-              <a:rPr lang="en-US" sz="1000" dirty="0" smtClean="0">
-                <a:latin typeface="Monaco"/>
-                <a:cs typeface="Monaco"/>
-              </a:rPr>
-              <a:t>(‘</a:t>
-            </a:r>
-            <a:r>
-              <a:rPr lang="en-US" sz="1000" dirty="0" err="1" smtClean="0">
-                <a:latin typeface="Monaco"/>
-                <a:cs typeface="Monaco"/>
-              </a:rPr>
-              <a:t>mylibrary</a:t>
-            </a:r>
-            <a:r>
-              <a:rPr lang="en-US" sz="1000" dirty="0" smtClean="0">
-                <a:latin typeface="Monaco"/>
-                <a:cs typeface="Monaco"/>
-              </a:rPr>
-              <a:t>’</a:t>
-            </a:r>
-            <a:r>
-              <a:rPr lang="en-US" sz="1000" dirty="0" smtClean="0">
-                <a:latin typeface="Helvetica"/>
-                <a:cs typeface="Helvetica"/>
-              </a:rPr>
-              <a:t>)</a:t>
-            </a:r>
-          </a:p>
-          <a:p>
-            <a:r>
-              <a:rPr lang="en-US" sz="1000" dirty="0" smtClean="0">
-                <a:latin typeface="Helvetica"/>
-                <a:cs typeface="Helvetica"/>
-              </a:rPr>
-              <a:t>Load library: </a:t>
-            </a:r>
-            <a:r>
-              <a:rPr lang="en-US" sz="1000" dirty="0" smtClean="0">
-                <a:latin typeface="Monaco"/>
-                <a:cs typeface="Monaco"/>
-              </a:rPr>
-              <a:t>library(</a:t>
-            </a:r>
-            <a:r>
-              <a:rPr lang="en-US" sz="1000" dirty="0" err="1" smtClean="0">
-                <a:latin typeface="Monaco"/>
-                <a:cs typeface="Monaco"/>
-              </a:rPr>
-              <a:t>mylibrary</a:t>
-            </a:r>
-            <a:r>
-              <a:rPr lang="en-US" sz="1000" dirty="0" smtClean="0">
-                <a:latin typeface="Monaco"/>
-                <a:cs typeface="Monaco"/>
-              </a:rPr>
-              <a:t>)</a:t>
-            </a:r>
-            <a:endParaRPr lang="en-US" sz="1000" dirty="0" smtClean="0">
-              <a:latin typeface="Helvetica"/>
-              <a:cs typeface="Helvetica"/>
-            </a:endParaRPr>
-          </a:p>
-          <a:p>
-            <a:r>
-              <a:rPr lang="en-US" sz="1000" dirty="0" smtClean="0">
-                <a:latin typeface="Helvetica"/>
-                <a:cs typeface="Helvetica"/>
-              </a:rPr>
-              <a:t>Useful libraries to start with:</a:t>
-            </a:r>
-          </a:p>
-          <a:p>
-            <a:r>
-              <a:rPr lang="en-US" sz="1000" dirty="0" smtClean="0">
-                <a:latin typeface="Helvetica"/>
-                <a:cs typeface="Helvetica"/>
-              </a:rPr>
-              <a:t> </a:t>
-            </a:r>
-          </a:p>
-          <a:p>
-            <a:endParaRPr lang="en-US" sz="1000" dirty="0">
-              <a:latin typeface="Helvetica"/>
-              <a:cs typeface="Helvetica"/>
-            </a:endParaRPr>
-          </a:p>
-          <a:p>
-            <a:endParaRPr lang="en-US" sz="1000" dirty="0" smtClean="0">
-              <a:latin typeface="Helvetica"/>
-              <a:cs typeface="Helvetica"/>
-            </a:endParaRPr>
-          </a:p>
-          <a:p>
-            <a:endParaRPr lang="en-US" sz="1000" dirty="0">
-              <a:latin typeface="Helvetica"/>
-              <a:cs typeface="Helvetica"/>
-            </a:endParaRPr>
-          </a:p>
-          <a:p>
-            <a:endParaRPr lang="en-US" sz="1000" dirty="0" smtClean="0">
-              <a:latin typeface="Helvetica"/>
-              <a:cs typeface="Helvetica"/>
-            </a:endParaRPr>
-          </a:p>
-          <a:p>
-            <a:endParaRPr lang="en-US" sz="1000" dirty="0">
-              <a:latin typeface="Helvetica"/>
-              <a:cs typeface="Helvetica"/>
-            </a:endParaRPr>
-          </a:p>
-          <a:p>
-            <a:r>
-              <a:rPr lang="en-US" sz="1000" dirty="0" smtClean="0">
-                <a:latin typeface="Helvetica"/>
-                <a:cs typeface="Helvetica"/>
-              </a:rPr>
-              <a:t>Set working directory: </a:t>
-            </a:r>
-            <a:r>
-              <a:rPr lang="en-US" sz="1000" dirty="0" err="1" smtClean="0">
-                <a:latin typeface="Monaco"/>
-                <a:cs typeface="Monaco"/>
-              </a:rPr>
-              <a:t>setwd</a:t>
-            </a:r>
-            <a:r>
-              <a:rPr lang="en-US" sz="1000" dirty="0" smtClean="0">
-                <a:latin typeface="Monaco"/>
-                <a:cs typeface="Monaco"/>
-              </a:rPr>
-              <a:t>(‘~/path/to/my/data’</a:t>
-            </a:r>
-            <a:r>
-              <a:rPr lang="en-US" sz="1000" dirty="0" smtClean="0">
-                <a:latin typeface="Monaco"/>
-                <a:cs typeface="Monaco"/>
-              </a:rPr>
-              <a:t>)</a:t>
-            </a:r>
-          </a:p>
-          <a:p>
-            <a:r>
-              <a:rPr lang="en-US" sz="1000" dirty="0" smtClean="0">
-                <a:latin typeface="Helvetica"/>
-                <a:cs typeface="Helvetica"/>
-              </a:rPr>
-              <a:t>Get current working directory: </a:t>
-            </a:r>
-            <a:r>
-              <a:rPr lang="en-US" sz="1000" dirty="0" err="1" smtClean="0">
-                <a:latin typeface="Monaco"/>
-                <a:cs typeface="Monaco"/>
-              </a:rPr>
-              <a:t>getwd</a:t>
-            </a:r>
-            <a:r>
-              <a:rPr lang="en-US" sz="1000" dirty="0" smtClean="0">
-                <a:latin typeface="Monaco"/>
-                <a:cs typeface="Monaco"/>
-              </a:rPr>
-              <a:t>()</a:t>
-            </a:r>
-          </a:p>
-          <a:p>
-            <a:endParaRPr lang="en-US" sz="1000" dirty="0" smtClean="0">
-              <a:latin typeface="Helvetica"/>
-              <a:cs typeface="Helvetica"/>
-            </a:endParaRPr>
-          </a:p>
-          <a:p>
-            <a:r>
-              <a:rPr lang="en-US" sz="1000" dirty="0" smtClean="0">
-                <a:latin typeface="Helvetica"/>
-                <a:cs typeface="Helvetica"/>
-              </a:rPr>
-              <a:t>Search for a function in the R documentation:</a:t>
-            </a:r>
-          </a:p>
-          <a:p>
-            <a:r>
-              <a:rPr lang="en-US" sz="1000" dirty="0">
-                <a:latin typeface="Helvetica"/>
-                <a:cs typeface="Helvetica"/>
-              </a:rPr>
-              <a:t>	</a:t>
-            </a:r>
-            <a:r>
-              <a:rPr lang="en-US" sz="1000" dirty="0" smtClean="0">
-                <a:latin typeface="Helvetica"/>
-                <a:cs typeface="Helvetica"/>
-              </a:rPr>
-              <a:t>By its exact name: </a:t>
-            </a:r>
-            <a:r>
-              <a:rPr lang="en-US" sz="1000" dirty="0" smtClean="0">
-                <a:latin typeface="Monaco"/>
-                <a:cs typeface="Monaco"/>
-              </a:rPr>
-              <a:t>?</a:t>
-            </a:r>
-            <a:r>
-              <a:rPr lang="en-US" sz="1000" dirty="0" err="1" smtClean="0">
-                <a:latin typeface="Monaco"/>
-                <a:cs typeface="Monaco"/>
-              </a:rPr>
-              <a:t>functionName</a:t>
-            </a:r>
-            <a:endParaRPr lang="en-US" sz="1000" dirty="0">
-              <a:latin typeface="Monaco"/>
-              <a:cs typeface="Monaco"/>
-            </a:endParaRPr>
-          </a:p>
-          <a:p>
-            <a:r>
-              <a:rPr lang="en-US" sz="1000" dirty="0">
-                <a:latin typeface="Helvetica"/>
-                <a:cs typeface="Helvetica"/>
-              </a:rPr>
-              <a:t>	</a:t>
-            </a:r>
-            <a:r>
-              <a:rPr lang="en-US" sz="1000" dirty="0" smtClean="0">
-                <a:latin typeface="Helvetica"/>
-                <a:cs typeface="Helvetica"/>
-              </a:rPr>
-              <a:t>By part of its name: </a:t>
-            </a:r>
-            <a:r>
-              <a:rPr lang="en-US" sz="1000" dirty="0" smtClean="0">
-                <a:latin typeface="Monaco"/>
-                <a:cs typeface="Monaco"/>
-              </a:rPr>
-              <a:t>??fun</a:t>
-            </a:r>
-            <a:endParaRPr lang="en-US" sz="1000" dirty="0" smtClean="0">
-              <a:latin typeface="Monaco"/>
-              <a:cs typeface="Monaco"/>
-            </a:endParaRPr>
-          </a:p>
-        </p:txBody>
-      </p:sp>
-      <p:graphicFrame>
-        <p:nvGraphicFramePr>
-          <p:cNvPr id="4" name="Table 3"/>
-          <p:cNvGraphicFramePr>
-            <a:graphicFrameLocks noGrp="1"/>
-          </p:cNvGraphicFramePr>
-          <p:nvPr>
-            <p:extLst>
-              <p:ext uri="{D42A27DB-BD31-4B8C-83A1-F6EECF244321}">
-                <p14:modId xmlns:p14="http://schemas.microsoft.com/office/powerpoint/2010/main" val="1438745080"/>
-              </p:ext>
-            </p:extLst>
-          </p:nvPr>
-        </p:nvGraphicFramePr>
-        <p:xfrm>
-          <a:off x="223957" y="1837747"/>
-          <a:ext cx="4055588" cy="792480"/>
-        </p:xfrm>
-        <a:graphic>
-          <a:graphicData uri="http://schemas.openxmlformats.org/drawingml/2006/table">
-            <a:tbl>
-              <a:tblPr firstRow="1" bandRow="1">
-                <a:tableStyleId>{2D5ABB26-0587-4C30-8999-92F81FD0307C}</a:tableStyleId>
-              </a:tblPr>
-              <a:tblGrid>
-                <a:gridCol w="1013897"/>
-                <a:gridCol w="1013897"/>
-                <a:gridCol w="1013897"/>
-                <a:gridCol w="1013897"/>
-              </a:tblGrid>
-              <a:tr h="141596">
-                <a:tc>
-                  <a:txBody>
-                    <a:bodyPr/>
-                    <a:lstStyle/>
-                    <a:p>
-                      <a:pPr algn="ctr"/>
-                      <a:r>
-                        <a:rPr lang="en-US" sz="1000" b="1" dirty="0" smtClean="0">
-                          <a:latin typeface="Helvetica"/>
-                          <a:cs typeface="Helvetica"/>
-                        </a:rPr>
-                        <a:t>Load data</a:t>
-                      </a:r>
-                      <a:endParaRPr lang="en-US" sz="1000" b="1" dirty="0">
-                        <a:latin typeface="Helvetica"/>
-                        <a:cs typeface="Helvetica"/>
-                      </a:endParaRPr>
-                    </a:p>
-                  </a:txBody>
-                  <a:tcPr>
-                    <a:lnL w="12700" cap="flat" cmpd="sng" algn="ctr">
-                      <a:noFill/>
-                      <a:prstDash val="solid"/>
-                      <a:round/>
-                      <a:headEnd type="none" w="med" len="med"/>
-                      <a:tailEnd type="none" w="med" len="med"/>
-                    </a:lnL>
-                    <a:lnR w="12700" cap="flat" cmpd="sng" algn="ctr">
-                      <a:noFill/>
-                      <a:prstDash val="solid"/>
-                      <a:round/>
-                      <a:headEnd type="none" w="med" len="med"/>
-                      <a:tailEnd type="none" w="med" len="med"/>
-                    </a:lnR>
-                    <a:lnT w="12700" cap="flat" cmpd="sng" algn="ctr">
-                      <a:noFill/>
-                      <a:prstDash val="solid"/>
-                      <a:round/>
-                      <a:headEnd type="none" w="med" len="med"/>
-                      <a:tailEnd type="none" w="med" len="med"/>
-                    </a:lnT>
-                    <a:lnB w="12700" cap="flat" cmpd="sng" algn="ctr">
-                      <a:noFill/>
-                      <a:prstDash val="solid"/>
-                      <a:round/>
-                      <a:headEnd type="none" w="med" len="med"/>
-                      <a:tailEnd type="none" w="med" len="med"/>
-                    </a:lnB>
-                    <a:noFill/>
-                  </a:tcPr>
-                </a:tc>
-                <a:tc>
-                  <a:txBody>
-                    <a:bodyPr/>
-                    <a:lstStyle/>
-                    <a:p>
-                      <a:pPr algn="ctr"/>
-                      <a:r>
-                        <a:rPr lang="en-US" sz="1000" b="1" dirty="0" smtClean="0">
-                          <a:latin typeface="Helvetica"/>
-                          <a:cs typeface="Helvetica"/>
-                        </a:rPr>
-                        <a:t>Clean</a:t>
-                      </a:r>
-                      <a:r>
-                        <a:rPr lang="en-US" sz="1000" b="1" baseline="0" dirty="0" smtClean="0">
-                          <a:latin typeface="Helvetica"/>
-                          <a:cs typeface="Helvetica"/>
-                        </a:rPr>
-                        <a:t> up data</a:t>
-                      </a:r>
-                      <a:endParaRPr lang="en-US" sz="1000" b="1" dirty="0">
-                        <a:latin typeface="Helvetica"/>
-                        <a:cs typeface="Helvetica"/>
-                      </a:endParaRPr>
-                    </a:p>
-                  </a:txBody>
-                  <a:tcPr>
-                    <a:lnL w="12700" cap="flat" cmpd="sng" algn="ctr">
-                      <a:noFill/>
-                      <a:prstDash val="solid"/>
-                      <a:round/>
-                      <a:headEnd type="none" w="med" len="med"/>
-                      <a:tailEnd type="none" w="med" len="med"/>
-                    </a:lnL>
-                    <a:lnR w="12700" cap="flat" cmpd="sng" algn="ctr">
-                      <a:noFill/>
-                      <a:prstDash val="solid"/>
-                      <a:round/>
-                      <a:headEnd type="none" w="med" len="med"/>
-                      <a:tailEnd type="none" w="med" len="med"/>
-                    </a:lnR>
-                    <a:lnT w="12700" cap="flat" cmpd="sng" algn="ctr">
-                      <a:noFill/>
-                      <a:prstDash val="solid"/>
-                      <a:round/>
-                      <a:headEnd type="none" w="med" len="med"/>
-                      <a:tailEnd type="none" w="med" len="med"/>
-                    </a:lnT>
-                    <a:lnB w="12700" cap="flat" cmpd="sng" algn="ctr">
-                      <a:noFill/>
-                      <a:prstDash val="solid"/>
-                      <a:round/>
-                      <a:headEnd type="none" w="med" len="med"/>
-                      <a:tailEnd type="none" w="med" len="med"/>
-                    </a:lnB>
-                    <a:noFill/>
-                  </a:tcPr>
-                </a:tc>
-                <a:tc>
-                  <a:txBody>
-                    <a:bodyPr/>
-                    <a:lstStyle/>
-                    <a:p>
-                      <a:pPr algn="ctr"/>
-                      <a:r>
-                        <a:rPr lang="en-US" sz="1000" b="1" dirty="0" smtClean="0">
-                          <a:latin typeface="Helvetica"/>
-                          <a:cs typeface="Helvetica"/>
-                        </a:rPr>
-                        <a:t>Statistics</a:t>
-                      </a:r>
-                      <a:endParaRPr lang="en-US" sz="1000" b="1" dirty="0">
-                        <a:latin typeface="Helvetica"/>
-                        <a:cs typeface="Helvetica"/>
-                      </a:endParaRPr>
-                    </a:p>
-                  </a:txBody>
-                  <a:tcPr>
-                    <a:lnL w="12700" cap="flat" cmpd="sng" algn="ctr">
-                      <a:noFill/>
-                      <a:prstDash val="solid"/>
-                      <a:round/>
-                      <a:headEnd type="none" w="med" len="med"/>
-                      <a:tailEnd type="none" w="med" len="med"/>
-                    </a:lnL>
-                    <a:lnR w="12700" cap="flat" cmpd="sng" algn="ctr">
-                      <a:noFill/>
-                      <a:prstDash val="solid"/>
-                      <a:round/>
-                      <a:headEnd type="none" w="med" len="med"/>
-                      <a:tailEnd type="none" w="med" len="med"/>
-                    </a:lnR>
-                    <a:lnT w="12700" cap="flat" cmpd="sng" algn="ctr">
-                      <a:noFill/>
-                      <a:prstDash val="solid"/>
-                      <a:round/>
-                      <a:headEnd type="none" w="med" len="med"/>
-                      <a:tailEnd type="none" w="med" len="med"/>
-                    </a:lnT>
-                    <a:lnB w="12700" cap="flat" cmpd="sng" algn="ctr">
-                      <a:noFill/>
-                      <a:prstDash val="solid"/>
-                      <a:round/>
-                      <a:headEnd type="none" w="med" len="med"/>
-                      <a:tailEnd type="none" w="med" len="med"/>
-                    </a:lnB>
-                    <a:noFill/>
-                  </a:tcPr>
-                </a:tc>
-                <a:tc>
-                  <a:txBody>
-                    <a:bodyPr/>
-                    <a:lstStyle/>
-                    <a:p>
-                      <a:pPr algn="ctr"/>
-                      <a:r>
-                        <a:rPr lang="en-US" sz="1000" b="1" dirty="0" smtClean="0">
-                          <a:latin typeface="Helvetica"/>
-                          <a:cs typeface="Helvetica"/>
-                        </a:rPr>
-                        <a:t>Shar</a:t>
-                      </a:r>
-                      <a:r>
-                        <a:rPr lang="en-US" sz="1000" b="1" baseline="0" dirty="0" smtClean="0">
-                          <a:latin typeface="Helvetica"/>
-                          <a:cs typeface="Helvetica"/>
-                        </a:rPr>
-                        <a:t>e </a:t>
-                      </a:r>
-                      <a:r>
-                        <a:rPr lang="en-US" sz="1000" b="1" dirty="0" smtClean="0">
-                          <a:latin typeface="Helvetica"/>
-                          <a:cs typeface="Helvetica"/>
-                        </a:rPr>
-                        <a:t>results</a:t>
-                      </a:r>
-                      <a:endParaRPr lang="en-US" sz="1000" b="1" dirty="0">
-                        <a:latin typeface="Helvetica"/>
-                        <a:cs typeface="Helvetica"/>
-                      </a:endParaRPr>
-                    </a:p>
-                  </a:txBody>
-                  <a:tcPr>
-                    <a:lnL w="12700" cap="flat" cmpd="sng" algn="ctr">
-                      <a:noFill/>
-                      <a:prstDash val="solid"/>
-                      <a:round/>
-                      <a:headEnd type="none" w="med" len="med"/>
-                      <a:tailEnd type="none" w="med" len="med"/>
-                    </a:lnL>
-                    <a:lnR w="12700" cap="flat" cmpd="sng" algn="ctr">
-                      <a:noFill/>
-                      <a:prstDash val="solid"/>
-                      <a:round/>
-                      <a:headEnd type="none" w="med" len="med"/>
-                      <a:tailEnd type="none" w="med" len="med"/>
-                    </a:lnR>
-                    <a:lnT w="12700" cap="flat" cmpd="sng" algn="ctr">
-                      <a:noFill/>
-                      <a:prstDash val="solid"/>
-                      <a:round/>
-                      <a:headEnd type="none" w="med" len="med"/>
-                      <a:tailEnd type="none" w="med" len="med"/>
-                    </a:lnT>
-                    <a:lnB w="12700" cap="flat" cmpd="sng" algn="ctr">
-                      <a:noFill/>
-                      <a:prstDash val="solid"/>
-                      <a:round/>
-                      <a:headEnd type="none" w="med" len="med"/>
-                      <a:tailEnd type="none" w="med" len="med"/>
-                    </a:lnB>
-                    <a:noFill/>
-                  </a:tcPr>
-                </a:tc>
-              </a:tr>
-              <a:tr h="318590">
-                <a:tc>
-                  <a:txBody>
-                    <a:bodyPr/>
-                    <a:lstStyle/>
-                    <a:p>
-                      <a:pPr algn="ctr"/>
-                      <a:r>
-                        <a:rPr lang="en-US" sz="1000" dirty="0" err="1" smtClean="0">
-                          <a:latin typeface="Monaco"/>
-                          <a:cs typeface="Monaco"/>
-                        </a:rPr>
-                        <a:t>xlsx</a:t>
-                      </a:r>
-                      <a:endParaRPr lang="en-US" sz="1000" dirty="0" smtClean="0">
-                        <a:latin typeface="Monaco"/>
-                        <a:cs typeface="Monaco"/>
-                      </a:endParaRPr>
-                    </a:p>
-                    <a:p>
-                      <a:pPr algn="ctr"/>
-                      <a:r>
-                        <a:rPr lang="en-US" sz="1000" dirty="0" err="1" smtClean="0">
-                          <a:latin typeface="Monaco"/>
-                          <a:cs typeface="Monaco"/>
-                        </a:rPr>
-                        <a:t>R.Matlab</a:t>
-                      </a:r>
-                      <a:endParaRPr lang="en-US" sz="1000" dirty="0" smtClean="0">
-                        <a:latin typeface="Monaco"/>
-                        <a:cs typeface="Monaco"/>
-                      </a:endParaRPr>
-                    </a:p>
-                    <a:p>
-                      <a:pPr algn="ctr"/>
-                      <a:r>
-                        <a:rPr lang="en-US" sz="1000" dirty="0" err="1" smtClean="0">
-                          <a:latin typeface="Monaco"/>
-                          <a:cs typeface="Monaco"/>
-                        </a:rPr>
-                        <a:t>jsonlite</a:t>
-                      </a:r>
-                      <a:endParaRPr lang="en-US" sz="1000" dirty="0">
-                        <a:latin typeface="Monaco"/>
-                        <a:cs typeface="Monaco"/>
-                      </a:endParaRPr>
-                    </a:p>
-                  </a:txBody>
-                  <a:tcPr>
-                    <a:lnL w="12700" cap="flat" cmpd="sng" algn="ctr">
-                      <a:noFill/>
-                      <a:prstDash val="solid"/>
-                      <a:round/>
-                      <a:headEnd type="none" w="med" len="med"/>
-                      <a:tailEnd type="none" w="med" len="med"/>
-                    </a:lnL>
-                    <a:lnR w="12700" cap="flat" cmpd="sng" algn="ctr">
-                      <a:noFill/>
-                      <a:prstDash val="solid"/>
-                      <a:round/>
-                      <a:headEnd type="none" w="med" len="med"/>
-                      <a:tailEnd type="none" w="med" len="med"/>
-                    </a:lnR>
-                    <a:lnT w="12700" cap="flat" cmpd="sng" algn="ctr">
-                      <a:noFill/>
-                      <a:prstDash val="solid"/>
-                      <a:round/>
-                      <a:headEnd type="none" w="med" len="med"/>
-                      <a:tailEnd type="none" w="med" len="med"/>
-                    </a:lnT>
-                    <a:lnB w="12700" cap="flat" cmpd="sng" algn="ctr">
-                      <a:noFill/>
-                      <a:prstDash val="solid"/>
-                      <a:round/>
-                      <a:headEnd type="none" w="med" len="med"/>
-                      <a:tailEnd type="none" w="med" len="med"/>
-                    </a:lnB>
-                    <a:noFill/>
-                  </a:tcPr>
-                </a:tc>
-                <a:tc>
-                  <a:txBody>
-                    <a:bodyPr/>
-                    <a:lstStyle/>
-                    <a:p>
-                      <a:pPr algn="ctr"/>
-                      <a:r>
-                        <a:rPr lang="en-US" sz="1000" dirty="0" err="1" smtClean="0">
-                          <a:latin typeface="Monaco"/>
-                          <a:cs typeface="Monaco"/>
-                        </a:rPr>
-                        <a:t>plyr</a:t>
-                      </a:r>
-                      <a:endParaRPr lang="en-US" sz="1000" dirty="0" smtClean="0">
-                        <a:latin typeface="Monaco"/>
-                        <a:cs typeface="Monaco"/>
-                      </a:endParaRPr>
-                    </a:p>
-                    <a:p>
-                      <a:pPr algn="ctr"/>
-                      <a:r>
-                        <a:rPr lang="en-US" sz="1000" dirty="0" err="1" smtClean="0">
-                          <a:latin typeface="Monaco"/>
-                          <a:cs typeface="Monaco"/>
-                        </a:rPr>
-                        <a:t>dplyr</a:t>
-                      </a:r>
-                      <a:endParaRPr lang="en-US" sz="1000" dirty="0" smtClean="0">
-                        <a:latin typeface="Monaco"/>
-                        <a:cs typeface="Monaco"/>
-                      </a:endParaRPr>
-                    </a:p>
-                    <a:p>
-                      <a:pPr algn="ctr"/>
-                      <a:r>
-                        <a:rPr lang="en-US" sz="1000" dirty="0" err="1" smtClean="0">
-                          <a:latin typeface="Monaco"/>
-                          <a:cs typeface="Monaco"/>
-                        </a:rPr>
-                        <a:t>tidyr</a:t>
-                      </a:r>
-                      <a:endParaRPr lang="en-US" sz="1000" dirty="0">
-                        <a:latin typeface="Monaco"/>
-                        <a:cs typeface="Monaco"/>
-                      </a:endParaRPr>
-                    </a:p>
-                  </a:txBody>
-                  <a:tcPr>
-                    <a:lnL w="12700" cap="flat" cmpd="sng" algn="ctr">
-                      <a:noFill/>
-                      <a:prstDash val="solid"/>
-                      <a:round/>
-                      <a:headEnd type="none" w="med" len="med"/>
-                      <a:tailEnd type="none" w="med" len="med"/>
-                    </a:lnL>
-                    <a:lnR w="12700" cap="flat" cmpd="sng" algn="ctr">
-                      <a:noFill/>
-                      <a:prstDash val="solid"/>
-                      <a:round/>
-                      <a:headEnd type="none" w="med" len="med"/>
-                      <a:tailEnd type="none" w="med" len="med"/>
-                    </a:lnR>
-                    <a:lnT w="12700" cap="flat" cmpd="sng" algn="ctr">
-                      <a:noFill/>
-                      <a:prstDash val="solid"/>
-                      <a:round/>
-                      <a:headEnd type="none" w="med" len="med"/>
-                      <a:tailEnd type="none" w="med" len="med"/>
-                    </a:lnT>
-                    <a:lnB w="12700" cap="flat" cmpd="sng" algn="ctr">
-                      <a:noFill/>
-                      <a:prstDash val="solid"/>
-                      <a:round/>
-                      <a:headEnd type="none" w="med" len="med"/>
-                      <a:tailEnd type="none" w="med" len="med"/>
-                    </a:lnB>
-                    <a:noFill/>
-                  </a:tcPr>
-                </a:tc>
-                <a:tc>
-                  <a:txBody>
-                    <a:bodyPr/>
-                    <a:lstStyle/>
-                    <a:p>
-                      <a:pPr algn="ctr"/>
-                      <a:r>
-                        <a:rPr lang="en-US" sz="1000" dirty="0" smtClean="0">
-                          <a:latin typeface="Monaco"/>
-                          <a:cs typeface="Monaco"/>
-                        </a:rPr>
-                        <a:t>car</a:t>
-                      </a:r>
-                    </a:p>
-                    <a:p>
-                      <a:pPr algn="ctr"/>
-                      <a:r>
-                        <a:rPr lang="en-US" sz="1000" dirty="0" err="1" smtClean="0">
-                          <a:latin typeface="Monaco"/>
-                          <a:cs typeface="Monaco"/>
-                        </a:rPr>
-                        <a:t>nlm</a:t>
-                      </a:r>
-                      <a:endParaRPr lang="en-US" sz="1000" dirty="0" smtClean="0">
-                        <a:latin typeface="Monaco"/>
-                        <a:cs typeface="Monaco"/>
-                      </a:endParaRPr>
-                    </a:p>
-                    <a:p>
-                      <a:pPr algn="ctr"/>
-                      <a:r>
-                        <a:rPr lang="en-US" sz="1000" dirty="0" smtClean="0">
-                          <a:latin typeface="Monaco"/>
-                          <a:cs typeface="Monaco"/>
-                        </a:rPr>
-                        <a:t>lme4</a:t>
-                      </a:r>
-                      <a:endParaRPr lang="en-US" sz="1000" dirty="0">
-                        <a:latin typeface="Monaco"/>
-                        <a:cs typeface="Monaco"/>
-                      </a:endParaRPr>
-                    </a:p>
-                  </a:txBody>
-                  <a:tcPr>
-                    <a:lnL w="12700" cap="flat" cmpd="sng" algn="ctr">
-                      <a:noFill/>
-                      <a:prstDash val="solid"/>
-                      <a:round/>
-                      <a:headEnd type="none" w="med" len="med"/>
-                      <a:tailEnd type="none" w="med" len="med"/>
-                    </a:lnL>
-                    <a:lnR w="12700" cap="flat" cmpd="sng" algn="ctr">
-                      <a:noFill/>
-                      <a:prstDash val="solid"/>
-                      <a:round/>
-                      <a:headEnd type="none" w="med" len="med"/>
-                      <a:tailEnd type="none" w="med" len="med"/>
-                    </a:lnR>
-                    <a:lnT w="12700" cap="flat" cmpd="sng" algn="ctr">
-                      <a:noFill/>
-                      <a:prstDash val="solid"/>
-                      <a:round/>
-                      <a:headEnd type="none" w="med" len="med"/>
-                      <a:tailEnd type="none" w="med" len="med"/>
-                    </a:lnT>
-                    <a:lnB w="12700" cap="flat" cmpd="sng" algn="ctr">
-                      <a:noFill/>
-                      <a:prstDash val="solid"/>
-                      <a:round/>
-                      <a:headEnd type="none" w="med" len="med"/>
-                      <a:tailEnd type="none" w="med" len="med"/>
-                    </a:lnB>
-                    <a:noFill/>
-                  </a:tcPr>
-                </a:tc>
-                <a:tc>
-                  <a:txBody>
-                    <a:bodyPr/>
-                    <a:lstStyle/>
-                    <a:p>
-                      <a:pPr algn="ctr"/>
-                      <a:r>
-                        <a:rPr lang="en-US" sz="1000" dirty="0" smtClean="0">
-                          <a:latin typeface="Monaco"/>
-                          <a:cs typeface="Monaco"/>
-                        </a:rPr>
-                        <a:t>ggplot2</a:t>
-                      </a:r>
-                    </a:p>
-                    <a:p>
-                      <a:pPr algn="ctr"/>
-                      <a:r>
-                        <a:rPr lang="en-US" sz="1000" dirty="0" err="1" smtClean="0">
-                          <a:latin typeface="Monaco"/>
-                          <a:cs typeface="Monaco"/>
-                        </a:rPr>
-                        <a:t>rmarkdown</a:t>
-                      </a:r>
-                      <a:endParaRPr lang="en-US" sz="1000" dirty="0">
-                        <a:latin typeface="Monaco"/>
-                        <a:cs typeface="Monaco"/>
-                      </a:endParaRPr>
-                    </a:p>
-                  </a:txBody>
-                  <a:tcPr>
-                    <a:lnL w="12700" cap="flat" cmpd="sng" algn="ctr">
-                      <a:noFill/>
-                      <a:prstDash val="solid"/>
-                      <a:round/>
-                      <a:headEnd type="none" w="med" len="med"/>
-                      <a:tailEnd type="none" w="med" len="med"/>
-                    </a:lnL>
-                    <a:lnR w="12700" cap="flat" cmpd="sng" algn="ctr">
-                      <a:noFill/>
-                      <a:prstDash val="solid"/>
-                      <a:round/>
-                      <a:headEnd type="none" w="med" len="med"/>
-                      <a:tailEnd type="none" w="med" len="med"/>
-                    </a:lnR>
-                    <a:lnT w="12700" cap="flat" cmpd="sng" algn="ctr">
-                      <a:noFill/>
-                      <a:prstDash val="solid"/>
-                      <a:round/>
-                      <a:headEnd type="none" w="med" len="med"/>
-                      <a:tailEnd type="none" w="med" len="med"/>
-                    </a:lnT>
-                    <a:lnB w="12700" cap="flat" cmpd="sng" algn="ctr">
-                      <a:noFill/>
-                      <a:prstDash val="solid"/>
-                      <a:round/>
-                      <a:headEnd type="none" w="med" len="med"/>
-                      <a:tailEnd type="none" w="med" len="med"/>
-                    </a:lnB>
-                    <a:noFill/>
-                  </a:tcPr>
-                </a:tc>
-              </a:tr>
-            </a:tbl>
-          </a:graphicData>
-        </a:graphic>
-      </p:graphicFrame>
     </p:spTree>
     <p:extLst>
       <p:ext uri="{BB962C8B-B14F-4D97-AF65-F5344CB8AC3E}">
@@ -11502,6 +11437,13 @@
   <p:clrMapOvr>
     <a:masterClrMapping/>
   </p:clrMapOvr>
+  <p:timing>
+    <p:tnLst>
+      <p:par>
+        <p:cTn xmlns:p14="http://schemas.microsoft.com/office/powerpoint/2010/main" id="1" dur="indefinite" restart="never" nodeType="tmRoot"/>
+      </p:par>
+    </p:tnLst>
+  </p:timing>
 </p:sld>
 </file>
 
@@ -11659,7 +11601,7 @@
                 <a:latin typeface="Helvetica"/>
                 <a:cs typeface="Helvetica"/>
               </a:rPr>
-              <a:t>Plotting</a:t>
+              <a:t>Plotting with ggplot2</a:t>
             </a:r>
             <a:endParaRPr lang="en-US" sz="1200" b="1" dirty="0">
               <a:latin typeface="Helvetica"/>
@@ -11671,6 +11613,106 @@
       <p:sp>
         <p:nvSpPr>
           <p:cNvPr id="8" name="Rectangle 7"/>
+          <p:cNvSpPr/>
+          <p:nvPr/>
+        </p:nvSpPr>
+        <p:spPr>
+          <a:xfrm>
+            <a:off x="4000304" y="3310533"/>
+            <a:ext cx="3541112" cy="226295"/>
+          </a:xfrm>
+          <a:prstGeom prst="rect">
+            <a:avLst/>
+          </a:prstGeom>
+        </p:spPr>
+        <p:style>
+          <a:lnRef idx="2">
+            <a:schemeClr val="dk1">
+              <a:shade val="50000"/>
+            </a:schemeClr>
+          </a:lnRef>
+          <a:fillRef idx="1">
+            <a:schemeClr val="dk1"/>
+          </a:fillRef>
+          <a:effectRef idx="0">
+            <a:schemeClr val="dk1"/>
+          </a:effectRef>
+          <a:fontRef idx="minor">
+            <a:schemeClr val="lt1"/>
+          </a:fontRef>
+        </p:style>
+        <p:txBody>
+          <a:bodyPr rtlCol="0" anchor="ctr"/>
+          <a:lstStyle/>
+          <a:p>
+            <a:pPr algn="ctr"/>
+            <a:r>
+              <a:rPr lang="en-US" sz="1200" b="1" dirty="0" smtClean="0">
+                <a:latin typeface="Helvetica"/>
+                <a:cs typeface="Helvetica"/>
+              </a:rPr>
+              <a:t>Sampling from distributions</a:t>
+            </a:r>
+            <a:endParaRPr lang="en-US" sz="1200" b="1" dirty="0">
+              <a:latin typeface="Helvetica"/>
+              <a:cs typeface="Helvetica"/>
+            </a:endParaRPr>
+          </a:p>
+        </p:txBody>
+      </p:sp>
+      <p:sp>
+        <p:nvSpPr>
+          <p:cNvPr id="9" name="Rectangle 8"/>
+          <p:cNvSpPr/>
+          <p:nvPr/>
+        </p:nvSpPr>
+        <p:spPr>
+          <a:xfrm>
+            <a:off x="4000304" y="8079526"/>
+            <a:ext cx="3541112" cy="226295"/>
+          </a:xfrm>
+          <a:prstGeom prst="rect">
+            <a:avLst/>
+          </a:prstGeom>
+        </p:spPr>
+        <p:style>
+          <a:lnRef idx="2">
+            <a:schemeClr val="dk1">
+              <a:shade val="50000"/>
+            </a:schemeClr>
+          </a:lnRef>
+          <a:fillRef idx="1">
+            <a:schemeClr val="dk1"/>
+          </a:fillRef>
+          <a:effectRef idx="0">
+            <a:schemeClr val="dk1"/>
+          </a:effectRef>
+          <a:fontRef idx="minor">
+            <a:schemeClr val="lt1"/>
+          </a:fontRef>
+        </p:style>
+        <p:txBody>
+          <a:bodyPr rtlCol="0" anchor="ctr"/>
+          <a:lstStyle/>
+          <a:p>
+            <a:pPr algn="ctr"/>
+            <a:r>
+              <a:rPr lang="en-US" sz="1200" b="1" dirty="0" smtClean="0">
+                <a:latin typeface="Helvetica"/>
+                <a:cs typeface="Helvetica"/>
+              </a:rPr>
+              <a:t>Useful resources</a:t>
+            </a:r>
+            <a:endParaRPr lang="en-US" sz="1200" b="1" dirty="0">
+              <a:latin typeface="Helvetica"/>
+              <a:cs typeface="Helvetica"/>
+            </a:endParaRPr>
+          </a:p>
+        </p:txBody>
+      </p:sp>
+      <p:sp>
+        <p:nvSpPr>
+          <p:cNvPr id="10" name="Rectangle 9"/>
           <p:cNvSpPr/>
           <p:nvPr/>
         </p:nvSpPr>
@@ -11709,7 +11751,7 @@
                 <a:latin typeface="Helvetica"/>
                 <a:cs typeface="Helvetica"/>
               </a:rPr>
-              <a:t>Sampling from distributions</a:t>
+              <a:t>Programming basics</a:t>
             </a:r>
             <a:endParaRPr lang="en-US" sz="1200" b="1" dirty="0">
               <a:latin typeface="Helvetica"/>
@@ -11720,13 +11762,1032 @@
       </p:sp>
       <p:sp>
         <p:nvSpPr>
-          <p:cNvPr id="9" name="Rectangle 8"/>
+          <p:cNvPr id="11" name="TextBox 10"/>
+          <p:cNvSpPr txBox="1"/>
+          <p:nvPr/>
+        </p:nvSpPr>
+        <p:spPr>
+          <a:xfrm>
+            <a:off x="4465895" y="969626"/>
+            <a:ext cx="2455251" cy="1754327"/>
+          </a:xfrm>
+          <a:prstGeom prst="rect">
+            <a:avLst/>
+          </a:prstGeom>
+          <a:noFill/>
+        </p:spPr>
+        <p:txBody>
+          <a:bodyPr wrap="square" rtlCol="0">
+            <a:spAutoFit/>
+          </a:bodyPr>
+          <a:lstStyle/>
+          <a:p>
+            <a:r>
+              <a:rPr lang="en-US" dirty="0" smtClean="0"/>
+              <a:t>Defining functions</a:t>
+            </a:r>
+          </a:p>
+          <a:p>
+            <a:r>
+              <a:rPr lang="en-US" dirty="0" smtClean="0"/>
+              <a:t>if, for, </a:t>
+            </a:r>
+            <a:r>
+              <a:rPr lang="en-US" dirty="0" smtClean="0"/>
+              <a:t>while</a:t>
+            </a:r>
+          </a:p>
+          <a:p>
+            <a:r>
+              <a:rPr lang="en-US" dirty="0" smtClean="0"/>
+              <a:t>Other useful commands:</a:t>
+            </a:r>
+          </a:p>
+          <a:p>
+            <a:r>
+              <a:rPr lang="en-US" dirty="0" smtClean="0"/>
+              <a:t>Paste, attach, detach, with, by</a:t>
+            </a:r>
+            <a:endParaRPr lang="en-US" dirty="0" smtClean="0"/>
+          </a:p>
+        </p:txBody>
+      </p:sp>
+      <p:sp>
+        <p:nvSpPr>
+          <p:cNvPr id="2" name="TextBox 1"/>
+          <p:cNvSpPr txBox="1"/>
+          <p:nvPr/>
+        </p:nvSpPr>
+        <p:spPr>
+          <a:xfrm>
+            <a:off x="4730508" y="5058288"/>
+            <a:ext cx="2539871" cy="246221"/>
+          </a:xfrm>
+          <a:prstGeom prst="rect">
+            <a:avLst/>
+          </a:prstGeom>
+          <a:noFill/>
+        </p:spPr>
+        <p:txBody>
+          <a:bodyPr wrap="square" rtlCol="0">
+            <a:spAutoFit/>
+          </a:bodyPr>
+          <a:lstStyle/>
+          <a:p>
+            <a:r>
+              <a:rPr lang="en-US" sz="1000" dirty="0" err="1" smtClean="0">
+                <a:latin typeface="Helvetica"/>
+                <a:cs typeface="Helvetica"/>
+              </a:rPr>
+              <a:t>qnorm</a:t>
+            </a:r>
+            <a:r>
+              <a:rPr lang="en-US" sz="1000" dirty="0" smtClean="0">
+                <a:latin typeface="Helvetica"/>
+                <a:cs typeface="Helvetica"/>
+              </a:rPr>
+              <a:t>, </a:t>
+            </a:r>
+            <a:r>
+              <a:rPr lang="en-US" sz="1000" dirty="0" err="1" smtClean="0">
+                <a:latin typeface="Helvetica"/>
+                <a:cs typeface="Helvetica"/>
+              </a:rPr>
+              <a:t>rnorm</a:t>
+            </a:r>
+            <a:r>
+              <a:rPr lang="en-US" sz="1000" dirty="0" smtClean="0">
+                <a:latin typeface="Helvetica"/>
+                <a:cs typeface="Helvetica"/>
+              </a:rPr>
+              <a:t>, etc.</a:t>
+            </a:r>
+          </a:p>
+        </p:txBody>
+      </p:sp>
+      <p:sp>
+        <p:nvSpPr>
+          <p:cNvPr id="3" name="TextBox 2"/>
+          <p:cNvSpPr txBox="1"/>
+          <p:nvPr/>
+        </p:nvSpPr>
+        <p:spPr>
+          <a:xfrm>
+            <a:off x="235361" y="457199"/>
+            <a:ext cx="3541113" cy="6093976"/>
+          </a:xfrm>
+          <a:prstGeom prst="rect">
+            <a:avLst/>
+          </a:prstGeom>
+          <a:noFill/>
+        </p:spPr>
+        <p:txBody>
+          <a:bodyPr wrap="square" rtlCol="0">
+            <a:spAutoFit/>
+          </a:bodyPr>
+          <a:lstStyle/>
+          <a:p>
+            <a:r>
+              <a:rPr lang="en-US" sz="1000" dirty="0" smtClean="0">
+                <a:latin typeface="Helvetica"/>
+                <a:cs typeface="Helvetica"/>
+              </a:rPr>
+              <a:t>Making any plot with </a:t>
+            </a:r>
+            <a:r>
+              <a:rPr lang="en-US" sz="1000" dirty="0" err="1" smtClean="0">
+                <a:latin typeface="Helvetica"/>
+                <a:cs typeface="Helvetica"/>
+              </a:rPr>
+              <a:t>ggplot</a:t>
+            </a:r>
+            <a:r>
+              <a:rPr lang="en-US" sz="1000" dirty="0" smtClean="0">
+                <a:latin typeface="Helvetica"/>
+                <a:cs typeface="Helvetica"/>
+              </a:rPr>
+              <a:t> follows the same basic steps:</a:t>
+            </a:r>
+          </a:p>
+          <a:p>
+            <a:pPr marL="228600" indent="-228600">
+              <a:buFont typeface="+mj-lt"/>
+              <a:buAutoNum type="arabicPeriod"/>
+            </a:pPr>
+            <a:r>
+              <a:rPr lang="en-US" sz="1000" dirty="0" smtClean="0">
+                <a:latin typeface="Helvetica"/>
+                <a:cs typeface="Helvetica"/>
+              </a:rPr>
+              <a:t>Choosing a </a:t>
+            </a:r>
+            <a:r>
+              <a:rPr lang="en-US" sz="1000" b="1" dirty="0" smtClean="0">
+                <a:latin typeface="Helvetica"/>
+                <a:cs typeface="Helvetica"/>
+              </a:rPr>
+              <a:t>dataset</a:t>
+            </a:r>
+            <a:r>
+              <a:rPr lang="en-US" sz="1000" dirty="0" smtClean="0">
+                <a:latin typeface="Helvetica"/>
+                <a:cs typeface="Helvetica"/>
+              </a:rPr>
+              <a:t> to plot</a:t>
+            </a:r>
+          </a:p>
+          <a:p>
+            <a:pPr marL="228600" indent="-228600">
+              <a:buFont typeface="+mj-lt"/>
+              <a:buAutoNum type="arabicPeriod"/>
+            </a:pPr>
+            <a:r>
+              <a:rPr lang="en-US" sz="1000" dirty="0" smtClean="0">
+                <a:latin typeface="Helvetica"/>
+                <a:cs typeface="Helvetica"/>
+              </a:rPr>
+              <a:t>Using </a:t>
+            </a:r>
+            <a:r>
+              <a:rPr lang="en-US" sz="1000" b="1" dirty="0" err="1" smtClean="0">
+                <a:latin typeface="Helvetica"/>
+                <a:cs typeface="Helvetica"/>
+              </a:rPr>
+              <a:t>geoms</a:t>
+            </a:r>
+            <a:r>
+              <a:rPr lang="en-US" sz="1000" b="1" dirty="0" smtClean="0">
+                <a:latin typeface="Helvetica"/>
+                <a:cs typeface="Helvetica"/>
+              </a:rPr>
+              <a:t> </a:t>
+            </a:r>
+            <a:r>
+              <a:rPr lang="en-US" sz="1000" dirty="0" smtClean="0">
+                <a:latin typeface="Helvetica"/>
+                <a:cs typeface="Helvetica"/>
+              </a:rPr>
+              <a:t>to specify what kinds of marks (such as lines, dots, or bars) will appear on the plot</a:t>
+            </a:r>
+          </a:p>
+          <a:p>
+            <a:pPr marL="228600" indent="-228600">
+              <a:buFont typeface="+mj-lt"/>
+              <a:buAutoNum type="arabicPeriod"/>
+            </a:pPr>
+            <a:r>
+              <a:rPr lang="en-US" sz="1000" dirty="0" smtClean="0">
+                <a:latin typeface="Helvetica"/>
+                <a:cs typeface="Helvetica"/>
+              </a:rPr>
+              <a:t>Using </a:t>
+            </a:r>
+            <a:r>
+              <a:rPr lang="en-US" sz="1000" b="1" dirty="0" smtClean="0">
+                <a:latin typeface="Helvetica"/>
+                <a:cs typeface="Helvetica"/>
+              </a:rPr>
+              <a:t>aesthetic mappings </a:t>
+            </a:r>
+            <a:r>
+              <a:rPr lang="en-US" sz="1000" dirty="0" smtClean="0">
+                <a:latin typeface="Helvetica"/>
+                <a:cs typeface="Helvetica"/>
+              </a:rPr>
+              <a:t>to specify how different properties of the dataset will appear on the plot. The most basic of these is choosing which variables will appear on the x and y axis.</a:t>
+            </a:r>
+            <a:endParaRPr lang="en-US" sz="1000" dirty="0">
+              <a:latin typeface="Helvetica"/>
+              <a:cs typeface="Helvetica"/>
+            </a:endParaRPr>
+          </a:p>
+          <a:p>
+            <a:endParaRPr lang="en-US" sz="1000" b="1" dirty="0" smtClean="0">
+              <a:latin typeface="Helvetica"/>
+              <a:cs typeface="Helvetica"/>
+            </a:endParaRPr>
+          </a:p>
+          <a:p>
+            <a:r>
+              <a:rPr lang="en-US" sz="1000" b="1" dirty="0" smtClean="0">
+                <a:latin typeface="Helvetica"/>
+                <a:cs typeface="Helvetica"/>
+              </a:rPr>
+              <a:t>Basic syntax</a:t>
+            </a:r>
+            <a:endParaRPr lang="en-US" sz="1000" dirty="0">
+              <a:latin typeface="Helvetica"/>
+              <a:cs typeface="Helvetica"/>
+            </a:endParaRPr>
+          </a:p>
+          <a:p>
+            <a:r>
+              <a:rPr lang="en-US" sz="1000" dirty="0" smtClean="0">
+                <a:latin typeface="Helvetica"/>
+                <a:cs typeface="Helvetica"/>
+              </a:rPr>
+              <a:t>	 </a:t>
+            </a:r>
+            <a:r>
+              <a:rPr lang="en-US" sz="1000" dirty="0" smtClean="0">
+                <a:solidFill>
+                  <a:srgbClr val="008000"/>
+                </a:solidFill>
+                <a:latin typeface="Helvetica"/>
+                <a:cs typeface="Helvetica"/>
+              </a:rPr>
+              <a:t> </a:t>
+            </a:r>
+            <a:r>
+              <a:rPr lang="en-US" sz="1000" b="1" dirty="0" smtClean="0">
+                <a:solidFill>
+                  <a:srgbClr val="30AE32"/>
+                </a:solidFill>
+                <a:latin typeface="Helvetica"/>
+                <a:cs typeface="Helvetica"/>
+              </a:rPr>
+              <a:t>Aesthetic mappings</a:t>
+            </a:r>
+            <a:r>
+              <a:rPr lang="en-US" sz="1000" b="1" dirty="0" smtClean="0">
+                <a:latin typeface="Helvetica"/>
+                <a:cs typeface="Helvetica"/>
+              </a:rPr>
+              <a:t>		</a:t>
+            </a:r>
+            <a:r>
+              <a:rPr lang="en-US" sz="1000" b="1" dirty="0" smtClean="0">
+                <a:solidFill>
+                  <a:srgbClr val="F15E5D"/>
+                </a:solidFill>
+                <a:latin typeface="Helvetica"/>
+                <a:cs typeface="Helvetica"/>
+              </a:rPr>
+              <a:t>Dataset</a:t>
+            </a:r>
+            <a:endParaRPr lang="en-US" sz="1000" b="1" dirty="0" smtClean="0">
+              <a:solidFill>
+                <a:srgbClr val="F15E5D"/>
+              </a:solidFill>
+              <a:latin typeface="Helvetica"/>
+              <a:cs typeface="Helvetica"/>
+            </a:endParaRPr>
+          </a:p>
+          <a:p>
+            <a:r>
+              <a:rPr lang="en-US" sz="1000" dirty="0" err="1" smtClean="0">
+                <a:latin typeface="Monaco"/>
+                <a:cs typeface="Monaco"/>
+              </a:rPr>
+              <a:t>qplot</a:t>
+            </a:r>
+            <a:r>
+              <a:rPr lang="en-US" sz="1000" dirty="0" smtClean="0">
+                <a:latin typeface="Monaco"/>
+                <a:cs typeface="Monaco"/>
+              </a:rPr>
+              <a:t>(</a:t>
+            </a:r>
+            <a:r>
+              <a:rPr lang="en-US" sz="1000" dirty="0" smtClean="0">
+                <a:solidFill>
+                  <a:srgbClr val="30AE32"/>
+                </a:solidFill>
+                <a:latin typeface="Monaco"/>
+                <a:cs typeface="Monaco"/>
+              </a:rPr>
+              <a:t>x = time, y = score</a:t>
+            </a:r>
+            <a:r>
+              <a:rPr lang="en-US" sz="1000" dirty="0" smtClean="0">
+                <a:latin typeface="Monaco"/>
+                <a:cs typeface="Monaco"/>
+              </a:rPr>
+              <a:t>, </a:t>
+            </a:r>
+            <a:r>
+              <a:rPr lang="en-US" sz="1000" dirty="0" smtClean="0">
+                <a:solidFill>
+                  <a:srgbClr val="F15E5D"/>
+                </a:solidFill>
+                <a:latin typeface="Monaco"/>
+                <a:cs typeface="Monaco"/>
+              </a:rPr>
+              <a:t>data = </a:t>
+            </a:r>
+            <a:r>
+              <a:rPr lang="en-US" sz="1000" dirty="0" err="1" smtClean="0">
+                <a:solidFill>
+                  <a:srgbClr val="F15E5D"/>
+                </a:solidFill>
+                <a:latin typeface="Monaco"/>
+                <a:cs typeface="Monaco"/>
+              </a:rPr>
+              <a:t>mydata</a:t>
+            </a:r>
+            <a:r>
+              <a:rPr lang="en-US" sz="1000" dirty="0" smtClean="0">
+                <a:latin typeface="Monaco"/>
+                <a:cs typeface="Monaco"/>
+              </a:rPr>
+              <a:t>, </a:t>
+            </a:r>
+          </a:p>
+          <a:p>
+            <a:r>
+              <a:rPr lang="en-US" sz="1000" dirty="0">
+                <a:latin typeface="Monaco"/>
+                <a:cs typeface="Monaco"/>
+              </a:rPr>
+              <a:t>	</a:t>
+            </a:r>
+            <a:r>
+              <a:rPr lang="en-US" sz="1000" dirty="0" err="1" smtClean="0">
+                <a:solidFill>
+                  <a:srgbClr val="5289FB"/>
+                </a:solidFill>
+                <a:latin typeface="Monaco"/>
+                <a:cs typeface="Monaco"/>
+              </a:rPr>
+              <a:t>geom</a:t>
+            </a:r>
+            <a:r>
+              <a:rPr lang="en-US" sz="1000" dirty="0" smtClean="0">
+                <a:solidFill>
+                  <a:srgbClr val="5289FB"/>
+                </a:solidFill>
+                <a:latin typeface="Monaco"/>
+                <a:cs typeface="Monaco"/>
+              </a:rPr>
+              <a:t> = ‘point’</a:t>
+            </a:r>
+            <a:r>
+              <a:rPr lang="en-US" sz="1000" dirty="0" smtClean="0">
+                <a:latin typeface="Monaco"/>
+                <a:cs typeface="Monaco"/>
+              </a:rPr>
+              <a:t>)</a:t>
+            </a:r>
+          </a:p>
+          <a:p>
+            <a:r>
+              <a:rPr lang="en-US" sz="1000" dirty="0">
+                <a:latin typeface="Monaco"/>
+                <a:cs typeface="Monaco"/>
+              </a:rPr>
+              <a:t>	 </a:t>
+            </a:r>
+            <a:r>
+              <a:rPr lang="en-US" sz="1000" dirty="0" smtClean="0">
+                <a:latin typeface="Monaco"/>
+                <a:cs typeface="Monaco"/>
+              </a:rPr>
+              <a:t>   </a:t>
+            </a:r>
+            <a:r>
+              <a:rPr lang="en-US" sz="1000" b="1" dirty="0" err="1" smtClean="0">
+                <a:solidFill>
+                  <a:srgbClr val="5289FB"/>
+                </a:solidFill>
+                <a:latin typeface="Helvetica"/>
+                <a:cs typeface="Helvetica"/>
+              </a:rPr>
+              <a:t>Geoms</a:t>
+            </a:r>
+            <a:endParaRPr lang="en-US" sz="1000" dirty="0">
+              <a:solidFill>
+                <a:srgbClr val="5289FB"/>
+              </a:solidFill>
+              <a:latin typeface="Helvetica"/>
+              <a:cs typeface="Helvetica"/>
+            </a:endParaRPr>
+          </a:p>
+          <a:p>
+            <a:endParaRPr lang="en-US" sz="1000" b="1" dirty="0" smtClean="0">
+              <a:latin typeface="Helvetica"/>
+              <a:cs typeface="Helvetica"/>
+            </a:endParaRPr>
+          </a:p>
+          <a:p>
+            <a:r>
+              <a:rPr lang="en-US" sz="1000" dirty="0">
+                <a:latin typeface="Helvetica"/>
+                <a:cs typeface="Helvetica"/>
+              </a:rPr>
+              <a:t>Making a plot </a:t>
+            </a:r>
+            <a:r>
+              <a:rPr lang="en-US" sz="1000" dirty="0" smtClean="0">
+                <a:latin typeface="Helvetica"/>
+                <a:cs typeface="Helvetica"/>
+              </a:rPr>
+              <a:t>with </a:t>
+            </a:r>
+            <a:r>
+              <a:rPr lang="en-US" sz="1000" dirty="0" err="1" smtClean="0">
+                <a:latin typeface="Monaco"/>
+                <a:cs typeface="Monaco"/>
+              </a:rPr>
+              <a:t>ggplot</a:t>
+            </a:r>
+            <a:r>
+              <a:rPr lang="en-US" sz="1000" dirty="0" smtClean="0">
+                <a:latin typeface="Helvetica"/>
+                <a:cs typeface="Helvetica"/>
+              </a:rPr>
+              <a:t> </a:t>
+            </a:r>
+            <a:r>
+              <a:rPr lang="en-US" sz="1000" dirty="0">
+                <a:latin typeface="Helvetica"/>
+                <a:cs typeface="Helvetica"/>
+              </a:rPr>
+              <a:t>command </a:t>
+            </a:r>
+            <a:r>
+              <a:rPr lang="en-US" sz="1000" dirty="0" smtClean="0">
+                <a:latin typeface="Helvetica"/>
+                <a:cs typeface="Helvetica"/>
+              </a:rPr>
+              <a:t>provides </a:t>
+            </a:r>
+            <a:r>
+              <a:rPr lang="en-US" sz="1000" dirty="0">
+                <a:latin typeface="Helvetica"/>
+                <a:cs typeface="Helvetica"/>
+              </a:rPr>
+              <a:t>more control. Use </a:t>
+            </a:r>
+            <a:r>
+              <a:rPr lang="en-US" sz="1000" dirty="0">
+                <a:latin typeface="Monaco"/>
+                <a:cs typeface="Monaco"/>
+              </a:rPr>
+              <a:t>+</a:t>
+            </a:r>
+            <a:r>
+              <a:rPr lang="en-US" sz="1000" dirty="0">
+                <a:latin typeface="Helvetica"/>
+                <a:cs typeface="Helvetica"/>
+              </a:rPr>
+              <a:t> to add elements, layers, and custom options.</a:t>
+            </a:r>
+          </a:p>
+          <a:p>
+            <a:endParaRPr lang="en-US" sz="1000" dirty="0" smtClean="0">
+              <a:latin typeface="Monaco"/>
+              <a:cs typeface="Monaco"/>
+            </a:endParaRPr>
+          </a:p>
+          <a:p>
+            <a:r>
+              <a:rPr lang="en-US" sz="1000" dirty="0" err="1" smtClean="0">
+                <a:latin typeface="Monaco"/>
+                <a:cs typeface="Monaco"/>
+              </a:rPr>
+              <a:t>myplot</a:t>
+            </a:r>
+            <a:r>
+              <a:rPr lang="en-US" sz="1000" dirty="0" smtClean="0">
+                <a:latin typeface="Monaco"/>
+                <a:cs typeface="Monaco"/>
+              </a:rPr>
+              <a:t> &lt;- </a:t>
+            </a:r>
+            <a:r>
+              <a:rPr lang="en-US" sz="1000" dirty="0" err="1" smtClean="0">
+                <a:latin typeface="Monaco"/>
+                <a:cs typeface="Monaco"/>
+              </a:rPr>
+              <a:t>ggplot</a:t>
+            </a:r>
+            <a:r>
+              <a:rPr lang="en-US" sz="1000" dirty="0" smtClean="0">
+                <a:latin typeface="Monaco"/>
+                <a:cs typeface="Monaco"/>
+              </a:rPr>
+              <a:t>(</a:t>
+            </a:r>
+            <a:r>
+              <a:rPr lang="en-US" sz="1000" dirty="0" err="1" smtClean="0">
+                <a:solidFill>
+                  <a:srgbClr val="F15E5D"/>
+                </a:solidFill>
+                <a:latin typeface="Monaco"/>
+                <a:cs typeface="Monaco"/>
+              </a:rPr>
+              <a:t>mydata</a:t>
+            </a:r>
+            <a:r>
+              <a:rPr lang="en-US" sz="1000" dirty="0" smtClean="0">
+                <a:latin typeface="Monaco"/>
+                <a:cs typeface="Monaco"/>
+              </a:rPr>
+              <a:t>, </a:t>
+            </a:r>
+            <a:r>
+              <a:rPr lang="en-US" sz="1000" dirty="0" err="1" smtClean="0">
+                <a:solidFill>
+                  <a:srgbClr val="30AE32"/>
+                </a:solidFill>
+                <a:latin typeface="Monaco"/>
+                <a:cs typeface="Monaco"/>
+              </a:rPr>
+              <a:t>aes</a:t>
+            </a:r>
+            <a:r>
+              <a:rPr lang="en-US" sz="1000" dirty="0" smtClean="0">
+                <a:solidFill>
+                  <a:srgbClr val="30AE32"/>
+                </a:solidFill>
+                <a:latin typeface="Monaco"/>
+                <a:cs typeface="Monaco"/>
+              </a:rPr>
+              <a:t>(time, score)</a:t>
+            </a:r>
+            <a:r>
+              <a:rPr lang="en-US" sz="1000" dirty="0" smtClean="0">
+                <a:latin typeface="Monaco"/>
+                <a:cs typeface="Monaco"/>
+              </a:rPr>
+              <a:t>) +</a:t>
+            </a:r>
+          </a:p>
+          <a:p>
+            <a:r>
+              <a:rPr lang="en-US" sz="1000" dirty="0" smtClean="0">
+                <a:latin typeface="Monaco"/>
+                <a:cs typeface="Monaco"/>
+              </a:rPr>
+              <a:t>	       </a:t>
+            </a:r>
+            <a:r>
+              <a:rPr lang="en-US" sz="1000" dirty="0" err="1" smtClean="0">
+                <a:solidFill>
+                  <a:srgbClr val="3366FF"/>
+                </a:solidFill>
+                <a:latin typeface="Monaco"/>
+                <a:cs typeface="Monaco"/>
+              </a:rPr>
+              <a:t>geom_point</a:t>
+            </a:r>
+            <a:r>
+              <a:rPr lang="en-US" sz="1000" dirty="0" smtClean="0">
+                <a:solidFill>
+                  <a:srgbClr val="3366FF"/>
+                </a:solidFill>
+                <a:latin typeface="Monaco"/>
+                <a:cs typeface="Monaco"/>
+              </a:rPr>
+              <a:t>() </a:t>
+            </a:r>
+            <a:r>
+              <a:rPr lang="en-US" sz="1000" dirty="0" smtClean="0">
+                <a:latin typeface="Monaco"/>
+                <a:cs typeface="Monaco"/>
+              </a:rPr>
+              <a:t>+</a:t>
+            </a:r>
+          </a:p>
+          <a:p>
+            <a:r>
+              <a:rPr lang="en-US" sz="1000" dirty="0">
+                <a:latin typeface="Monaco"/>
+                <a:cs typeface="Monaco"/>
+              </a:rPr>
+              <a:t>	 </a:t>
+            </a:r>
+            <a:r>
+              <a:rPr lang="en-US" sz="1000" dirty="0" smtClean="0">
+                <a:latin typeface="Monaco"/>
+                <a:cs typeface="Monaco"/>
+              </a:rPr>
+              <a:t>      </a:t>
+            </a:r>
+            <a:r>
+              <a:rPr lang="en-US" sz="1000" dirty="0" err="1" smtClean="0">
+                <a:solidFill>
+                  <a:srgbClr val="3366FF"/>
+                </a:solidFill>
+                <a:latin typeface="Monaco"/>
+                <a:cs typeface="Monaco"/>
+              </a:rPr>
+              <a:t>geom_smooth</a:t>
+            </a:r>
+            <a:r>
+              <a:rPr lang="en-US" sz="1000" dirty="0" smtClean="0">
+                <a:solidFill>
+                  <a:srgbClr val="3366FF"/>
+                </a:solidFill>
+                <a:latin typeface="Monaco"/>
+                <a:cs typeface="Monaco"/>
+              </a:rPr>
+              <a:t>(method = ‘lm’) </a:t>
+            </a:r>
+            <a:r>
+              <a:rPr lang="en-US" sz="1000" dirty="0" smtClean="0">
+                <a:latin typeface="Monaco"/>
+                <a:cs typeface="Monaco"/>
+              </a:rPr>
+              <a:t>+</a:t>
+            </a:r>
+            <a:endParaRPr lang="en-US" sz="1000" dirty="0" smtClean="0">
+              <a:latin typeface="Monaco"/>
+              <a:cs typeface="Monaco"/>
+            </a:endParaRPr>
+          </a:p>
+          <a:p>
+            <a:r>
+              <a:rPr lang="en-US" sz="1000" dirty="0">
+                <a:latin typeface="Monaco"/>
+                <a:cs typeface="Monaco"/>
+              </a:rPr>
+              <a:t>	 </a:t>
+            </a:r>
+            <a:r>
+              <a:rPr lang="en-US" sz="1000" dirty="0" smtClean="0">
+                <a:latin typeface="Monaco"/>
+                <a:cs typeface="Monaco"/>
+              </a:rPr>
+              <a:t>      </a:t>
+            </a:r>
+            <a:r>
+              <a:rPr lang="en-US" sz="1000" dirty="0" err="1" smtClean="0">
+                <a:latin typeface="Monaco"/>
+                <a:cs typeface="Monaco"/>
+              </a:rPr>
+              <a:t>theme_bw</a:t>
+            </a:r>
+            <a:r>
+              <a:rPr lang="en-US" sz="1000" dirty="0" smtClean="0">
+                <a:latin typeface="Monaco"/>
+                <a:cs typeface="Monaco"/>
+              </a:rPr>
+              <a:t>() </a:t>
+            </a:r>
+            <a:r>
+              <a:rPr lang="en-US" sz="1000" dirty="0" smtClean="0">
+                <a:solidFill>
+                  <a:schemeClr val="tx1">
+                    <a:lumMod val="50000"/>
+                    <a:lumOff val="50000"/>
+                  </a:schemeClr>
+                </a:solidFill>
+                <a:latin typeface="Monaco"/>
+                <a:cs typeface="Monaco"/>
+              </a:rPr>
+              <a:t># custom options</a:t>
+            </a:r>
+            <a:endParaRPr lang="en-US" sz="1000" dirty="0">
+              <a:solidFill>
+                <a:schemeClr val="tx1">
+                  <a:lumMod val="50000"/>
+                  <a:lumOff val="50000"/>
+                </a:schemeClr>
+              </a:solidFill>
+              <a:latin typeface="Monaco"/>
+              <a:cs typeface="Monaco"/>
+            </a:endParaRPr>
+          </a:p>
+          <a:p>
+            <a:endParaRPr lang="en-US" sz="1000" dirty="0">
+              <a:latin typeface="Helvetica"/>
+              <a:cs typeface="Helvetica"/>
+            </a:endParaRPr>
+          </a:p>
+          <a:p>
+            <a:r>
+              <a:rPr lang="en-US" sz="1000" b="1" dirty="0" err="1" smtClean="0">
+                <a:latin typeface="Helvetica"/>
+                <a:cs typeface="Helvetica"/>
+              </a:rPr>
+              <a:t>Geoms</a:t>
+            </a:r>
+            <a:endParaRPr lang="en-US" sz="1000" b="1" dirty="0" smtClean="0">
+              <a:latin typeface="Helvetica"/>
+              <a:cs typeface="Helvetica"/>
+            </a:endParaRPr>
+          </a:p>
+          <a:p>
+            <a:r>
+              <a:rPr lang="en-US" sz="1000" dirty="0" smtClean="0">
+                <a:latin typeface="Helvetica"/>
+                <a:cs typeface="Helvetica"/>
+              </a:rPr>
+              <a:t>[Table with icon, command, available options, notes. Include </a:t>
+            </a:r>
+            <a:r>
+              <a:rPr lang="en-US" sz="1000" dirty="0" err="1" smtClean="0">
+                <a:latin typeface="Helvetica"/>
+                <a:cs typeface="Helvetica"/>
+              </a:rPr>
+              <a:t>geom_density</a:t>
+            </a:r>
+            <a:r>
+              <a:rPr lang="en-US" sz="1000" dirty="0" smtClean="0">
+                <a:latin typeface="Helvetica"/>
+                <a:cs typeface="Helvetica"/>
+              </a:rPr>
+              <a:t>, </a:t>
+            </a:r>
+            <a:r>
+              <a:rPr lang="en-US" sz="1000" dirty="0" err="1" smtClean="0">
+                <a:latin typeface="Helvetica"/>
+                <a:cs typeface="Helvetica"/>
+              </a:rPr>
+              <a:t>geom_histogram</a:t>
+            </a:r>
+            <a:r>
+              <a:rPr lang="en-US" sz="1000" dirty="0" smtClean="0">
+                <a:latin typeface="Helvetica"/>
+                <a:cs typeface="Helvetica"/>
+              </a:rPr>
+              <a:t>, </a:t>
+            </a:r>
+            <a:r>
+              <a:rPr lang="en-US" sz="1000" dirty="0" err="1" smtClean="0">
+                <a:latin typeface="Helvetica"/>
+                <a:cs typeface="Helvetica"/>
+              </a:rPr>
+              <a:t>geom_bar</a:t>
+            </a:r>
+            <a:r>
+              <a:rPr lang="en-US" sz="1000" dirty="0" smtClean="0">
+                <a:latin typeface="Helvetica"/>
+                <a:cs typeface="Helvetica"/>
+              </a:rPr>
+              <a:t>, </a:t>
+            </a:r>
+            <a:r>
+              <a:rPr lang="en-US" sz="1000" dirty="0" err="1" smtClean="0">
+                <a:latin typeface="Helvetica"/>
+                <a:cs typeface="Helvetica"/>
+              </a:rPr>
+              <a:t>geom_jitter</a:t>
+            </a:r>
+            <a:r>
+              <a:rPr lang="en-US" sz="1000" dirty="0" smtClean="0">
+                <a:latin typeface="Helvetica"/>
+                <a:cs typeface="Helvetica"/>
+              </a:rPr>
+              <a:t>, </a:t>
+            </a:r>
+            <a:r>
+              <a:rPr lang="en-US" sz="1000" dirty="0" err="1" smtClean="0">
+                <a:latin typeface="Helvetica"/>
+                <a:cs typeface="Helvetica"/>
+              </a:rPr>
+              <a:t>geom_point</a:t>
+            </a:r>
+            <a:r>
+              <a:rPr lang="en-US" sz="1000" dirty="0" smtClean="0">
+                <a:latin typeface="Helvetica"/>
+                <a:cs typeface="Helvetica"/>
+              </a:rPr>
+              <a:t>, </a:t>
+            </a:r>
+            <a:r>
+              <a:rPr lang="en-US" sz="1000" dirty="0" err="1" smtClean="0">
+                <a:latin typeface="Helvetica"/>
+                <a:cs typeface="Helvetica"/>
+              </a:rPr>
+              <a:t>geom_line</a:t>
+            </a:r>
+            <a:r>
+              <a:rPr lang="en-US" sz="1000" dirty="0" smtClean="0">
+                <a:latin typeface="Helvetica"/>
+                <a:cs typeface="Helvetica"/>
+              </a:rPr>
+              <a:t>, </a:t>
+            </a:r>
+            <a:r>
+              <a:rPr lang="en-US" sz="1000" dirty="0" err="1" smtClean="0">
+                <a:latin typeface="Helvetica"/>
+                <a:cs typeface="Helvetica"/>
+              </a:rPr>
+              <a:t>geom_smooth</a:t>
+            </a:r>
+            <a:r>
+              <a:rPr lang="en-US" sz="1000" dirty="0" smtClean="0">
+                <a:latin typeface="Helvetica"/>
+                <a:cs typeface="Helvetica"/>
+              </a:rPr>
+              <a:t>, </a:t>
+            </a:r>
+            <a:r>
+              <a:rPr lang="en-US" sz="1000" dirty="0" err="1" smtClean="0">
+                <a:latin typeface="Helvetica"/>
+                <a:cs typeface="Helvetica"/>
+              </a:rPr>
+              <a:t>geom_errorbar</a:t>
+            </a:r>
+            <a:r>
+              <a:rPr lang="en-US" sz="1000" dirty="0" smtClean="0">
+                <a:latin typeface="Helvetica"/>
+                <a:cs typeface="Helvetica"/>
+              </a:rPr>
+              <a:t>]</a:t>
+            </a:r>
+            <a:endParaRPr lang="en-US" sz="1000" dirty="0">
+              <a:latin typeface="Helvetica"/>
+              <a:cs typeface="Helvetica"/>
+            </a:endParaRPr>
+          </a:p>
+          <a:p>
+            <a:endParaRPr lang="en-US" sz="1000" dirty="0" smtClean="0">
+              <a:latin typeface="Helvetica"/>
+              <a:cs typeface="Helvetica"/>
+            </a:endParaRPr>
+          </a:p>
+          <a:p>
+            <a:endParaRPr lang="en-US" sz="1000" dirty="0">
+              <a:latin typeface="Monaco"/>
+              <a:cs typeface="Monaco"/>
+            </a:endParaRPr>
+          </a:p>
+          <a:p>
+            <a:r>
+              <a:rPr lang="en-US" sz="1000" b="1" dirty="0" smtClean="0">
+                <a:latin typeface="Helvetica"/>
+                <a:cs typeface="Helvetica"/>
+              </a:rPr>
+              <a:t>Other options</a:t>
+            </a:r>
+          </a:p>
+          <a:p>
+            <a:r>
+              <a:rPr lang="en-US" sz="1000" dirty="0" smtClean="0">
+                <a:latin typeface="Helvetica"/>
+                <a:cs typeface="Helvetica"/>
+              </a:rPr>
+              <a:t>Adding a title</a:t>
+            </a:r>
+          </a:p>
+          <a:p>
+            <a:r>
+              <a:rPr lang="en-US" sz="1000" dirty="0" err="1" smtClean="0">
+                <a:latin typeface="Monaco"/>
+                <a:cs typeface="Monaco"/>
+              </a:rPr>
+              <a:t>myplot</a:t>
+            </a:r>
+            <a:r>
+              <a:rPr lang="en-US" sz="1000" dirty="0" smtClean="0">
+                <a:latin typeface="Monaco"/>
+                <a:cs typeface="Monaco"/>
+              </a:rPr>
+              <a:t> + </a:t>
+            </a:r>
+            <a:r>
+              <a:rPr lang="en-US" sz="1000" dirty="0" err="1" smtClean="0">
+                <a:latin typeface="Monaco"/>
+                <a:cs typeface="Monaco"/>
+              </a:rPr>
+              <a:t>ggtitle</a:t>
+            </a:r>
+            <a:r>
+              <a:rPr lang="en-US" sz="1000" dirty="0" smtClean="0">
+                <a:latin typeface="Monaco"/>
+                <a:cs typeface="Monaco"/>
+              </a:rPr>
+              <a:t>(‘My Plot’)</a:t>
+            </a:r>
+          </a:p>
+          <a:p>
+            <a:r>
+              <a:rPr lang="en-US" sz="1000" dirty="0" smtClean="0">
+                <a:latin typeface="Helvetica"/>
+                <a:cs typeface="Helvetica"/>
+              </a:rPr>
+              <a:t>Changing x- and y-axis labels</a:t>
+            </a:r>
+          </a:p>
+          <a:p>
+            <a:r>
+              <a:rPr lang="en-US" sz="1000" dirty="0" err="1" smtClean="0">
+                <a:latin typeface="Monaco"/>
+                <a:cs typeface="Monaco"/>
+              </a:rPr>
+              <a:t>myplot</a:t>
+            </a:r>
+            <a:r>
+              <a:rPr lang="en-US" sz="1000" dirty="0" smtClean="0">
+                <a:latin typeface="Monaco"/>
+                <a:cs typeface="Monaco"/>
+              </a:rPr>
+              <a:t> + </a:t>
+            </a:r>
+            <a:r>
+              <a:rPr lang="en-US" sz="1000" dirty="0" err="1" smtClean="0">
+                <a:latin typeface="Monaco"/>
+                <a:cs typeface="Monaco"/>
+              </a:rPr>
+              <a:t>xlab</a:t>
+            </a:r>
+            <a:r>
+              <a:rPr lang="en-US" sz="1000" dirty="0" smtClean="0">
+                <a:latin typeface="Monaco"/>
+                <a:cs typeface="Monaco"/>
+              </a:rPr>
+              <a:t>(‘Time’) + </a:t>
+            </a:r>
+            <a:r>
+              <a:rPr lang="en-US" sz="1000" dirty="0" err="1" smtClean="0">
+                <a:latin typeface="Monaco"/>
+                <a:cs typeface="Monaco"/>
+              </a:rPr>
+              <a:t>ylab</a:t>
+            </a:r>
+            <a:r>
+              <a:rPr lang="en-US" sz="1000" dirty="0" smtClean="0">
+                <a:latin typeface="Monaco"/>
+                <a:cs typeface="Monaco"/>
+              </a:rPr>
+              <a:t>(‘Score’)</a:t>
+            </a:r>
+            <a:endParaRPr lang="en-US" sz="1000" b="1" dirty="0" smtClean="0">
+              <a:latin typeface="Monaco"/>
+              <a:cs typeface="Monaco"/>
+            </a:endParaRPr>
+          </a:p>
+          <a:p>
+            <a:r>
+              <a:rPr lang="en-US" sz="1000" dirty="0" smtClean="0">
+                <a:latin typeface="Helvetica"/>
+                <a:cs typeface="Helvetica"/>
+              </a:rPr>
+              <a:t>Faceting</a:t>
+            </a:r>
+          </a:p>
+          <a:p>
+            <a:r>
+              <a:rPr lang="en-US" sz="1000" dirty="0" smtClean="0">
+                <a:latin typeface="Helvetica"/>
+                <a:cs typeface="Helvetica"/>
+              </a:rPr>
+              <a:t>Changing bounds of plot</a:t>
+            </a:r>
+          </a:p>
+          <a:p>
+            <a:r>
+              <a:rPr lang="en-US" sz="1000" dirty="0" smtClean="0">
+                <a:latin typeface="Helvetica"/>
+                <a:cs typeface="Helvetica"/>
+              </a:rPr>
+              <a:t>Changing theme</a:t>
+            </a:r>
+          </a:p>
+        </p:txBody>
+      </p:sp>
+      <p:sp>
+        <p:nvSpPr>
+          <p:cNvPr id="15" name="Rectangle 14"/>
           <p:cNvSpPr/>
           <p:nvPr/>
         </p:nvSpPr>
         <p:spPr>
           <a:xfrm>
-            <a:off x="4000304" y="2777485"/>
+            <a:off x="4018562" y="6324880"/>
             <a:ext cx="3541112" cy="226295"/>
           </a:xfrm>
           <a:prstGeom prst="rect">
@@ -11759,232 +12820,9 @@
                 <a:latin typeface="Helvetica"/>
                 <a:cs typeface="Helvetica"/>
               </a:rPr>
-              <a:t>Debugging</a:t>
+              <a:t>Debugging?</a:t>
             </a:r>
             <a:endParaRPr lang="en-US" sz="1200" b="1" dirty="0">
-              <a:latin typeface="Helvetica"/>
-              <a:cs typeface="Helvetica"/>
-            </a:endParaRPr>
-          </a:p>
-        </p:txBody>
-      </p:sp>
-      <p:sp>
-        <p:nvSpPr>
-          <p:cNvPr id="10" name="Rectangle 9"/>
-          <p:cNvSpPr/>
-          <p:nvPr/>
-        </p:nvSpPr>
-        <p:spPr>
-          <a:xfrm>
-            <a:off x="223958" y="8280785"/>
-            <a:ext cx="3552516" cy="226295"/>
-          </a:xfrm>
-          <a:prstGeom prst="rect">
-            <a:avLst/>
-          </a:prstGeom>
-        </p:spPr>
-        <p:style>
-          <a:lnRef idx="2">
-            <a:schemeClr val="dk1">
-              <a:shade val="50000"/>
-            </a:schemeClr>
-          </a:lnRef>
-          <a:fillRef idx="1">
-            <a:schemeClr val="dk1"/>
-          </a:fillRef>
-          <a:effectRef idx="0">
-            <a:schemeClr val="dk1"/>
-          </a:effectRef>
-          <a:fontRef idx="minor">
-            <a:schemeClr val="lt1"/>
-          </a:fontRef>
-        </p:style>
-        <p:txBody>
-          <a:bodyPr rtlCol="0" anchor="ctr"/>
-          <a:lstStyle/>
-          <a:p>
-            <a:pPr algn="ctr"/>
-            <a:r>
-              <a:rPr lang="en-US" sz="1200" b="1" dirty="0" smtClean="0">
-                <a:latin typeface="Helvetica"/>
-                <a:cs typeface="Helvetica"/>
-              </a:rPr>
-              <a:t>Programming basics</a:t>
-            </a:r>
-            <a:endParaRPr lang="en-US" sz="1200" b="1" dirty="0">
-              <a:latin typeface="Helvetica"/>
-              <a:cs typeface="Helvetica"/>
-            </a:endParaRPr>
-          </a:p>
-        </p:txBody>
-      </p:sp>
-      <p:sp>
-        <p:nvSpPr>
-          <p:cNvPr id="11" name="TextBox 10"/>
-          <p:cNvSpPr txBox="1"/>
-          <p:nvPr/>
-        </p:nvSpPr>
-        <p:spPr>
-          <a:xfrm>
-            <a:off x="560845" y="8769580"/>
-            <a:ext cx="2455251" cy="1200329"/>
-          </a:xfrm>
-          <a:prstGeom prst="rect">
-            <a:avLst/>
-          </a:prstGeom>
-          <a:noFill/>
-        </p:spPr>
-        <p:txBody>
-          <a:bodyPr wrap="square" rtlCol="0">
-            <a:spAutoFit/>
-          </a:bodyPr>
-          <a:lstStyle/>
-          <a:p>
-            <a:r>
-              <a:rPr lang="en-US" dirty="0" smtClean="0"/>
-              <a:t>Defining functions</a:t>
-            </a:r>
-          </a:p>
-          <a:p>
-            <a:r>
-              <a:rPr lang="en-US" dirty="0" smtClean="0"/>
-              <a:t>if, for, </a:t>
-            </a:r>
-            <a:r>
-              <a:rPr lang="en-US" dirty="0" smtClean="0"/>
-              <a:t>while</a:t>
-            </a:r>
-          </a:p>
-          <a:p>
-            <a:r>
-              <a:rPr lang="en-US" dirty="0" smtClean="0"/>
-              <a:t>Other useful commands (paste?)</a:t>
-            </a:r>
-            <a:endParaRPr lang="en-US" dirty="0" smtClean="0"/>
-          </a:p>
-        </p:txBody>
-      </p:sp>
-      <p:sp>
-        <p:nvSpPr>
-          <p:cNvPr id="12" name="TextBox 11"/>
-          <p:cNvSpPr txBox="1"/>
-          <p:nvPr/>
-        </p:nvSpPr>
-        <p:spPr>
-          <a:xfrm>
-            <a:off x="560845" y="2033409"/>
-            <a:ext cx="2455251" cy="369332"/>
-          </a:xfrm>
-          <a:prstGeom prst="rect">
-            <a:avLst/>
-          </a:prstGeom>
-          <a:noFill/>
-        </p:spPr>
-        <p:txBody>
-          <a:bodyPr wrap="square" rtlCol="0">
-            <a:spAutoFit/>
-          </a:bodyPr>
-          <a:lstStyle/>
-          <a:p>
-            <a:r>
-              <a:rPr lang="en-US" dirty="0" err="1" smtClean="0"/>
-              <a:t>GGPlot</a:t>
-            </a:r>
-            <a:r>
-              <a:rPr lang="en-US" dirty="0" smtClean="0"/>
-              <a:t> basics</a:t>
-            </a:r>
-            <a:endParaRPr lang="en-US" dirty="0" smtClean="0"/>
-          </a:p>
-        </p:txBody>
-      </p:sp>
-      <p:sp>
-        <p:nvSpPr>
-          <p:cNvPr id="2" name="TextBox 1"/>
-          <p:cNvSpPr txBox="1"/>
-          <p:nvPr/>
-        </p:nvSpPr>
-        <p:spPr>
-          <a:xfrm>
-            <a:off x="4206660" y="1063583"/>
-            <a:ext cx="2539871" cy="246221"/>
-          </a:xfrm>
-          <a:prstGeom prst="rect">
-            <a:avLst/>
-          </a:prstGeom>
-          <a:noFill/>
-        </p:spPr>
-        <p:txBody>
-          <a:bodyPr wrap="square" rtlCol="0">
-            <a:spAutoFit/>
-          </a:bodyPr>
-          <a:lstStyle/>
-          <a:p>
-            <a:r>
-              <a:rPr lang="en-US" sz="1000" dirty="0" err="1" smtClean="0">
-                <a:latin typeface="Helvetica"/>
-                <a:cs typeface="Helvetica"/>
-              </a:rPr>
-              <a:t>qnorm</a:t>
-            </a:r>
-            <a:r>
-              <a:rPr lang="en-US" sz="1000" dirty="0" smtClean="0">
-                <a:latin typeface="Helvetica"/>
-                <a:cs typeface="Helvetica"/>
-              </a:rPr>
-              <a:t>, </a:t>
-            </a:r>
-            <a:r>
-              <a:rPr lang="en-US" sz="1000" dirty="0" err="1" smtClean="0">
-                <a:latin typeface="Helvetica"/>
-                <a:cs typeface="Helvetica"/>
-              </a:rPr>
-              <a:t>rnorm</a:t>
-            </a:r>
-            <a:r>
-              <a:rPr lang="en-US" sz="1000" dirty="0" smtClean="0">
-                <a:latin typeface="Helvetica"/>
-                <a:cs typeface="Helvetica"/>
-              </a:rPr>
-              <a:t>, etc.</a:t>
-            </a:r>
-            <a:endParaRPr lang="en-US" sz="1000" dirty="0" smtClean="0">
-              <a:latin typeface="Helvetica"/>
-              <a:cs typeface="Helvetica"/>
-            </a:endParaRPr>
-          </a:p>
-        </p:txBody>
-      </p:sp>
-      <p:sp>
-        <p:nvSpPr>
-          <p:cNvPr id="14" name="TextBox 13"/>
-          <p:cNvSpPr txBox="1"/>
-          <p:nvPr/>
-        </p:nvSpPr>
-        <p:spPr>
-          <a:xfrm>
-            <a:off x="4206660" y="3914627"/>
-            <a:ext cx="2666864" cy="246221"/>
-          </a:xfrm>
-          <a:prstGeom prst="rect">
-            <a:avLst/>
-          </a:prstGeom>
-          <a:noFill/>
-        </p:spPr>
-        <p:txBody>
-          <a:bodyPr wrap="square" rtlCol="0">
-            <a:spAutoFit/>
-          </a:bodyPr>
-          <a:lstStyle/>
-          <a:p>
-            <a:r>
-              <a:rPr lang="en-US" sz="1000" dirty="0" smtClean="0">
-                <a:latin typeface="Helvetica"/>
-                <a:cs typeface="Helvetica"/>
-              </a:rPr>
-              <a:t>Some tips and good practices (do this last!)</a:t>
-            </a:r>
-            <a:endParaRPr lang="en-US" sz="1000" dirty="0" smtClean="0">
               <a:latin typeface="Helvetica"/>
               <a:cs typeface="Helvetica"/>
             </a:endParaRPr>
@@ -12001,6 +12839,13 @@
   <p:clrMapOvr>
     <a:masterClrMapping/>
   </p:clrMapOvr>
+  <p:timing>
+    <p:tnLst>
+      <p:par>
+        <p:cTn xmlns:p14="http://schemas.microsoft.com/office/powerpoint/2010/main" id="1" dur="indefinite" restart="never" nodeType="tmRoot"/>
+      </p:par>
+    </p:tnLst>
+  </p:timing>
 </p:sld>
 </file>
 

--- a/RQuickRef.pptx
+++ b/RQuickRef.pptx
@@ -9438,7 +9438,7 @@
           <a:p>
             <a:pPr>
               <a:tabLst>
-                <a:tab pos="3778250" algn="r"/>
+                <a:tab pos="3943350" algn="r"/>
               </a:tabLst>
             </a:pPr>
             <a:r>
@@ -9452,7 +9452,7 @@
           <a:p>
             <a:pPr>
               <a:tabLst>
-                <a:tab pos="3778250" algn="r"/>
+                <a:tab pos="3943350" algn="r"/>
               </a:tabLst>
             </a:pPr>
             <a:r>
@@ -9473,7 +9473,7 @@
           <a:p>
             <a:pPr>
               <a:tabLst>
-                <a:tab pos="3778250" algn="r"/>
+                <a:tab pos="3943350" algn="r"/>
               </a:tabLst>
             </a:pPr>
             <a:r>
@@ -9501,7 +9501,7 @@
           <a:p>
             <a:pPr>
               <a:tabLst>
-                <a:tab pos="3778250" algn="r"/>
+                <a:tab pos="3943350" algn="r"/>
               </a:tabLst>
             </a:pPr>
             <a:r>
@@ -9536,7 +9536,7 @@
           <a:p>
             <a:pPr>
               <a:tabLst>
-                <a:tab pos="3778250" algn="r"/>
+                <a:tab pos="3943350" algn="r"/>
               </a:tabLst>
             </a:pPr>
             <a:r>
@@ -9544,14 +9544,7 @@
                 <a:latin typeface="Helvetica"/>
                 <a:cs typeface="Helvetica"/>
               </a:rPr>
-              <a:t>Combine </a:t>
-            </a:r>
-            <a:r>
-              <a:rPr lang="en-US" sz="1000" dirty="0" smtClean="0">
-                <a:latin typeface="Helvetica"/>
-                <a:cs typeface="Helvetica"/>
-              </a:rPr>
-              <a:t>vectors by columns	</a:t>
+              <a:t>Combine vectors by columns	</a:t>
             </a:r>
             <a:r>
               <a:rPr lang="en-US" sz="1000" dirty="0" err="1" smtClean="0">
@@ -9571,7 +9564,7 @@
           <a:p>
             <a:pPr>
               <a:tabLst>
-                <a:tab pos="3778250" algn="r"/>
+                <a:tab pos="3943350" algn="r"/>
               </a:tabLst>
             </a:pPr>
             <a:r>
@@ -9603,7 +9596,7 @@
           <a:p>
             <a:pPr>
               <a:tabLst>
-                <a:tab pos="3778250" algn="r"/>
+                <a:tab pos="3943350" algn="r"/>
               </a:tabLst>
             </a:pPr>
             <a:r>
@@ -9663,7 +9656,7 @@
           <a:p>
             <a:pPr>
               <a:tabLst>
-                <a:tab pos="3778250" algn="r"/>
+                <a:tab pos="3943350" algn="r"/>
               </a:tabLst>
             </a:pPr>
             <a:r>
@@ -9705,7 +9698,7 @@
           <a:p>
             <a:pPr>
               <a:tabLst>
-                <a:tab pos="3778250" algn="r"/>
+                <a:tab pos="3943350" algn="r"/>
               </a:tabLst>
             </a:pPr>
             <a:endParaRPr lang="en-US" sz="1000" dirty="0" smtClean="0">
@@ -9716,7 +9709,7 @@
           <a:p>
             <a:pPr>
               <a:tabLst>
-                <a:tab pos="3778250" algn="r"/>
+                <a:tab pos="3943350" algn="r"/>
               </a:tabLst>
             </a:pPr>
             <a:r>
@@ -9730,7 +9723,7 @@
           <a:p>
             <a:pPr>
               <a:tabLst>
-                <a:tab pos="3778250" algn="r"/>
+                <a:tab pos="3943350" algn="r"/>
               </a:tabLst>
             </a:pPr>
             <a:r>
@@ -9751,7 +9744,7 @@
           <a:p>
             <a:pPr>
               <a:tabLst>
-                <a:tab pos="3778250" algn="r"/>
+                <a:tab pos="3943350" algn="r"/>
               </a:tabLst>
             </a:pPr>
             <a:r>
@@ -9779,7 +9772,7 @@
           <a:p>
             <a:pPr>
               <a:tabLst>
-                <a:tab pos="3778250" algn="r"/>
+                <a:tab pos="3943350" algn="r"/>
               </a:tabLst>
             </a:pPr>
             <a:r>
@@ -9811,7 +9804,7 @@
           <a:p>
             <a:pPr>
               <a:tabLst>
-                <a:tab pos="3778250" algn="r"/>
+                <a:tab pos="3943350" algn="r"/>
               </a:tabLst>
             </a:pPr>
             <a:endParaRPr lang="en-US" sz="1000" baseline="30000" dirty="0" smtClean="0">
@@ -9822,7 +9815,7 @@
           <a:p>
             <a:pPr>
               <a:tabLst>
-                <a:tab pos="3778250" algn="r"/>
+                <a:tab pos="3943350" algn="r"/>
               </a:tabLst>
             </a:pPr>
             <a:r>
@@ -9836,7 +9829,7 @@
           <a:p>
             <a:pPr>
               <a:tabLst>
-                <a:tab pos="3778250" algn="r"/>
+                <a:tab pos="3943350" algn="r"/>
               </a:tabLst>
             </a:pPr>
             <a:r>
@@ -9931,7 +9924,7 @@
           <a:p>
             <a:pPr>
               <a:tabLst>
-                <a:tab pos="3778250" algn="r"/>
+                <a:tab pos="3943350" algn="r"/>
               </a:tabLst>
             </a:pPr>
             <a:r>
@@ -9973,7 +9966,7 @@
           <a:p>
             <a:pPr>
               <a:tabLst>
-                <a:tab pos="3778250" algn="r"/>
+                <a:tab pos="3943350" algn="r"/>
               </a:tabLst>
             </a:pPr>
             <a:r>
@@ -10015,7 +10008,7 @@
           <a:p>
             <a:pPr>
               <a:tabLst>
-                <a:tab pos="3778250" algn="r"/>
+                <a:tab pos="3943350" algn="r"/>
               </a:tabLst>
             </a:pPr>
             <a:r>
@@ -10050,7 +10043,7 @@
           <a:p>
             <a:pPr>
               <a:tabLst>
-                <a:tab pos="3778250" algn="r"/>
+                <a:tab pos="3943350" algn="r"/>
               </a:tabLst>
             </a:pPr>
             <a:endParaRPr lang="en-US" sz="1000" b="1" dirty="0">
@@ -10061,7 +10054,7 @@
           <a:p>
             <a:pPr>
               <a:tabLst>
-                <a:tab pos="3778250" algn="r"/>
+                <a:tab pos="3943350" algn="r"/>
               </a:tabLst>
             </a:pPr>
             <a:r>
@@ -10086,7 +10079,7 @@
           <a:p>
             <a:pPr>
               <a:tabLst>
-                <a:tab pos="3778250" algn="r"/>
+                <a:tab pos="3943350" algn="r"/>
               </a:tabLst>
             </a:pPr>
             <a:r>
@@ -10107,7 +10100,7 @@
           <a:p>
             <a:pPr>
               <a:tabLst>
-                <a:tab pos="3778250" algn="r"/>
+                <a:tab pos="3943350" algn="r"/>
               </a:tabLst>
             </a:pPr>
             <a:r>
@@ -10115,14 +10108,7 @@
                 <a:latin typeface="Helvetica"/>
                 <a:cs typeface="Helvetica"/>
               </a:rPr>
-              <a:t>Get </a:t>
-            </a:r>
-            <a:r>
-              <a:rPr lang="en-US" sz="1000" dirty="0" smtClean="0">
-                <a:latin typeface="Helvetica"/>
-                <a:cs typeface="Helvetica"/>
-              </a:rPr>
-              <a:t>column by name	</a:t>
+              <a:t>Get column by name	</a:t>
             </a:r>
             <a:r>
               <a:rPr lang="en-US" sz="1000" dirty="0" err="1" smtClean="0">
@@ -10139,7 +10125,7 @@
           <a:p>
             <a:pPr>
               <a:tabLst>
-                <a:tab pos="3778250" algn="r"/>
+                <a:tab pos="3943350" algn="r"/>
               </a:tabLst>
             </a:pPr>
             <a:r>
@@ -10188,7 +10174,7 @@
           <a:p>
             <a:pPr>
               <a:tabLst>
-                <a:tab pos="3778250" algn="r"/>
+                <a:tab pos="3943350" algn="r"/>
               </a:tabLst>
             </a:pPr>
             <a:r>
@@ -10223,7 +10209,7 @@
           <a:p>
             <a:pPr>
               <a:tabLst>
-                <a:tab pos="3778250" algn="r"/>
+                <a:tab pos="3943350" algn="r"/>
               </a:tabLst>
             </a:pPr>
             <a:r>
@@ -10293,7 +10279,7 @@
           <a:p>
             <a:pPr>
               <a:tabLst>
-                <a:tab pos="3778250" algn="r"/>
+                <a:tab pos="3943350" algn="r"/>
               </a:tabLst>
             </a:pPr>
             <a:r>
@@ -10342,7 +10328,7 @@
           <a:p>
             <a:pPr>
               <a:tabLst>
-                <a:tab pos="3778250" algn="r"/>
+                <a:tab pos="3943350" algn="r"/>
               </a:tabLst>
             </a:pPr>
             <a:endParaRPr lang="en-US" sz="1000" b="1" dirty="0" smtClean="0">
@@ -10353,7 +10339,7 @@
           <a:p>
             <a:pPr>
               <a:tabLst>
-                <a:tab pos="3778250" algn="r"/>
+                <a:tab pos="3943350" algn="r"/>
               </a:tabLst>
             </a:pPr>
             <a:r>
@@ -10374,7 +10360,7 @@
           <a:p>
             <a:pPr>
               <a:tabLst>
-                <a:tab pos="3778250" algn="r"/>
+                <a:tab pos="3943350" algn="r"/>
               </a:tabLst>
             </a:pPr>
             <a:r>
@@ -10392,7 +10378,7 @@
           <a:p>
             <a:pPr>
               <a:tabLst>
-                <a:tab pos="3778250" algn="r"/>
+                <a:tab pos="3943350" algn="r"/>
               </a:tabLst>
             </a:pPr>
             <a:r>
@@ -10420,7 +10406,7 @@
           <a:p>
             <a:pPr>
               <a:tabLst>
-                <a:tab pos="3778250" algn="r"/>
+                <a:tab pos="3943350" algn="r"/>
               </a:tabLst>
             </a:pPr>
             <a:r>
@@ -10442,14 +10428,7 @@
                 <a:latin typeface="Helvetica"/>
                 <a:cs typeface="Helvetica"/>
               </a:rPr>
-              <a:t>criterion, such as subjects that are above a certain age, all measurements taken in a drug trial before treatment, </a:t>
-            </a:r>
-            <a:r>
-              <a:rPr lang="en-US" sz="900" dirty="0" smtClean="0">
-                <a:latin typeface="Helvetica"/>
-                <a:cs typeface="Helvetica"/>
-              </a:rPr>
-              <a:t>etc.</a:t>
+              <a:t>criterion, such as subjects that are above a certain age, all measurements taken in a drug trial before treatment, etc.</a:t>
             </a:r>
           </a:p>
         </p:txBody>
@@ -11421,7 +11400,53 @@
             <a:pPr algn="ctr"/>
             <a:r>
               <a:rPr lang="en-US" dirty="0" smtClean="0"/>
-              <a:t>Missing ANOVA, length</a:t>
+              <a:t>Missing ANOVA, </a:t>
+            </a:r>
+            <a:r>
+              <a:rPr lang="en-US" dirty="0" smtClean="0"/>
+              <a:t>length, %in%</a:t>
+            </a:r>
+            <a:endParaRPr lang="en-US" dirty="0"/>
+          </a:p>
+        </p:txBody>
+      </p:sp>
+      <p:sp>
+        <p:nvSpPr>
+          <p:cNvPr id="16" name="Rectangle 15"/>
+          <p:cNvSpPr/>
+          <p:nvPr/>
+        </p:nvSpPr>
+        <p:spPr>
+          <a:xfrm>
+            <a:off x="6257774" y="8633703"/>
+            <a:ext cx="2151324" cy="1171489"/>
+          </a:xfrm>
+          <a:prstGeom prst="rect">
+            <a:avLst/>
+          </a:prstGeom>
+        </p:spPr>
+        <p:style>
+          <a:lnRef idx="1">
+            <a:schemeClr val="accent1"/>
+          </a:lnRef>
+          <a:fillRef idx="3">
+            <a:schemeClr val="accent1"/>
+          </a:fillRef>
+          <a:effectRef idx="2">
+            <a:schemeClr val="accent1"/>
+          </a:effectRef>
+          <a:fontRef idx="minor">
+            <a:schemeClr val="lt1"/>
+          </a:fontRef>
+        </p:style>
+        <p:txBody>
+          <a:bodyPr rtlCol="0" anchor="ctr"/>
+          <a:lstStyle/>
+          <a:p>
+            <a:pPr algn="ctr"/>
+            <a:r>
+              <a:rPr lang="en-US" dirty="0" smtClean="0"/>
+              <a:t>Move model commands to a different section?</a:t>
             </a:r>
             <a:endParaRPr lang="en-US" dirty="0"/>
           </a:p>
@@ -11481,7 +11506,7 @@
           <a:ln w="12700" cmpd="sng">
             <a:solidFill>
               <a:schemeClr val="bg1">
-                <a:lumMod val="85000"/>
+                <a:lumMod val="65000"/>
               </a:schemeClr>
             </a:solidFill>
           </a:ln>
@@ -11528,9 +11553,7 @@
           </a:prstGeom>
           <a:ln w="12700" cmpd="sng">
             <a:solidFill>
-              <a:schemeClr val="bg1">
-                <a:lumMod val="85000"/>
-              </a:schemeClr>
+              <a:srgbClr val="A6A6A6"/>
             </a:solidFill>
           </a:ln>
         </p:spPr>
@@ -11569,7 +11592,7 @@
         <p:spPr>
           <a:xfrm>
             <a:off x="235361" y="230904"/>
-            <a:ext cx="3541112" cy="226295"/>
+            <a:ext cx="3541111" cy="226295"/>
           </a:xfrm>
           <a:prstGeom prst="rect">
             <a:avLst/>
@@ -11651,7 +11674,7 @@
                 <a:latin typeface="Helvetica"/>
                 <a:cs typeface="Helvetica"/>
               </a:rPr>
-              <a:t>Sampling from distributions</a:t>
+              <a:t>More statistics</a:t>
             </a:r>
             <a:endParaRPr lang="en-US" sz="1200" b="1" dirty="0">
               <a:latin typeface="Helvetica"/>
@@ -11790,11 +11813,7 @@
           <a:p>
             <a:r>
               <a:rPr lang="en-US" dirty="0" smtClean="0"/>
-              <a:t>if, for, </a:t>
-            </a:r>
-            <a:r>
-              <a:rPr lang="en-US" dirty="0" smtClean="0"/>
-              <a:t>while</a:t>
+              <a:t>if, for, while</a:t>
             </a:r>
           </a:p>
           <a:p>
@@ -11808,7 +11827,6 @@
               <a:rPr lang="en-US" dirty="0" smtClean="0"/>
               <a:t>Paste, attach, detach, with, by</a:t>
             </a:r>
-            <a:endParaRPr lang="en-US" dirty="0" smtClean="0"/>
           </a:p>
         </p:txBody>
       </p:sp>
@@ -11820,8 +11838,8 @@
         </p:nvSpPr>
         <p:spPr>
           <a:xfrm>
-            <a:off x="4730508" y="5058288"/>
-            <a:ext cx="2539871" cy="246221"/>
+            <a:off x="4000304" y="3536828"/>
+            <a:ext cx="3541112" cy="1323439"/>
           </a:xfrm>
           <a:prstGeom prst="rect">
             <a:avLst/>
@@ -11835,33 +11853,70 @@
           <a:lstStyle/>
           <a:p>
             <a:r>
-              <a:rPr lang="en-US" sz="1000" dirty="0" err="1" smtClean="0">
+              <a:rPr lang="en-US" sz="1000" b="1" dirty="0" smtClean="0">
                 <a:latin typeface="Helvetica"/>
                 <a:cs typeface="Helvetica"/>
               </a:rPr>
-              <a:t>qnorm</a:t>
-            </a:r>
+              <a:t>Sampling from distributions</a:t>
+            </a:r>
+          </a:p>
+          <a:p>
+            <a:endParaRPr lang="en-US" sz="1000" b="1" dirty="0">
+              <a:latin typeface="Helvetica"/>
+              <a:cs typeface="Helvetica"/>
+            </a:endParaRPr>
+          </a:p>
+          <a:p>
+            <a:r>
+              <a:rPr lang="en-US" sz="1000" b="1" dirty="0" smtClean="0">
+                <a:latin typeface="Helvetica"/>
+                <a:cs typeface="Helvetica"/>
+              </a:rPr>
+              <a:t>Modeling dataset</a:t>
+            </a:r>
+          </a:p>
+          <a:p>
             <a:r>
               <a:rPr lang="en-US" sz="1000" dirty="0" smtClean="0">
                 <a:latin typeface="Helvetica"/>
                 <a:cs typeface="Helvetica"/>
               </a:rPr>
-              <a:t>, </a:t>
-            </a:r>
-            <a:r>
-              <a:rPr lang="en-US" sz="1000" dirty="0" err="1" smtClean="0">
-                <a:latin typeface="Helvetica"/>
-                <a:cs typeface="Helvetica"/>
-              </a:rPr>
-              <a:t>rnorm</a:t>
-            </a:r>
+              <a:t>Simple linear model</a:t>
+            </a:r>
+          </a:p>
+          <a:p>
+            <a:endParaRPr lang="en-US" sz="1000" dirty="0">
+              <a:latin typeface="Helvetica"/>
+              <a:cs typeface="Helvetica"/>
+            </a:endParaRPr>
+          </a:p>
+          <a:p>
             <a:r>
               <a:rPr lang="en-US" sz="1000" dirty="0" smtClean="0">
                 <a:latin typeface="Helvetica"/>
                 <a:cs typeface="Helvetica"/>
               </a:rPr>
-              <a:t>, etc.</a:t>
-            </a:r>
+              <a:t>Logistic regression</a:t>
+            </a:r>
+          </a:p>
+          <a:p>
+            <a:endParaRPr lang="en-US" sz="1000" dirty="0">
+              <a:latin typeface="Helvetica"/>
+              <a:cs typeface="Helvetica"/>
+            </a:endParaRPr>
+          </a:p>
+          <a:p>
+            <a:r>
+              <a:rPr lang="en-US" sz="1000" dirty="0" smtClean="0">
+                <a:latin typeface="Helvetica"/>
+                <a:cs typeface="Helvetica"/>
+              </a:rPr>
+              <a:t>Mixed-effects model</a:t>
+            </a:r>
+            <a:endParaRPr lang="en-US" sz="1000" dirty="0">
+              <a:latin typeface="Helvetica"/>
+              <a:cs typeface="Helvetica"/>
+            </a:endParaRPr>
           </a:p>
         </p:txBody>
       </p:sp>
@@ -11874,7 +11929,7 @@
         <p:spPr>
           <a:xfrm>
             <a:off x="235361" y="457199"/>
-            <a:ext cx="3541113" cy="6093976"/>
+            <a:ext cx="3541113" cy="9448740"/>
           </a:xfrm>
           <a:prstGeom prst="rect">
             <a:avLst/>
@@ -11923,17 +11978,30 @@
             </a:r>
             <a:r>
               <a:rPr lang="en-US" sz="1000" b="1" dirty="0" smtClean="0">
+                <a:solidFill>
+                  <a:srgbClr val="F15E5D"/>
+                </a:solidFill>
                 <a:latin typeface="Helvetica"/>
                 <a:cs typeface="Helvetica"/>
               </a:rPr>
               <a:t>dataset</a:t>
+            </a:r>
+            <a:r>
+              <a:rPr lang="en-US" sz="1000" dirty="0" smtClean="0">
+                <a:solidFill>
+                  <a:srgbClr val="F15E5D"/>
+                </a:solidFill>
+                <a:latin typeface="Helvetica"/>
+                <a:cs typeface="Helvetica"/>
+              </a:rPr>
+              <a:t> </a:t>
             </a:r>
             <a:r>
               <a:rPr lang="en-US" sz="1000" dirty="0" smtClean="0">
                 <a:latin typeface="Helvetica"/>
                 <a:cs typeface="Helvetica"/>
               </a:rPr>
-              <a:t> to plot</a:t>
+              <a:t>to plot</a:t>
             </a:r>
           </a:p>
           <a:p>
@@ -11950,6 +12018,9 @@
             </a:r>
             <a:r>
               <a:rPr lang="en-US" sz="1000" b="1" dirty="0" err="1" smtClean="0">
+                <a:solidFill>
+                  <a:srgbClr val="5289FB"/>
+                </a:solidFill>
                 <a:latin typeface="Helvetica"/>
                 <a:cs typeface="Helvetica"/>
               </a:rPr>
@@ -11957,6 +12028,9 @@
             </a:r>
             <a:r>
               <a:rPr lang="en-US" sz="1000" b="1" dirty="0" smtClean="0">
+                <a:solidFill>
+                  <a:srgbClr val="5289FB"/>
+                </a:solidFill>
                 <a:latin typeface="Helvetica"/>
                 <a:cs typeface="Helvetica"/>
               </a:rPr>
@@ -11981,62 +12055,6 @@
                 <a:cs typeface="Helvetica"/>
               </a:rPr>
               <a:t>Using </a:t>
-            </a:r>
-            <a:r>
-              <a:rPr lang="en-US" sz="1000" b="1" dirty="0" smtClean="0">
-                <a:latin typeface="Helvetica"/>
-                <a:cs typeface="Helvetica"/>
-              </a:rPr>
-              <a:t>aesthetic mappings </a:t>
-            </a:r>
-            <a:r>
-              <a:rPr lang="en-US" sz="1000" dirty="0" smtClean="0">
-                <a:latin typeface="Helvetica"/>
-                <a:cs typeface="Helvetica"/>
-              </a:rPr>
-              <a:t>to specify how different properties of the dataset will appear on the plot. The most basic of these is choosing which variables will appear on the x and y axis.</a:t>
-            </a:r>
-            <a:endParaRPr lang="en-US" sz="1000" dirty="0">
-              <a:latin typeface="Helvetica"/>
-              <a:cs typeface="Helvetica"/>
-            </a:endParaRPr>
-          </a:p>
-          <a:p>
-            <a:endParaRPr lang="en-US" sz="1000" b="1" dirty="0" smtClean="0">
-              <a:latin typeface="Helvetica"/>
-              <a:cs typeface="Helvetica"/>
-            </a:endParaRPr>
-          </a:p>
-          <a:p>
-            <a:r>
-              <a:rPr lang="en-US" sz="1000" b="1" dirty="0" smtClean="0">
-                <a:latin typeface="Helvetica"/>
-                <a:cs typeface="Helvetica"/>
-              </a:rPr>
-              <a:t>Basic syntax</a:t>
-            </a:r>
-            <a:endParaRPr lang="en-US" sz="1000" dirty="0">
-              <a:latin typeface="Helvetica"/>
-              <a:cs typeface="Helvetica"/>
-            </a:endParaRPr>
-          </a:p>
-          <a:p>
-            <a:r>
-              <a:rPr lang="en-US" sz="1000" dirty="0" smtClean="0">
-                <a:latin typeface="Helvetica"/>
-                <a:cs typeface="Helvetica"/>
-              </a:rPr>
-              <a:t>	 </a:t>
-            </a:r>
-            <a:r>
-              <a:rPr lang="en-US" sz="1000" dirty="0" smtClean="0">
-                <a:solidFill>
-                  <a:srgbClr val="008000"/>
-                </a:solidFill>
-                <a:latin typeface="Helvetica"/>
-                <a:cs typeface="Helvetica"/>
-              </a:rPr>
-              <a:t> </a:t>
             </a:r>
             <a:r>
               <a:rPr lang="en-US" sz="1000" b="1" dirty="0" smtClean="0">
@@ -12046,24 +12064,113 @@
                 <a:latin typeface="Helvetica"/>
                 <a:cs typeface="Helvetica"/>
               </a:rPr>
-              <a:t>Aesthetic mappings</a:t>
-            </a:r>
+              <a:t>aesthetic mappings </a:t>
+            </a:r>
+            <a:r>
+              <a:rPr lang="en-US" sz="1000" dirty="0" smtClean="0">
+                <a:latin typeface="Helvetica"/>
+                <a:cs typeface="Helvetica"/>
+              </a:rPr>
+              <a:t>to specify how different properties of the dataset will appear on the plot. The most basic of these is choosing which variables will appear on the x and y </a:t>
+            </a:r>
+            <a:r>
+              <a:rPr lang="en-US" sz="1000" dirty="0" smtClean="0">
+                <a:latin typeface="Helvetica"/>
+                <a:cs typeface="Helvetica"/>
+              </a:rPr>
+              <a:t>axis.</a:t>
+            </a:r>
+          </a:p>
+          <a:p>
+            <a:pPr marL="228600" indent="-228600">
+              <a:buFont typeface="+mj-lt"/>
+              <a:buAutoNum type="arabicPeriod"/>
+            </a:pPr>
+            <a:r>
+              <a:rPr lang="en-US" sz="1000" dirty="0" smtClean="0">
+                <a:latin typeface="Helvetica"/>
+                <a:cs typeface="Helvetica"/>
+              </a:rPr>
+              <a:t>Changing the look of the plot with </a:t>
+            </a:r>
+            <a:r>
+              <a:rPr lang="en-US" sz="1000" b="1" dirty="0" smtClean="0">
+                <a:solidFill>
+                  <a:srgbClr val="D78126"/>
+                </a:solidFill>
+                <a:latin typeface="Helvetica"/>
+                <a:cs typeface="Helvetica"/>
+              </a:rPr>
+              <a:t>custom settings</a:t>
+            </a:r>
+            <a:r>
+              <a:rPr lang="en-US" sz="1000" dirty="0" smtClean="0">
+                <a:latin typeface="Helvetica"/>
+                <a:cs typeface="Helvetica"/>
+              </a:rPr>
+              <a:t>.</a:t>
+            </a:r>
+            <a:endParaRPr lang="en-US" sz="1000" dirty="0" smtClean="0">
+              <a:latin typeface="Helvetica"/>
+              <a:cs typeface="Helvetica"/>
+            </a:endParaRPr>
+          </a:p>
+          <a:p>
+            <a:endParaRPr lang="en-US" sz="1000" b="1" dirty="0">
+              <a:latin typeface="Helvetica"/>
+              <a:cs typeface="Helvetica"/>
+            </a:endParaRPr>
+          </a:p>
+          <a:p>
             <a:r>
               <a:rPr lang="en-US" sz="1000" b="1" dirty="0" smtClean="0">
                 <a:latin typeface="Helvetica"/>
                 <a:cs typeface="Helvetica"/>
               </a:rPr>
-              <a:t>		</a:t>
+              <a:t>Basic </a:t>
             </a:r>
             <a:r>
               <a:rPr lang="en-US" sz="1000" b="1" dirty="0" smtClean="0">
-                <a:solidFill>
-                  <a:srgbClr val="F15E5D"/>
-                </a:solidFill>
                 <a:latin typeface="Helvetica"/>
                 <a:cs typeface="Helvetica"/>
               </a:rPr>
-              <a:t>Dataset</a:t>
+              <a:t>syntax</a:t>
+            </a:r>
+            <a:endParaRPr lang="en-US" sz="1000" dirty="0">
+              <a:latin typeface="Helvetica"/>
+              <a:cs typeface="Helvetica"/>
+            </a:endParaRPr>
+          </a:p>
+          <a:p>
+            <a:r>
+              <a:rPr lang="en-US" sz="1000" dirty="0" smtClean="0">
+                <a:latin typeface="Helvetica"/>
+                <a:cs typeface="Helvetica"/>
+              </a:rPr>
+              <a:t>Use </a:t>
+            </a:r>
+            <a:r>
+              <a:rPr lang="en-US" sz="1000" dirty="0" smtClean="0">
+                <a:latin typeface="Monaco"/>
+                <a:cs typeface="Monaco"/>
+              </a:rPr>
+              <a:t>+</a:t>
+            </a:r>
+            <a:r>
+              <a:rPr lang="en-US" sz="1000" dirty="0" smtClean="0">
+                <a:latin typeface="Helvetica"/>
+                <a:cs typeface="Helvetica"/>
+              </a:rPr>
+              <a:t> to add elements, layers, and custom options.</a:t>
+            </a:r>
+          </a:p>
+          <a:p>
+            <a:r>
+              <a:rPr lang="en-US" sz="1000" b="1" dirty="0" smtClean="0">
+                <a:latin typeface="Helvetica"/>
+                <a:cs typeface="Helvetica"/>
+              </a:rPr>
+              <a:t>	</a:t>
             </a:r>
             <a:endParaRPr lang="en-US" sz="1000" b="1" dirty="0" smtClean="0">
               <a:solidFill>
@@ -12079,7 +12186,7 @@
                 <a:latin typeface="Monaco"/>
                 <a:cs typeface="Monaco"/>
               </a:rPr>
-              <a:t>qplot</a:t>
+              <a:t>ggplot</a:t>
             </a:r>
             <a:r>
               <a:rPr lang="en-US" sz="1000" dirty="0" smtClean="0">
@@ -12087,6 +12194,33 @@
                 <a:cs typeface="Monaco"/>
               </a:rPr>
               <a:t>(</a:t>
+            </a:r>
+            <a:r>
+              <a:rPr lang="en-US" sz="1000" dirty="0" smtClean="0">
+                <a:solidFill>
+                  <a:srgbClr val="F15E5D"/>
+                </a:solidFill>
+                <a:latin typeface="Monaco"/>
+                <a:cs typeface="Monaco"/>
+              </a:rPr>
+              <a:t>data</a:t>
+            </a:r>
+            <a:r>
+              <a:rPr lang="en-US" sz="1000" dirty="0" smtClean="0">
+                <a:latin typeface="Monaco"/>
+                <a:cs typeface="Monaco"/>
+              </a:rPr>
+              <a:t>, </a:t>
+            </a:r>
+            <a:r>
+              <a:rPr lang="en-US" sz="1000" dirty="0" err="1" smtClean="0">
+                <a:solidFill>
+                  <a:srgbClr val="30AE32"/>
+                </a:solidFill>
+                <a:latin typeface="Monaco"/>
+                <a:cs typeface="Monaco"/>
+              </a:rPr>
+              <a:t>aes</a:t>
             </a:r>
             <a:r>
               <a:rPr lang="en-US" sz="1000" dirty="0" smtClean="0">
@@ -12096,234 +12230,17 @@
                 <a:latin typeface="Monaco"/>
                 <a:cs typeface="Monaco"/>
               </a:rPr>
-              <a:t>x = time, y = score</a:t>
-            </a:r>
-            <a:r>
-              <a:rPr lang="en-US" sz="1000" dirty="0" smtClean="0">
-                <a:latin typeface="Monaco"/>
-                <a:cs typeface="Monaco"/>
-              </a:rPr>
-              <a:t>, </a:t>
+              <a:t>(x=IV,</a:t>
             </a:r>
             <a:r>
               <a:rPr lang="en-US" sz="1000" dirty="0" smtClean="0">
                 <a:solidFill>
-                  <a:srgbClr val="F15E5D"/>
+                  <a:srgbClr val="30AE32"/>
                 </a:solidFill>
                 <a:latin typeface="Monaco"/>
                 <a:cs typeface="Monaco"/>
               </a:rPr>
-              <a:t>data = </a:t>
-            </a:r>
-            <a:r>
-              <a:rPr lang="en-US" sz="1000" dirty="0" err="1" smtClean="0">
-                <a:solidFill>
-                  <a:srgbClr val="F15E5D"/>
-                </a:solidFill>
-                <a:latin typeface="Monaco"/>
-                <a:cs typeface="Monaco"/>
-              </a:rPr>
-              <a:t>mydata</a:t>
-            </a:r>
-            <a:r>
-              <a:rPr lang="en-US" sz="1000" dirty="0" smtClean="0">
-                <a:latin typeface="Monaco"/>
-                <a:cs typeface="Monaco"/>
-              </a:rPr>
-              <a:t>, </a:t>
-            </a:r>
-          </a:p>
-          <a:p>
-            <a:r>
-              <a:rPr lang="en-US" sz="1000" dirty="0">
-                <a:latin typeface="Monaco"/>
-                <a:cs typeface="Monaco"/>
-              </a:rPr>
-              <a:t>	</a:t>
-            </a:r>
-            <a:r>
-              <a:rPr lang="en-US" sz="1000" dirty="0" err="1" smtClean="0">
-                <a:solidFill>
-                  <a:srgbClr val="5289FB"/>
-                </a:solidFill>
-                <a:latin typeface="Monaco"/>
-                <a:cs typeface="Monaco"/>
-              </a:rPr>
-              <a:t>geom</a:t>
-            </a:r>
-            <a:r>
-              <a:rPr lang="en-US" sz="1000" dirty="0" smtClean="0">
-                <a:solidFill>
-                  <a:srgbClr val="5289FB"/>
-                </a:solidFill>
-                <a:latin typeface="Monaco"/>
-                <a:cs typeface="Monaco"/>
-              </a:rPr>
-              <a:t> = ‘point’</a:t>
-            </a:r>
-            <a:r>
-              <a:rPr lang="en-US" sz="1000" dirty="0" smtClean="0">
-                <a:latin typeface="Monaco"/>
-                <a:cs typeface="Monaco"/>
-              </a:rPr>
-              <a:t>)</a:t>
-            </a:r>
-          </a:p>
-          <a:p>
-            <a:r>
-              <a:rPr lang="en-US" sz="1000" dirty="0">
-                <a:latin typeface="Monaco"/>
-                <a:cs typeface="Monaco"/>
-              </a:rPr>
-              <a:t>	 </a:t>
-            </a:r>
-            <a:r>
-              <a:rPr lang="en-US" sz="1000" dirty="0" smtClean="0">
-                <a:latin typeface="Monaco"/>
-                <a:cs typeface="Monaco"/>
-              </a:rPr>
-              <a:t>   </a:t>
-            </a:r>
-            <a:r>
-              <a:rPr lang="en-US" sz="1000" b="1" dirty="0" err="1" smtClean="0">
-                <a:solidFill>
-                  <a:srgbClr val="5289FB"/>
-                </a:solidFill>
-                <a:latin typeface="Helvetica"/>
-                <a:cs typeface="Helvetica"/>
-              </a:rPr>
-              <a:t>Geoms</a:t>
-            </a:r>
-            <a:endParaRPr lang="en-US" sz="1000" dirty="0">
-              <a:solidFill>
-                <a:srgbClr val="5289FB"/>
-              </a:solidFill>
-              <a:latin typeface="Helvetica"/>
-              <a:cs typeface="Helvetica"/>
-            </a:endParaRPr>
-          </a:p>
-          <a:p>
-            <a:endParaRPr lang="en-US" sz="1000" b="1" dirty="0" smtClean="0">
-              <a:latin typeface="Helvetica"/>
-              <a:cs typeface="Helvetica"/>
-            </a:endParaRPr>
-          </a:p>
-          <a:p>
-            <a:r>
-              <a:rPr lang="en-US" sz="1000" dirty="0">
-                <a:latin typeface="Helvetica"/>
-                <a:cs typeface="Helvetica"/>
-              </a:rPr>
-              <a:t>Making a plot </a:t>
-            </a:r>
-            <a:r>
-              <a:rPr lang="en-US" sz="1000" dirty="0" smtClean="0">
-                <a:latin typeface="Helvetica"/>
-                <a:cs typeface="Helvetica"/>
-              </a:rPr>
-              <a:t>with </a:t>
-            </a:r>
-            <a:r>
-              <a:rPr lang="en-US" sz="1000" dirty="0" err="1" smtClean="0">
-                <a:latin typeface="Monaco"/>
-                <a:cs typeface="Monaco"/>
-              </a:rPr>
-              <a:t>ggplot</a:t>
-            </a:r>
-            <a:r>
-              <a:rPr lang="en-US" sz="1000" dirty="0" smtClean="0">
-                <a:latin typeface="Helvetica"/>
-                <a:cs typeface="Helvetica"/>
-              </a:rPr>
-              <a:t> </a:t>
-            </a:r>
-            <a:r>
-              <a:rPr lang="en-US" sz="1000" dirty="0">
-                <a:latin typeface="Helvetica"/>
-                <a:cs typeface="Helvetica"/>
-              </a:rPr>
-              <a:t>command </a:t>
-            </a:r>
-            <a:r>
-              <a:rPr lang="en-US" sz="1000" dirty="0" smtClean="0">
-                <a:latin typeface="Helvetica"/>
-                <a:cs typeface="Helvetica"/>
-              </a:rPr>
-              <a:t>provides </a:t>
-            </a:r>
-            <a:r>
-              <a:rPr lang="en-US" sz="1000" dirty="0">
-                <a:latin typeface="Helvetica"/>
-                <a:cs typeface="Helvetica"/>
-              </a:rPr>
-              <a:t>more control. Use </a:t>
-            </a:r>
-            <a:r>
-              <a:rPr lang="en-US" sz="1000" dirty="0">
-                <a:latin typeface="Monaco"/>
-                <a:cs typeface="Monaco"/>
-              </a:rPr>
-              <a:t>+</a:t>
-            </a:r>
-            <a:r>
-              <a:rPr lang="en-US" sz="1000" dirty="0">
-                <a:latin typeface="Helvetica"/>
-                <a:cs typeface="Helvetica"/>
-              </a:rPr>
-              <a:t> to add elements, layers, and custom options.</a:t>
-            </a:r>
-          </a:p>
-          <a:p>
-            <a:endParaRPr lang="en-US" sz="1000" dirty="0" smtClean="0">
-              <a:latin typeface="Monaco"/>
-              <a:cs typeface="Monaco"/>
-            </a:endParaRPr>
-          </a:p>
-          <a:p>
-            <a:r>
-              <a:rPr lang="en-US" sz="1000" dirty="0" err="1" smtClean="0">
-                <a:latin typeface="Monaco"/>
-                <a:cs typeface="Monaco"/>
-              </a:rPr>
-              <a:t>myplot</a:t>
-            </a:r>
-            <a:r>
-              <a:rPr lang="en-US" sz="1000" dirty="0" smtClean="0">
-                <a:latin typeface="Monaco"/>
-                <a:cs typeface="Monaco"/>
-              </a:rPr>
-              <a:t> &lt;- </a:t>
-            </a:r>
-            <a:r>
-              <a:rPr lang="en-US" sz="1000" dirty="0" err="1" smtClean="0">
-                <a:latin typeface="Monaco"/>
-                <a:cs typeface="Monaco"/>
-              </a:rPr>
-              <a:t>ggplot</a:t>
-            </a:r>
-            <a:r>
-              <a:rPr lang="en-US" sz="1000" dirty="0" smtClean="0">
-                <a:latin typeface="Monaco"/>
-                <a:cs typeface="Monaco"/>
-              </a:rPr>
-              <a:t>(</a:t>
-            </a:r>
-            <a:r>
-              <a:rPr lang="en-US" sz="1000" dirty="0" err="1" smtClean="0">
-                <a:solidFill>
-                  <a:srgbClr val="F15E5D"/>
-                </a:solidFill>
-                <a:latin typeface="Monaco"/>
-                <a:cs typeface="Monaco"/>
-              </a:rPr>
-              <a:t>mydata</a:t>
-            </a:r>
-            <a:r>
-              <a:rPr lang="en-US" sz="1000" dirty="0" smtClean="0">
-                <a:latin typeface="Monaco"/>
-                <a:cs typeface="Monaco"/>
-              </a:rPr>
-              <a:t>, </a:t>
+              <a:t> y=DV, color=</a:t>
             </a:r>
             <a:r>
               <a:rPr lang="en-US" sz="1000" dirty="0" err="1" smtClean="0">
@@ -12333,7 +12250,7 @@
                 <a:latin typeface="Monaco"/>
                 <a:cs typeface="Monaco"/>
               </a:rPr>
-              <a:t>aes</a:t>
+              <a:t>cond</a:t>
             </a:r>
             <a:r>
               <a:rPr lang="en-US" sz="1000" dirty="0" smtClean="0">
@@ -12343,23 +12260,50 @@
                 <a:latin typeface="Monaco"/>
                 <a:cs typeface="Monaco"/>
               </a:rPr>
-              <a:t>(time, score)</a:t>
+              <a:t>)</a:t>
             </a:r>
             <a:r>
               <a:rPr lang="en-US" sz="1000" dirty="0" smtClean="0">
                 <a:latin typeface="Monaco"/>
                 <a:cs typeface="Monaco"/>
               </a:rPr>
-              <a:t>) +</a:t>
-            </a:r>
-          </a:p>
-          <a:p>
+              <a:t>)</a:t>
+            </a:r>
+            <a:r>
+              <a:rPr lang="en-US" sz="1000" baseline="30000" dirty="0" smtClean="0">
+                <a:latin typeface="Helvetica"/>
+                <a:cs typeface="Helvetica"/>
+              </a:rPr>
+              <a:t>[1]</a:t>
+            </a:r>
             <a:r>
               <a:rPr lang="en-US" sz="1000" dirty="0" smtClean="0">
                 <a:latin typeface="Monaco"/>
                 <a:cs typeface="Monaco"/>
               </a:rPr>
-              <a:t>	       </a:t>
+              <a:t>+            </a:t>
+            </a:r>
+          </a:p>
+          <a:p>
+            <a:r>
+              <a:rPr lang="en-US" sz="1000" dirty="0">
+                <a:solidFill>
+                  <a:srgbClr val="3366FF"/>
+                </a:solidFill>
+                <a:latin typeface="Monaco"/>
+                <a:cs typeface="Monaco"/>
+              </a:rPr>
+              <a:t>	</a:t>
+            </a:r>
+            <a:r>
+              <a:rPr lang="en-US" sz="1000" dirty="0" smtClean="0">
+                <a:solidFill>
+                  <a:srgbClr val="3366FF"/>
+                </a:solidFill>
+                <a:latin typeface="Monaco"/>
+                <a:cs typeface="Monaco"/>
+              </a:rPr>
+              <a:t>    </a:t>
             </a:r>
             <a:r>
               <a:rPr lang="en-US" sz="1000" dirty="0" err="1" smtClean="0">
@@ -12402,7 +12346,7 @@
                 <a:latin typeface="Monaco"/>
                 <a:cs typeface="Monaco"/>
               </a:rPr>
-              <a:t>      </a:t>
+              <a:t>   </a:t>
             </a:r>
             <a:r>
               <a:rPr lang="en-US" sz="1000" dirty="0" err="1" smtClean="0">
@@ -12422,14 +12366,331 @@
                 <a:latin typeface="Monaco"/>
                 <a:cs typeface="Monaco"/>
               </a:rPr>
-              <a:t>(method = ‘lm’) </a:t>
+              <a:t>(</a:t>
+            </a:r>
+            <a:r>
+              <a:rPr lang="en-US" sz="1000" dirty="0" smtClean="0">
+                <a:solidFill>
+                  <a:srgbClr val="3366FF"/>
+                </a:solidFill>
+                <a:latin typeface="Monaco"/>
+                <a:cs typeface="Monaco"/>
+              </a:rPr>
+              <a:t>method = ‘</a:t>
+            </a:r>
+            <a:r>
+              <a:rPr lang="en-US" sz="1000" dirty="0" smtClean="0">
+                <a:solidFill>
+                  <a:srgbClr val="3366FF"/>
+                </a:solidFill>
+                <a:latin typeface="Monaco"/>
+                <a:cs typeface="Monaco"/>
+              </a:rPr>
+              <a:t>lm’</a:t>
+            </a:r>
+            <a:r>
+              <a:rPr lang="en-US" sz="1000" dirty="0" smtClean="0">
+                <a:solidFill>
+                  <a:srgbClr val="3366FF"/>
+                </a:solidFill>
+                <a:latin typeface="Monaco"/>
+                <a:cs typeface="Monaco"/>
+              </a:rPr>
+              <a:t>)</a:t>
+            </a:r>
+            <a:r>
+              <a:rPr lang="en-US" sz="1000" baseline="30000" dirty="0" smtClean="0">
+                <a:solidFill>
+                  <a:srgbClr val="000000"/>
+                </a:solidFill>
+                <a:latin typeface="Helvetica"/>
+                <a:cs typeface="Helvetica"/>
+              </a:rPr>
+              <a:t>[2]</a:t>
+            </a:r>
+            <a:r>
+              <a:rPr lang="en-US" sz="1000" dirty="0" smtClean="0">
+                <a:solidFill>
+                  <a:srgbClr val="3366FF"/>
+                </a:solidFill>
+                <a:latin typeface="Monaco"/>
+                <a:cs typeface="Monaco"/>
+              </a:rPr>
+              <a:t> </a:t>
             </a:r>
             <a:r>
               <a:rPr lang="en-US" sz="1000" dirty="0" smtClean="0">
                 <a:latin typeface="Monaco"/>
                 <a:cs typeface="Monaco"/>
               </a:rPr>
+              <a:t>+ </a:t>
+            </a:r>
+            <a:r>
+              <a:rPr lang="en-US" sz="1000" b="1" dirty="0">
+                <a:solidFill>
+                  <a:srgbClr val="CB7E1B"/>
+                </a:solidFill>
+                <a:latin typeface="Helvetica"/>
+                <a:cs typeface="Helvetica"/>
+              </a:rPr>
+              <a:t>	</a:t>
+            </a:r>
+            <a:r>
+              <a:rPr lang="en-US" sz="1000" b="1" dirty="0" smtClean="0">
+                <a:solidFill>
+                  <a:srgbClr val="CB7E1B"/>
+                </a:solidFill>
+                <a:latin typeface="Helvetica"/>
+                <a:cs typeface="Helvetica"/>
+              </a:rPr>
+              <a:t>	         </a:t>
+            </a:r>
+            <a:r>
+              <a:rPr lang="en-US" sz="1000" dirty="0" err="1" smtClean="0">
+                <a:solidFill>
+                  <a:srgbClr val="CB7E1B"/>
+                </a:solidFill>
+                <a:latin typeface="Monaco"/>
+                <a:cs typeface="Monaco"/>
+              </a:rPr>
+              <a:t>xlab</a:t>
+            </a:r>
+            <a:r>
+              <a:rPr lang="en-US" sz="1000" dirty="0" smtClean="0">
+                <a:solidFill>
+                  <a:srgbClr val="CB7E1B"/>
+                </a:solidFill>
+                <a:latin typeface="Monaco"/>
+                <a:cs typeface="Monaco"/>
+              </a:rPr>
+              <a:t>(‘Time’) </a:t>
+            </a:r>
+            <a:r>
+              <a:rPr lang="en-US" sz="1000" dirty="0" smtClean="0">
+                <a:latin typeface="Monaco"/>
+                <a:cs typeface="Monaco"/>
+              </a:rPr>
               <a:t>+</a:t>
+            </a:r>
+          </a:p>
+          <a:p>
+            <a:r>
+              <a:rPr lang="en-US" sz="1000" dirty="0">
+                <a:solidFill>
+                  <a:srgbClr val="CB7E1B"/>
+                </a:solidFill>
+                <a:latin typeface="Monaco"/>
+                <a:cs typeface="Monaco"/>
+              </a:rPr>
+              <a:t>	</a:t>
+            </a:r>
+            <a:r>
+              <a:rPr lang="en-US" sz="1000" dirty="0" smtClean="0">
+                <a:solidFill>
+                  <a:srgbClr val="CB7E1B"/>
+                </a:solidFill>
+                <a:latin typeface="Monaco"/>
+                <a:cs typeface="Monaco"/>
+              </a:rPr>
+              <a:t>    </a:t>
+            </a:r>
+            <a:r>
+              <a:rPr lang="en-US" sz="1000" dirty="0" err="1" smtClean="0">
+                <a:solidFill>
+                  <a:srgbClr val="CB7E1B"/>
+                </a:solidFill>
+                <a:latin typeface="Monaco"/>
+                <a:cs typeface="Monaco"/>
+              </a:rPr>
+              <a:t>ylab</a:t>
+            </a:r>
+            <a:r>
+              <a:rPr lang="en-US" sz="1000" dirty="0" smtClean="0">
+                <a:solidFill>
+                  <a:srgbClr val="CB7E1B"/>
+                </a:solidFill>
+                <a:latin typeface="Monaco"/>
+                <a:cs typeface="Monaco"/>
+              </a:rPr>
+              <a:t>(‘Score’)</a:t>
+            </a:r>
+            <a:endParaRPr lang="en-US" sz="1000" dirty="0">
+              <a:solidFill>
+                <a:srgbClr val="CB7E1B"/>
+              </a:solidFill>
+              <a:latin typeface="Helvetica"/>
+              <a:cs typeface="Helvetica"/>
+            </a:endParaRPr>
+          </a:p>
+          <a:p>
+            <a:endParaRPr lang="en-US" sz="1000" b="1" dirty="0" smtClean="0">
+              <a:latin typeface="Helvetica"/>
+              <a:cs typeface="Helvetica"/>
+            </a:endParaRPr>
+          </a:p>
+          <a:p>
+            <a:r>
+              <a:rPr lang="en-US" sz="900" dirty="0" smtClean="0">
+                <a:latin typeface="Helvetica"/>
+                <a:cs typeface="Helvetica"/>
+              </a:rPr>
+              <a:t>[1] </a:t>
+            </a:r>
+            <a:r>
+              <a:rPr lang="en-US" sz="900" dirty="0" smtClean="0">
+                <a:latin typeface="Monaco"/>
+                <a:cs typeface="Monaco"/>
+              </a:rPr>
+              <a:t>color </a:t>
+            </a:r>
+            <a:r>
+              <a:rPr lang="en-US" sz="900" dirty="0" smtClean="0">
+                <a:latin typeface="Helvetica"/>
+                <a:cs typeface="Helvetica"/>
+              </a:rPr>
+              <a:t>color-codes lines and points according to the factor of your choice (here, ‘</a:t>
+            </a:r>
+            <a:r>
+              <a:rPr lang="en-US" sz="900" dirty="0" err="1" smtClean="0">
+                <a:latin typeface="Monaco"/>
+                <a:cs typeface="Monaco"/>
+              </a:rPr>
+              <a:t>cond</a:t>
+            </a:r>
+            <a:r>
+              <a:rPr lang="en-US" sz="900" dirty="0" smtClean="0">
+                <a:latin typeface="Helvetica"/>
+                <a:cs typeface="Helvetica"/>
+              </a:rPr>
+              <a:t>’). </a:t>
+            </a:r>
+            <a:r>
+              <a:rPr lang="en-US" sz="900" dirty="0" smtClean="0">
+                <a:latin typeface="Monaco"/>
+                <a:cs typeface="Monaco"/>
+              </a:rPr>
+              <a:t>fill</a:t>
+            </a:r>
+            <a:r>
+              <a:rPr lang="en-US" sz="900" dirty="0" smtClean="0">
+                <a:latin typeface="Helvetica"/>
+                <a:cs typeface="Helvetica"/>
+              </a:rPr>
+              <a:t> color-codes bars in bar graphs.</a:t>
+            </a:r>
+          </a:p>
+          <a:p>
+            <a:r>
+              <a:rPr lang="en-US" sz="900" dirty="0" smtClean="0">
+                <a:latin typeface="Helvetica"/>
+                <a:cs typeface="Helvetica"/>
+              </a:rPr>
+              <a:t>[2] Each </a:t>
+            </a:r>
+            <a:r>
+              <a:rPr lang="en-US" sz="900" dirty="0" err="1" smtClean="0">
+                <a:latin typeface="Helvetica"/>
+                <a:cs typeface="Helvetica"/>
+              </a:rPr>
+              <a:t>geom</a:t>
+            </a:r>
+            <a:r>
+              <a:rPr lang="en-US" sz="900" dirty="0" smtClean="0">
+                <a:latin typeface="Helvetica"/>
+                <a:cs typeface="Helvetica"/>
+              </a:rPr>
+              <a:t> has custom options available that can be specified as arguments to the </a:t>
+            </a:r>
+            <a:r>
+              <a:rPr lang="en-US" sz="900" dirty="0" err="1" smtClean="0">
+                <a:latin typeface="Helvetica"/>
+                <a:cs typeface="Helvetica"/>
+              </a:rPr>
+              <a:t>geom</a:t>
+            </a:r>
+            <a:r>
+              <a:rPr lang="en-US" sz="900" dirty="0" smtClean="0">
+                <a:latin typeface="Helvetica"/>
+                <a:cs typeface="Helvetica"/>
+              </a:rPr>
+              <a:t> function. Check the documentation!</a:t>
+            </a:r>
+            <a:endParaRPr lang="en-US" sz="900" dirty="0" smtClean="0">
+              <a:latin typeface="Helvetica"/>
+              <a:cs typeface="Helvetica"/>
+            </a:endParaRPr>
+          </a:p>
+          <a:p>
+            <a:endParaRPr lang="en-US" sz="1000" b="1" dirty="0" smtClean="0">
+              <a:latin typeface="Helvetica"/>
+              <a:cs typeface="Helvetica"/>
+            </a:endParaRPr>
+          </a:p>
+          <a:p>
+            <a:r>
+              <a:rPr lang="en-US" sz="1000" b="1" dirty="0" err="1" smtClean="0">
+                <a:latin typeface="Helvetica"/>
+                <a:cs typeface="Helvetica"/>
+              </a:rPr>
+              <a:t>Geoms</a:t>
+            </a:r>
+            <a:endParaRPr lang="en-US" sz="1000" b="1" dirty="0" smtClean="0">
+              <a:latin typeface="Helvetica"/>
+              <a:cs typeface="Helvetica"/>
+            </a:endParaRPr>
+          </a:p>
+          <a:p>
+            <a:r>
+              <a:rPr lang="en-US" sz="1000" dirty="0" smtClean="0">
+                <a:latin typeface="Helvetica"/>
+                <a:cs typeface="Helvetica"/>
+              </a:rPr>
+              <a:t>In the examples below:</a:t>
+            </a:r>
+          </a:p>
+          <a:p>
+            <a:pPr algn="ctr"/>
+            <a:r>
+              <a:rPr lang="en-US" sz="1000" dirty="0" err="1" smtClean="0">
+                <a:latin typeface="Monaco"/>
+                <a:cs typeface="Monaco"/>
+              </a:rPr>
+              <a:t>myplot</a:t>
+            </a:r>
+            <a:r>
+              <a:rPr lang="en-US" sz="1000" dirty="0" smtClean="0">
+                <a:latin typeface="Monaco"/>
+                <a:cs typeface="Monaco"/>
+              </a:rPr>
+              <a:t> &lt;- </a:t>
+            </a:r>
+            <a:r>
+              <a:rPr lang="en-US" sz="1000" dirty="0" err="1" smtClean="0">
+                <a:latin typeface="Monaco"/>
+                <a:cs typeface="Monaco"/>
+              </a:rPr>
+              <a:t>ggplot</a:t>
+            </a:r>
+            <a:r>
+              <a:rPr lang="en-US" sz="1000" dirty="0" smtClean="0">
+                <a:latin typeface="Monaco"/>
+                <a:cs typeface="Monaco"/>
+              </a:rPr>
+              <a:t>(data, </a:t>
+            </a:r>
+            <a:r>
+              <a:rPr lang="en-US" sz="1000" dirty="0" err="1" smtClean="0">
+                <a:latin typeface="Monaco"/>
+                <a:cs typeface="Monaco"/>
+              </a:rPr>
+              <a:t>aes</a:t>
+            </a:r>
+            <a:r>
+              <a:rPr lang="en-US" sz="1000" dirty="0" smtClean="0">
+                <a:latin typeface="Monaco"/>
+                <a:cs typeface="Monaco"/>
+              </a:rPr>
+              <a:t>(x = IV, y  = DV))</a:t>
             </a:r>
             <a:endParaRPr lang="en-US" sz="1000" dirty="0" smtClean="0">
               <a:latin typeface="Monaco"/>
@@ -12437,56 +12698,15 @@
             </a:endParaRPr>
           </a:p>
           <a:p>
-            <a:r>
-              <a:rPr lang="en-US" sz="1000" dirty="0">
-                <a:latin typeface="Monaco"/>
-                <a:cs typeface="Monaco"/>
-              </a:rPr>
-              <a:t>	 </a:t>
-            </a:r>
-            <a:r>
-              <a:rPr lang="en-US" sz="1000" dirty="0" smtClean="0">
-                <a:latin typeface="Monaco"/>
-                <a:cs typeface="Monaco"/>
-              </a:rPr>
-              <a:t>      </a:t>
-            </a:r>
-            <a:r>
-              <a:rPr lang="en-US" sz="1000" dirty="0" err="1" smtClean="0">
-                <a:latin typeface="Monaco"/>
-                <a:cs typeface="Monaco"/>
-              </a:rPr>
-              <a:t>theme_bw</a:t>
-            </a:r>
-            <a:r>
-              <a:rPr lang="en-US" sz="1000" dirty="0" smtClean="0">
-                <a:latin typeface="Monaco"/>
-                <a:cs typeface="Monaco"/>
-              </a:rPr>
-              <a:t>() </a:t>
-            </a:r>
-            <a:r>
-              <a:rPr lang="en-US" sz="1000" dirty="0" smtClean="0">
-                <a:solidFill>
-                  <a:schemeClr val="tx1">
-                    <a:lumMod val="50000"/>
-                    <a:lumOff val="50000"/>
-                  </a:schemeClr>
-                </a:solidFill>
-                <a:latin typeface="Monaco"/>
-                <a:cs typeface="Monaco"/>
-              </a:rPr>
-              <a:t># custom options</a:t>
-            </a:r>
-            <a:endParaRPr lang="en-US" sz="1000" dirty="0">
-              <a:solidFill>
-                <a:schemeClr val="tx1">
-                  <a:lumMod val="50000"/>
-                  <a:lumOff val="50000"/>
-                </a:schemeClr>
-              </a:solidFill>
-              <a:latin typeface="Monaco"/>
-              <a:cs typeface="Monaco"/>
+            <a:endParaRPr lang="en-US" sz="1000" dirty="0" smtClean="0">
+              <a:latin typeface="Helvetica"/>
+              <a:cs typeface="Helvetica"/>
+            </a:endParaRPr>
+          </a:p>
+          <a:p>
+            <a:endParaRPr lang="en-US" sz="1000" dirty="0" smtClean="0">
+              <a:latin typeface="Helvetica"/>
+              <a:cs typeface="Helvetica"/>
             </a:endParaRPr>
           </a:p>
           <a:p>
@@ -12496,12 +12716,138 @@
             </a:endParaRPr>
           </a:p>
           <a:p>
-            <a:r>
-              <a:rPr lang="en-US" sz="1000" b="1" dirty="0" err="1" smtClean="0">
+            <a:endParaRPr lang="en-US" sz="1000" dirty="0" smtClean="0">
+              <a:latin typeface="Helvetica"/>
+              <a:cs typeface="Helvetica"/>
+            </a:endParaRPr>
+          </a:p>
+          <a:p>
+            <a:endParaRPr lang="en-US" sz="1000" dirty="0">
+              <a:latin typeface="Helvetica"/>
+              <a:cs typeface="Helvetica"/>
+            </a:endParaRPr>
+          </a:p>
+          <a:p>
+            <a:endParaRPr lang="en-US" sz="1000" dirty="0" smtClean="0">
+              <a:latin typeface="Helvetica"/>
+              <a:cs typeface="Helvetica"/>
+            </a:endParaRPr>
+          </a:p>
+          <a:p>
+            <a:endParaRPr lang="en-US" sz="1000" dirty="0">
+              <a:latin typeface="Helvetica"/>
+              <a:cs typeface="Helvetica"/>
+            </a:endParaRPr>
+          </a:p>
+          <a:p>
+            <a:endParaRPr lang="en-US" sz="1000" dirty="0" smtClean="0">
+              <a:latin typeface="Helvetica"/>
+              <a:cs typeface="Helvetica"/>
+            </a:endParaRPr>
+          </a:p>
+          <a:p>
+            <a:endParaRPr lang="en-US" sz="1000" dirty="0">
+              <a:latin typeface="Helvetica"/>
+              <a:cs typeface="Helvetica"/>
+            </a:endParaRPr>
+          </a:p>
+          <a:p>
+            <a:endParaRPr lang="en-US" sz="1000" dirty="0" smtClean="0">
+              <a:latin typeface="Helvetica"/>
+              <a:cs typeface="Helvetica"/>
+            </a:endParaRPr>
+          </a:p>
+          <a:p>
+            <a:endParaRPr lang="en-US" sz="1000" dirty="0">
+              <a:latin typeface="Helvetica"/>
+              <a:cs typeface="Helvetica"/>
+            </a:endParaRPr>
+          </a:p>
+          <a:p>
+            <a:endParaRPr lang="en-US" sz="1000" dirty="0" smtClean="0">
+              <a:latin typeface="Helvetica"/>
+              <a:cs typeface="Helvetica"/>
+            </a:endParaRPr>
+          </a:p>
+          <a:p>
+            <a:endParaRPr lang="en-US" sz="1000" dirty="0">
+              <a:latin typeface="Helvetica"/>
+              <a:cs typeface="Helvetica"/>
+            </a:endParaRPr>
+          </a:p>
+          <a:p>
+            <a:endParaRPr lang="en-US" sz="1000" dirty="0" smtClean="0">
+              <a:latin typeface="Helvetica"/>
+              <a:cs typeface="Helvetica"/>
+            </a:endParaRPr>
+          </a:p>
+          <a:p>
+            <a:endParaRPr lang="en-US" sz="1000" dirty="0">
+              <a:latin typeface="Helvetica"/>
+              <a:cs typeface="Helvetica"/>
+            </a:endParaRPr>
+          </a:p>
+          <a:p>
+            <a:endParaRPr lang="en-US" sz="1000" dirty="0" smtClean="0">
+              <a:latin typeface="Helvetica"/>
+              <a:cs typeface="Helvetica"/>
+            </a:endParaRPr>
+          </a:p>
+          <a:p>
+            <a:endParaRPr lang="en-US" sz="1000" dirty="0">
+              <a:latin typeface="Helvetica"/>
+              <a:cs typeface="Helvetica"/>
+            </a:endParaRPr>
+          </a:p>
+          <a:p>
+            <a:endParaRPr lang="en-US" sz="1000" dirty="0" smtClean="0">
+              <a:latin typeface="Helvetica"/>
+              <a:cs typeface="Helvetica"/>
+            </a:endParaRPr>
+          </a:p>
+          <a:p>
+            <a:endParaRPr lang="en-US" sz="1000" dirty="0" smtClean="0">
+              <a:latin typeface="Helvetica"/>
+              <a:cs typeface="Helvetica"/>
+            </a:endParaRPr>
+          </a:p>
+          <a:p>
+            <a:endParaRPr lang="en-US" sz="1000" dirty="0">
+              <a:latin typeface="Helvetica"/>
+              <a:cs typeface="Helvetica"/>
+            </a:endParaRPr>
+          </a:p>
+          <a:p>
+            <a:endParaRPr lang="en-US" sz="1000" dirty="0" smtClean="0">
+              <a:latin typeface="Helvetica"/>
+              <a:cs typeface="Helvetica"/>
+            </a:endParaRPr>
+          </a:p>
+          <a:p>
+            <a:endParaRPr lang="en-US" sz="1000" dirty="0">
+              <a:latin typeface="Helvetica"/>
+              <a:cs typeface="Helvetica"/>
+            </a:endParaRPr>
+          </a:p>
+          <a:p>
+            <a:endParaRPr lang="en-US" sz="1000" dirty="0" smtClean="0">
+              <a:latin typeface="Helvetica"/>
+              <a:cs typeface="Helvetica"/>
+            </a:endParaRPr>
+          </a:p>
+          <a:p>
+            <a:endParaRPr lang="en-US" sz="1000" dirty="0" smtClean="0">
+              <a:latin typeface="Helvetica"/>
+              <a:cs typeface="Helvetica"/>
+            </a:endParaRPr>
+          </a:p>
+          <a:p>
+            <a:r>
+              <a:rPr lang="en-US" sz="1000" b="1" dirty="0" smtClean="0">
                 <a:latin typeface="Helvetica"/>
                 <a:cs typeface="Helvetica"/>
               </a:rPr>
-              <a:t>Geoms</a:t>
+              <a:t>Customization</a:t>
             </a:r>
             <a:endParaRPr lang="en-US" sz="1000" b="1" dirty="0" smtClean="0">
               <a:latin typeface="Helvetica"/>
@@ -12509,273 +12855,254 @@
             </a:endParaRPr>
           </a:p>
           <a:p>
+            <a:pPr>
+              <a:tabLst>
+                <a:tab pos="3314700" algn="r"/>
+              </a:tabLst>
+            </a:pPr>
             <a:r>
               <a:rPr lang="en-US" sz="1000" dirty="0" smtClean="0">
                 <a:latin typeface="Helvetica"/>
                 <a:cs typeface="Helvetica"/>
               </a:rPr>
-              <a:t>[Table with icon, command, available options, notes. Include </a:t>
-            </a:r>
-            <a:r>
-              <a:rPr lang="en-US" sz="1000" dirty="0" err="1" smtClean="0">
-                <a:latin typeface="Helvetica"/>
-                <a:cs typeface="Helvetica"/>
-              </a:rPr>
-              <a:t>geom_density</a:t>
+              <a:t>Adding a </a:t>
             </a:r>
             <a:r>
               <a:rPr lang="en-US" sz="1000" dirty="0" smtClean="0">
                 <a:latin typeface="Helvetica"/>
                 <a:cs typeface="Helvetica"/>
               </a:rPr>
-              <a:t>, </a:t>
+              <a:t>title	</a:t>
             </a:r>
             <a:r>
               <a:rPr lang="en-US" sz="1000" dirty="0" err="1" smtClean="0">
-                <a:latin typeface="Helvetica"/>
-                <a:cs typeface="Helvetica"/>
-              </a:rPr>
-              <a:t>geom_histogram</a:t>
-            </a:r>
+                <a:latin typeface="Monaco"/>
+                <a:cs typeface="Monaco"/>
+              </a:rPr>
+              <a:t>ggtitle</a:t>
+            </a:r>
+            <a:r>
+              <a:rPr lang="en-US" sz="1000" dirty="0" smtClean="0">
+                <a:latin typeface="Monaco"/>
+                <a:cs typeface="Monaco"/>
+              </a:rPr>
+              <a:t>(‘My Plot’)</a:t>
+            </a:r>
+          </a:p>
+          <a:p>
+            <a:pPr>
+              <a:tabLst>
+                <a:tab pos="3314700" algn="r"/>
+              </a:tabLst>
+            </a:pPr>
             <a:r>
               <a:rPr lang="en-US" sz="1000" dirty="0" smtClean="0">
                 <a:latin typeface="Helvetica"/>
                 <a:cs typeface="Helvetica"/>
               </a:rPr>
-              <a:t>, </a:t>
+              <a:t>Label x-axis	</a:t>
             </a:r>
             <a:r>
               <a:rPr lang="en-US" sz="1000" dirty="0" err="1" smtClean="0">
-                <a:latin typeface="Helvetica"/>
-                <a:cs typeface="Helvetica"/>
-              </a:rPr>
-              <a:t>geom_bar</a:t>
-            </a:r>
+                <a:latin typeface="Monaco"/>
+                <a:cs typeface="Monaco"/>
+              </a:rPr>
+              <a:t>xlab</a:t>
+            </a:r>
+            <a:r>
+              <a:rPr lang="en-US" sz="1000" dirty="0" smtClean="0">
+                <a:latin typeface="Monaco"/>
+                <a:cs typeface="Monaco"/>
+              </a:rPr>
+              <a:t>(‘Condition’)</a:t>
+            </a:r>
+          </a:p>
+          <a:p>
+            <a:pPr>
+              <a:tabLst>
+                <a:tab pos="3314700" algn="r"/>
+              </a:tabLst>
+            </a:pPr>
             <a:r>
               <a:rPr lang="en-US" sz="1000" dirty="0" smtClean="0">
                 <a:latin typeface="Helvetica"/>
                 <a:cs typeface="Helvetica"/>
               </a:rPr>
-              <a:t>, </a:t>
+              <a:t>Label y-axis	</a:t>
             </a:r>
             <a:r>
               <a:rPr lang="en-US" sz="1000" dirty="0" err="1" smtClean="0">
-                <a:latin typeface="Helvetica"/>
-                <a:cs typeface="Helvetica"/>
-              </a:rPr>
-              <a:t>geom_jitter</a:t>
-            </a:r>
+                <a:latin typeface="Monaco"/>
+                <a:cs typeface="Monaco"/>
+              </a:rPr>
+              <a:t>ylab</a:t>
+            </a:r>
+            <a:r>
+              <a:rPr lang="en-US" sz="1000" dirty="0" smtClean="0">
+                <a:latin typeface="Monaco"/>
+                <a:cs typeface="Monaco"/>
+              </a:rPr>
+              <a:t>(‘Response’)</a:t>
+            </a:r>
+            <a:endParaRPr lang="en-US" sz="1000" dirty="0" smtClean="0">
+              <a:latin typeface="Monaco"/>
+              <a:cs typeface="Monaco"/>
+            </a:endParaRPr>
+          </a:p>
+          <a:p>
+            <a:pPr>
+              <a:tabLst>
+                <a:tab pos="3314700" algn="r"/>
+              </a:tabLst>
+            </a:pPr>
             <a:r>
               <a:rPr lang="en-US" sz="1000" dirty="0" smtClean="0">
                 <a:latin typeface="Helvetica"/>
                 <a:cs typeface="Helvetica"/>
               </a:rPr>
-              <a:t>, </a:t>
-            </a:r>
-            <a:r>
-              <a:rPr lang="en-US" sz="1000" dirty="0" err="1" smtClean="0">
-                <a:latin typeface="Helvetica"/>
-                <a:cs typeface="Helvetica"/>
-              </a:rPr>
-              <a:t>geom_point</a:t>
-            </a:r>
+              <a:t>Faceting: splits up plot into many plots based on the values of a factor</a:t>
+            </a:r>
+          </a:p>
+          <a:p>
+            <a:pPr>
+              <a:tabLst>
+                <a:tab pos="227013" algn="l"/>
+                <a:tab pos="3314700" algn="r"/>
+              </a:tabLst>
+            </a:pPr>
             <a:r>
               <a:rPr lang="en-US" sz="1000" dirty="0" smtClean="0">
                 <a:latin typeface="Helvetica"/>
                 <a:cs typeface="Helvetica"/>
               </a:rPr>
-              <a:t>, </a:t>
+              <a:t>	By row	</a:t>
             </a:r>
             <a:r>
               <a:rPr lang="en-US" sz="1000" dirty="0" err="1" smtClean="0">
+                <a:latin typeface="Monaco"/>
+                <a:cs typeface="Monaco"/>
+              </a:rPr>
+              <a:t>facet_grid</a:t>
+            </a:r>
+            <a:r>
+              <a:rPr lang="en-US" sz="1000" dirty="0" smtClean="0">
+                <a:latin typeface="Monaco"/>
+                <a:cs typeface="Monaco"/>
+              </a:rPr>
+              <a:t>(gender ~ .)</a:t>
+            </a:r>
+          </a:p>
+          <a:p>
+            <a:pPr>
+              <a:tabLst>
+                <a:tab pos="227013" algn="l"/>
+                <a:tab pos="3314700" algn="r"/>
+              </a:tabLst>
+            </a:pPr>
+            <a:r>
+              <a:rPr lang="en-US" sz="1000" dirty="0">
                 <a:latin typeface="Helvetica"/>
                 <a:cs typeface="Helvetica"/>
               </a:rPr>
-              <a:t>geom_line</a:t>
+              <a:t>	</a:t>
             </a:r>
             <a:r>
               <a:rPr lang="en-US" sz="1000" dirty="0" smtClean="0">
                 <a:latin typeface="Helvetica"/>
                 <a:cs typeface="Helvetica"/>
               </a:rPr>
-              <a:t>, </a:t>
+              <a:t>By column	</a:t>
             </a:r>
             <a:r>
               <a:rPr lang="en-US" sz="1000" dirty="0" err="1" smtClean="0">
-                <a:latin typeface="Helvetica"/>
-                <a:cs typeface="Helvetica"/>
-              </a:rPr>
-              <a:t>geom_smooth</a:t>
-            </a:r>
+                <a:latin typeface="Monaco"/>
+                <a:cs typeface="Monaco"/>
+              </a:rPr>
+              <a:t>facet_grid</a:t>
+            </a:r>
+            <a:r>
+              <a:rPr lang="en-US" sz="1000" dirty="0" smtClean="0">
+                <a:latin typeface="Monaco"/>
+                <a:cs typeface="Monaco"/>
+              </a:rPr>
+              <a:t>(. ~ gender)</a:t>
+            </a:r>
+          </a:p>
+          <a:p>
+            <a:pPr>
+              <a:tabLst>
+                <a:tab pos="227013" algn="l"/>
+                <a:tab pos="3314700" algn="r"/>
+              </a:tabLst>
+            </a:pPr>
             <a:r>
               <a:rPr lang="en-US" sz="1000" dirty="0" smtClean="0">
                 <a:latin typeface="Helvetica"/>
                 <a:cs typeface="Helvetica"/>
               </a:rPr>
-              <a:t>, </a:t>
+              <a:t>	By row &amp; column	</a:t>
             </a:r>
             <a:r>
               <a:rPr lang="en-US" sz="1000" dirty="0" err="1" smtClean="0">
+                <a:latin typeface="Monaco"/>
+                <a:cs typeface="Monaco"/>
+              </a:rPr>
+              <a:t>facet_grid</a:t>
+            </a:r>
+            <a:r>
+              <a:rPr lang="en-US" sz="1000" dirty="0" smtClean="0">
+                <a:latin typeface="Monaco"/>
+                <a:cs typeface="Monaco"/>
+              </a:rPr>
+              <a:t>(age ~ gender)</a:t>
+            </a:r>
+          </a:p>
+          <a:p>
+            <a:pPr>
+              <a:tabLst>
+                <a:tab pos="227013" algn="l"/>
+                <a:tab pos="3314700" algn="r"/>
+              </a:tabLst>
+            </a:pPr>
+            <a:r>
+              <a:rPr lang="en-US" sz="1000" dirty="0">
                 <a:latin typeface="Helvetica"/>
                 <a:cs typeface="Helvetica"/>
               </a:rPr>
-              <a:t>geom_errorbar</a:t>
+              <a:t>	</a:t>
             </a:r>
             <a:r>
               <a:rPr lang="en-US" sz="1000" dirty="0" smtClean="0">
                 <a:latin typeface="Helvetica"/>
                 <a:cs typeface="Helvetica"/>
               </a:rPr>
-              <a:t>]</a:t>
-            </a:r>
-            <a:endParaRPr lang="en-US" sz="1000" dirty="0">
-              <a:latin typeface="Helvetica"/>
-              <a:cs typeface="Helvetica"/>
-            </a:endParaRPr>
-          </a:p>
-          <a:p>
+              <a:t>Wrap facets</a:t>
+            </a:r>
+            <a:r>
+              <a:rPr lang="en-US" sz="1000" dirty="0" smtClean="0">
+                <a:latin typeface="Helvetica"/>
+                <a:cs typeface="Helvetica"/>
+              </a:rPr>
+              <a:t>	</a:t>
+            </a:r>
+            <a:r>
+              <a:rPr lang="en-US" sz="1000" dirty="0" err="1" smtClean="0">
+                <a:latin typeface="Monaco"/>
+                <a:cs typeface="Monaco"/>
+              </a:rPr>
+              <a:t>facet_wrap</a:t>
+            </a:r>
+            <a:r>
+              <a:rPr lang="en-US" sz="1000" dirty="0" smtClean="0">
+                <a:latin typeface="Monaco"/>
+                <a:cs typeface="Monaco"/>
+              </a:rPr>
+              <a:t>(. ~ gender)</a:t>
+            </a:r>
             <a:endParaRPr lang="en-US" sz="1000" dirty="0" smtClean="0">
-              <a:latin typeface="Helvetica"/>
-              <a:cs typeface="Helvetica"/>
-            </a:endParaRPr>
-          </a:p>
-          <a:p>
-            <a:endParaRPr lang="en-US" sz="1000" dirty="0">
               <a:latin typeface="Monaco"/>
               <a:cs typeface="Monaco"/>
             </a:endParaRPr>
-          </a:p>
-          <a:p>
-            <a:r>
-              <a:rPr lang="en-US" sz="1000" b="1" dirty="0" smtClean="0">
-                <a:latin typeface="Helvetica"/>
-                <a:cs typeface="Helvetica"/>
-              </a:rPr>
-              <a:t>Other options</a:t>
-            </a:r>
-          </a:p>
-          <a:p>
-            <a:r>
-              <a:rPr lang="en-US" sz="1000" dirty="0" smtClean="0">
-                <a:latin typeface="Helvetica"/>
-                <a:cs typeface="Helvetica"/>
-              </a:rPr>
-              <a:t>Adding a title</a:t>
-            </a:r>
-          </a:p>
-          <a:p>
-            <a:r>
-              <a:rPr lang="en-US" sz="1000" dirty="0" err="1" smtClean="0">
-                <a:latin typeface="Monaco"/>
-                <a:cs typeface="Monaco"/>
-              </a:rPr>
-              <a:t>myplot</a:t>
-            </a:r>
-            <a:r>
-              <a:rPr lang="en-US" sz="1000" dirty="0" smtClean="0">
-                <a:latin typeface="Monaco"/>
-                <a:cs typeface="Monaco"/>
-              </a:rPr>
-              <a:t> + </a:t>
-            </a:r>
-            <a:r>
-              <a:rPr lang="en-US" sz="1000" dirty="0" err="1" smtClean="0">
-                <a:latin typeface="Monaco"/>
-                <a:cs typeface="Monaco"/>
-              </a:rPr>
-              <a:t>ggtitle</a:t>
-            </a:r>
-            <a:r>
-              <a:rPr lang="en-US" sz="1000" dirty="0" smtClean="0">
-                <a:latin typeface="Monaco"/>
-                <a:cs typeface="Monaco"/>
-              </a:rPr>
-              <a:t>(‘My Plot’)</a:t>
-            </a:r>
-          </a:p>
-          <a:p>
-            <a:r>
-              <a:rPr lang="en-US" sz="1000" dirty="0" smtClean="0">
-                <a:latin typeface="Helvetica"/>
-                <a:cs typeface="Helvetica"/>
-              </a:rPr>
-              <a:t>Changing x- and y-axis labels</a:t>
-            </a:r>
-          </a:p>
-          <a:p>
-            <a:r>
-              <a:rPr lang="en-US" sz="1000" dirty="0" err="1" smtClean="0">
-                <a:latin typeface="Monaco"/>
-                <a:cs typeface="Monaco"/>
-              </a:rPr>
-              <a:t>myplot</a:t>
-            </a:r>
-            <a:r>
-              <a:rPr lang="en-US" sz="1000" dirty="0" smtClean="0">
-                <a:latin typeface="Monaco"/>
-                <a:cs typeface="Monaco"/>
-              </a:rPr>
-              <a:t> + </a:t>
-            </a:r>
-            <a:r>
-              <a:rPr lang="en-US" sz="1000" dirty="0" err="1" smtClean="0">
-                <a:latin typeface="Monaco"/>
-                <a:cs typeface="Monaco"/>
-              </a:rPr>
-              <a:t>xlab</a:t>
-            </a:r>
-            <a:r>
-              <a:rPr lang="en-US" sz="1000" dirty="0" smtClean="0">
-                <a:latin typeface="Monaco"/>
-                <a:cs typeface="Monaco"/>
-              </a:rPr>
-              <a:t>(‘Time’) + </a:t>
-            </a:r>
-            <a:r>
-              <a:rPr lang="en-US" sz="1000" dirty="0" err="1" smtClean="0">
-                <a:latin typeface="Monaco"/>
-                <a:cs typeface="Monaco"/>
-              </a:rPr>
-              <a:t>ylab</a:t>
-            </a:r>
-            <a:r>
-              <a:rPr lang="en-US" sz="1000" dirty="0" smtClean="0">
-                <a:latin typeface="Monaco"/>
-                <a:cs typeface="Monaco"/>
-              </a:rPr>
-              <a:t>(‘Score’)</a:t>
-            </a:r>
-            <a:endParaRPr lang="en-US" sz="1000" b="1" dirty="0" smtClean="0">
-              <a:latin typeface="Monaco"/>
-              <a:cs typeface="Monaco"/>
-            </a:endParaRPr>
-          </a:p>
-          <a:p>
-            <a:r>
-              <a:rPr lang="en-US" sz="1000" dirty="0" smtClean="0">
-                <a:latin typeface="Helvetica"/>
-                <a:cs typeface="Helvetica"/>
-              </a:rPr>
-              <a:t>Faceting</a:t>
-            </a:r>
-          </a:p>
-          <a:p>
-            <a:r>
-              <a:rPr lang="en-US" sz="1000" dirty="0" smtClean="0">
-                <a:latin typeface="Helvetica"/>
-                <a:cs typeface="Helvetica"/>
-              </a:rPr>
-              <a:t>Changing bounds of plot</a:t>
-            </a:r>
-          </a:p>
-          <a:p>
-            <a:r>
-              <a:rPr lang="en-US" sz="1000" dirty="0" smtClean="0">
-                <a:latin typeface="Helvetica"/>
-                <a:cs typeface="Helvetica"/>
-              </a:rPr>
-              <a:t>Changing theme</a:t>
-            </a:r>
           </a:p>
         </p:txBody>
       </p:sp>
@@ -12829,6 +13156,1161 @@
           </a:p>
         </p:txBody>
       </p:sp>
+      <p:graphicFrame>
+        <p:nvGraphicFramePr>
+          <p:cNvPr id="6" name="Table 5"/>
+          <p:cNvGraphicFramePr>
+            <a:graphicFrameLocks noGrp="1"/>
+          </p:cNvGraphicFramePr>
+          <p:nvPr>
+            <p:extLst>
+              <p:ext uri="{D42A27DB-BD31-4B8C-83A1-F6EECF244321}">
+                <p14:modId xmlns:p14="http://schemas.microsoft.com/office/powerpoint/2010/main" val="96463305"/>
+              </p:ext>
+            </p:extLst>
+          </p:nvPr>
+        </p:nvGraphicFramePr>
+        <p:xfrm>
+          <a:off x="302207" y="4581907"/>
+          <a:ext cx="3374268" cy="3566159"/>
+        </p:xfrm>
+        <a:graphic>
+          <a:graphicData uri="http://schemas.openxmlformats.org/drawingml/2006/table">
+            <a:tbl>
+              <a:tblPr firstRow="1" bandRow="1">
+                <a:tableStyleId>{5940675A-B579-460E-94D1-54222C63F5DA}</a:tableStyleId>
+              </a:tblPr>
+              <a:tblGrid>
+                <a:gridCol w="837590"/>
+                <a:gridCol w="2536678"/>
+              </a:tblGrid>
+              <a:tr h="143601">
+                <a:tc>
+                  <a:txBody>
+                    <a:bodyPr/>
+                    <a:lstStyle/>
+                    <a:p>
+                      <a:pPr algn="ctr"/>
+                      <a:r>
+                        <a:rPr lang="en-US" sz="900" b="1" dirty="0" smtClean="0">
+                          <a:latin typeface="Helvetica"/>
+                          <a:cs typeface="Helvetica"/>
+                        </a:rPr>
+                        <a:t>Plot type</a:t>
+                      </a:r>
+                      <a:endParaRPr lang="en-US" sz="900" b="1" dirty="0">
+                        <a:latin typeface="Helvetica"/>
+                        <a:cs typeface="Helvetica"/>
+                      </a:endParaRPr>
+                    </a:p>
+                  </a:txBody>
+                  <a:tcPr>
+                    <a:lnL w="12700" cap="flat" cmpd="sng" algn="ctr">
+                      <a:solidFill>
+                        <a:srgbClr val="FFFFFF"/>
+                      </a:solidFill>
+                      <a:prstDash val="solid"/>
+                      <a:round/>
+                      <a:headEnd type="none" w="med" len="med"/>
+                      <a:tailEnd type="none" w="med" len="med"/>
+                    </a:lnL>
+                    <a:lnR w="12700" cap="flat" cmpd="sng" algn="ctr">
+                      <a:solidFill>
+                        <a:srgbClr val="FFFFFF"/>
+                      </a:solidFill>
+                      <a:prstDash val="solid"/>
+                      <a:round/>
+                      <a:headEnd type="none" w="med" len="med"/>
+                      <a:tailEnd type="none" w="med" len="med"/>
+                    </a:lnR>
+                    <a:lnT w="12700" cap="flat" cmpd="sng" algn="ctr">
+                      <a:solidFill>
+                        <a:srgbClr val="FFFFFF"/>
+                      </a:solidFill>
+                      <a:prstDash val="solid"/>
+                      <a:round/>
+                      <a:headEnd type="none" w="med" len="med"/>
+                      <a:tailEnd type="none" w="med" len="med"/>
+                    </a:lnT>
+                    <a:lnB w="12700" cap="flat" cmpd="sng" algn="ctr">
+                      <a:solidFill>
+                        <a:srgbClr val="FFFFFF"/>
+                      </a:solidFill>
+                      <a:prstDash val="solid"/>
+                      <a:round/>
+                      <a:headEnd type="none" w="med" len="med"/>
+                      <a:tailEnd type="none" w="med" len="med"/>
+                    </a:lnB>
+                    <a:noFill/>
+                  </a:tcPr>
+                </a:tc>
+                <a:tc>
+                  <a:txBody>
+                    <a:bodyPr/>
+                    <a:lstStyle/>
+                    <a:p>
+                      <a:pPr algn="ctr"/>
+                      <a:r>
+                        <a:rPr lang="en-US" sz="900" b="1" dirty="0" smtClean="0">
+                          <a:latin typeface="Helvetica"/>
+                          <a:cs typeface="Helvetica"/>
+                        </a:rPr>
+                        <a:t>Usage &amp; example</a:t>
+                      </a:r>
+                      <a:endParaRPr lang="en-US" sz="900" b="1" dirty="0">
+                        <a:latin typeface="Helvetica"/>
+                        <a:cs typeface="Helvetica"/>
+                      </a:endParaRPr>
+                    </a:p>
+                  </a:txBody>
+                  <a:tcPr>
+                    <a:lnL w="12700" cap="flat" cmpd="sng" algn="ctr">
+                      <a:solidFill>
+                        <a:srgbClr val="FFFFFF"/>
+                      </a:solidFill>
+                      <a:prstDash val="solid"/>
+                      <a:round/>
+                      <a:headEnd type="none" w="med" len="med"/>
+                      <a:tailEnd type="none" w="med" len="med"/>
+                    </a:lnL>
+                    <a:lnR w="12700" cap="flat" cmpd="sng" algn="ctr">
+                      <a:solidFill>
+                        <a:srgbClr val="FFFFFF"/>
+                      </a:solidFill>
+                      <a:prstDash val="solid"/>
+                      <a:round/>
+                      <a:headEnd type="none" w="med" len="med"/>
+                      <a:tailEnd type="none" w="med" len="med"/>
+                    </a:lnR>
+                    <a:lnT w="12700" cap="flat" cmpd="sng" algn="ctr">
+                      <a:solidFill>
+                        <a:srgbClr val="FFFFFF"/>
+                      </a:solidFill>
+                      <a:prstDash val="solid"/>
+                      <a:round/>
+                      <a:headEnd type="none" w="med" len="med"/>
+                      <a:tailEnd type="none" w="med" len="med"/>
+                    </a:lnT>
+                    <a:lnB w="12700" cap="flat" cmpd="sng" algn="ctr">
+                      <a:solidFill>
+                        <a:srgbClr val="FFFFFF"/>
+                      </a:solidFill>
+                      <a:prstDash val="solid"/>
+                      <a:round/>
+                      <a:headEnd type="none" w="med" len="med"/>
+                      <a:tailEnd type="none" w="med" len="med"/>
+                    </a:lnB>
+                    <a:noFill/>
+                  </a:tcPr>
+                </a:tc>
+              </a:tr>
+              <a:tr h="143601">
+                <a:tc>
+                  <a:txBody>
+                    <a:bodyPr/>
+                    <a:lstStyle/>
+                    <a:p>
+                      <a:pPr algn="ctr"/>
+                      <a:r>
+                        <a:rPr lang="en-US" sz="900" b="1" dirty="0" smtClean="0">
+                          <a:latin typeface="Helvetica"/>
+                          <a:cs typeface="Helvetica"/>
+                        </a:rPr>
+                        <a:t>Histogram</a:t>
+                      </a:r>
+                    </a:p>
+                  </a:txBody>
+                  <a:tcPr>
+                    <a:lnL w="12700" cap="flat" cmpd="sng" algn="ctr">
+                      <a:solidFill>
+                        <a:srgbClr val="FFFFFF"/>
+                      </a:solidFill>
+                      <a:prstDash val="solid"/>
+                      <a:round/>
+                      <a:headEnd type="none" w="med" len="med"/>
+                      <a:tailEnd type="none" w="med" len="med"/>
+                    </a:lnL>
+                    <a:lnR w="12700" cap="flat" cmpd="sng" algn="ctr">
+                      <a:solidFill>
+                        <a:srgbClr val="FFFFFF"/>
+                      </a:solidFill>
+                      <a:prstDash val="solid"/>
+                      <a:round/>
+                      <a:headEnd type="none" w="med" len="med"/>
+                      <a:tailEnd type="none" w="med" len="med"/>
+                    </a:lnR>
+                    <a:lnT w="12700" cap="flat" cmpd="sng" algn="ctr">
+                      <a:solidFill>
+                        <a:srgbClr val="FFFFFF"/>
+                      </a:solidFill>
+                      <a:prstDash val="solid"/>
+                      <a:round/>
+                      <a:headEnd type="none" w="med" len="med"/>
+                      <a:tailEnd type="none" w="med" len="med"/>
+                    </a:lnT>
+                    <a:lnB w="12700" cap="flat" cmpd="sng" algn="ctr">
+                      <a:solidFill>
+                        <a:srgbClr val="FFFFFF"/>
+                      </a:solidFill>
+                      <a:prstDash val="solid"/>
+                      <a:round/>
+                      <a:headEnd type="none" w="med" len="med"/>
+                      <a:tailEnd type="none" w="med" len="med"/>
+                    </a:lnB>
+                    <a:solidFill>
+                      <a:schemeClr val="bg1">
+                        <a:lumMod val="85000"/>
+                      </a:schemeClr>
+                    </a:solidFill>
+                  </a:tcPr>
+                </a:tc>
+                <a:tc>
+                  <a:txBody>
+                    <a:bodyPr/>
+                    <a:lstStyle/>
+                    <a:p>
+                      <a:r>
+                        <a:rPr lang="en-US" sz="900" dirty="0" smtClean="0">
+                          <a:latin typeface="Helvetica"/>
+                          <a:cs typeface="Helvetica"/>
+                        </a:rPr>
+                        <a:t>Sorts values in x into bins, shows number of elements in each bin on the y-axis.</a:t>
+                      </a:r>
+                    </a:p>
+                    <a:p>
+                      <a:endParaRPr lang="en-US" sz="900" baseline="0" dirty="0" smtClean="0">
+                        <a:latin typeface="Helvetica"/>
+                        <a:cs typeface="Helvetica"/>
+                      </a:endParaRPr>
+                    </a:p>
+                    <a:p>
+                      <a:r>
+                        <a:rPr lang="en-US" sz="900" baseline="0" dirty="0" err="1" smtClean="0">
+                          <a:latin typeface="Monaco"/>
+                          <a:cs typeface="Monaco"/>
+                        </a:rPr>
+                        <a:t>ggplot</a:t>
+                      </a:r>
+                      <a:r>
+                        <a:rPr lang="en-US" sz="900" baseline="0" dirty="0" smtClean="0">
+                          <a:latin typeface="Monaco"/>
+                          <a:cs typeface="Monaco"/>
+                        </a:rPr>
+                        <a:t>(data, </a:t>
+                      </a:r>
+                      <a:r>
+                        <a:rPr lang="en-US" sz="900" baseline="0" dirty="0" err="1" smtClean="0">
+                          <a:latin typeface="Monaco"/>
+                          <a:cs typeface="Monaco"/>
+                        </a:rPr>
+                        <a:t>aes</a:t>
+                      </a:r>
+                      <a:r>
+                        <a:rPr lang="en-US" sz="900" baseline="0" dirty="0" smtClean="0">
+                          <a:latin typeface="Monaco"/>
+                          <a:cs typeface="Monaco"/>
+                        </a:rPr>
+                        <a:t>(x=age)) +</a:t>
+                      </a:r>
+                    </a:p>
+                    <a:p>
+                      <a:r>
+                        <a:rPr lang="en-US" sz="900" baseline="0" dirty="0" smtClean="0">
+                          <a:latin typeface="Monaco"/>
+                          <a:cs typeface="Monaco"/>
+                        </a:rPr>
+                        <a:t>  </a:t>
+                      </a:r>
+                      <a:r>
+                        <a:rPr lang="en-US" sz="900" baseline="0" dirty="0" err="1" smtClean="0">
+                          <a:latin typeface="Monaco"/>
+                          <a:cs typeface="Monaco"/>
+                        </a:rPr>
+                        <a:t>geom_histogram</a:t>
+                      </a:r>
+                      <a:r>
+                        <a:rPr lang="en-US" sz="900" baseline="0" dirty="0" smtClean="0">
+                          <a:latin typeface="Monaco"/>
+                          <a:cs typeface="Monaco"/>
+                        </a:rPr>
+                        <a:t>(</a:t>
+                      </a:r>
+                      <a:r>
+                        <a:rPr lang="en-US" sz="900" baseline="0" dirty="0" err="1" smtClean="0">
+                          <a:latin typeface="Monaco"/>
+                          <a:cs typeface="Monaco"/>
+                        </a:rPr>
+                        <a:t>binwidth</a:t>
+                      </a:r>
+                      <a:r>
+                        <a:rPr lang="en-US" sz="900" baseline="0" dirty="0" smtClean="0">
+                          <a:latin typeface="Monaco"/>
+                          <a:cs typeface="Monaco"/>
+                        </a:rPr>
+                        <a:t>=5)</a:t>
+                      </a:r>
+                      <a:endParaRPr lang="en-US" sz="900" baseline="0" dirty="0" smtClean="0">
+                        <a:latin typeface="Helvetica"/>
+                        <a:cs typeface="Helvetica"/>
+                      </a:endParaRPr>
+                    </a:p>
+                  </a:txBody>
+                  <a:tcPr>
+                    <a:lnL w="12700" cap="flat" cmpd="sng" algn="ctr">
+                      <a:solidFill>
+                        <a:srgbClr val="FFFFFF"/>
+                      </a:solidFill>
+                      <a:prstDash val="solid"/>
+                      <a:round/>
+                      <a:headEnd type="none" w="med" len="med"/>
+                      <a:tailEnd type="none" w="med" len="med"/>
+                    </a:lnL>
+                    <a:lnR w="12700" cap="flat" cmpd="sng" algn="ctr">
+                      <a:solidFill>
+                        <a:srgbClr val="FFFFFF"/>
+                      </a:solidFill>
+                      <a:prstDash val="solid"/>
+                      <a:round/>
+                      <a:headEnd type="none" w="med" len="med"/>
+                      <a:tailEnd type="none" w="med" len="med"/>
+                    </a:lnR>
+                    <a:lnT w="12700" cap="flat" cmpd="sng" algn="ctr">
+                      <a:solidFill>
+                        <a:srgbClr val="FFFFFF"/>
+                      </a:solidFill>
+                      <a:prstDash val="solid"/>
+                      <a:round/>
+                      <a:headEnd type="none" w="med" len="med"/>
+                      <a:tailEnd type="none" w="med" len="med"/>
+                    </a:lnT>
+                    <a:lnB w="12700" cap="flat" cmpd="sng" algn="ctr">
+                      <a:solidFill>
+                        <a:srgbClr val="FFFFFF"/>
+                      </a:solidFill>
+                      <a:prstDash val="solid"/>
+                      <a:round/>
+                      <a:headEnd type="none" w="med" len="med"/>
+                      <a:tailEnd type="none" w="med" len="med"/>
+                    </a:lnB>
+                    <a:solidFill>
+                      <a:schemeClr val="bg1">
+                        <a:lumMod val="85000"/>
+                      </a:schemeClr>
+                    </a:solidFill>
+                  </a:tcPr>
+                </a:tc>
+              </a:tr>
+              <a:tr h="143601">
+                <a:tc>
+                  <a:txBody>
+                    <a:bodyPr/>
+                    <a:lstStyle/>
+                    <a:p>
+                      <a:pPr algn="ctr"/>
+                      <a:r>
+                        <a:rPr lang="en-US" sz="900" b="1" dirty="0" smtClean="0">
+                          <a:latin typeface="Helvetica"/>
+                          <a:cs typeface="Helvetica"/>
+                        </a:rPr>
+                        <a:t>Bar graph</a:t>
+                      </a:r>
+                    </a:p>
+                  </a:txBody>
+                  <a:tcPr>
+                    <a:lnL w="12700" cap="flat" cmpd="sng" algn="ctr">
+                      <a:solidFill>
+                        <a:srgbClr val="FFFFFF"/>
+                      </a:solidFill>
+                      <a:prstDash val="solid"/>
+                      <a:round/>
+                      <a:headEnd type="none" w="med" len="med"/>
+                      <a:tailEnd type="none" w="med" len="med"/>
+                    </a:lnL>
+                    <a:lnR w="12700" cap="flat" cmpd="sng" algn="ctr">
+                      <a:solidFill>
+                        <a:srgbClr val="FFFFFF"/>
+                      </a:solidFill>
+                      <a:prstDash val="solid"/>
+                      <a:round/>
+                      <a:headEnd type="none" w="med" len="med"/>
+                      <a:tailEnd type="none" w="med" len="med"/>
+                    </a:lnR>
+                    <a:lnT w="12700" cap="flat" cmpd="sng" algn="ctr">
+                      <a:solidFill>
+                        <a:srgbClr val="FFFFFF"/>
+                      </a:solidFill>
+                      <a:prstDash val="solid"/>
+                      <a:round/>
+                      <a:headEnd type="none" w="med" len="med"/>
+                      <a:tailEnd type="none" w="med" len="med"/>
+                    </a:lnT>
+                    <a:lnB w="12700" cap="flat" cmpd="sng" algn="ctr">
+                      <a:solidFill>
+                        <a:srgbClr val="FFFFFF"/>
+                      </a:solidFill>
+                      <a:prstDash val="solid"/>
+                      <a:round/>
+                      <a:headEnd type="none" w="med" len="med"/>
+                      <a:tailEnd type="none" w="med" len="med"/>
+                    </a:lnB>
+                    <a:solidFill>
+                      <a:schemeClr val="bg1">
+                        <a:lumMod val="85000"/>
+                      </a:schemeClr>
+                    </a:solidFill>
+                  </a:tcPr>
+                </a:tc>
+                <a:tc>
+                  <a:txBody>
+                    <a:bodyPr/>
+                    <a:lstStyle/>
+                    <a:p>
+                      <a:r>
+                        <a:rPr lang="en-US" sz="900" dirty="0" smtClean="0">
+                          <a:latin typeface="Helvetica"/>
+                          <a:cs typeface="Helvetica"/>
+                        </a:rPr>
+                        <a:t>Here, x is a factor, and y is a numeric vector of bar heights.</a:t>
+                      </a:r>
+                    </a:p>
+                    <a:p>
+                      <a:endParaRPr lang="en-US" sz="900" dirty="0" smtClean="0">
+                        <a:latin typeface="Helvetica"/>
+                        <a:cs typeface="Helvetica"/>
+                      </a:endParaRPr>
+                    </a:p>
+                    <a:p>
+                      <a:r>
+                        <a:rPr lang="en-US" sz="900" dirty="0" err="1" smtClean="0">
+                          <a:latin typeface="Monaco"/>
+                          <a:cs typeface="Monaco"/>
+                        </a:rPr>
+                        <a:t>myplot</a:t>
+                      </a:r>
+                      <a:r>
+                        <a:rPr lang="en-US" sz="900" baseline="0" dirty="0" smtClean="0">
+                          <a:latin typeface="Monaco"/>
+                          <a:cs typeface="Monaco"/>
+                        </a:rPr>
+                        <a:t> + </a:t>
+                      </a:r>
+                      <a:r>
+                        <a:rPr lang="en-US" sz="900" dirty="0" err="1" smtClean="0">
+                          <a:latin typeface="Monaco"/>
+                          <a:cs typeface="Monaco"/>
+                        </a:rPr>
+                        <a:t>geom_bar</a:t>
+                      </a:r>
+                      <a:r>
+                        <a:rPr lang="en-US" sz="900" dirty="0" smtClean="0">
+                          <a:latin typeface="Monaco"/>
+                          <a:cs typeface="Monaco"/>
+                        </a:rPr>
+                        <a:t>(stat</a:t>
+                      </a:r>
+                      <a:r>
+                        <a:rPr lang="en-US" sz="900" baseline="0" dirty="0" smtClean="0">
+                          <a:latin typeface="Monaco"/>
+                          <a:cs typeface="Monaco"/>
+                        </a:rPr>
+                        <a:t>=‘identity’)</a:t>
+                      </a:r>
+                      <a:endParaRPr lang="en-US" sz="900" dirty="0" smtClean="0">
+                        <a:latin typeface="Monaco"/>
+                        <a:cs typeface="Monaco"/>
+                      </a:endParaRPr>
+                    </a:p>
+                  </a:txBody>
+                  <a:tcPr>
+                    <a:lnL w="12700" cap="flat" cmpd="sng" algn="ctr">
+                      <a:solidFill>
+                        <a:srgbClr val="FFFFFF"/>
+                      </a:solidFill>
+                      <a:prstDash val="solid"/>
+                      <a:round/>
+                      <a:headEnd type="none" w="med" len="med"/>
+                      <a:tailEnd type="none" w="med" len="med"/>
+                    </a:lnL>
+                    <a:lnR w="12700" cap="flat" cmpd="sng" algn="ctr">
+                      <a:solidFill>
+                        <a:srgbClr val="FFFFFF"/>
+                      </a:solidFill>
+                      <a:prstDash val="solid"/>
+                      <a:round/>
+                      <a:headEnd type="none" w="med" len="med"/>
+                      <a:tailEnd type="none" w="med" len="med"/>
+                    </a:lnR>
+                    <a:lnT w="12700" cap="flat" cmpd="sng" algn="ctr">
+                      <a:solidFill>
+                        <a:srgbClr val="FFFFFF"/>
+                      </a:solidFill>
+                      <a:prstDash val="solid"/>
+                      <a:round/>
+                      <a:headEnd type="none" w="med" len="med"/>
+                      <a:tailEnd type="none" w="med" len="med"/>
+                    </a:lnT>
+                    <a:lnB w="12700" cap="flat" cmpd="sng" algn="ctr">
+                      <a:solidFill>
+                        <a:srgbClr val="FFFFFF"/>
+                      </a:solidFill>
+                      <a:prstDash val="solid"/>
+                      <a:round/>
+                      <a:headEnd type="none" w="med" len="med"/>
+                      <a:tailEnd type="none" w="med" len="med"/>
+                    </a:lnB>
+                    <a:solidFill>
+                      <a:schemeClr val="bg1">
+                        <a:lumMod val="85000"/>
+                      </a:schemeClr>
+                    </a:solidFill>
+                  </a:tcPr>
+                </a:tc>
+              </a:tr>
+              <a:tr h="143601">
+                <a:tc>
+                  <a:txBody>
+                    <a:bodyPr/>
+                    <a:lstStyle/>
+                    <a:p>
+                      <a:pPr algn="ctr"/>
+                      <a:r>
+                        <a:rPr lang="en-US" sz="900" b="1" dirty="0" smtClean="0">
+                          <a:latin typeface="Helvetica"/>
+                          <a:cs typeface="Helvetica"/>
+                        </a:rPr>
+                        <a:t>Scatter plot</a:t>
+                      </a:r>
+                      <a:endParaRPr lang="en-US" sz="900" b="1" dirty="0">
+                        <a:latin typeface="Helvetica"/>
+                        <a:cs typeface="Helvetica"/>
+                      </a:endParaRPr>
+                    </a:p>
+                  </a:txBody>
+                  <a:tcPr>
+                    <a:lnL w="12700" cap="flat" cmpd="sng" algn="ctr">
+                      <a:solidFill>
+                        <a:srgbClr val="FFFFFF"/>
+                      </a:solidFill>
+                      <a:prstDash val="solid"/>
+                      <a:round/>
+                      <a:headEnd type="none" w="med" len="med"/>
+                      <a:tailEnd type="none" w="med" len="med"/>
+                    </a:lnL>
+                    <a:lnR w="12700" cap="flat" cmpd="sng" algn="ctr">
+                      <a:solidFill>
+                        <a:srgbClr val="FFFFFF"/>
+                      </a:solidFill>
+                      <a:prstDash val="solid"/>
+                      <a:round/>
+                      <a:headEnd type="none" w="med" len="med"/>
+                      <a:tailEnd type="none" w="med" len="med"/>
+                    </a:lnR>
+                    <a:lnT w="12700" cap="flat" cmpd="sng" algn="ctr">
+                      <a:solidFill>
+                        <a:srgbClr val="FFFFFF"/>
+                      </a:solidFill>
+                      <a:prstDash val="solid"/>
+                      <a:round/>
+                      <a:headEnd type="none" w="med" len="med"/>
+                      <a:tailEnd type="none" w="med" len="med"/>
+                    </a:lnT>
+                    <a:lnB w="12700" cap="flat" cmpd="sng" algn="ctr">
+                      <a:solidFill>
+                        <a:srgbClr val="FFFFFF"/>
+                      </a:solidFill>
+                      <a:prstDash val="solid"/>
+                      <a:round/>
+                      <a:headEnd type="none" w="med" len="med"/>
+                      <a:tailEnd type="none" w="med" len="med"/>
+                    </a:lnB>
+                    <a:solidFill>
+                      <a:schemeClr val="bg1">
+                        <a:lumMod val="85000"/>
+                      </a:schemeClr>
+                    </a:solidFill>
+                  </a:tcPr>
+                </a:tc>
+                <a:tc>
+                  <a:txBody>
+                    <a:bodyPr/>
+                    <a:lstStyle/>
+                    <a:p>
+                      <a:r>
+                        <a:rPr lang="en-US" sz="900" dirty="0" err="1" smtClean="0">
+                          <a:latin typeface="Monaco"/>
+                          <a:cs typeface="Monaco"/>
+                        </a:rPr>
+                        <a:t>geom_jitter</a:t>
+                      </a:r>
+                      <a:r>
+                        <a:rPr lang="en-US" sz="900" baseline="0" dirty="0" smtClean="0">
+                          <a:latin typeface="Monaco"/>
+                          <a:cs typeface="Monaco"/>
+                        </a:rPr>
+                        <a:t> </a:t>
+                      </a:r>
+                      <a:r>
+                        <a:rPr lang="en-US" sz="900" dirty="0" smtClean="0">
+                          <a:latin typeface="Helvetica"/>
+                          <a:cs typeface="Helvetica"/>
+                        </a:rPr>
+                        <a:t>moves points</a:t>
+                      </a:r>
+                      <a:r>
+                        <a:rPr lang="en-US" sz="900" baseline="0" dirty="0" smtClean="0">
+                          <a:latin typeface="Helvetica"/>
+                          <a:cs typeface="Helvetica"/>
+                        </a:rPr>
+                        <a:t> around to avoid </a:t>
+                      </a:r>
+                      <a:r>
+                        <a:rPr lang="en-US" sz="900" baseline="0" dirty="0" err="1" smtClean="0">
+                          <a:latin typeface="Helvetica"/>
+                          <a:cs typeface="Helvetica"/>
+                        </a:rPr>
+                        <a:t>overplotting</a:t>
+                      </a:r>
+                      <a:r>
+                        <a:rPr lang="en-US" sz="900" baseline="0" dirty="0" smtClean="0">
+                          <a:latin typeface="Helvetica"/>
+                          <a:cs typeface="Helvetica"/>
+                        </a:rPr>
+                        <a:t>.</a:t>
+                      </a:r>
+                    </a:p>
+                    <a:p>
+                      <a:endParaRPr lang="en-US" sz="900" dirty="0" smtClean="0">
+                        <a:latin typeface="Helvetica"/>
+                        <a:cs typeface="Helvetica"/>
+                      </a:endParaRPr>
+                    </a:p>
+                    <a:p>
+                      <a:r>
+                        <a:rPr lang="en-US" sz="900" dirty="0" err="1" smtClean="0">
+                          <a:latin typeface="Monaco"/>
+                          <a:cs typeface="Monaco"/>
+                        </a:rPr>
+                        <a:t>myplot</a:t>
+                      </a:r>
+                      <a:r>
+                        <a:rPr lang="en-US" sz="900" baseline="0" dirty="0" smtClean="0">
+                          <a:latin typeface="Monaco"/>
+                          <a:cs typeface="Monaco"/>
+                        </a:rPr>
+                        <a:t> + </a:t>
+                      </a:r>
+                      <a:r>
+                        <a:rPr lang="en-US" sz="900" dirty="0" err="1" smtClean="0">
+                          <a:latin typeface="Monaco"/>
+                          <a:cs typeface="Monaco"/>
+                        </a:rPr>
+                        <a:t>geom_point</a:t>
+                      </a:r>
+                      <a:r>
+                        <a:rPr lang="en-US" sz="900" dirty="0" smtClean="0">
+                          <a:latin typeface="Monaco"/>
+                          <a:cs typeface="Monaco"/>
+                        </a:rPr>
+                        <a:t>()</a:t>
+                      </a:r>
+                    </a:p>
+                    <a:p>
+                      <a:r>
+                        <a:rPr lang="en-US" sz="900" dirty="0" err="1" smtClean="0">
+                          <a:latin typeface="Monaco"/>
+                          <a:cs typeface="Monaco"/>
+                        </a:rPr>
+                        <a:t>myplot</a:t>
+                      </a:r>
+                      <a:r>
+                        <a:rPr lang="en-US" sz="900" dirty="0" smtClean="0">
+                          <a:latin typeface="Monaco"/>
+                          <a:cs typeface="Monaco"/>
+                        </a:rPr>
+                        <a:t> + </a:t>
+                      </a:r>
+                      <a:r>
+                        <a:rPr lang="en-US" sz="900" dirty="0" err="1" smtClean="0">
+                          <a:latin typeface="Monaco"/>
+                          <a:cs typeface="Monaco"/>
+                        </a:rPr>
+                        <a:t>geom_jitter</a:t>
+                      </a:r>
+                      <a:r>
+                        <a:rPr lang="en-US" sz="900" dirty="0" smtClean="0">
+                          <a:latin typeface="Monaco"/>
+                          <a:cs typeface="Monaco"/>
+                        </a:rPr>
+                        <a:t>()</a:t>
+                      </a:r>
+                      <a:endParaRPr lang="en-US" sz="900" dirty="0">
+                        <a:latin typeface="Monaco"/>
+                        <a:cs typeface="Monaco"/>
+                      </a:endParaRPr>
+                    </a:p>
+                  </a:txBody>
+                  <a:tcPr>
+                    <a:lnL w="12700" cap="flat" cmpd="sng" algn="ctr">
+                      <a:solidFill>
+                        <a:srgbClr val="FFFFFF"/>
+                      </a:solidFill>
+                      <a:prstDash val="solid"/>
+                      <a:round/>
+                      <a:headEnd type="none" w="med" len="med"/>
+                      <a:tailEnd type="none" w="med" len="med"/>
+                    </a:lnL>
+                    <a:lnR w="12700" cap="flat" cmpd="sng" algn="ctr">
+                      <a:solidFill>
+                        <a:srgbClr val="FFFFFF"/>
+                      </a:solidFill>
+                      <a:prstDash val="solid"/>
+                      <a:round/>
+                      <a:headEnd type="none" w="med" len="med"/>
+                      <a:tailEnd type="none" w="med" len="med"/>
+                    </a:lnR>
+                    <a:lnT w="12700" cap="flat" cmpd="sng" algn="ctr">
+                      <a:solidFill>
+                        <a:srgbClr val="FFFFFF"/>
+                      </a:solidFill>
+                      <a:prstDash val="solid"/>
+                      <a:round/>
+                      <a:headEnd type="none" w="med" len="med"/>
+                      <a:tailEnd type="none" w="med" len="med"/>
+                    </a:lnT>
+                    <a:lnB w="12700" cap="flat" cmpd="sng" algn="ctr">
+                      <a:solidFill>
+                        <a:srgbClr val="FFFFFF"/>
+                      </a:solidFill>
+                      <a:prstDash val="solid"/>
+                      <a:round/>
+                      <a:headEnd type="none" w="med" len="med"/>
+                      <a:tailEnd type="none" w="med" len="med"/>
+                    </a:lnB>
+                    <a:solidFill>
+                      <a:schemeClr val="bg1">
+                        <a:lumMod val="85000"/>
+                      </a:schemeClr>
+                    </a:solidFill>
+                  </a:tcPr>
+                </a:tc>
+              </a:tr>
+              <a:tr h="143601">
+                <a:tc>
+                  <a:txBody>
+                    <a:bodyPr/>
+                    <a:lstStyle/>
+                    <a:p>
+                      <a:pPr algn="ctr"/>
+                      <a:r>
+                        <a:rPr lang="en-US" sz="900" b="1" dirty="0" smtClean="0">
+                          <a:latin typeface="Helvetica"/>
+                          <a:cs typeface="Helvetica"/>
+                        </a:rPr>
+                        <a:t>Line graph</a:t>
+                      </a:r>
+                      <a:endParaRPr lang="en-US" sz="900" b="1" dirty="0">
+                        <a:latin typeface="Helvetica"/>
+                        <a:cs typeface="Helvetica"/>
+                      </a:endParaRPr>
+                    </a:p>
+                  </a:txBody>
+                  <a:tcPr>
+                    <a:lnL w="12700" cap="flat" cmpd="sng" algn="ctr">
+                      <a:solidFill>
+                        <a:srgbClr val="FFFFFF"/>
+                      </a:solidFill>
+                      <a:prstDash val="solid"/>
+                      <a:round/>
+                      <a:headEnd type="none" w="med" len="med"/>
+                      <a:tailEnd type="none" w="med" len="med"/>
+                    </a:lnL>
+                    <a:lnR w="12700" cap="flat" cmpd="sng" algn="ctr">
+                      <a:solidFill>
+                        <a:srgbClr val="FFFFFF"/>
+                      </a:solidFill>
+                      <a:prstDash val="solid"/>
+                      <a:round/>
+                      <a:headEnd type="none" w="med" len="med"/>
+                      <a:tailEnd type="none" w="med" len="med"/>
+                    </a:lnR>
+                    <a:lnT w="12700" cap="flat" cmpd="sng" algn="ctr">
+                      <a:solidFill>
+                        <a:srgbClr val="FFFFFF"/>
+                      </a:solidFill>
+                      <a:prstDash val="solid"/>
+                      <a:round/>
+                      <a:headEnd type="none" w="med" len="med"/>
+                      <a:tailEnd type="none" w="med" len="med"/>
+                    </a:lnT>
+                    <a:lnB w="12700" cap="flat" cmpd="sng" algn="ctr">
+                      <a:solidFill>
+                        <a:srgbClr val="FFFFFF"/>
+                      </a:solidFill>
+                      <a:prstDash val="solid"/>
+                      <a:round/>
+                      <a:headEnd type="none" w="med" len="med"/>
+                      <a:tailEnd type="none" w="med" len="med"/>
+                    </a:lnB>
+                    <a:solidFill>
+                      <a:schemeClr val="bg1">
+                        <a:lumMod val="85000"/>
+                      </a:schemeClr>
+                    </a:solidFill>
+                  </a:tcPr>
+                </a:tc>
+                <a:tc>
+                  <a:txBody>
+                    <a:bodyPr/>
+                    <a:lstStyle/>
+                    <a:p>
+                      <a:r>
+                        <a:rPr lang="en-US" sz="900" dirty="0" err="1" smtClean="0">
+                          <a:latin typeface="Monaco"/>
+                          <a:cs typeface="Monaco"/>
+                        </a:rPr>
+                        <a:t>myplot</a:t>
+                      </a:r>
+                      <a:r>
+                        <a:rPr lang="en-US" sz="900" dirty="0" smtClean="0">
+                          <a:latin typeface="Monaco"/>
+                          <a:cs typeface="Monaco"/>
+                        </a:rPr>
+                        <a:t> + </a:t>
+                      </a:r>
+                      <a:r>
+                        <a:rPr lang="en-US" sz="900" dirty="0" err="1" smtClean="0">
+                          <a:latin typeface="Monaco"/>
+                          <a:cs typeface="Monaco"/>
+                        </a:rPr>
+                        <a:t>geom_line</a:t>
+                      </a:r>
+                      <a:r>
+                        <a:rPr lang="en-US" sz="900" dirty="0" smtClean="0">
+                          <a:latin typeface="Monaco"/>
+                          <a:cs typeface="Monaco"/>
+                        </a:rPr>
+                        <a:t>()</a:t>
+                      </a:r>
+                      <a:endParaRPr lang="en-US" sz="900" dirty="0">
+                        <a:latin typeface="Monaco"/>
+                        <a:cs typeface="Monaco"/>
+                      </a:endParaRPr>
+                    </a:p>
+                  </a:txBody>
+                  <a:tcPr>
+                    <a:lnL w="12700" cap="flat" cmpd="sng" algn="ctr">
+                      <a:solidFill>
+                        <a:srgbClr val="FFFFFF"/>
+                      </a:solidFill>
+                      <a:prstDash val="solid"/>
+                      <a:round/>
+                      <a:headEnd type="none" w="med" len="med"/>
+                      <a:tailEnd type="none" w="med" len="med"/>
+                    </a:lnL>
+                    <a:lnR w="12700" cap="flat" cmpd="sng" algn="ctr">
+                      <a:solidFill>
+                        <a:srgbClr val="FFFFFF"/>
+                      </a:solidFill>
+                      <a:prstDash val="solid"/>
+                      <a:round/>
+                      <a:headEnd type="none" w="med" len="med"/>
+                      <a:tailEnd type="none" w="med" len="med"/>
+                    </a:lnR>
+                    <a:lnT w="12700" cap="flat" cmpd="sng" algn="ctr">
+                      <a:solidFill>
+                        <a:srgbClr val="FFFFFF"/>
+                      </a:solidFill>
+                      <a:prstDash val="solid"/>
+                      <a:round/>
+                      <a:headEnd type="none" w="med" len="med"/>
+                      <a:tailEnd type="none" w="med" len="med"/>
+                    </a:lnT>
+                    <a:lnB w="12700" cap="flat" cmpd="sng" algn="ctr">
+                      <a:solidFill>
+                        <a:srgbClr val="FFFFFF"/>
+                      </a:solidFill>
+                      <a:prstDash val="solid"/>
+                      <a:round/>
+                      <a:headEnd type="none" w="med" len="med"/>
+                      <a:tailEnd type="none" w="med" len="med"/>
+                    </a:lnB>
+                    <a:solidFill>
+                      <a:schemeClr val="bg1">
+                        <a:lumMod val="85000"/>
+                      </a:schemeClr>
+                    </a:solidFill>
+                  </a:tcPr>
+                </a:tc>
+              </a:tr>
+              <a:tr h="143601">
+                <a:tc>
+                  <a:txBody>
+                    <a:bodyPr/>
+                    <a:lstStyle/>
+                    <a:p>
+                      <a:pPr algn="ctr"/>
+                      <a:r>
+                        <a:rPr lang="en-US" sz="900" b="1" dirty="0" smtClean="0">
+                          <a:latin typeface="Helvetica"/>
+                          <a:cs typeface="Helvetica"/>
+                        </a:rPr>
+                        <a:t>Error bars</a:t>
+                      </a:r>
+                      <a:endParaRPr lang="en-US" sz="900" b="1" dirty="0">
+                        <a:latin typeface="Helvetica"/>
+                        <a:cs typeface="Helvetica"/>
+                      </a:endParaRPr>
+                    </a:p>
+                  </a:txBody>
+                  <a:tcPr>
+                    <a:lnL w="12700" cap="flat" cmpd="sng" algn="ctr">
+                      <a:solidFill>
+                        <a:srgbClr val="FFFFFF"/>
+                      </a:solidFill>
+                      <a:prstDash val="solid"/>
+                      <a:round/>
+                      <a:headEnd type="none" w="med" len="med"/>
+                      <a:tailEnd type="none" w="med" len="med"/>
+                    </a:lnL>
+                    <a:lnR w="12700" cap="flat" cmpd="sng" algn="ctr">
+                      <a:solidFill>
+                        <a:srgbClr val="FFFFFF"/>
+                      </a:solidFill>
+                      <a:prstDash val="solid"/>
+                      <a:round/>
+                      <a:headEnd type="none" w="med" len="med"/>
+                      <a:tailEnd type="none" w="med" len="med"/>
+                    </a:lnR>
+                    <a:lnT w="12700" cap="flat" cmpd="sng" algn="ctr">
+                      <a:solidFill>
+                        <a:srgbClr val="FFFFFF"/>
+                      </a:solidFill>
+                      <a:prstDash val="solid"/>
+                      <a:round/>
+                      <a:headEnd type="none" w="med" len="med"/>
+                      <a:tailEnd type="none" w="med" len="med"/>
+                    </a:lnT>
+                    <a:lnB w="12700" cap="flat" cmpd="sng" algn="ctr">
+                      <a:solidFill>
+                        <a:srgbClr val="FFFFFF"/>
+                      </a:solidFill>
+                      <a:prstDash val="solid"/>
+                      <a:round/>
+                      <a:headEnd type="none" w="med" len="med"/>
+                      <a:tailEnd type="none" w="med" len="med"/>
+                    </a:lnB>
+                    <a:solidFill>
+                      <a:schemeClr val="bg1">
+                        <a:lumMod val="85000"/>
+                      </a:schemeClr>
+                    </a:solidFill>
+                  </a:tcPr>
+                </a:tc>
+                <a:tc>
+                  <a:txBody>
+                    <a:bodyPr/>
+                    <a:lstStyle/>
+                    <a:p>
+                      <a:r>
+                        <a:rPr lang="en-US" sz="900" dirty="0" smtClean="0">
+                          <a:latin typeface="Helvetica"/>
+                          <a:cs typeface="Helvetica"/>
+                        </a:rPr>
+                        <a:t>Use </a:t>
+                      </a:r>
+                      <a:r>
+                        <a:rPr lang="en-US" sz="900" dirty="0" err="1" smtClean="0">
+                          <a:latin typeface="Monaco"/>
+                          <a:cs typeface="Monaco"/>
+                        </a:rPr>
+                        <a:t>ymin</a:t>
+                      </a:r>
+                      <a:r>
+                        <a:rPr lang="en-US" sz="900" baseline="0" dirty="0" smtClean="0">
+                          <a:latin typeface="Helvetica"/>
+                          <a:cs typeface="Helvetica"/>
+                        </a:rPr>
+                        <a:t> and </a:t>
+                      </a:r>
+                      <a:r>
+                        <a:rPr lang="en-US" sz="900" baseline="0" dirty="0" err="1" smtClean="0">
+                          <a:latin typeface="Monaco"/>
+                          <a:cs typeface="Monaco"/>
+                        </a:rPr>
+                        <a:t>ymax</a:t>
+                      </a:r>
+                      <a:r>
+                        <a:rPr lang="en-US" sz="900" baseline="0" dirty="0" smtClean="0">
+                          <a:latin typeface="Helvetica"/>
+                          <a:cs typeface="Helvetica"/>
+                        </a:rPr>
+                        <a:t> to set the bounds and </a:t>
+                      </a:r>
+                      <a:r>
+                        <a:rPr lang="en-US" sz="900" baseline="0" dirty="0" smtClean="0">
+                          <a:latin typeface="Monaco"/>
+                          <a:cs typeface="Monaco"/>
+                        </a:rPr>
+                        <a:t>width</a:t>
+                      </a:r>
+                      <a:r>
+                        <a:rPr lang="en-US" sz="900" baseline="0" dirty="0" smtClean="0">
+                          <a:latin typeface="Helvetica"/>
+                          <a:cs typeface="Helvetica"/>
+                        </a:rPr>
+                        <a:t> to set the width of the bars.</a:t>
+                      </a:r>
+                    </a:p>
+                    <a:p>
+                      <a:endParaRPr lang="en-US" sz="900" baseline="0" dirty="0" smtClean="0">
+                        <a:latin typeface="Helvetica"/>
+                        <a:cs typeface="Helvetica"/>
+                      </a:endParaRPr>
+                    </a:p>
+                    <a:p>
+                      <a:r>
+                        <a:rPr lang="en-US" sz="900" baseline="0" dirty="0" err="1" smtClean="0">
+                          <a:latin typeface="Monaco"/>
+                          <a:cs typeface="Monaco"/>
+                        </a:rPr>
+                        <a:t>myplot</a:t>
+                      </a:r>
+                      <a:r>
+                        <a:rPr lang="en-US" sz="900" baseline="0" dirty="0" smtClean="0">
+                          <a:latin typeface="Monaco"/>
+                          <a:cs typeface="Monaco"/>
+                        </a:rPr>
+                        <a:t> + </a:t>
+                      </a:r>
+                    </a:p>
+                    <a:p>
+                      <a:r>
+                        <a:rPr lang="en-US" sz="900" baseline="0" dirty="0" smtClean="0">
+                          <a:latin typeface="Monaco"/>
+                          <a:cs typeface="Monaco"/>
+                        </a:rPr>
+                        <a:t>   </a:t>
+                      </a:r>
+                      <a:r>
+                        <a:rPr lang="en-US" sz="900" baseline="0" dirty="0" err="1" smtClean="0">
+                          <a:latin typeface="Monaco"/>
+                          <a:cs typeface="Monaco"/>
+                        </a:rPr>
+                        <a:t>geom_errorbar</a:t>
+                      </a:r>
+                      <a:r>
+                        <a:rPr lang="en-US" sz="900" baseline="0" dirty="0" smtClean="0">
+                          <a:latin typeface="Monaco"/>
+                          <a:cs typeface="Monaco"/>
+                        </a:rPr>
+                        <a:t>(</a:t>
+                      </a:r>
+                      <a:r>
+                        <a:rPr lang="en-US" sz="900" baseline="0" dirty="0" err="1" smtClean="0">
+                          <a:latin typeface="Monaco"/>
+                          <a:cs typeface="Monaco"/>
+                        </a:rPr>
+                        <a:t>aes</a:t>
+                      </a:r>
+                      <a:r>
+                        <a:rPr lang="en-US" sz="900" baseline="0" dirty="0" smtClean="0">
+                          <a:latin typeface="Monaco"/>
+                          <a:cs typeface="Monaco"/>
+                        </a:rPr>
+                        <a:t>(</a:t>
+                      </a:r>
+                      <a:r>
+                        <a:rPr lang="en-US" sz="900" baseline="0" dirty="0" err="1" smtClean="0">
+                          <a:latin typeface="Monaco"/>
+                          <a:cs typeface="Monaco"/>
+                        </a:rPr>
+                        <a:t>ymin</a:t>
+                      </a:r>
+                      <a:r>
+                        <a:rPr lang="en-US" sz="900" baseline="0" dirty="0" smtClean="0">
+                          <a:latin typeface="Monaco"/>
+                          <a:cs typeface="Monaco"/>
+                        </a:rPr>
+                        <a:t> = lower, </a:t>
+                      </a:r>
+                    </a:p>
+                    <a:p>
+                      <a:r>
+                        <a:rPr lang="en-US" sz="900" baseline="0" dirty="0" smtClean="0">
+                          <a:latin typeface="Monaco"/>
+                          <a:cs typeface="Monaco"/>
+                        </a:rPr>
+                        <a:t>      </a:t>
+                      </a:r>
+                      <a:r>
+                        <a:rPr lang="en-US" sz="900" baseline="0" dirty="0" err="1" smtClean="0">
+                          <a:latin typeface="Monaco"/>
+                          <a:cs typeface="Monaco"/>
+                        </a:rPr>
+                        <a:t>ymax</a:t>
+                      </a:r>
+                      <a:r>
+                        <a:rPr lang="en-US" sz="900" baseline="0" dirty="0" smtClean="0">
+                          <a:latin typeface="Monaco"/>
+                          <a:cs typeface="Monaco"/>
+                        </a:rPr>
+                        <a:t> = upper), width = 0.1)</a:t>
+                      </a:r>
+                      <a:endParaRPr lang="en-US" sz="900" dirty="0">
+                        <a:latin typeface="Monaco"/>
+                        <a:cs typeface="Monaco"/>
+                      </a:endParaRPr>
+                    </a:p>
+                  </a:txBody>
+                  <a:tcPr>
+                    <a:lnL w="12700" cap="flat" cmpd="sng" algn="ctr">
+                      <a:solidFill>
+                        <a:srgbClr val="FFFFFF"/>
+                      </a:solidFill>
+                      <a:prstDash val="solid"/>
+                      <a:round/>
+                      <a:headEnd type="none" w="med" len="med"/>
+                      <a:tailEnd type="none" w="med" len="med"/>
+                    </a:lnL>
+                    <a:lnR w="12700" cap="flat" cmpd="sng" algn="ctr">
+                      <a:solidFill>
+                        <a:srgbClr val="FFFFFF"/>
+                      </a:solidFill>
+                      <a:prstDash val="solid"/>
+                      <a:round/>
+                      <a:headEnd type="none" w="med" len="med"/>
+                      <a:tailEnd type="none" w="med" len="med"/>
+                    </a:lnR>
+                    <a:lnT w="12700" cap="flat" cmpd="sng" algn="ctr">
+                      <a:solidFill>
+                        <a:srgbClr val="FFFFFF"/>
+                      </a:solidFill>
+                      <a:prstDash val="solid"/>
+                      <a:round/>
+                      <a:headEnd type="none" w="med" len="med"/>
+                      <a:tailEnd type="none" w="med" len="med"/>
+                    </a:lnT>
+                    <a:lnB w="12700" cap="flat" cmpd="sng" algn="ctr">
+                      <a:solidFill>
+                        <a:srgbClr val="FFFFFF"/>
+                      </a:solidFill>
+                      <a:prstDash val="solid"/>
+                      <a:round/>
+                      <a:headEnd type="none" w="med" len="med"/>
+                      <a:tailEnd type="none" w="med" len="med"/>
+                    </a:lnB>
+                    <a:solidFill>
+                      <a:schemeClr val="bg1">
+                        <a:lumMod val="85000"/>
+                      </a:schemeClr>
+                    </a:solidFill>
+                  </a:tcPr>
+                </a:tc>
+              </a:tr>
+            </a:tbl>
+          </a:graphicData>
+        </a:graphic>
+      </p:graphicFrame>
     </p:spTree>
     <p:extLst>
       <p:ext uri="{BB962C8B-B14F-4D97-AF65-F5344CB8AC3E}">

--- a/RQuickRef.pptx
+++ b/RQuickRef.pptx
@@ -6,7 +6,7 @@
   </p:sldMasterIdLst>
   <p:sldIdLst>
     <p:sldId id="256" r:id="rId2"/>
-    <p:sldId id="258" r:id="rId3"/>
+    <p:sldId id="259" r:id="rId3"/>
   </p:sldIdLst>
   <p:sldSz cx="7772400" cy="10058400"/>
   <p:notesSz cx="6858000" cy="9144000"/>
@@ -3160,14 +3160,14 @@
           <p:nvPr>
             <p:extLst>
               <p:ext uri="{D42A27DB-BD31-4B8C-83A1-F6EECF244321}">
-                <p14:modId xmlns:p14="http://schemas.microsoft.com/office/powerpoint/2010/main" val="2158417612"/>
+                <p14:modId xmlns:p14="http://schemas.microsoft.com/office/powerpoint/2010/main" val="2667193430"/>
               </p:ext>
             </p:extLst>
           </p:nvPr>
         </p:nvGraphicFramePr>
         <p:xfrm>
           <a:off x="4814509" y="583963"/>
-          <a:ext cx="2676288" cy="9251523"/>
+          <a:ext cx="2676288" cy="9114363"/>
         </p:xfrm>
         <a:graphic>
           <a:graphicData uri="http://schemas.openxmlformats.org/drawingml/2006/table">
@@ -5522,7 +5522,17 @@
                           <a:latin typeface="Helvetica"/>
                           <a:cs typeface="Helvetica"/>
                         </a:rPr>
-                        <a:t>X AND y</a:t>
+                        <a:t>x </a:t>
+                      </a:r>
+                      <a:r>
+                        <a:rPr lang="en-US" sz="900" b="0" dirty="0" smtClean="0">
+                          <a:solidFill>
+                            <a:schemeClr val="tx1"/>
+                          </a:solidFill>
+                          <a:latin typeface="Helvetica"/>
+                          <a:cs typeface="Helvetica"/>
+                        </a:rPr>
+                        <a:t>AND y</a:t>
                       </a:r>
                     </a:p>
                   </a:txBody>
@@ -5554,7 +5564,7 @@
                       <a:headEnd type="none" w="med" len="med"/>
                       <a:tailEnd type="none" w="med" len="med"/>
                     </a:lnT>
-                    <a:lnB w="76200" cap="flat" cmpd="sng" algn="ctr">
+                    <a:lnB w="12700" cap="flat" cmpd="sng" algn="ctr">
                       <a:solidFill>
                         <a:srgbClr val="FFFFFF"/>
                       </a:solidFill>
@@ -5632,424 +5642,9 @@
                       <a:headEnd type="none" w="med" len="med"/>
                       <a:tailEnd type="none" w="med" len="med"/>
                     </a:lnT>
-                    <a:lnB w="76200" cap="flat" cmpd="sng" algn="ctr">
+                    <a:lnB w="12700" cap="flat" cmpd="sng" algn="ctr">
                       <a:solidFill>
                         <a:srgbClr val="FFFFFF"/>
-                      </a:solidFill>
-                      <a:prstDash val="solid"/>
-                      <a:round/>
-                      <a:headEnd type="none" w="med" len="med"/>
-                      <a:tailEnd type="none" w="med" len="med"/>
-                    </a:lnB>
-                    <a:solidFill>
-                      <a:schemeClr val="bg1">
-                        <a:lumMod val="85000"/>
-                      </a:schemeClr>
-                    </a:solidFill>
-                  </a:tcPr>
-                </a:tc>
-              </a:tr>
-              <a:tr h="184803">
-                <a:tc>
-                  <a:txBody>
-                    <a:bodyPr/>
-                    <a:lstStyle/>
-                    <a:p>
-                      <a:pPr algn="l"/>
-                      <a:r>
-                        <a:rPr lang="en-US" sz="900" b="0" dirty="0" smtClean="0">
-                          <a:solidFill>
-                            <a:schemeClr val="tx1"/>
-                          </a:solidFill>
-                          <a:latin typeface="Helvetica"/>
-                          <a:cs typeface="Helvetica"/>
-                        </a:rPr>
-                        <a:t>Exponential</a:t>
-                      </a:r>
-                    </a:p>
-                  </a:txBody>
-                  <a:tcPr>
-                    <a:lnL w="9525" cap="flat" cmpd="sng" algn="ctr">
-                      <a:solidFill>
-                        <a:srgbClr val="FFFFFF"/>
-                      </a:solidFill>
-                      <a:prstDash val="solid"/>
-                      <a:round/>
-                      <a:headEnd type="none" w="med" len="med"/>
-                      <a:tailEnd type="none" w="med" len="med"/>
-                    </a:lnL>
-                    <a:lnR w="9525" cap="flat" cmpd="sng" algn="ctr">
-                      <a:solidFill>
-                        <a:srgbClr val="FFFFFF"/>
-                      </a:solidFill>
-                      <a:prstDash val="solid"/>
-                      <a:round/>
-                      <a:headEnd type="none" w="med" len="med"/>
-                      <a:tailEnd type="none" w="med" len="med"/>
-                    </a:lnR>
-                    <a:lnT w="76200" cap="flat" cmpd="sng" algn="ctr">
-                      <a:solidFill>
-                        <a:srgbClr val="FFFFFF"/>
-                      </a:solidFill>
-                      <a:prstDash val="solid"/>
-                      <a:round/>
-                      <a:headEnd type="none" w="med" len="med"/>
-                      <a:tailEnd type="none" w="med" len="med"/>
-                    </a:lnT>
-                    <a:lnB w="9525" cap="flat" cmpd="sng" algn="ctr">
-                      <a:solidFill>
-                        <a:srgbClr val="FFFFFF"/>
-                      </a:solidFill>
-                      <a:prstDash val="solid"/>
-                      <a:round/>
-                      <a:headEnd type="none" w="med" len="med"/>
-                      <a:tailEnd type="none" w="med" len="med"/>
-                    </a:lnB>
-                    <a:solidFill>
-                      <a:schemeClr val="bg1">
-                        <a:lumMod val="85000"/>
-                      </a:schemeClr>
-                    </a:solidFill>
-                  </a:tcPr>
-                </a:tc>
-                <a:tc>
-                  <a:txBody>
-                    <a:bodyPr/>
-                    <a:lstStyle/>
-                    <a:p>
-                      <a:pPr algn="l"/>
-                      <a:r>
-                        <a:rPr lang="en-US" sz="900" baseline="0" dirty="0" err="1" smtClean="0">
-                          <a:solidFill>
-                            <a:schemeClr val="tx1"/>
-                          </a:solidFill>
-                          <a:latin typeface="Monaco"/>
-                          <a:cs typeface="Monaco"/>
-                        </a:rPr>
-                        <a:t>exp</a:t>
-                      </a:r>
-                      <a:r>
-                        <a:rPr lang="en-US" sz="900" baseline="0" dirty="0" smtClean="0">
-                          <a:solidFill>
-                            <a:schemeClr val="tx1"/>
-                          </a:solidFill>
-                          <a:latin typeface="Monaco"/>
-                          <a:cs typeface="Monaco"/>
-                        </a:rPr>
-                        <a:t>(x)</a:t>
-                      </a:r>
-                    </a:p>
-                  </a:txBody>
-                  <a:tcPr>
-                    <a:lnL w="9525" cap="flat" cmpd="sng" algn="ctr">
-                      <a:solidFill>
-                        <a:srgbClr val="FFFFFF"/>
-                      </a:solidFill>
-                      <a:prstDash val="solid"/>
-                      <a:round/>
-                      <a:headEnd type="none" w="med" len="med"/>
-                      <a:tailEnd type="none" w="med" len="med"/>
-                    </a:lnL>
-                    <a:lnR w="9525" cap="flat" cmpd="sng" algn="ctr">
-                      <a:solidFill>
-                        <a:srgbClr val="FFFFFF"/>
-                      </a:solidFill>
-                      <a:prstDash val="solid"/>
-                      <a:round/>
-                      <a:headEnd type="none" w="med" len="med"/>
-                      <a:tailEnd type="none" w="med" len="med"/>
-                    </a:lnR>
-                    <a:lnT w="76200" cap="flat" cmpd="sng" algn="ctr">
-                      <a:solidFill>
-                        <a:srgbClr val="FFFFFF"/>
-                      </a:solidFill>
-                      <a:prstDash val="solid"/>
-                      <a:round/>
-                      <a:headEnd type="none" w="med" len="med"/>
-                      <a:tailEnd type="none" w="med" len="med"/>
-                    </a:lnT>
-                    <a:lnB w="9525" cap="flat" cmpd="sng" algn="ctr">
-                      <a:solidFill>
-                        <a:srgbClr val="FFFFFF"/>
-                      </a:solidFill>
-                      <a:prstDash val="solid"/>
-                      <a:round/>
-                      <a:headEnd type="none" w="med" len="med"/>
-                      <a:tailEnd type="none" w="med" len="med"/>
-                    </a:lnB>
-                    <a:solidFill>
-                      <a:schemeClr val="bg1">
-                        <a:lumMod val="85000"/>
-                      </a:schemeClr>
-                    </a:solidFill>
-                  </a:tcPr>
-                </a:tc>
-              </a:tr>
-              <a:tr h="184803">
-                <a:tc>
-                  <a:txBody>
-                    <a:bodyPr/>
-                    <a:lstStyle/>
-                    <a:p>
-                      <a:pPr algn="l"/>
-                      <a:r>
-                        <a:rPr lang="en-US" sz="900" b="0" dirty="0" smtClean="0">
-                          <a:solidFill>
-                            <a:schemeClr val="tx1"/>
-                          </a:solidFill>
-                          <a:latin typeface="Helvetica"/>
-                          <a:cs typeface="Helvetica"/>
-                        </a:rPr>
-                        <a:t>Logarithm</a:t>
-                      </a:r>
-                    </a:p>
-                  </a:txBody>
-                  <a:tcPr>
-                    <a:lnL w="12700" cap="flat" cmpd="sng" algn="ctr">
-                      <a:solidFill>
-                        <a:prstClr val="white"/>
-                      </a:solidFill>
-                      <a:prstDash val="solid"/>
-                      <a:round/>
-                      <a:headEnd type="none" w="med" len="med"/>
-                      <a:tailEnd type="none" w="med" len="med"/>
-                    </a:lnL>
-                    <a:lnR w="12700" cap="flat" cmpd="sng" algn="ctr">
-                      <a:solidFill>
-                        <a:prstClr val="white"/>
-                      </a:solidFill>
-                      <a:prstDash val="solid"/>
-                      <a:round/>
-                      <a:headEnd type="none" w="med" len="med"/>
-                      <a:tailEnd type="none" w="med" len="med"/>
-                    </a:lnR>
-                    <a:lnT w="9525" cap="flat" cmpd="sng" algn="ctr">
-                      <a:solidFill>
-                        <a:srgbClr val="FFFFFF"/>
-                      </a:solidFill>
-                      <a:prstDash val="solid"/>
-                      <a:round/>
-                      <a:headEnd type="none" w="med" len="med"/>
-                      <a:tailEnd type="none" w="med" len="med"/>
-                    </a:lnT>
-                    <a:lnB w="12700" cap="flat" cmpd="sng" algn="ctr">
-                      <a:solidFill>
-                        <a:prstClr val="white"/>
-                      </a:solidFill>
-                      <a:prstDash val="solid"/>
-                      <a:round/>
-                      <a:headEnd type="none" w="med" len="med"/>
-                      <a:tailEnd type="none" w="med" len="med"/>
-                    </a:lnB>
-                    <a:solidFill>
-                      <a:schemeClr val="bg1">
-                        <a:lumMod val="85000"/>
-                      </a:schemeClr>
-                    </a:solidFill>
-                  </a:tcPr>
-                </a:tc>
-                <a:tc>
-                  <a:txBody>
-                    <a:bodyPr/>
-                    <a:lstStyle/>
-                    <a:p>
-                      <a:pPr algn="l"/>
-                      <a:r>
-                        <a:rPr lang="en-US" sz="900" baseline="0" dirty="0" smtClean="0">
-                          <a:solidFill>
-                            <a:schemeClr val="tx1"/>
-                          </a:solidFill>
-                          <a:latin typeface="Monaco"/>
-                          <a:cs typeface="Monaco"/>
-                        </a:rPr>
-                        <a:t>log(x)</a:t>
-                      </a:r>
-                    </a:p>
-                  </a:txBody>
-                  <a:tcPr>
-                    <a:lnL w="12700" cap="flat" cmpd="sng" algn="ctr">
-                      <a:solidFill>
-                        <a:prstClr val="white"/>
-                      </a:solidFill>
-                      <a:prstDash val="solid"/>
-                      <a:round/>
-                      <a:headEnd type="none" w="med" len="med"/>
-                      <a:tailEnd type="none" w="med" len="med"/>
-                    </a:lnL>
-                    <a:lnR w="12700" cap="flat" cmpd="sng" algn="ctr">
-                      <a:solidFill>
-                        <a:prstClr val="white"/>
-                      </a:solidFill>
-                      <a:prstDash val="solid"/>
-                      <a:round/>
-                      <a:headEnd type="none" w="med" len="med"/>
-                      <a:tailEnd type="none" w="med" len="med"/>
-                    </a:lnR>
-                    <a:lnT w="9525" cap="flat" cmpd="sng" algn="ctr">
-                      <a:solidFill>
-                        <a:srgbClr val="FFFFFF"/>
-                      </a:solidFill>
-                      <a:prstDash val="solid"/>
-                      <a:round/>
-                      <a:headEnd type="none" w="med" len="med"/>
-                      <a:tailEnd type="none" w="med" len="med"/>
-                    </a:lnT>
-                    <a:lnB w="12700" cap="flat" cmpd="sng" algn="ctr">
-                      <a:solidFill>
-                        <a:prstClr val="white"/>
-                      </a:solidFill>
-                      <a:prstDash val="solid"/>
-                      <a:round/>
-                      <a:headEnd type="none" w="med" len="med"/>
-                      <a:tailEnd type="none" w="med" len="med"/>
-                    </a:lnB>
-                    <a:solidFill>
-                      <a:schemeClr val="bg1">
-                        <a:lumMod val="85000"/>
-                      </a:schemeClr>
-                    </a:solidFill>
-                  </a:tcPr>
-                </a:tc>
-              </a:tr>
-              <a:tr h="184803">
-                <a:tc>
-                  <a:txBody>
-                    <a:bodyPr/>
-                    <a:lstStyle/>
-                    <a:p>
-                      <a:pPr algn="l"/>
-                      <a:r>
-                        <a:rPr lang="en-US" sz="900" b="0" dirty="0" smtClean="0">
-                          <a:solidFill>
-                            <a:schemeClr val="tx1"/>
-                          </a:solidFill>
-                          <a:latin typeface="Helvetica"/>
-                          <a:cs typeface="Helvetica"/>
-                        </a:rPr>
-                        <a:t>Square</a:t>
-                      </a:r>
-                      <a:r>
-                        <a:rPr lang="en-US" sz="900" b="0" baseline="0" dirty="0" smtClean="0">
-                          <a:solidFill>
-                            <a:schemeClr val="tx1"/>
-                          </a:solidFill>
-                          <a:latin typeface="Helvetica"/>
-                          <a:cs typeface="Helvetica"/>
-                        </a:rPr>
-                        <a:t> root</a:t>
-                      </a:r>
-                      <a:endParaRPr lang="en-US" sz="900" b="0" dirty="0" smtClean="0">
-                        <a:solidFill>
-                          <a:schemeClr val="tx1"/>
-                        </a:solidFill>
-                        <a:latin typeface="Helvetica"/>
-                        <a:cs typeface="Helvetica"/>
-                      </a:endParaRPr>
-                    </a:p>
-                  </a:txBody>
-                  <a:tcPr>
-                    <a:lnL w="12700" cap="flat" cmpd="sng" algn="ctr">
-                      <a:solidFill>
-                        <a:prstClr val="white"/>
-                      </a:solidFill>
-                      <a:prstDash val="solid"/>
-                      <a:round/>
-                      <a:headEnd type="none" w="med" len="med"/>
-                      <a:tailEnd type="none" w="med" len="med"/>
-                    </a:lnL>
-                    <a:lnR w="12700" cap="flat" cmpd="sng" algn="ctr">
-                      <a:solidFill>
-                        <a:prstClr val="white"/>
-                      </a:solidFill>
-                      <a:prstDash val="solid"/>
-                      <a:round/>
-                      <a:headEnd type="none" w="med" len="med"/>
-                      <a:tailEnd type="none" w="med" len="med"/>
-                    </a:lnR>
-                    <a:lnT w="12700" cap="flat" cmpd="sng" algn="ctr">
-                      <a:solidFill>
-                        <a:prstClr val="white"/>
-                      </a:solidFill>
-                      <a:prstDash val="solid"/>
-                      <a:round/>
-                      <a:headEnd type="none" w="med" len="med"/>
-                      <a:tailEnd type="none" w="med" len="med"/>
-                    </a:lnT>
-                    <a:lnB w="12700" cap="flat" cmpd="sng" algn="ctr">
-                      <a:solidFill>
-                        <a:prstClr val="white"/>
-                      </a:solidFill>
-                      <a:prstDash val="solid"/>
-                      <a:round/>
-                      <a:headEnd type="none" w="med" len="med"/>
-                      <a:tailEnd type="none" w="med" len="med"/>
-                    </a:lnB>
-                    <a:solidFill>
-                      <a:schemeClr val="bg1">
-                        <a:lumMod val="85000"/>
-                      </a:schemeClr>
-                    </a:solidFill>
-                  </a:tcPr>
-                </a:tc>
-                <a:tc>
-                  <a:txBody>
-                    <a:bodyPr/>
-                    <a:lstStyle/>
-                    <a:p>
-                      <a:pPr algn="l"/>
-                      <a:r>
-                        <a:rPr lang="en-US" sz="900" baseline="0" dirty="0" err="1" smtClean="0">
-                          <a:solidFill>
-                            <a:schemeClr val="tx1"/>
-                          </a:solidFill>
-                          <a:latin typeface="Monaco"/>
-                          <a:cs typeface="Monaco"/>
-                        </a:rPr>
-                        <a:t>sqrt</a:t>
-                      </a:r>
-                      <a:r>
-                        <a:rPr lang="en-US" sz="900" baseline="0" dirty="0" smtClean="0">
-                          <a:solidFill>
-                            <a:schemeClr val="tx1"/>
-                          </a:solidFill>
-                          <a:latin typeface="Monaco"/>
-                          <a:cs typeface="Monaco"/>
-                        </a:rPr>
-                        <a:t>(x)</a:t>
-                      </a:r>
-                    </a:p>
-                  </a:txBody>
-                  <a:tcPr>
-                    <a:lnL w="12700" cap="flat" cmpd="sng" algn="ctr">
-                      <a:solidFill>
-                        <a:prstClr val="white"/>
-                      </a:solidFill>
-                      <a:prstDash val="solid"/>
-                      <a:round/>
-                      <a:headEnd type="none" w="med" len="med"/>
-                      <a:tailEnd type="none" w="med" len="med"/>
-                    </a:lnL>
-                    <a:lnR w="12700" cap="flat" cmpd="sng" algn="ctr">
-                      <a:solidFill>
-                        <a:prstClr val="white"/>
-                      </a:solidFill>
-                      <a:prstDash val="solid"/>
-                      <a:round/>
-                      <a:headEnd type="none" w="med" len="med"/>
-                      <a:tailEnd type="none" w="med" len="med"/>
-                    </a:lnR>
-                    <a:lnT w="12700" cap="flat" cmpd="sng" algn="ctr">
-                      <a:solidFill>
-                        <a:prstClr val="white"/>
-                      </a:solidFill>
-                      <a:prstDash val="solid"/>
-                      <a:round/>
-                      <a:headEnd type="none" w="med" len="med"/>
-                      <a:tailEnd type="none" w="med" len="med"/>
-                    </a:lnT>
-                    <a:lnB w="12700" cap="flat" cmpd="sng" algn="ctr">
-                      <a:solidFill>
-                        <a:prstClr val="white"/>
                       </a:solidFill>
                       <a:prstDash val="solid"/>
                       <a:round/>
@@ -6095,8 +5690,15 @@
                           <a:latin typeface="Helvetica"/>
                           <a:cs typeface="Helvetica"/>
                         </a:rPr>
-                        <a:t>Round</a:t>
-                      </a:r>
+                        <a:t>x IN y</a:t>
+                      </a:r>
+                      <a:endParaRPr lang="en-US" sz="900" b="0" dirty="0" smtClean="0">
+                        <a:solidFill>
+                          <a:schemeClr val="tx1"/>
+                        </a:solidFill>
+                        <a:latin typeface="Helvetica"/>
+                        <a:cs typeface="Helvetica"/>
+                      </a:endParaRPr>
                     </a:p>
                   </a:txBody>
                   <a:tcPr>
@@ -6120,16 +5722,16 @@
                     </a:lnR>
                     <a:lnT w="12700" cap="flat" cmpd="sng" algn="ctr">
                       <a:solidFill>
-                        <a:prstClr val="white"/>
+                        <a:srgbClr val="FFFFFF"/>
                       </a:solidFill>
                       <a:prstDash val="solid"/>
                       <a:round/>
                       <a:headEnd type="none" w="med" len="med"/>
                       <a:tailEnd type="none" w="med" len="med"/>
                     </a:lnT>
-                    <a:lnB w="12700" cap="flat" cmpd="sng" algn="ctr">
-                      <a:solidFill>
-                        <a:prstClr val="white"/>
+                    <a:lnB w="76200" cap="flat" cmpd="sng" algn="ctr">
+                      <a:solidFill>
+                        <a:srgbClr val="FFFFFF"/>
                       </a:solidFill>
                       <a:prstDash val="solid"/>
                       <a:round/>
@@ -6166,6 +5768,149 @@
                         <a:defRPr/>
                       </a:pPr>
                       <a:r>
+                        <a:rPr lang="en-US" sz="900" dirty="0" smtClean="0">
+                          <a:solidFill>
+                            <a:schemeClr val="tx1"/>
+                          </a:solidFill>
+                          <a:latin typeface="Monaco"/>
+                          <a:cs typeface="Monaco"/>
+                        </a:rPr>
+                        <a:t>x %in% y</a:t>
+                      </a:r>
+                      <a:endParaRPr lang="en-US" sz="900" dirty="0" smtClean="0">
+                        <a:solidFill>
+                          <a:schemeClr val="tx1"/>
+                        </a:solidFill>
+                        <a:latin typeface="Monaco"/>
+                        <a:cs typeface="Monaco"/>
+                      </a:endParaRPr>
+                    </a:p>
+                  </a:txBody>
+                  <a:tcPr>
+                    <a:lnL w="12700" cap="flat" cmpd="sng" algn="ctr">
+                      <a:solidFill>
+                        <a:prstClr val="white"/>
+                      </a:solidFill>
+                      <a:prstDash val="solid"/>
+                      <a:round/>
+                      <a:headEnd type="none" w="med" len="med"/>
+                      <a:tailEnd type="none" w="med" len="med"/>
+                    </a:lnL>
+                    <a:lnR w="12700" cap="flat" cmpd="sng" algn="ctr">
+                      <a:solidFill>
+                        <a:prstClr val="white"/>
+                      </a:solidFill>
+                      <a:prstDash val="solid"/>
+                      <a:round/>
+                      <a:headEnd type="none" w="med" len="med"/>
+                      <a:tailEnd type="none" w="med" len="med"/>
+                    </a:lnR>
+                    <a:lnT w="12700" cap="flat" cmpd="sng" algn="ctr">
+                      <a:solidFill>
+                        <a:srgbClr val="FFFFFF"/>
+                      </a:solidFill>
+                      <a:prstDash val="solid"/>
+                      <a:round/>
+                      <a:headEnd type="none" w="med" len="med"/>
+                      <a:tailEnd type="none" w="med" len="med"/>
+                    </a:lnT>
+                    <a:lnB w="76200" cap="flat" cmpd="sng" algn="ctr">
+                      <a:solidFill>
+                        <a:srgbClr val="FFFFFF"/>
+                      </a:solidFill>
+                      <a:prstDash val="solid"/>
+                      <a:round/>
+                      <a:headEnd type="none" w="med" len="med"/>
+                      <a:tailEnd type="none" w="med" len="med"/>
+                    </a:lnB>
+                    <a:solidFill>
+                      <a:schemeClr val="bg1">
+                        <a:lumMod val="85000"/>
+                      </a:schemeClr>
+                    </a:solidFill>
+                  </a:tcPr>
+                </a:tc>
+              </a:tr>
+              <a:tr h="184803">
+                <a:tc>
+                  <a:txBody>
+                    <a:bodyPr/>
+                    <a:lstStyle/>
+                    <a:p>
+                      <a:pPr algn="l"/>
+                      <a:r>
+                        <a:rPr lang="en-US" sz="900" b="0" dirty="0" smtClean="0">
+                          <a:solidFill>
+                            <a:schemeClr val="tx1"/>
+                          </a:solidFill>
+                          <a:latin typeface="Helvetica"/>
+                          <a:cs typeface="Helvetica"/>
+                        </a:rPr>
+                        <a:t>Exponential</a:t>
+                      </a:r>
+                    </a:p>
+                  </a:txBody>
+                  <a:tcPr>
+                    <a:lnL w="9525" cap="flat" cmpd="sng" algn="ctr">
+                      <a:solidFill>
+                        <a:srgbClr val="FFFFFF"/>
+                      </a:solidFill>
+                      <a:prstDash val="solid"/>
+                      <a:round/>
+                      <a:headEnd type="none" w="med" len="med"/>
+                      <a:tailEnd type="none" w="med" len="med"/>
+                    </a:lnL>
+                    <a:lnR w="9525" cap="flat" cmpd="sng" algn="ctr">
+                      <a:solidFill>
+                        <a:srgbClr val="FFFFFF"/>
+                      </a:solidFill>
+                      <a:prstDash val="solid"/>
+                      <a:round/>
+                      <a:headEnd type="none" w="med" len="med"/>
+                      <a:tailEnd type="none" w="med" len="med"/>
+                    </a:lnR>
+                    <a:lnT w="76200" cap="flat" cmpd="sng" algn="ctr">
+                      <a:solidFill>
+                        <a:srgbClr val="FFFFFF"/>
+                      </a:solidFill>
+                      <a:prstDash val="solid"/>
+                      <a:round/>
+                      <a:headEnd type="none" w="med" len="med"/>
+                      <a:tailEnd type="none" w="med" len="med"/>
+                    </a:lnT>
+                    <a:lnB w="9525" cap="flat" cmpd="sng" algn="ctr">
+                      <a:solidFill>
+                        <a:srgbClr val="FFFFFF"/>
+                      </a:solidFill>
+                      <a:prstDash val="solid"/>
+                      <a:round/>
+                      <a:headEnd type="none" w="med" len="med"/>
+                      <a:tailEnd type="none" w="med" len="med"/>
+                    </a:lnB>
+                    <a:solidFill>
+                      <a:schemeClr val="bg1">
+                        <a:lumMod val="85000"/>
+                      </a:schemeClr>
+                    </a:solidFill>
+                  </a:tcPr>
+                </a:tc>
+                <a:tc>
+                  <a:txBody>
+                    <a:bodyPr/>
+                    <a:lstStyle/>
+                    <a:p>
+                      <a:pPr algn="l"/>
+                      <a:r>
+                        <a:rPr lang="en-US" sz="900" baseline="0" dirty="0" err="1" smtClean="0">
+                          <a:solidFill>
+                            <a:schemeClr val="tx1"/>
+                          </a:solidFill>
+                          <a:latin typeface="Monaco"/>
+                          <a:cs typeface="Monaco"/>
+                        </a:rPr>
+                        <a:t>exp</a:t>
+                      </a:r>
+                      <a:r>
                         <a:rPr lang="en-US" sz="900" baseline="0" dirty="0" smtClean="0">
                           <a:solidFill>
                             <a:schemeClr val="tx1"/>
@@ -6173,7 +5918,286 @@
                           <a:latin typeface="Monaco"/>
                           <a:cs typeface="Monaco"/>
                         </a:rPr>
-                        <a:t>round(x)</a:t>
+                        <a:t>(x)</a:t>
+                      </a:r>
+                    </a:p>
+                  </a:txBody>
+                  <a:tcPr>
+                    <a:lnL w="9525" cap="flat" cmpd="sng" algn="ctr">
+                      <a:solidFill>
+                        <a:srgbClr val="FFFFFF"/>
+                      </a:solidFill>
+                      <a:prstDash val="solid"/>
+                      <a:round/>
+                      <a:headEnd type="none" w="med" len="med"/>
+                      <a:tailEnd type="none" w="med" len="med"/>
+                    </a:lnL>
+                    <a:lnR w="9525" cap="flat" cmpd="sng" algn="ctr">
+                      <a:solidFill>
+                        <a:srgbClr val="FFFFFF"/>
+                      </a:solidFill>
+                      <a:prstDash val="solid"/>
+                      <a:round/>
+                      <a:headEnd type="none" w="med" len="med"/>
+                      <a:tailEnd type="none" w="med" len="med"/>
+                    </a:lnR>
+                    <a:lnT w="76200" cap="flat" cmpd="sng" algn="ctr">
+                      <a:solidFill>
+                        <a:srgbClr val="FFFFFF"/>
+                      </a:solidFill>
+                      <a:prstDash val="solid"/>
+                      <a:round/>
+                      <a:headEnd type="none" w="med" len="med"/>
+                      <a:tailEnd type="none" w="med" len="med"/>
+                    </a:lnT>
+                    <a:lnB w="9525" cap="flat" cmpd="sng" algn="ctr">
+                      <a:solidFill>
+                        <a:srgbClr val="FFFFFF"/>
+                      </a:solidFill>
+                      <a:prstDash val="solid"/>
+                      <a:round/>
+                      <a:headEnd type="none" w="med" len="med"/>
+                      <a:tailEnd type="none" w="med" len="med"/>
+                    </a:lnB>
+                    <a:solidFill>
+                      <a:schemeClr val="bg1">
+                        <a:lumMod val="85000"/>
+                      </a:schemeClr>
+                    </a:solidFill>
+                  </a:tcPr>
+                </a:tc>
+              </a:tr>
+              <a:tr h="184803">
+                <a:tc>
+                  <a:txBody>
+                    <a:bodyPr/>
+                    <a:lstStyle/>
+                    <a:p>
+                      <a:pPr algn="l"/>
+                      <a:r>
+                        <a:rPr lang="en-US" sz="900" b="0" dirty="0" smtClean="0">
+                          <a:solidFill>
+                            <a:schemeClr val="tx1"/>
+                          </a:solidFill>
+                          <a:latin typeface="Helvetica"/>
+                          <a:cs typeface="Helvetica"/>
+                        </a:rPr>
+                        <a:t>Logarithm</a:t>
+                      </a:r>
+                    </a:p>
+                  </a:txBody>
+                  <a:tcPr>
+                    <a:lnL w="12700" cap="flat" cmpd="sng" algn="ctr">
+                      <a:solidFill>
+                        <a:prstClr val="white"/>
+                      </a:solidFill>
+                      <a:prstDash val="solid"/>
+                      <a:round/>
+                      <a:headEnd type="none" w="med" len="med"/>
+                      <a:tailEnd type="none" w="med" len="med"/>
+                    </a:lnL>
+                    <a:lnR w="12700" cap="flat" cmpd="sng" algn="ctr">
+                      <a:solidFill>
+                        <a:prstClr val="white"/>
+                      </a:solidFill>
+                      <a:prstDash val="solid"/>
+                      <a:round/>
+                      <a:headEnd type="none" w="med" len="med"/>
+                      <a:tailEnd type="none" w="med" len="med"/>
+                    </a:lnR>
+                    <a:lnT w="9525" cap="flat" cmpd="sng" algn="ctr">
+                      <a:solidFill>
+                        <a:srgbClr val="FFFFFF"/>
+                      </a:solidFill>
+                      <a:prstDash val="solid"/>
+                      <a:round/>
+                      <a:headEnd type="none" w="med" len="med"/>
+                      <a:tailEnd type="none" w="med" len="med"/>
+                    </a:lnT>
+                    <a:lnB w="12700" cap="flat" cmpd="sng" algn="ctr">
+                      <a:solidFill>
+                        <a:prstClr val="white"/>
+                      </a:solidFill>
+                      <a:prstDash val="solid"/>
+                      <a:round/>
+                      <a:headEnd type="none" w="med" len="med"/>
+                      <a:tailEnd type="none" w="med" len="med"/>
+                    </a:lnB>
+                    <a:solidFill>
+                      <a:schemeClr val="bg1">
+                        <a:lumMod val="85000"/>
+                      </a:schemeClr>
+                    </a:solidFill>
+                  </a:tcPr>
+                </a:tc>
+                <a:tc>
+                  <a:txBody>
+                    <a:bodyPr/>
+                    <a:lstStyle/>
+                    <a:p>
+                      <a:pPr algn="l"/>
+                      <a:r>
+                        <a:rPr lang="en-US" sz="900" baseline="0" dirty="0" smtClean="0">
+                          <a:solidFill>
+                            <a:schemeClr val="tx1"/>
+                          </a:solidFill>
+                          <a:latin typeface="Monaco"/>
+                          <a:cs typeface="Monaco"/>
+                        </a:rPr>
+                        <a:t>log(x)</a:t>
+                      </a:r>
+                    </a:p>
+                  </a:txBody>
+                  <a:tcPr>
+                    <a:lnL w="12700" cap="flat" cmpd="sng" algn="ctr">
+                      <a:solidFill>
+                        <a:prstClr val="white"/>
+                      </a:solidFill>
+                      <a:prstDash val="solid"/>
+                      <a:round/>
+                      <a:headEnd type="none" w="med" len="med"/>
+                      <a:tailEnd type="none" w="med" len="med"/>
+                    </a:lnL>
+                    <a:lnR w="12700" cap="flat" cmpd="sng" algn="ctr">
+                      <a:solidFill>
+                        <a:prstClr val="white"/>
+                      </a:solidFill>
+                      <a:prstDash val="solid"/>
+                      <a:round/>
+                      <a:headEnd type="none" w="med" len="med"/>
+                      <a:tailEnd type="none" w="med" len="med"/>
+                    </a:lnR>
+                    <a:lnT w="9525" cap="flat" cmpd="sng" algn="ctr">
+                      <a:solidFill>
+                        <a:srgbClr val="FFFFFF"/>
+                      </a:solidFill>
+                      <a:prstDash val="solid"/>
+                      <a:round/>
+                      <a:headEnd type="none" w="med" len="med"/>
+                      <a:tailEnd type="none" w="med" len="med"/>
+                    </a:lnT>
+                    <a:lnB w="12700" cap="flat" cmpd="sng" algn="ctr">
+                      <a:solidFill>
+                        <a:prstClr val="white"/>
+                      </a:solidFill>
+                      <a:prstDash val="solid"/>
+                      <a:round/>
+                      <a:headEnd type="none" w="med" len="med"/>
+                      <a:tailEnd type="none" w="med" len="med"/>
+                    </a:lnB>
+                    <a:solidFill>
+                      <a:schemeClr val="bg1">
+                        <a:lumMod val="85000"/>
+                      </a:schemeClr>
+                    </a:solidFill>
+                  </a:tcPr>
+                </a:tc>
+              </a:tr>
+              <a:tr h="184803">
+                <a:tc>
+                  <a:txBody>
+                    <a:bodyPr/>
+                    <a:lstStyle/>
+                    <a:p>
+                      <a:pPr algn="l"/>
+                      <a:r>
+                        <a:rPr lang="en-US" sz="900" b="0" dirty="0" smtClean="0">
+                          <a:solidFill>
+                            <a:schemeClr val="tx1"/>
+                          </a:solidFill>
+                          <a:latin typeface="Helvetica"/>
+                          <a:cs typeface="Helvetica"/>
+                        </a:rPr>
+                        <a:t>Square</a:t>
+                      </a:r>
+                      <a:r>
+                        <a:rPr lang="en-US" sz="900" b="0" baseline="0" dirty="0" smtClean="0">
+                          <a:solidFill>
+                            <a:schemeClr val="tx1"/>
+                          </a:solidFill>
+                          <a:latin typeface="Helvetica"/>
+                          <a:cs typeface="Helvetica"/>
+                        </a:rPr>
+                        <a:t> root</a:t>
+                      </a:r>
+                      <a:endParaRPr lang="en-US" sz="900" b="0" dirty="0" smtClean="0">
+                        <a:solidFill>
+                          <a:schemeClr val="tx1"/>
+                        </a:solidFill>
+                        <a:latin typeface="Helvetica"/>
+                        <a:cs typeface="Helvetica"/>
+                      </a:endParaRPr>
+                    </a:p>
+                  </a:txBody>
+                  <a:tcPr>
+                    <a:lnL w="12700" cap="flat" cmpd="sng" algn="ctr">
+                      <a:solidFill>
+                        <a:prstClr val="white"/>
+                      </a:solidFill>
+                      <a:prstDash val="solid"/>
+                      <a:round/>
+                      <a:headEnd type="none" w="med" len="med"/>
+                      <a:tailEnd type="none" w="med" len="med"/>
+                    </a:lnL>
+                    <a:lnR w="12700" cap="flat" cmpd="sng" algn="ctr">
+                      <a:solidFill>
+                        <a:prstClr val="white"/>
+                      </a:solidFill>
+                      <a:prstDash val="solid"/>
+                      <a:round/>
+                      <a:headEnd type="none" w="med" len="med"/>
+                      <a:tailEnd type="none" w="med" len="med"/>
+                    </a:lnR>
+                    <a:lnT w="12700" cap="flat" cmpd="sng" algn="ctr">
+                      <a:solidFill>
+                        <a:prstClr val="white"/>
+                      </a:solidFill>
+                      <a:prstDash val="solid"/>
+                      <a:round/>
+                      <a:headEnd type="none" w="med" len="med"/>
+                      <a:tailEnd type="none" w="med" len="med"/>
+                    </a:lnT>
+                    <a:lnB w="12700" cap="flat" cmpd="sng" algn="ctr">
+                      <a:solidFill>
+                        <a:prstClr val="white"/>
+                      </a:solidFill>
+                      <a:prstDash val="solid"/>
+                      <a:round/>
+                      <a:headEnd type="none" w="med" len="med"/>
+                      <a:tailEnd type="none" w="med" len="med"/>
+                    </a:lnB>
+                    <a:solidFill>
+                      <a:schemeClr val="bg1">
+                        <a:lumMod val="85000"/>
+                      </a:schemeClr>
+                    </a:solidFill>
+                  </a:tcPr>
+                </a:tc>
+                <a:tc>
+                  <a:txBody>
+                    <a:bodyPr/>
+                    <a:lstStyle/>
+                    <a:p>
+                      <a:pPr algn="l"/>
+                      <a:r>
+                        <a:rPr lang="en-US" sz="900" baseline="0" dirty="0" err="1" smtClean="0">
+                          <a:solidFill>
+                            <a:schemeClr val="tx1"/>
+                          </a:solidFill>
+                          <a:latin typeface="Monaco"/>
+                          <a:cs typeface="Monaco"/>
+                        </a:rPr>
+                        <a:t>sqrt</a:t>
+                      </a:r>
+                      <a:r>
+                        <a:rPr lang="en-US" sz="900" baseline="0" dirty="0" smtClean="0">
+                          <a:solidFill>
+                            <a:schemeClr val="tx1"/>
+                          </a:solidFill>
+                          <a:latin typeface="Monaco"/>
+                          <a:cs typeface="Monaco"/>
+                        </a:rPr>
+                        <a:t>(x)</a:t>
                       </a:r>
                     </a:p>
                   </a:txBody>
@@ -6253,7 +6277,7 @@
                           <a:latin typeface="Helvetica"/>
                           <a:cs typeface="Helvetica"/>
                         </a:rPr>
-                        <a:t>Absolute value</a:t>
+                        <a:t>Round</a:t>
                       </a:r>
                     </a:p>
                   </a:txBody>
@@ -6285,9 +6309,9 @@
                       <a:headEnd type="none" w="med" len="med"/>
                       <a:tailEnd type="none" w="med" len="med"/>
                     </a:lnT>
-                    <a:lnB w="9525" cap="flat" cmpd="sng" algn="ctr">
-                      <a:solidFill>
-                        <a:srgbClr val="FFFFFF"/>
+                    <a:lnB w="12700" cap="flat" cmpd="sng" algn="ctr">
+                      <a:solidFill>
+                        <a:prstClr val="white"/>
                       </a:solidFill>
                       <a:prstDash val="solid"/>
                       <a:round/>
@@ -6331,7 +6355,7 @@
                           <a:latin typeface="Monaco"/>
                           <a:cs typeface="Monaco"/>
                         </a:rPr>
-                        <a:t>abs(x)</a:t>
+                        <a:t>round(x)</a:t>
                       </a:r>
                     </a:p>
                   </a:txBody>
@@ -6363,9 +6387,9 @@
                       <a:headEnd type="none" w="med" len="med"/>
                       <a:tailEnd type="none" w="med" len="med"/>
                     </a:lnT>
-                    <a:lnB w="9525" cap="flat" cmpd="sng" algn="ctr">
-                      <a:solidFill>
-                        <a:srgbClr val="FFFFFF"/>
+                    <a:lnB w="12700" cap="flat" cmpd="sng" algn="ctr">
+                      <a:solidFill>
+                        <a:prstClr val="white"/>
                       </a:solidFill>
                       <a:prstDash val="solid"/>
                       <a:round/>
@@ -6411,7 +6435,7 @@
                           <a:latin typeface="Helvetica"/>
                           <a:cs typeface="Helvetica"/>
                         </a:rPr>
-                        <a:t>Sum</a:t>
+                        <a:t>Absolute value</a:t>
                       </a:r>
                     </a:p>
                   </a:txBody>
@@ -6434,18 +6458,18 @@
                       <a:headEnd type="none" w="med" len="med"/>
                       <a:tailEnd type="none" w="med" len="med"/>
                     </a:lnR>
-                    <a:lnT w="9525" cap="flat" cmpd="sng" algn="ctr">
+                    <a:lnT w="12700" cap="flat" cmpd="sng" algn="ctr">
+                      <a:solidFill>
+                        <a:prstClr val="white"/>
+                      </a:solidFill>
+                      <a:prstDash val="solid"/>
+                      <a:round/>
+                      <a:headEnd type="none" w="med" len="med"/>
+                      <a:tailEnd type="none" w="med" len="med"/>
+                    </a:lnT>
+                    <a:lnB w="9525" cap="flat" cmpd="sng" algn="ctr">
                       <a:solidFill>
                         <a:srgbClr val="FFFFFF"/>
-                      </a:solidFill>
-                      <a:prstDash val="solid"/>
-                      <a:round/>
-                      <a:headEnd type="none" w="med" len="med"/>
-                      <a:tailEnd type="none" w="med" len="med"/>
-                    </a:lnT>
-                    <a:lnB w="12700" cap="flat" cmpd="sng" algn="ctr">
-                      <a:solidFill>
-                        <a:prstClr val="white"/>
                       </a:solidFill>
                       <a:prstDash val="solid"/>
                       <a:round/>
@@ -6482,34 +6506,14 @@
                         <a:defRPr/>
                       </a:pPr>
                       <a:r>
-                        <a:rPr lang="en-US" sz="900" dirty="0" smtClean="0">
+                        <a:rPr lang="en-US" sz="900" baseline="0" dirty="0" smtClean="0">
                           <a:solidFill>
                             <a:schemeClr val="tx1"/>
                           </a:solidFill>
                           <a:latin typeface="Monaco"/>
                           <a:cs typeface="Monaco"/>
                         </a:rPr>
-                        <a:t>sum(</a:t>
-                      </a:r>
-                      <a:r>
-                        <a:rPr lang="en-US" sz="900" dirty="0" err="1" smtClean="0">
-                          <a:solidFill>
-                            <a:schemeClr val="tx1"/>
-                          </a:solidFill>
-                          <a:latin typeface="Monaco"/>
-                          <a:cs typeface="Monaco"/>
-                        </a:rPr>
-                        <a:t>vectr</a:t>
-                      </a:r>
-                      <a:r>
-                        <a:rPr lang="en-US" sz="900" dirty="0" smtClean="0">
-                          <a:solidFill>
-                            <a:schemeClr val="tx1"/>
-                          </a:solidFill>
-                          <a:latin typeface="Monaco"/>
-                          <a:cs typeface="Monaco"/>
-                        </a:rPr>
-                        <a:t>)</a:t>
+                        <a:t>abs(x)</a:t>
                       </a:r>
                     </a:p>
                   </a:txBody>
@@ -6532,18 +6536,18 @@
                       <a:headEnd type="none" w="med" len="med"/>
                       <a:tailEnd type="none" w="med" len="med"/>
                     </a:lnR>
-                    <a:lnT w="9525" cap="flat" cmpd="sng" algn="ctr">
+                    <a:lnT w="12700" cap="flat" cmpd="sng" algn="ctr">
+                      <a:solidFill>
+                        <a:prstClr val="white"/>
+                      </a:solidFill>
+                      <a:prstDash val="solid"/>
+                      <a:round/>
+                      <a:headEnd type="none" w="med" len="med"/>
+                      <a:tailEnd type="none" w="med" len="med"/>
+                    </a:lnT>
+                    <a:lnB w="9525" cap="flat" cmpd="sng" algn="ctr">
                       <a:solidFill>
                         <a:srgbClr val="FFFFFF"/>
-                      </a:solidFill>
-                      <a:prstDash val="solid"/>
-                      <a:round/>
-                      <a:headEnd type="none" w="med" len="med"/>
-                      <a:tailEnd type="none" w="med" len="med"/>
-                    </a:lnT>
-                    <a:lnB w="12700" cap="flat" cmpd="sng" algn="ctr">
-                      <a:solidFill>
-                        <a:prstClr val="white"/>
                       </a:solidFill>
                       <a:prstDash val="solid"/>
                       <a:round/>
@@ -6589,25 +6593,8 @@
                           <a:latin typeface="Helvetica"/>
                           <a:cs typeface="Helvetica"/>
                         </a:rPr>
-                        <a:t>Scale</a:t>
-                      </a:r>
-                      <a:r>
-                        <a:rPr lang="en-US" sz="900" b="0" baseline="0" dirty="0" smtClean="0">
-                          <a:solidFill>
-                            <a:schemeClr val="tx1"/>
-                          </a:solidFill>
-                          <a:latin typeface="Helvetica"/>
-                          <a:cs typeface="Helvetica"/>
-                        </a:rPr>
-                        <a:t> &amp; center</a:t>
-                      </a:r>
-                      <a:endParaRPr lang="en-US" sz="900" b="0" dirty="0" smtClean="0">
-                        <a:solidFill>
-                          <a:schemeClr val="tx1"/>
-                        </a:solidFill>
-                        <a:latin typeface="Helvetica"/>
-                        <a:cs typeface="Helvetica"/>
-                      </a:endParaRPr>
+                        <a:t>Sum</a:t>
+                      </a:r>
                     </a:p>
                   </a:txBody>
                   <a:tcPr>
@@ -6629,18 +6616,18 @@
                       <a:headEnd type="none" w="med" len="med"/>
                       <a:tailEnd type="none" w="med" len="med"/>
                     </a:lnR>
-                    <a:lnT w="12700" cap="flat" cmpd="sng" algn="ctr">
-                      <a:solidFill>
-                        <a:prstClr val="white"/>
+                    <a:lnT w="9525" cap="flat" cmpd="sng" algn="ctr">
+                      <a:solidFill>
+                        <a:srgbClr val="FFFFFF"/>
                       </a:solidFill>
                       <a:prstDash val="solid"/>
                       <a:round/>
                       <a:headEnd type="none" w="med" len="med"/>
                       <a:tailEnd type="none" w="med" len="med"/>
                     </a:lnT>
-                    <a:lnB w="76200" cap="flat" cmpd="sng" algn="ctr">
-                      <a:solidFill>
-                        <a:srgbClr val="FFFFFF"/>
+                    <a:lnB w="12700" cap="flat" cmpd="sng" algn="ctr">
+                      <a:solidFill>
+                        <a:prstClr val="white"/>
                       </a:solidFill>
                       <a:prstDash val="solid"/>
                       <a:round/>
@@ -6677,17 +6664,17 @@
                         <a:defRPr/>
                       </a:pPr>
                       <a:r>
-                        <a:rPr lang="en-US" sz="900" baseline="0" dirty="0" smtClean="0">
+                        <a:rPr lang="en-US" sz="900" dirty="0" smtClean="0">
                           <a:solidFill>
                             <a:schemeClr val="tx1"/>
                           </a:solidFill>
                           <a:latin typeface="Monaco"/>
                           <a:cs typeface="Monaco"/>
                         </a:rPr>
-                        <a:t>scale(</a:t>
-                      </a:r>
-                      <a:r>
-                        <a:rPr lang="en-US" sz="900" baseline="0" dirty="0" err="1" smtClean="0">
+                        <a:t>sum(</a:t>
+                      </a:r>
+                      <a:r>
+                        <a:rPr lang="en-US" sz="900" dirty="0" err="1" smtClean="0">
                           <a:solidFill>
                             <a:schemeClr val="tx1"/>
                           </a:solidFill>
@@ -6697,7 +6684,7 @@
                         <a:t>vectr</a:t>
                       </a:r>
                       <a:r>
-                        <a:rPr lang="en-US" sz="900" baseline="0" dirty="0" smtClean="0">
+                        <a:rPr lang="en-US" sz="900" dirty="0" smtClean="0">
                           <a:solidFill>
                             <a:schemeClr val="tx1"/>
                           </a:solidFill>
@@ -6727,301 +6714,9 @@
                       <a:headEnd type="none" w="med" len="med"/>
                       <a:tailEnd type="none" w="med" len="med"/>
                     </a:lnR>
-                    <a:lnT w="12700" cap="flat" cmpd="sng" algn="ctr">
-                      <a:solidFill>
-                        <a:prstClr val="white"/>
-                      </a:solidFill>
-                      <a:prstDash val="solid"/>
-                      <a:round/>
-                      <a:headEnd type="none" w="med" len="med"/>
-                      <a:tailEnd type="none" w="med" len="med"/>
-                    </a:lnT>
-                    <a:lnB w="76200" cap="flat" cmpd="sng" algn="ctr">
+                    <a:lnT w="9525" cap="flat" cmpd="sng" algn="ctr">
                       <a:solidFill>
                         <a:srgbClr val="FFFFFF"/>
-                      </a:solidFill>
-                      <a:prstDash val="solid"/>
-                      <a:round/>
-                      <a:headEnd type="none" w="med" len="med"/>
-                      <a:tailEnd type="none" w="med" len="med"/>
-                    </a:lnB>
-                    <a:solidFill>
-                      <a:schemeClr val="bg1">
-                        <a:lumMod val="85000"/>
-                      </a:schemeClr>
-                    </a:solidFill>
-                  </a:tcPr>
-                </a:tc>
-              </a:tr>
-              <a:tr h="184803">
-                <a:tc>
-                  <a:txBody>
-                    <a:bodyPr/>
-                    <a:lstStyle/>
-                    <a:p>
-                      <a:pPr algn="l"/>
-                      <a:r>
-                        <a:rPr lang="en-US" sz="900" b="0" dirty="0" smtClean="0">
-                          <a:solidFill>
-                            <a:schemeClr val="tx1"/>
-                          </a:solidFill>
-                          <a:latin typeface="Helvetica"/>
-                          <a:cs typeface="Helvetica"/>
-                        </a:rPr>
-                        <a:t>Maximum</a:t>
-                      </a:r>
-                    </a:p>
-                  </a:txBody>
-                  <a:tcPr>
-                    <a:lnL w="12700" cap="flat" cmpd="sng" algn="ctr">
-                      <a:solidFill>
-                        <a:prstClr val="white"/>
-                      </a:solidFill>
-                      <a:prstDash val="solid"/>
-                      <a:round/>
-                      <a:headEnd type="none" w="med" len="med"/>
-                      <a:tailEnd type="none" w="med" len="med"/>
-                    </a:lnL>
-                    <a:lnR w="12700" cap="flat" cmpd="sng" algn="ctr">
-                      <a:solidFill>
-                        <a:prstClr val="white"/>
-                      </a:solidFill>
-                      <a:prstDash val="solid"/>
-                      <a:round/>
-                      <a:headEnd type="none" w="med" len="med"/>
-                      <a:tailEnd type="none" w="med" len="med"/>
-                    </a:lnR>
-                    <a:lnT w="76200" cap="flat" cmpd="sng" algn="ctr">
-                      <a:solidFill>
-                        <a:srgbClr val="FFFFFF"/>
-                      </a:solidFill>
-                      <a:prstDash val="solid"/>
-                      <a:round/>
-                      <a:headEnd type="none" w="med" len="med"/>
-                      <a:tailEnd type="none" w="med" len="med"/>
-                    </a:lnT>
-                    <a:lnB w="12700" cap="flat" cmpd="sng" algn="ctr">
-                      <a:solidFill>
-                        <a:prstClr val="white"/>
-                      </a:solidFill>
-                      <a:prstDash val="solid"/>
-                      <a:round/>
-                      <a:headEnd type="none" w="med" len="med"/>
-                      <a:tailEnd type="none" w="med" len="med"/>
-                    </a:lnB>
-                    <a:solidFill>
-                      <a:schemeClr val="bg1">
-                        <a:lumMod val="85000"/>
-                      </a:schemeClr>
-                    </a:solidFill>
-                  </a:tcPr>
-                </a:tc>
-                <a:tc>
-                  <a:txBody>
-                    <a:bodyPr/>
-                    <a:lstStyle/>
-                    <a:p>
-                      <a:pPr algn="l"/>
-                      <a:r>
-                        <a:rPr lang="en-US" sz="900" baseline="0" dirty="0" smtClean="0">
-                          <a:solidFill>
-                            <a:schemeClr val="tx1"/>
-                          </a:solidFill>
-                          <a:latin typeface="Monaco"/>
-                          <a:cs typeface="Monaco"/>
-                        </a:rPr>
-                        <a:t>max(</a:t>
-                      </a:r>
-                      <a:r>
-                        <a:rPr lang="en-US" sz="900" baseline="0" dirty="0" err="1" smtClean="0">
-                          <a:solidFill>
-                            <a:schemeClr val="tx1"/>
-                          </a:solidFill>
-                          <a:latin typeface="Monaco"/>
-                          <a:cs typeface="Monaco"/>
-                        </a:rPr>
-                        <a:t>vectr</a:t>
-                      </a:r>
-                      <a:r>
-                        <a:rPr lang="en-US" sz="900" baseline="0" dirty="0" smtClean="0">
-                          <a:solidFill>
-                            <a:schemeClr val="tx1"/>
-                          </a:solidFill>
-                          <a:latin typeface="Monaco"/>
-                          <a:cs typeface="Monaco"/>
-                        </a:rPr>
-                        <a:t>)</a:t>
-                      </a:r>
-                    </a:p>
-                  </a:txBody>
-                  <a:tcPr>
-                    <a:lnL w="12700" cap="flat" cmpd="sng" algn="ctr">
-                      <a:solidFill>
-                        <a:prstClr val="white"/>
-                      </a:solidFill>
-                      <a:prstDash val="solid"/>
-                      <a:round/>
-                      <a:headEnd type="none" w="med" len="med"/>
-                      <a:tailEnd type="none" w="med" len="med"/>
-                    </a:lnL>
-                    <a:lnR w="12700" cap="flat" cmpd="sng" algn="ctr">
-                      <a:solidFill>
-                        <a:prstClr val="white"/>
-                      </a:solidFill>
-                      <a:prstDash val="solid"/>
-                      <a:round/>
-                      <a:headEnd type="none" w="med" len="med"/>
-                      <a:tailEnd type="none" w="med" len="med"/>
-                    </a:lnR>
-                    <a:lnT w="76200" cap="flat" cmpd="sng" algn="ctr">
-                      <a:solidFill>
-                        <a:srgbClr val="FFFFFF"/>
-                      </a:solidFill>
-                      <a:prstDash val="solid"/>
-                      <a:round/>
-                      <a:headEnd type="none" w="med" len="med"/>
-                      <a:tailEnd type="none" w="med" len="med"/>
-                    </a:lnT>
-                    <a:lnB w="12700" cap="flat" cmpd="sng" algn="ctr">
-                      <a:solidFill>
-                        <a:prstClr val="white"/>
-                      </a:solidFill>
-                      <a:prstDash val="solid"/>
-                      <a:round/>
-                      <a:headEnd type="none" w="med" len="med"/>
-                      <a:tailEnd type="none" w="med" len="med"/>
-                    </a:lnB>
-                    <a:solidFill>
-                      <a:schemeClr val="bg1">
-                        <a:lumMod val="85000"/>
-                      </a:schemeClr>
-                    </a:solidFill>
-                  </a:tcPr>
-                </a:tc>
-              </a:tr>
-              <a:tr h="184803">
-                <a:tc>
-                  <a:txBody>
-                    <a:bodyPr/>
-                    <a:lstStyle/>
-                    <a:p>
-                      <a:pPr algn="l"/>
-                      <a:r>
-                        <a:rPr lang="en-US" sz="900" b="0" dirty="0" smtClean="0">
-                          <a:solidFill>
-                            <a:schemeClr val="tx1"/>
-                          </a:solidFill>
-                          <a:latin typeface="Helvetica"/>
-                          <a:cs typeface="Helvetica"/>
-                        </a:rPr>
-                        <a:t>Minimum</a:t>
-                      </a:r>
-                    </a:p>
-                  </a:txBody>
-                  <a:tcPr>
-                    <a:lnL w="12700" cap="flat" cmpd="sng" algn="ctr">
-                      <a:solidFill>
-                        <a:prstClr val="white"/>
-                      </a:solidFill>
-                      <a:prstDash val="solid"/>
-                      <a:round/>
-                      <a:headEnd type="none" w="med" len="med"/>
-                      <a:tailEnd type="none" w="med" len="med"/>
-                    </a:lnL>
-                    <a:lnR w="12700" cap="flat" cmpd="sng" algn="ctr">
-                      <a:solidFill>
-                        <a:prstClr val="white"/>
-                      </a:solidFill>
-                      <a:prstDash val="solid"/>
-                      <a:round/>
-                      <a:headEnd type="none" w="med" len="med"/>
-                      <a:tailEnd type="none" w="med" len="med"/>
-                    </a:lnR>
-                    <a:lnT w="12700" cap="flat" cmpd="sng" algn="ctr">
-                      <a:solidFill>
-                        <a:prstClr val="white"/>
-                      </a:solidFill>
-                      <a:prstDash val="solid"/>
-                      <a:round/>
-                      <a:headEnd type="none" w="med" len="med"/>
-                      <a:tailEnd type="none" w="med" len="med"/>
-                    </a:lnT>
-                    <a:lnB w="12700" cap="flat" cmpd="sng" algn="ctr">
-                      <a:solidFill>
-                        <a:prstClr val="white"/>
-                      </a:solidFill>
-                      <a:prstDash val="solid"/>
-                      <a:round/>
-                      <a:headEnd type="none" w="med" len="med"/>
-                      <a:tailEnd type="none" w="med" len="med"/>
-                    </a:lnB>
-                    <a:solidFill>
-                      <a:schemeClr val="bg1">
-                        <a:lumMod val="85000"/>
-                      </a:schemeClr>
-                    </a:solidFill>
-                  </a:tcPr>
-                </a:tc>
-                <a:tc>
-                  <a:txBody>
-                    <a:bodyPr/>
-                    <a:lstStyle/>
-                    <a:p>
-                      <a:pPr algn="l"/>
-                      <a:r>
-                        <a:rPr lang="en-US" sz="900" baseline="0" dirty="0" smtClean="0">
-                          <a:solidFill>
-                            <a:schemeClr val="tx1"/>
-                          </a:solidFill>
-                          <a:latin typeface="Monaco"/>
-                          <a:cs typeface="Monaco"/>
-                        </a:rPr>
-                        <a:t>min(</a:t>
-                      </a:r>
-                      <a:r>
-                        <a:rPr lang="en-US" sz="900" baseline="0" dirty="0" err="1" smtClean="0">
-                          <a:solidFill>
-                            <a:schemeClr val="tx1"/>
-                          </a:solidFill>
-                          <a:latin typeface="Monaco"/>
-                          <a:cs typeface="Monaco"/>
-                        </a:rPr>
-                        <a:t>vectr</a:t>
-                      </a:r>
-                      <a:r>
-                        <a:rPr lang="en-US" sz="900" baseline="0" dirty="0" smtClean="0">
-                          <a:solidFill>
-                            <a:schemeClr val="tx1"/>
-                          </a:solidFill>
-                          <a:latin typeface="Monaco"/>
-                          <a:cs typeface="Monaco"/>
-                        </a:rPr>
-                        <a:t>)</a:t>
-                      </a:r>
-                    </a:p>
-                  </a:txBody>
-                  <a:tcPr>
-                    <a:lnL w="12700" cap="flat" cmpd="sng" algn="ctr">
-                      <a:solidFill>
-                        <a:prstClr val="white"/>
-                      </a:solidFill>
-                      <a:prstDash val="solid"/>
-                      <a:round/>
-                      <a:headEnd type="none" w="med" len="med"/>
-                      <a:tailEnd type="none" w="med" len="med"/>
-                    </a:lnL>
-                    <a:lnR w="12700" cap="flat" cmpd="sng" algn="ctr">
-                      <a:solidFill>
-                        <a:prstClr val="white"/>
-                      </a:solidFill>
-                      <a:prstDash val="solid"/>
-                      <a:round/>
-                      <a:headEnd type="none" w="med" len="med"/>
-                      <a:tailEnd type="none" w="med" len="med"/>
-                    </a:lnR>
-                    <a:lnT w="12700" cap="flat" cmpd="sng" algn="ctr">
-                      <a:solidFill>
-                        <a:prstClr val="white"/>
                       </a:solidFill>
                       <a:prstDash val="solid"/>
                       <a:round/>
@@ -7076,8 +6771,25 @@
                           <a:latin typeface="Helvetica"/>
                           <a:cs typeface="Helvetica"/>
                         </a:rPr>
-                        <a:t>Mean</a:t>
-                      </a:r>
+                        <a:t>Scale</a:t>
+                      </a:r>
+                      <a:r>
+                        <a:rPr lang="en-US" sz="900" b="0" baseline="0" dirty="0" smtClean="0">
+                          <a:solidFill>
+                            <a:schemeClr val="tx1"/>
+                          </a:solidFill>
+                          <a:latin typeface="Helvetica"/>
+                          <a:cs typeface="Helvetica"/>
+                        </a:rPr>
+                        <a:t> &amp; center</a:t>
+                      </a:r>
+                      <a:endParaRPr lang="en-US" sz="900" b="0" dirty="0" smtClean="0">
+                        <a:solidFill>
+                          <a:schemeClr val="tx1"/>
+                        </a:solidFill>
+                        <a:latin typeface="Helvetica"/>
+                        <a:cs typeface="Helvetica"/>
+                      </a:endParaRPr>
                     </a:p>
                   </a:txBody>
                   <a:tcPr>
@@ -7110,7 +6822,7 @@
                     </a:lnT>
                     <a:lnB w="12700" cap="flat" cmpd="sng" algn="ctr">
                       <a:solidFill>
-                        <a:prstClr val="white"/>
+                        <a:srgbClr val="FFFFFF"/>
                       </a:solidFill>
                       <a:prstDash val="solid"/>
                       <a:round/>
@@ -7147,17 +6859,17 @@
                         <a:defRPr/>
                       </a:pPr>
                       <a:r>
-                        <a:rPr lang="en-US" sz="900" dirty="0" smtClean="0">
+                        <a:rPr lang="en-US" sz="900" baseline="0" dirty="0" smtClean="0">
                           <a:solidFill>
                             <a:schemeClr val="tx1"/>
                           </a:solidFill>
                           <a:latin typeface="Monaco"/>
                           <a:cs typeface="Monaco"/>
                         </a:rPr>
-                        <a:t>mean(</a:t>
-                      </a:r>
-                      <a:r>
-                        <a:rPr lang="en-US" sz="900" dirty="0" err="1" smtClean="0">
+                        <a:t>scale(</a:t>
+                      </a:r>
+                      <a:r>
+                        <a:rPr lang="en-US" sz="900" baseline="0" dirty="0" err="1" smtClean="0">
                           <a:solidFill>
                             <a:schemeClr val="tx1"/>
                           </a:solidFill>
@@ -7167,7 +6879,7 @@
                         <a:t>vectr</a:t>
                       </a:r>
                       <a:r>
-                        <a:rPr lang="en-US" sz="900" dirty="0" smtClean="0">
+                        <a:rPr lang="en-US" sz="900" baseline="0" dirty="0" smtClean="0">
                           <a:solidFill>
                             <a:schemeClr val="tx1"/>
                           </a:solidFill>
@@ -7208,7 +6920,7 @@
                     </a:lnT>
                     <a:lnB w="12700" cap="flat" cmpd="sng" algn="ctr">
                       <a:solidFill>
-                        <a:prstClr val="white"/>
+                        <a:srgbClr val="FFFFFF"/>
                       </a:solidFill>
                       <a:prstDash val="solid"/>
                       <a:round/>
@@ -7254,8 +6966,15 @@
                           <a:latin typeface="Helvetica"/>
                           <a:cs typeface="Helvetica"/>
                         </a:rPr>
-                        <a:t>Median</a:t>
-                      </a:r>
+                        <a:t>Length of vector</a:t>
+                      </a:r>
+                      <a:endParaRPr lang="en-US" sz="900" b="0" dirty="0" smtClean="0">
+                        <a:solidFill>
+                          <a:schemeClr val="tx1"/>
+                        </a:solidFill>
+                        <a:latin typeface="Helvetica"/>
+                        <a:cs typeface="Helvetica"/>
+                      </a:endParaRPr>
                     </a:p>
                   </a:txBody>
                   <a:tcPr>
@@ -7279,16 +6998,16 @@
                     </a:lnR>
                     <a:lnT w="12700" cap="flat" cmpd="sng" algn="ctr">
                       <a:solidFill>
-                        <a:prstClr val="white"/>
+                        <a:srgbClr val="FFFFFF"/>
                       </a:solidFill>
                       <a:prstDash val="solid"/>
                       <a:round/>
                       <a:headEnd type="none" w="med" len="med"/>
                       <a:tailEnd type="none" w="med" len="med"/>
                     </a:lnT>
-                    <a:lnB w="12700" cap="flat" cmpd="sng" algn="ctr">
-                      <a:solidFill>
-                        <a:prstClr val="white"/>
+                    <a:lnB w="76200" cap="flat" cmpd="sng" algn="ctr">
+                      <a:solidFill>
+                        <a:srgbClr val="FFFFFF"/>
                       </a:solidFill>
                       <a:prstDash val="solid"/>
                       <a:round/>
@@ -7325,17 +7044,17 @@
                         <a:defRPr/>
                       </a:pPr>
                       <a:r>
-                        <a:rPr lang="en-US" sz="900" dirty="0" smtClean="0">
+                        <a:rPr lang="en-US" sz="900" baseline="0" dirty="0" smtClean="0">
                           <a:solidFill>
                             <a:schemeClr val="tx1"/>
                           </a:solidFill>
                           <a:latin typeface="Monaco"/>
                           <a:cs typeface="Monaco"/>
                         </a:rPr>
-                        <a:t>median(</a:t>
-                      </a:r>
-                      <a:r>
-                        <a:rPr lang="en-US" sz="900" dirty="0" err="1" smtClean="0">
+                        <a:t>Length(</a:t>
+                      </a:r>
+                      <a:r>
+                        <a:rPr lang="en-US" sz="900" baseline="0" dirty="0" err="1" smtClean="0">
                           <a:solidFill>
                             <a:schemeClr val="tx1"/>
                           </a:solidFill>
@@ -7345,7 +7064,306 @@
                         <a:t>vectr</a:t>
                       </a:r>
                       <a:r>
-                        <a:rPr lang="en-US" sz="900" dirty="0" smtClean="0">
+                        <a:rPr lang="en-US" sz="900" baseline="0" dirty="0" smtClean="0">
+                          <a:solidFill>
+                            <a:schemeClr val="tx1"/>
+                          </a:solidFill>
+                          <a:latin typeface="Monaco"/>
+                          <a:cs typeface="Monaco"/>
+                        </a:rPr>
+                        <a:t>)</a:t>
+                      </a:r>
+                      <a:endParaRPr lang="en-US" sz="900" baseline="0" dirty="0" smtClean="0">
+                        <a:solidFill>
+                          <a:schemeClr val="tx1"/>
+                        </a:solidFill>
+                        <a:latin typeface="Monaco"/>
+                        <a:cs typeface="Monaco"/>
+                      </a:endParaRPr>
+                    </a:p>
+                  </a:txBody>
+                  <a:tcPr>
+                    <a:lnL w="12700" cap="flat" cmpd="sng" algn="ctr">
+                      <a:solidFill>
+                        <a:prstClr val="white"/>
+                      </a:solidFill>
+                      <a:prstDash val="solid"/>
+                      <a:round/>
+                      <a:headEnd type="none" w="med" len="med"/>
+                      <a:tailEnd type="none" w="med" len="med"/>
+                    </a:lnL>
+                    <a:lnR w="12700" cap="flat" cmpd="sng" algn="ctr">
+                      <a:solidFill>
+                        <a:prstClr val="white"/>
+                      </a:solidFill>
+                      <a:prstDash val="solid"/>
+                      <a:round/>
+                      <a:headEnd type="none" w="med" len="med"/>
+                      <a:tailEnd type="none" w="med" len="med"/>
+                    </a:lnR>
+                    <a:lnT w="12700" cap="flat" cmpd="sng" algn="ctr">
+                      <a:solidFill>
+                        <a:srgbClr val="FFFFFF"/>
+                      </a:solidFill>
+                      <a:prstDash val="solid"/>
+                      <a:round/>
+                      <a:headEnd type="none" w="med" len="med"/>
+                      <a:tailEnd type="none" w="med" len="med"/>
+                    </a:lnT>
+                    <a:lnB w="76200" cap="flat" cmpd="sng" algn="ctr">
+                      <a:solidFill>
+                        <a:srgbClr val="FFFFFF"/>
+                      </a:solidFill>
+                      <a:prstDash val="solid"/>
+                      <a:round/>
+                      <a:headEnd type="none" w="med" len="med"/>
+                      <a:tailEnd type="none" w="med" len="med"/>
+                    </a:lnB>
+                    <a:solidFill>
+                      <a:schemeClr val="bg1">
+                        <a:lumMod val="85000"/>
+                      </a:schemeClr>
+                    </a:solidFill>
+                  </a:tcPr>
+                </a:tc>
+              </a:tr>
+              <a:tr h="184803">
+                <a:tc>
+                  <a:txBody>
+                    <a:bodyPr/>
+                    <a:lstStyle/>
+                    <a:p>
+                      <a:pPr algn="l"/>
+                      <a:r>
+                        <a:rPr lang="en-US" sz="900" b="0" dirty="0" smtClean="0">
+                          <a:solidFill>
+                            <a:schemeClr val="tx1"/>
+                          </a:solidFill>
+                          <a:latin typeface="Helvetica"/>
+                          <a:cs typeface="Helvetica"/>
+                        </a:rPr>
+                        <a:t>Maximum</a:t>
+                      </a:r>
+                    </a:p>
+                  </a:txBody>
+                  <a:tcPr>
+                    <a:lnL w="12700" cap="flat" cmpd="sng" algn="ctr">
+                      <a:solidFill>
+                        <a:prstClr val="white"/>
+                      </a:solidFill>
+                      <a:prstDash val="solid"/>
+                      <a:round/>
+                      <a:headEnd type="none" w="med" len="med"/>
+                      <a:tailEnd type="none" w="med" len="med"/>
+                    </a:lnL>
+                    <a:lnR w="12700" cap="flat" cmpd="sng" algn="ctr">
+                      <a:solidFill>
+                        <a:prstClr val="white"/>
+                      </a:solidFill>
+                      <a:prstDash val="solid"/>
+                      <a:round/>
+                      <a:headEnd type="none" w="med" len="med"/>
+                      <a:tailEnd type="none" w="med" len="med"/>
+                    </a:lnR>
+                    <a:lnT w="76200" cap="flat" cmpd="sng" algn="ctr">
+                      <a:solidFill>
+                        <a:srgbClr val="FFFFFF"/>
+                      </a:solidFill>
+                      <a:prstDash val="solid"/>
+                      <a:round/>
+                      <a:headEnd type="none" w="med" len="med"/>
+                      <a:tailEnd type="none" w="med" len="med"/>
+                    </a:lnT>
+                    <a:lnB w="12700" cap="flat" cmpd="sng" algn="ctr">
+                      <a:solidFill>
+                        <a:prstClr val="white"/>
+                      </a:solidFill>
+                      <a:prstDash val="solid"/>
+                      <a:round/>
+                      <a:headEnd type="none" w="med" len="med"/>
+                      <a:tailEnd type="none" w="med" len="med"/>
+                    </a:lnB>
+                    <a:solidFill>
+                      <a:schemeClr val="bg1">
+                        <a:lumMod val="85000"/>
+                      </a:schemeClr>
+                    </a:solidFill>
+                  </a:tcPr>
+                </a:tc>
+                <a:tc>
+                  <a:txBody>
+                    <a:bodyPr/>
+                    <a:lstStyle/>
+                    <a:p>
+                      <a:pPr algn="l"/>
+                      <a:r>
+                        <a:rPr lang="en-US" sz="900" baseline="0" dirty="0" smtClean="0">
+                          <a:solidFill>
+                            <a:schemeClr val="tx1"/>
+                          </a:solidFill>
+                          <a:latin typeface="Monaco"/>
+                          <a:cs typeface="Monaco"/>
+                        </a:rPr>
+                        <a:t>max(</a:t>
+                      </a:r>
+                      <a:r>
+                        <a:rPr lang="en-US" sz="900" baseline="0" dirty="0" err="1" smtClean="0">
+                          <a:solidFill>
+                            <a:schemeClr val="tx1"/>
+                          </a:solidFill>
+                          <a:latin typeface="Monaco"/>
+                          <a:cs typeface="Monaco"/>
+                        </a:rPr>
+                        <a:t>vectr</a:t>
+                      </a:r>
+                      <a:r>
+                        <a:rPr lang="en-US" sz="900" baseline="0" dirty="0" smtClean="0">
+                          <a:solidFill>
+                            <a:schemeClr val="tx1"/>
+                          </a:solidFill>
+                          <a:latin typeface="Monaco"/>
+                          <a:cs typeface="Monaco"/>
+                        </a:rPr>
+                        <a:t>)</a:t>
+                      </a:r>
+                    </a:p>
+                  </a:txBody>
+                  <a:tcPr>
+                    <a:lnL w="12700" cap="flat" cmpd="sng" algn="ctr">
+                      <a:solidFill>
+                        <a:prstClr val="white"/>
+                      </a:solidFill>
+                      <a:prstDash val="solid"/>
+                      <a:round/>
+                      <a:headEnd type="none" w="med" len="med"/>
+                      <a:tailEnd type="none" w="med" len="med"/>
+                    </a:lnL>
+                    <a:lnR w="12700" cap="flat" cmpd="sng" algn="ctr">
+                      <a:solidFill>
+                        <a:prstClr val="white"/>
+                      </a:solidFill>
+                      <a:prstDash val="solid"/>
+                      <a:round/>
+                      <a:headEnd type="none" w="med" len="med"/>
+                      <a:tailEnd type="none" w="med" len="med"/>
+                    </a:lnR>
+                    <a:lnT w="76200" cap="flat" cmpd="sng" algn="ctr">
+                      <a:solidFill>
+                        <a:srgbClr val="FFFFFF"/>
+                      </a:solidFill>
+                      <a:prstDash val="solid"/>
+                      <a:round/>
+                      <a:headEnd type="none" w="med" len="med"/>
+                      <a:tailEnd type="none" w="med" len="med"/>
+                    </a:lnT>
+                    <a:lnB w="12700" cap="flat" cmpd="sng" algn="ctr">
+                      <a:solidFill>
+                        <a:prstClr val="white"/>
+                      </a:solidFill>
+                      <a:prstDash val="solid"/>
+                      <a:round/>
+                      <a:headEnd type="none" w="med" len="med"/>
+                      <a:tailEnd type="none" w="med" len="med"/>
+                    </a:lnB>
+                    <a:solidFill>
+                      <a:schemeClr val="bg1">
+                        <a:lumMod val="85000"/>
+                      </a:schemeClr>
+                    </a:solidFill>
+                  </a:tcPr>
+                </a:tc>
+              </a:tr>
+              <a:tr h="184803">
+                <a:tc>
+                  <a:txBody>
+                    <a:bodyPr/>
+                    <a:lstStyle/>
+                    <a:p>
+                      <a:pPr algn="l"/>
+                      <a:r>
+                        <a:rPr lang="en-US" sz="900" b="0" dirty="0" smtClean="0">
+                          <a:solidFill>
+                            <a:schemeClr val="tx1"/>
+                          </a:solidFill>
+                          <a:latin typeface="Helvetica"/>
+                          <a:cs typeface="Helvetica"/>
+                        </a:rPr>
+                        <a:t>Minimum</a:t>
+                      </a:r>
+                    </a:p>
+                  </a:txBody>
+                  <a:tcPr>
+                    <a:lnL w="12700" cap="flat" cmpd="sng" algn="ctr">
+                      <a:solidFill>
+                        <a:prstClr val="white"/>
+                      </a:solidFill>
+                      <a:prstDash val="solid"/>
+                      <a:round/>
+                      <a:headEnd type="none" w="med" len="med"/>
+                      <a:tailEnd type="none" w="med" len="med"/>
+                    </a:lnL>
+                    <a:lnR w="12700" cap="flat" cmpd="sng" algn="ctr">
+                      <a:solidFill>
+                        <a:prstClr val="white"/>
+                      </a:solidFill>
+                      <a:prstDash val="solid"/>
+                      <a:round/>
+                      <a:headEnd type="none" w="med" len="med"/>
+                      <a:tailEnd type="none" w="med" len="med"/>
+                    </a:lnR>
+                    <a:lnT w="12700" cap="flat" cmpd="sng" algn="ctr">
+                      <a:solidFill>
+                        <a:prstClr val="white"/>
+                      </a:solidFill>
+                      <a:prstDash val="solid"/>
+                      <a:round/>
+                      <a:headEnd type="none" w="med" len="med"/>
+                      <a:tailEnd type="none" w="med" len="med"/>
+                    </a:lnT>
+                    <a:lnB w="12700" cap="flat" cmpd="sng" algn="ctr">
+                      <a:solidFill>
+                        <a:prstClr val="white"/>
+                      </a:solidFill>
+                      <a:prstDash val="solid"/>
+                      <a:round/>
+                      <a:headEnd type="none" w="med" len="med"/>
+                      <a:tailEnd type="none" w="med" len="med"/>
+                    </a:lnB>
+                    <a:solidFill>
+                      <a:schemeClr val="bg1">
+                        <a:lumMod val="85000"/>
+                      </a:schemeClr>
+                    </a:solidFill>
+                  </a:tcPr>
+                </a:tc>
+                <a:tc>
+                  <a:txBody>
+                    <a:bodyPr/>
+                    <a:lstStyle/>
+                    <a:p>
+                      <a:pPr algn="l"/>
+                      <a:r>
+                        <a:rPr lang="en-US" sz="900" baseline="0" dirty="0" smtClean="0">
+                          <a:solidFill>
+                            <a:schemeClr val="tx1"/>
+                          </a:solidFill>
+                          <a:latin typeface="Monaco"/>
+                          <a:cs typeface="Monaco"/>
+                        </a:rPr>
+                        <a:t>min(</a:t>
+                      </a:r>
+                      <a:r>
+                        <a:rPr lang="en-US" sz="900" baseline="0" dirty="0" err="1" smtClean="0">
+                          <a:solidFill>
+                            <a:schemeClr val="tx1"/>
+                          </a:solidFill>
+                          <a:latin typeface="Monaco"/>
+                          <a:cs typeface="Monaco"/>
+                        </a:rPr>
+                        <a:t>vectr</a:t>
+                      </a:r>
+                      <a:r>
+                        <a:rPr lang="en-US" sz="900" baseline="0" dirty="0" smtClean="0">
                           <a:solidFill>
                             <a:schemeClr val="tx1"/>
                           </a:solidFill>
@@ -7432,25 +7450,8 @@
                           <a:latin typeface="Helvetica"/>
                           <a:cs typeface="Helvetica"/>
                         </a:rPr>
-                        <a:t>Std.</a:t>
-                      </a:r>
-                      <a:r>
-                        <a:rPr lang="en-US" sz="900" b="0" baseline="0" dirty="0" smtClean="0">
-                          <a:solidFill>
-                            <a:schemeClr val="tx1"/>
-                          </a:solidFill>
-                          <a:latin typeface="Helvetica"/>
-                          <a:cs typeface="Helvetica"/>
-                        </a:rPr>
-                        <a:t> dev.</a:t>
-                      </a:r>
-                      <a:endParaRPr lang="en-US" sz="900" b="0" dirty="0" smtClean="0">
-                        <a:solidFill>
-                          <a:schemeClr val="tx1"/>
-                        </a:solidFill>
-                        <a:latin typeface="Helvetica"/>
-                        <a:cs typeface="Helvetica"/>
-                      </a:endParaRPr>
+                        <a:t>Mean</a:t>
+                      </a:r>
                     </a:p>
                   </a:txBody>
                   <a:tcPr>
@@ -7520,16 +7521,6 @@
                         <a:defRPr/>
                       </a:pPr>
                       <a:r>
-                        <a:rPr lang="en-US" sz="900" dirty="0" err="1" smtClean="0">
-                          <a:solidFill>
-                            <a:schemeClr val="tx1"/>
-                          </a:solidFill>
-                          <a:latin typeface="Monaco"/>
-                          <a:cs typeface="Monaco"/>
-                        </a:rPr>
-                        <a:t>sd</a:t>
-                      </a:r>
-                      <a:r>
                         <a:rPr lang="en-US" sz="900" dirty="0" smtClean="0">
                           <a:solidFill>
                             <a:schemeClr val="tx1"/>
@@ -7537,7 +7528,7 @@
                           <a:latin typeface="Monaco"/>
                           <a:cs typeface="Monaco"/>
                         </a:rPr>
-                        <a:t>(</a:t>
+                        <a:t>mean(</a:t>
                       </a:r>
                       <a:r>
                         <a:rPr lang="en-US" sz="900" dirty="0" err="1" smtClean="0">
@@ -7637,7 +7628,7 @@
                           <a:latin typeface="Helvetica"/>
                           <a:cs typeface="Helvetica"/>
                         </a:rPr>
-                        <a:t>Variance</a:t>
+                        <a:t>Median</a:t>
                       </a:r>
                     </a:p>
                   </a:txBody>
@@ -7708,16 +7699,6 @@
                         <a:defRPr/>
                       </a:pPr>
                       <a:r>
-                        <a:rPr lang="en-US" sz="900" dirty="0" err="1" smtClean="0">
-                          <a:solidFill>
-                            <a:schemeClr val="tx1"/>
-                          </a:solidFill>
-                          <a:latin typeface="Monaco"/>
-                          <a:cs typeface="Monaco"/>
-                        </a:rPr>
-                        <a:t>var</a:t>
-                      </a:r>
-                      <a:r>
                         <a:rPr lang="en-US" sz="900" dirty="0" smtClean="0">
                           <a:solidFill>
                             <a:schemeClr val="tx1"/>
@@ -7725,7 +7706,7 @@
                           <a:latin typeface="Monaco"/>
                           <a:cs typeface="Monaco"/>
                         </a:rPr>
-                        <a:t>(</a:t>
+                        <a:t>median(</a:t>
                       </a:r>
                       <a:r>
                         <a:rPr lang="en-US" sz="900" dirty="0" err="1" smtClean="0">
@@ -7825,8 +7806,25 @@
                           <a:latin typeface="Helvetica"/>
                           <a:cs typeface="Helvetica"/>
                         </a:rPr>
-                        <a:t>Correlation</a:t>
-                      </a:r>
+                        <a:t>Std.</a:t>
+                      </a:r>
+                      <a:r>
+                        <a:rPr lang="en-US" sz="900" b="0" baseline="0" dirty="0" smtClean="0">
+                          <a:solidFill>
+                            <a:schemeClr val="tx1"/>
+                          </a:solidFill>
+                          <a:latin typeface="Helvetica"/>
+                          <a:cs typeface="Helvetica"/>
+                        </a:rPr>
+                        <a:t> dev.</a:t>
+                      </a:r>
+                      <a:endParaRPr lang="en-US" sz="900" b="0" dirty="0" smtClean="0">
+                        <a:solidFill>
+                          <a:schemeClr val="tx1"/>
+                        </a:solidFill>
+                        <a:latin typeface="Helvetica"/>
+                        <a:cs typeface="Helvetica"/>
+                      </a:endParaRPr>
                     </a:p>
                   </a:txBody>
                   <a:tcPr>
@@ -7903,7 +7901,7 @@
                           <a:latin typeface="Monaco"/>
                           <a:cs typeface="Monaco"/>
                         </a:rPr>
-                        <a:t>cor</a:t>
+                        <a:t>sd</a:t>
                       </a:r>
                       <a:r>
                         <a:rPr lang="en-US" sz="900" dirty="0" smtClean="0">
@@ -7913,7 +7911,27 @@
                           <a:latin typeface="Monaco"/>
                           <a:cs typeface="Monaco"/>
                         </a:rPr>
-                        <a:t>(vectr1, vectr2)</a:t>
+                        <a:t>(</a:t>
+                      </a:r>
+                      <a:r>
+                        <a:rPr lang="en-US" sz="900" dirty="0" err="1" smtClean="0">
+                          <a:solidFill>
+                            <a:schemeClr val="tx1"/>
+                          </a:solidFill>
+                          <a:latin typeface="Monaco"/>
+                          <a:cs typeface="Monaco"/>
+                        </a:rPr>
+                        <a:t>vectr</a:t>
+                      </a:r>
+                      <a:r>
+                        <a:rPr lang="en-US" sz="900" dirty="0" smtClean="0">
+                          <a:solidFill>
+                            <a:schemeClr val="tx1"/>
+                          </a:solidFill>
+                          <a:latin typeface="Monaco"/>
+                          <a:cs typeface="Monaco"/>
+                        </a:rPr>
+                        <a:t>)</a:t>
                       </a:r>
                     </a:p>
                   </a:txBody>
@@ -7993,7 +8011,7 @@
                           <a:latin typeface="Helvetica"/>
                           <a:cs typeface="Helvetica"/>
                         </a:rPr>
-                        <a:t>Covariance</a:t>
+                        <a:t>Variance</a:t>
                       </a:r>
                     </a:p>
                   </a:txBody>
@@ -8071,7 +8089,7 @@
                           <a:latin typeface="Monaco"/>
                           <a:cs typeface="Monaco"/>
                         </a:rPr>
-                        <a:t>cov</a:t>
+                        <a:t>var</a:t>
                       </a:r>
                       <a:r>
                         <a:rPr lang="en-US" sz="900" dirty="0" smtClean="0">
@@ -8081,25 +8099,28 @@
                           <a:latin typeface="Monaco"/>
                           <a:cs typeface="Monaco"/>
                         </a:rPr>
-                        <a:t>(vectr1,</a:t>
-                      </a:r>
-                      <a:r>
-                        <a:rPr lang="en-US" sz="900" baseline="0" dirty="0" smtClean="0">
+                        <a:t>(</a:t>
+                      </a:r>
+                      <a:r>
+                        <a:rPr lang="en-US" sz="900" dirty="0" err="1" smtClean="0">
                           <a:solidFill>
                             <a:schemeClr val="tx1"/>
                           </a:solidFill>
                           <a:latin typeface="Monaco"/>
                           <a:cs typeface="Monaco"/>
                         </a:rPr>
-                        <a:t> vectr2)</a:t>
-                      </a:r>
-                      <a:endParaRPr lang="en-US" sz="900" dirty="0" smtClean="0">
-                        <a:solidFill>
-                          <a:schemeClr val="tx1"/>
-                        </a:solidFill>
-                        <a:latin typeface="Monaco"/>
-                        <a:cs typeface="Monaco"/>
-                      </a:endParaRPr>
+                        <a:t>vectr</a:t>
+                      </a:r>
+                      <a:r>
+                        <a:rPr lang="en-US" sz="900" dirty="0" smtClean="0">
+                          <a:solidFill>
+                            <a:schemeClr val="tx1"/>
+                          </a:solidFill>
+                          <a:latin typeface="Monaco"/>
+                          <a:cs typeface="Monaco"/>
+                        </a:rPr>
+                        <a:t>)</a:t>
+                      </a:r>
                     </a:p>
                   </a:txBody>
                   <a:tcPr>
@@ -8178,7 +8199,7 @@
                           <a:latin typeface="Helvetica"/>
                           <a:cs typeface="Helvetica"/>
                         </a:rPr>
-                        <a:t>T-Test</a:t>
+                        <a:t>Correlation</a:t>
                       </a:r>
                     </a:p>
                   </a:txBody>
@@ -8256,7 +8277,7 @@
                           <a:latin typeface="Monaco"/>
                           <a:cs typeface="Monaco"/>
                         </a:rPr>
-                        <a:t>t.test</a:t>
+                        <a:t>cor</a:t>
                       </a:r>
                       <a:r>
                         <a:rPr lang="en-US" sz="900" dirty="0" smtClean="0">
@@ -8266,64 +8287,8 @@
                           <a:latin typeface="Monaco"/>
                           <a:cs typeface="Monaco"/>
                         </a:rPr>
-                        <a:t>(y</a:t>
-                      </a:r>
-                      <a:r>
-                        <a:rPr lang="en-US" sz="900" baseline="0" dirty="0" smtClean="0">
-                          <a:solidFill>
-                            <a:schemeClr val="tx1"/>
-                          </a:solidFill>
-                          <a:latin typeface="Monaco"/>
-                          <a:cs typeface="Monaco"/>
-                        </a:rPr>
-                        <a:t> ~ x ,data)</a:t>
-                      </a:r>
-                    </a:p>
-                    <a:p>
-                      <a:pPr marL="0" marR="0" indent="0" algn="l" defTabSz="509352" rtl="0" eaLnBrk="1" fontAlgn="auto" latinLnBrk="0" hangingPunct="1">
-                        <a:lnSpc>
-                          <a:spcPct val="100000"/>
-                        </a:lnSpc>
-                        <a:spcBef>
-                          <a:spcPts val="0"/>
-                        </a:spcBef>
-                        <a:spcAft>
-                          <a:spcPts val="0"/>
-                        </a:spcAft>
-                        <a:buClrTx/>
-                        <a:buSzTx/>
-                        <a:buFontTx/>
-                        <a:buNone/>
-                        <a:tabLst/>
-                        <a:defRPr/>
-                      </a:pPr>
-                      <a:r>
-                        <a:rPr lang="en-US" sz="900" baseline="0" dirty="0" err="1" smtClean="0">
-                          <a:solidFill>
-                            <a:schemeClr val="tx1"/>
-                          </a:solidFill>
-                          <a:latin typeface="Monaco"/>
-                          <a:cs typeface="Monaco"/>
-                        </a:rPr>
-                        <a:t>t.test</a:t>
-                      </a:r>
-                      <a:r>
-                        <a:rPr lang="en-US" sz="900" baseline="0" dirty="0" smtClean="0">
-                          <a:solidFill>
-                            <a:schemeClr val="tx1"/>
-                          </a:solidFill>
-                          <a:latin typeface="Monaco"/>
-                          <a:cs typeface="Monaco"/>
-                        </a:rPr>
                         <a:t>(vectr1, vectr2)</a:t>
                       </a:r>
-                      <a:endParaRPr lang="en-US" sz="900" dirty="0" smtClean="0">
-                        <a:solidFill>
-                          <a:schemeClr val="tx1"/>
-                        </a:solidFill>
-                        <a:latin typeface="Monaco"/>
-                        <a:cs typeface="Monaco"/>
-                      </a:endParaRPr>
                     </a:p>
                   </a:txBody>
                   <a:tcPr>
@@ -8402,25 +8367,8 @@
                           <a:latin typeface="Helvetica"/>
                           <a:cs typeface="Helvetica"/>
                         </a:rPr>
-                        <a:t>Chi-squared</a:t>
-                      </a:r>
-                      <a:r>
-                        <a:rPr lang="en-US" sz="900" b="0" baseline="0" dirty="0" smtClean="0">
-                          <a:solidFill>
-                            <a:schemeClr val="tx1"/>
-                          </a:solidFill>
-                          <a:latin typeface="Helvetica"/>
-                          <a:cs typeface="Helvetica"/>
-                        </a:rPr>
-                        <a:t> test</a:t>
-                      </a:r>
-                      <a:endParaRPr lang="en-US" sz="900" b="0" dirty="0" smtClean="0">
-                        <a:solidFill>
-                          <a:schemeClr val="tx1"/>
-                        </a:solidFill>
-                        <a:latin typeface="Helvetica"/>
-                        <a:cs typeface="Helvetica"/>
-                      </a:endParaRPr>
+                        <a:t>Covariance</a:t>
+                      </a:r>
                     </a:p>
                   </a:txBody>
                   <a:tcPr>
@@ -8497,7 +8445,7 @@
                           <a:latin typeface="Monaco"/>
                           <a:cs typeface="Monaco"/>
                         </a:rPr>
-                        <a:t>chisq.test</a:t>
+                        <a:t>cov</a:t>
                       </a:r>
                       <a:r>
                         <a:rPr lang="en-US" sz="900" dirty="0" smtClean="0">
@@ -8507,8 +8455,25 @@
                           <a:latin typeface="Monaco"/>
                           <a:cs typeface="Monaco"/>
                         </a:rPr>
-                        <a:t>(table)</a:t>
-                      </a:r>
+                        <a:t>(vectr1,</a:t>
+                      </a:r>
+                      <a:r>
+                        <a:rPr lang="en-US" sz="900" baseline="0" dirty="0" smtClean="0">
+                          <a:solidFill>
+                            <a:schemeClr val="tx1"/>
+                          </a:solidFill>
+                          <a:latin typeface="Monaco"/>
+                          <a:cs typeface="Monaco"/>
+                        </a:rPr>
+                        <a:t> vectr2)</a:t>
+                      </a:r>
+                      <a:endParaRPr lang="en-US" sz="900" dirty="0" smtClean="0">
+                        <a:solidFill>
+                          <a:schemeClr val="tx1"/>
+                        </a:solidFill>
+                        <a:latin typeface="Monaco"/>
+                        <a:cs typeface="Monaco"/>
+                      </a:endParaRPr>
                     </a:p>
                   </a:txBody>
                   <a:tcPr>
@@ -8587,25 +8552,8 @@
                           <a:latin typeface="Helvetica"/>
                           <a:cs typeface="Helvetica"/>
                         </a:rPr>
-                        <a:t>Linear</a:t>
-                      </a:r>
-                      <a:r>
-                        <a:rPr lang="en-US" sz="900" b="0" baseline="0" dirty="0" smtClean="0">
-                          <a:solidFill>
-                            <a:schemeClr val="tx1"/>
-                          </a:solidFill>
-                          <a:latin typeface="Helvetica"/>
-                          <a:cs typeface="Helvetica"/>
-                        </a:rPr>
-                        <a:t> model</a:t>
-                      </a:r>
-                      <a:endParaRPr lang="en-US" sz="900" b="0" dirty="0" smtClean="0">
-                        <a:solidFill>
-                          <a:schemeClr val="tx1"/>
-                        </a:solidFill>
-                        <a:latin typeface="Helvetica"/>
-                        <a:cs typeface="Helvetica"/>
-                      </a:endParaRPr>
+                        <a:t>T-Test</a:t>
+                      </a:r>
                     </a:p>
                   </a:txBody>
                   <a:tcPr>
@@ -8675,6 +8623,16 @@
                         <a:defRPr/>
                       </a:pPr>
                       <a:r>
+                        <a:rPr lang="en-US" sz="900" dirty="0" err="1" smtClean="0">
+                          <a:solidFill>
+                            <a:schemeClr val="tx1"/>
+                          </a:solidFill>
+                          <a:latin typeface="Monaco"/>
+                          <a:cs typeface="Monaco"/>
+                        </a:rPr>
+                        <a:t>t.test</a:t>
+                      </a:r>
+                      <a:r>
                         <a:rPr lang="en-US" sz="900" dirty="0" smtClean="0">
                           <a:solidFill>
                             <a:schemeClr val="tx1"/>
@@ -8682,7 +8640,7 @@
                           <a:latin typeface="Monaco"/>
                           <a:cs typeface="Monaco"/>
                         </a:rPr>
-                        <a:t>lm(y</a:t>
+                        <a:t>(y</a:t>
                       </a:r>
                       <a:r>
                         <a:rPr lang="en-US" sz="900" baseline="0" dirty="0" smtClean="0">
@@ -8692,7 +8650,46 @@
                           <a:latin typeface="Monaco"/>
                           <a:cs typeface="Monaco"/>
                         </a:rPr>
-                        <a:t> ~ x, data)</a:t>
+                        <a:t> ~ x ,data)</a:t>
+                      </a:r>
+                    </a:p>
+                    <a:p>
+                      <a:pPr marL="0" marR="0" indent="0" algn="l" defTabSz="509352" rtl="0" eaLnBrk="1" fontAlgn="auto" latinLnBrk="0" hangingPunct="1">
+                        <a:lnSpc>
+                          <a:spcPct val="100000"/>
+                        </a:lnSpc>
+                        <a:spcBef>
+                          <a:spcPts val="0"/>
+                        </a:spcBef>
+                        <a:spcAft>
+                          <a:spcPts val="0"/>
+                        </a:spcAft>
+                        <a:buClrTx/>
+                        <a:buSzTx/>
+                        <a:buFontTx/>
+                        <a:buNone/>
+                        <a:tabLst/>
+                        <a:defRPr/>
+                      </a:pPr>
+                      <a:r>
+                        <a:rPr lang="en-US" sz="900" baseline="0" dirty="0" err="1" smtClean="0">
+                          <a:solidFill>
+                            <a:schemeClr val="tx1"/>
+                          </a:solidFill>
+                          <a:latin typeface="Monaco"/>
+                          <a:cs typeface="Monaco"/>
+                        </a:rPr>
+                        <a:t>t.test</a:t>
+                      </a:r>
+                      <a:r>
+                        <a:rPr lang="en-US" sz="900" baseline="0" dirty="0" smtClean="0">
+                          <a:solidFill>
+                            <a:schemeClr val="tx1"/>
+                          </a:solidFill>
+                          <a:latin typeface="Monaco"/>
+                          <a:cs typeface="Monaco"/>
+                        </a:rPr>
+                        <a:t>(vectr1, vectr2)</a:t>
                       </a:r>
                       <a:endParaRPr lang="en-US" sz="900" dirty="0" smtClean="0">
                         <a:solidFill>
@@ -8779,7 +8776,7 @@
                           <a:latin typeface="Helvetica"/>
                           <a:cs typeface="Helvetica"/>
                         </a:rPr>
-                        <a:t>Logistic</a:t>
+                        <a:t>Chi-squared</a:t>
                       </a:r>
                       <a:r>
                         <a:rPr lang="en-US" sz="900" b="0" baseline="0" dirty="0" smtClean="0">
@@ -8789,7 +8786,7 @@
                           <a:latin typeface="Helvetica"/>
                           <a:cs typeface="Helvetica"/>
                         </a:rPr>
-                        <a:t> regression</a:t>
+                        <a:t> test</a:t>
                       </a:r>
                       <a:endParaRPr lang="en-US" sz="900" b="0" dirty="0" smtClean="0">
                         <a:solidFill>
@@ -8874,7 +8871,7 @@
                           <a:latin typeface="Monaco"/>
                           <a:cs typeface="Monaco"/>
                         </a:rPr>
-                        <a:t>glm</a:t>
+                        <a:t>chisq.test</a:t>
                       </a:r>
                       <a:r>
                         <a:rPr lang="en-US" sz="900" dirty="0" smtClean="0">
@@ -8884,7 +8881,7 @@
                           <a:latin typeface="Monaco"/>
                           <a:cs typeface="Monaco"/>
                         </a:rPr>
-                        <a:t>(y ~ x, family = “binomial”)</a:t>
+                        <a:t>(table)</a:t>
                       </a:r>
                     </a:p>
                   </a:txBody>
@@ -8964,17 +8961,7 @@
                           <a:latin typeface="Helvetica"/>
                           <a:cs typeface="Helvetica"/>
                         </a:rPr>
-                        <a:t>Mixed-effects</a:t>
-                      </a:r>
-                      <a:r>
-                        <a:rPr lang="en-US" sz="900" b="0" baseline="0" dirty="0" smtClean="0">
-                          <a:solidFill>
-                            <a:schemeClr val="tx1"/>
-                          </a:solidFill>
-                          <a:latin typeface="Helvetica"/>
-                          <a:cs typeface="Helvetica"/>
-                        </a:rPr>
-                        <a:t> model</a:t>
+                        <a:t>ANOVA</a:t>
                       </a:r>
                       <a:endParaRPr lang="en-US" sz="900" b="0" dirty="0" smtClean="0">
                         <a:solidFill>
@@ -9013,7 +9000,7 @@
                       <a:headEnd type="none" w="med" len="med"/>
                       <a:tailEnd type="none" w="med" len="med"/>
                     </a:lnT>
-                    <a:lnB w="76200" cap="flat" cmpd="sng" algn="ctr">
+                    <a:lnB w="12700" cap="flat" cmpd="sng" algn="ctr">
                       <a:solidFill>
                         <a:prstClr val="white"/>
                       </a:solidFill>
@@ -9059,7 +9046,7 @@
                           <a:latin typeface="Monaco"/>
                           <a:cs typeface="Monaco"/>
                         </a:rPr>
-                        <a:t>lmer</a:t>
+                        <a:t>aov</a:t>
                       </a:r>
                       <a:r>
                         <a:rPr lang="en-US" sz="900" dirty="0" smtClean="0">
@@ -9069,37 +9056,36 @@
                           <a:latin typeface="Monaco"/>
                           <a:cs typeface="Monaco"/>
                         </a:rPr>
-                        <a:t>(y ~ x +</a:t>
-                      </a:r>
-                      <a:r>
-                        <a:rPr lang="en-US" sz="900" baseline="0" dirty="0" smtClean="0">
+                        <a:t>(y ~ x, data = d)</a:t>
+                      </a:r>
+                    </a:p>
+                    <a:p>
+                      <a:pPr marL="0" marR="0" indent="0" algn="l" defTabSz="509352" rtl="0" eaLnBrk="1" fontAlgn="auto" latinLnBrk="0" hangingPunct="1">
+                        <a:lnSpc>
+                          <a:spcPct val="100000"/>
+                        </a:lnSpc>
+                        <a:spcBef>
+                          <a:spcPts val="0"/>
+                        </a:spcBef>
+                        <a:spcAft>
+                          <a:spcPts val="0"/>
+                        </a:spcAft>
+                        <a:buClrTx/>
+                        <a:buSzTx/>
+                        <a:buFontTx/>
+                        <a:buNone/>
+                        <a:tabLst/>
+                        <a:defRPr/>
+                      </a:pPr>
+                      <a:r>
+                        <a:rPr lang="en-US" sz="900" dirty="0" smtClean="0">
                           <a:solidFill>
                             <a:schemeClr val="tx1"/>
                           </a:solidFill>
                           <a:latin typeface="Monaco"/>
                           <a:cs typeface="Monaco"/>
                         </a:rPr>
-                        <a:t> (</a:t>
-                      </a:r>
-                      <a:r>
-                        <a:rPr lang="en-US" sz="900" baseline="0" dirty="0" err="1" smtClean="0">
-                          <a:solidFill>
-                            <a:schemeClr val="tx1"/>
-                          </a:solidFill>
-                          <a:latin typeface="Monaco"/>
-                          <a:cs typeface="Monaco"/>
-                        </a:rPr>
-                        <a:t>int|slope</a:t>
-                      </a:r>
-                      <a:r>
-                        <a:rPr lang="en-US" sz="900" baseline="0" dirty="0" smtClean="0">
-                          <a:solidFill>
-                            <a:schemeClr val="tx1"/>
-                          </a:solidFill>
-                          <a:latin typeface="Monaco"/>
-                          <a:cs typeface="Monaco"/>
-                        </a:rPr>
-                        <a:t>), data)</a:t>
+                        <a:t>lm(y ~ x, data)</a:t>
                       </a:r>
                       <a:endParaRPr lang="en-US" sz="900" dirty="0" smtClean="0">
                         <a:solidFill>
@@ -9138,7 +9124,7 @@
                       <a:headEnd type="none" w="med" len="med"/>
                       <a:tailEnd type="none" w="med" len="med"/>
                     </a:lnT>
-                    <a:lnB w="76200" cap="flat" cmpd="sng" algn="ctr">
+                    <a:lnB w="12700" cap="flat" cmpd="sng" algn="ctr">
                       <a:solidFill>
                         <a:prstClr val="white"/>
                       </a:solidFill>
@@ -9167,7 +9153,7 @@
         </p:nvSpPr>
         <p:spPr>
           <a:xfrm rot="16200000">
-            <a:off x="4418230" y="4270732"/>
+            <a:off x="4418230" y="4364315"/>
             <a:ext cx="526619" cy="246221"/>
           </a:xfrm>
           <a:prstGeom prst="rect">
@@ -9293,7 +9279,7 @@
         </p:nvSpPr>
         <p:spPr>
           <a:xfrm rot="16200000">
-            <a:off x="4072614" y="5408915"/>
+            <a:off x="4072614" y="5689664"/>
             <a:ext cx="1217851" cy="246221"/>
           </a:xfrm>
           <a:prstGeom prst="rect">
@@ -9335,7 +9321,7 @@
         </p:nvSpPr>
         <p:spPr>
           <a:xfrm rot="16200000">
-            <a:off x="4313969" y="7731584"/>
+            <a:off x="4313969" y="7958857"/>
             <a:ext cx="754859" cy="246221"/>
           </a:xfrm>
           <a:prstGeom prst="rect">
@@ -11364,94 +11350,6 @@
           </a:p>
         </p:txBody>
       </p:sp>
-      <p:sp>
-        <p:nvSpPr>
-          <p:cNvPr id="3" name="Rectangle 2"/>
-          <p:cNvSpPr/>
-          <p:nvPr/>
-        </p:nvSpPr>
-        <p:spPr>
-          <a:xfrm>
-            <a:off x="5650828" y="6140951"/>
-            <a:ext cx="1889028" cy="730221"/>
-          </a:xfrm>
-          <a:prstGeom prst="rect">
-            <a:avLst/>
-          </a:prstGeom>
-        </p:spPr>
-        <p:style>
-          <a:lnRef idx="1">
-            <a:schemeClr val="accent1"/>
-          </a:lnRef>
-          <a:fillRef idx="3">
-            <a:schemeClr val="accent1"/>
-          </a:fillRef>
-          <a:effectRef idx="2">
-            <a:schemeClr val="accent1"/>
-          </a:effectRef>
-          <a:fontRef idx="minor">
-            <a:schemeClr val="lt1"/>
-          </a:fontRef>
-        </p:style>
-        <p:txBody>
-          <a:bodyPr rtlCol="0" anchor="ctr"/>
-          <a:lstStyle/>
-          <a:p>
-            <a:pPr algn="ctr"/>
-            <a:r>
-              <a:rPr lang="en-US" dirty="0" smtClean="0"/>
-              <a:t>Missing ANOVA, </a:t>
-            </a:r>
-            <a:r>
-              <a:rPr lang="en-US" dirty="0" smtClean="0"/>
-              <a:t>length, %in%</a:t>
-            </a:r>
-            <a:endParaRPr lang="en-US" dirty="0"/>
-          </a:p>
-        </p:txBody>
-      </p:sp>
-      <p:sp>
-        <p:nvSpPr>
-          <p:cNvPr id="16" name="Rectangle 15"/>
-          <p:cNvSpPr/>
-          <p:nvPr/>
-        </p:nvSpPr>
-        <p:spPr>
-          <a:xfrm>
-            <a:off x="6257774" y="8633703"/>
-            <a:ext cx="2151324" cy="1171489"/>
-          </a:xfrm>
-          <a:prstGeom prst="rect">
-            <a:avLst/>
-          </a:prstGeom>
-        </p:spPr>
-        <p:style>
-          <a:lnRef idx="1">
-            <a:schemeClr val="accent1"/>
-          </a:lnRef>
-          <a:fillRef idx="3">
-            <a:schemeClr val="accent1"/>
-          </a:fillRef>
-          <a:effectRef idx="2">
-            <a:schemeClr val="accent1"/>
-          </a:effectRef>
-          <a:fontRef idx="minor">
-            <a:schemeClr val="lt1"/>
-          </a:fontRef>
-        </p:style>
-        <p:txBody>
-          <a:bodyPr rtlCol="0" anchor="ctr"/>
-          <a:lstStyle/>
-          <a:p>
-            <a:pPr algn="ctr"/>
-            <a:r>
-              <a:rPr lang="en-US" dirty="0" smtClean="0"/>
-              <a:t>Move model commands to a different section?</a:t>
-            </a:r>
-            <a:endParaRPr lang="en-US" dirty="0"/>
-          </a:p>
-        </p:txBody>
-      </p:sp>
     </p:spTree>
     <p:extLst>
       <p:ext uri="{BB962C8B-B14F-4D97-AF65-F5344CB8AC3E}">
@@ -11491,19 +11389,70 @@
       </p:grpSpPr>
       <p:sp>
         <p:nvSpPr>
-          <p:cNvPr id="13" name="Rectangle 12"/>
+          <p:cNvPr id="8" name="Rectangle 7"/>
           <p:cNvSpPr/>
           <p:nvPr/>
         </p:nvSpPr>
         <p:spPr>
           <a:xfrm>
-            <a:off x="228600" y="230904"/>
-            <a:ext cx="3547872" cy="9644117"/>
+            <a:off x="270354" y="230904"/>
+            <a:ext cx="3541112" cy="226295"/>
           </a:xfrm>
           <a:prstGeom prst="rect">
             <a:avLst/>
           </a:prstGeom>
-          <a:ln w="12700" cmpd="sng">
+        </p:spPr>
+        <p:style>
+          <a:lnRef idx="2">
+            <a:schemeClr val="dk1">
+              <a:shade val="50000"/>
+            </a:schemeClr>
+          </a:lnRef>
+          <a:fillRef idx="1">
+            <a:schemeClr val="dk1"/>
+          </a:fillRef>
+          <a:effectRef idx="0">
+            <a:schemeClr val="dk1"/>
+          </a:effectRef>
+          <a:fontRef idx="minor">
+            <a:schemeClr val="lt1"/>
+          </a:fontRef>
+        </p:style>
+        <p:txBody>
+          <a:bodyPr rtlCol="0" anchor="ctr"/>
+          <a:lstStyle/>
+          <a:p>
+            <a:pPr algn="ctr"/>
+            <a:r>
+              <a:rPr lang="en-US" sz="1200" b="1" dirty="0" smtClean="0">
+                <a:latin typeface="Helvetica"/>
+                <a:cs typeface="Helvetica"/>
+              </a:rPr>
+              <a:t>More statistics</a:t>
+            </a:r>
+            <a:endParaRPr lang="en-US" sz="1200" b="1" dirty="0">
+              <a:latin typeface="Helvetica"/>
+              <a:cs typeface="Helvetica"/>
+            </a:endParaRPr>
+          </a:p>
+        </p:txBody>
+      </p:sp>
+      <p:sp>
+        <p:nvSpPr>
+          <p:cNvPr id="2" name="TextBox 1"/>
+          <p:cNvSpPr txBox="1"/>
+          <p:nvPr/>
+        </p:nvSpPr>
+        <p:spPr>
+          <a:xfrm>
+            <a:off x="270354" y="457199"/>
+            <a:ext cx="3541112" cy="3762569"/>
+          </a:xfrm>
+          <a:prstGeom prst="rect">
+            <a:avLst/>
+          </a:prstGeom>
+          <a:noFill/>
+          <a:ln>
             <a:solidFill>
               <a:schemeClr val="bg1">
                 <a:lumMod val="65000"/>
@@ -11511,18 +11460,1396 @@
             </a:solidFill>
           </a:ln>
         </p:spPr>
+        <p:txBody>
+          <a:bodyPr wrap="square" rtlCol="0">
+            <a:spAutoFit/>
+          </a:bodyPr>
+          <a:lstStyle/>
+          <a:p>
+            <a:r>
+              <a:rPr lang="en-US" sz="1000" b="1" dirty="0" smtClean="0">
+                <a:latin typeface="Helvetica"/>
+                <a:cs typeface="Helvetica"/>
+              </a:rPr>
+              <a:t>Sampling from distributions</a:t>
+            </a:r>
+          </a:p>
+          <a:p>
+            <a:r>
+              <a:rPr lang="en-US" sz="1000" dirty="0" smtClean="0">
+                <a:latin typeface="Helvetica"/>
+                <a:cs typeface="Helvetica"/>
+              </a:rPr>
+              <a:t>For the commands below, use </a:t>
+            </a:r>
+            <a:r>
+              <a:rPr lang="en-US" sz="1000" dirty="0" smtClean="0">
+                <a:latin typeface="Monaco"/>
+                <a:cs typeface="Monaco"/>
+              </a:rPr>
+              <a:t>norm</a:t>
+            </a:r>
+            <a:r>
+              <a:rPr lang="en-US" sz="1000" dirty="0" smtClean="0">
+                <a:latin typeface="Helvetica"/>
+                <a:cs typeface="Helvetica"/>
+              </a:rPr>
+              <a:t> to sample from the normal distribution with mean 0 and </a:t>
+            </a:r>
+            <a:r>
+              <a:rPr lang="en-US" sz="1000" dirty="0" err="1" smtClean="0">
+                <a:latin typeface="Helvetica"/>
+                <a:cs typeface="Helvetica"/>
+              </a:rPr>
+              <a:t>s.d.</a:t>
+            </a:r>
+            <a:r>
+              <a:rPr lang="en-US" sz="1000" dirty="0" smtClean="0">
+                <a:latin typeface="Helvetica"/>
+                <a:cs typeface="Helvetica"/>
+              </a:rPr>
+              <a:t> 1, or substitute </a:t>
+            </a:r>
+            <a:r>
+              <a:rPr lang="en-US" sz="1000" dirty="0" smtClean="0">
+                <a:latin typeface="Monaco"/>
+                <a:cs typeface="Monaco"/>
+              </a:rPr>
+              <a:t>norm</a:t>
+            </a:r>
+            <a:r>
+              <a:rPr lang="en-US" sz="1000" dirty="0" smtClean="0">
+                <a:latin typeface="Helvetica"/>
+                <a:cs typeface="Helvetica"/>
+              </a:rPr>
+              <a:t> with the name of another distribution.</a:t>
+            </a:r>
+          </a:p>
+          <a:p>
+            <a:endParaRPr lang="en-US" sz="1000" dirty="0" smtClean="0">
+              <a:latin typeface="Helvetica"/>
+              <a:cs typeface="Helvetica"/>
+            </a:endParaRPr>
+          </a:p>
+          <a:p>
+            <a:pPr>
+              <a:tabLst>
+                <a:tab pos="3314700" algn="r"/>
+              </a:tabLst>
+            </a:pPr>
+            <a:r>
+              <a:rPr lang="en-US" sz="1000" dirty="0" smtClean="0">
+                <a:latin typeface="Helvetica"/>
+                <a:cs typeface="Helvetica"/>
+              </a:rPr>
+              <a:t>View all available distributions 	</a:t>
+            </a:r>
+            <a:r>
+              <a:rPr lang="en-US" sz="1000" dirty="0" smtClean="0">
+                <a:latin typeface="Monaco"/>
+                <a:cs typeface="Monaco"/>
+              </a:rPr>
+              <a:t>?Distributions</a:t>
+            </a:r>
+          </a:p>
+          <a:p>
+            <a:pPr>
+              <a:tabLst>
+                <a:tab pos="3314700" algn="r"/>
+              </a:tabLst>
+            </a:pPr>
+            <a:r>
+              <a:rPr lang="en-US" sz="1000" dirty="0" smtClean="0">
+                <a:latin typeface="Helvetica"/>
+                <a:cs typeface="Helvetica"/>
+              </a:rPr>
+              <a:t>Get probability of </a:t>
+            </a:r>
+            <a:r>
+              <a:rPr lang="en-US" sz="1000" dirty="0" err="1" smtClean="0">
+                <a:latin typeface="Helvetica"/>
+                <a:cs typeface="Helvetica"/>
+              </a:rPr>
+              <a:t>quantile</a:t>
+            </a:r>
+            <a:r>
+              <a:rPr lang="en-US" sz="1000" dirty="0" smtClean="0">
+                <a:latin typeface="Helvetica"/>
+                <a:cs typeface="Helvetica"/>
+              </a:rPr>
+              <a:t> x</a:t>
+            </a:r>
+            <a:r>
+              <a:rPr lang="en-US" sz="1000" baseline="30000" dirty="0" smtClean="0">
+                <a:latin typeface="Helvetica"/>
+                <a:cs typeface="Helvetica"/>
+              </a:rPr>
+              <a:t>[1] </a:t>
+            </a:r>
+            <a:r>
+              <a:rPr lang="en-US" sz="1000" dirty="0" smtClean="0">
+                <a:latin typeface="Helvetica"/>
+                <a:cs typeface="Helvetica"/>
+              </a:rPr>
+              <a:t>	</a:t>
+            </a:r>
+            <a:r>
+              <a:rPr lang="en-US" sz="1000" dirty="0" err="1" smtClean="0">
+                <a:latin typeface="Monaco"/>
+                <a:cs typeface="Monaco"/>
+              </a:rPr>
+              <a:t>pnorm</a:t>
+            </a:r>
+            <a:r>
+              <a:rPr lang="en-US" sz="1000" dirty="0" smtClean="0">
+                <a:latin typeface="Monaco"/>
+                <a:cs typeface="Monaco"/>
+              </a:rPr>
+              <a:t>(x)</a:t>
+            </a:r>
+            <a:endParaRPr lang="en-US" sz="1000" dirty="0">
+              <a:latin typeface="Monaco"/>
+              <a:cs typeface="Monaco"/>
+            </a:endParaRPr>
+          </a:p>
+          <a:p>
+            <a:pPr>
+              <a:tabLst>
+                <a:tab pos="3314700" algn="r"/>
+              </a:tabLst>
+            </a:pPr>
+            <a:r>
+              <a:rPr lang="en-US" sz="1000" dirty="0" smtClean="0">
+                <a:latin typeface="Helvetica"/>
+                <a:cs typeface="Helvetica"/>
+              </a:rPr>
+              <a:t>Get </a:t>
+            </a:r>
+            <a:r>
+              <a:rPr lang="en-US" sz="1000" dirty="0" err="1" smtClean="0">
+                <a:latin typeface="Helvetica"/>
+                <a:cs typeface="Helvetica"/>
+              </a:rPr>
+              <a:t>quantile</a:t>
+            </a:r>
+            <a:r>
+              <a:rPr lang="en-US" sz="1000" dirty="0" smtClean="0">
+                <a:latin typeface="Helvetica"/>
+                <a:cs typeface="Helvetica"/>
+              </a:rPr>
+              <a:t> with probability </a:t>
+            </a:r>
+            <a:r>
+              <a:rPr lang="en-US" sz="1000" dirty="0" smtClean="0">
+                <a:latin typeface="Monaco"/>
+                <a:cs typeface="Monaco"/>
+              </a:rPr>
+              <a:t>p</a:t>
+            </a:r>
+            <a:r>
+              <a:rPr lang="en-US" sz="1000" baseline="30000" dirty="0" smtClean="0">
+                <a:latin typeface="Helvetica"/>
+                <a:cs typeface="Helvetica"/>
+              </a:rPr>
+              <a:t>[1]</a:t>
+            </a:r>
+            <a:r>
+              <a:rPr lang="en-US" sz="1000" dirty="0" smtClean="0">
+                <a:latin typeface="Helvetica"/>
+                <a:cs typeface="Helvetica"/>
+              </a:rPr>
+              <a:t>	</a:t>
+            </a:r>
+            <a:r>
+              <a:rPr lang="en-US" sz="1000" dirty="0" err="1" smtClean="0">
+                <a:latin typeface="Monaco"/>
+                <a:cs typeface="Monaco"/>
+              </a:rPr>
+              <a:t>qnorm</a:t>
+            </a:r>
+            <a:r>
+              <a:rPr lang="en-US" sz="1000" dirty="0" smtClean="0">
+                <a:latin typeface="Monaco"/>
+                <a:cs typeface="Monaco"/>
+              </a:rPr>
+              <a:t>(p)</a:t>
+            </a:r>
+          </a:p>
+          <a:p>
+            <a:pPr>
+              <a:tabLst>
+                <a:tab pos="3314700" algn="r"/>
+              </a:tabLst>
+            </a:pPr>
+            <a:r>
+              <a:rPr lang="en-US" sz="1000" dirty="0" smtClean="0">
+                <a:latin typeface="Helvetica"/>
+                <a:cs typeface="Helvetica"/>
+              </a:rPr>
+              <a:t>Get </a:t>
+            </a:r>
+            <a:r>
+              <a:rPr lang="en-US" sz="1000" dirty="0" smtClean="0">
+                <a:latin typeface="Monaco"/>
+                <a:cs typeface="Monaco"/>
+              </a:rPr>
+              <a:t>n</a:t>
+            </a:r>
+            <a:r>
+              <a:rPr lang="en-US" sz="1000" dirty="0" smtClean="0">
+                <a:latin typeface="Helvetica"/>
+                <a:cs typeface="Helvetica"/>
+              </a:rPr>
+              <a:t> samples from distribution	</a:t>
+            </a:r>
+            <a:r>
+              <a:rPr lang="en-US" sz="1000" dirty="0" err="1" smtClean="0">
+                <a:latin typeface="Monaco"/>
+                <a:cs typeface="Monaco"/>
+              </a:rPr>
+              <a:t>rnorm</a:t>
+            </a:r>
+            <a:r>
+              <a:rPr lang="en-US" sz="1000" dirty="0" smtClean="0">
+                <a:latin typeface="Monaco"/>
+                <a:cs typeface="Monaco"/>
+              </a:rPr>
+              <a:t>(n)</a:t>
+            </a:r>
+          </a:p>
+          <a:p>
+            <a:pPr>
+              <a:tabLst>
+                <a:tab pos="3314700" algn="r"/>
+              </a:tabLst>
+            </a:pPr>
+            <a:endParaRPr lang="en-US" sz="1000" b="1" dirty="0" smtClean="0">
+              <a:latin typeface="Helvetica"/>
+              <a:cs typeface="Helvetica"/>
+            </a:endParaRPr>
+          </a:p>
+          <a:p>
+            <a:pPr>
+              <a:tabLst>
+                <a:tab pos="3314700" algn="r"/>
+              </a:tabLst>
+            </a:pPr>
+            <a:r>
+              <a:rPr lang="en-US" sz="900" dirty="0" smtClean="0">
+                <a:latin typeface="Helvetica"/>
+                <a:cs typeface="Helvetica"/>
+              </a:rPr>
+              <a:t>[1] By default, </a:t>
+            </a:r>
+            <a:r>
+              <a:rPr lang="en-US" sz="900" dirty="0" err="1" smtClean="0">
+                <a:latin typeface="Monaco"/>
+                <a:cs typeface="Monaco"/>
+              </a:rPr>
+              <a:t>pnorm</a:t>
+            </a:r>
+            <a:r>
+              <a:rPr lang="en-US" sz="900" dirty="0" smtClean="0">
+                <a:latin typeface="Monaco"/>
+                <a:cs typeface="Monaco"/>
+              </a:rPr>
+              <a:t>(x)</a:t>
+            </a:r>
+            <a:r>
+              <a:rPr lang="en-US" sz="900" dirty="0" smtClean="0">
+                <a:latin typeface="Helvetica"/>
+                <a:cs typeface="Helvetica"/>
+              </a:rPr>
+              <a:t> will return P(X ≤ x), the probability of drawing values that are less than or equal to </a:t>
+            </a:r>
+            <a:r>
+              <a:rPr lang="en-US" sz="900" dirty="0" smtClean="0">
+                <a:latin typeface="Monaco"/>
+                <a:cs typeface="Monaco"/>
+              </a:rPr>
+              <a:t>x</a:t>
+            </a:r>
+            <a:r>
+              <a:rPr lang="en-US" sz="900" dirty="0" smtClean="0">
+                <a:latin typeface="Helvetica"/>
+                <a:cs typeface="Helvetica"/>
+              </a:rPr>
+              <a:t>, and </a:t>
+            </a:r>
+            <a:r>
+              <a:rPr lang="en-US" sz="900" dirty="0" err="1" smtClean="0">
+                <a:latin typeface="Monaco"/>
+                <a:cs typeface="Monaco"/>
+              </a:rPr>
+              <a:t>qnorm</a:t>
+            </a:r>
+            <a:r>
+              <a:rPr lang="en-US" sz="900" dirty="0" smtClean="0">
+                <a:latin typeface="Monaco"/>
+                <a:cs typeface="Monaco"/>
+              </a:rPr>
+              <a:t>(p)</a:t>
+            </a:r>
+            <a:r>
+              <a:rPr lang="en-US" sz="900" dirty="0" smtClean="0">
+                <a:latin typeface="Helvetica"/>
+                <a:cs typeface="Helvetica"/>
+              </a:rPr>
+              <a:t> will return some x that satisfies P(X </a:t>
+            </a:r>
+            <a:r>
+              <a:rPr lang="en-US" sz="900" dirty="0">
+                <a:latin typeface="Helvetica"/>
+                <a:cs typeface="Helvetica"/>
+              </a:rPr>
+              <a:t>≤ </a:t>
+            </a:r>
+            <a:r>
+              <a:rPr lang="en-US" sz="900" dirty="0" smtClean="0">
+                <a:latin typeface="Helvetica"/>
+                <a:cs typeface="Helvetica"/>
+              </a:rPr>
+              <a:t> x) = p . To instead compute P(X &gt; x), use </a:t>
+            </a:r>
+            <a:r>
+              <a:rPr lang="en-US" sz="900" dirty="0" err="1" smtClean="0">
+                <a:latin typeface="Monaco"/>
+                <a:cs typeface="Monaco"/>
+              </a:rPr>
+              <a:t>pnorm</a:t>
+            </a:r>
+            <a:r>
+              <a:rPr lang="en-US" sz="900" dirty="0" smtClean="0">
+                <a:latin typeface="Monaco"/>
+                <a:cs typeface="Monaco"/>
+              </a:rPr>
+              <a:t>(x, </a:t>
+            </a:r>
+            <a:r>
+              <a:rPr lang="en-US" sz="900" dirty="0" err="1" smtClean="0">
+                <a:latin typeface="Monaco"/>
+                <a:cs typeface="Monaco"/>
+              </a:rPr>
+              <a:t>lower.tail</a:t>
+            </a:r>
+            <a:r>
+              <a:rPr lang="en-US" sz="900" dirty="0" smtClean="0">
+                <a:latin typeface="Monaco"/>
+                <a:cs typeface="Monaco"/>
+              </a:rPr>
+              <a:t> = FALSE)</a:t>
+            </a:r>
+            <a:r>
+              <a:rPr lang="en-US" sz="900" dirty="0" smtClean="0">
+                <a:latin typeface="Helvetica"/>
+                <a:cs typeface="Helvetica"/>
+              </a:rPr>
+              <a:t>.</a:t>
+            </a:r>
+            <a:endParaRPr lang="en-US" sz="900" dirty="0">
+              <a:latin typeface="Helvetica"/>
+              <a:cs typeface="Helvetica"/>
+            </a:endParaRPr>
+          </a:p>
+          <a:p>
+            <a:pPr>
+              <a:tabLst>
+                <a:tab pos="3314700" algn="r"/>
+              </a:tabLst>
+            </a:pPr>
+            <a:endParaRPr lang="en-US" sz="1000" b="1" dirty="0">
+              <a:latin typeface="Helvetica"/>
+              <a:cs typeface="Helvetica"/>
+            </a:endParaRPr>
+          </a:p>
+          <a:p>
+            <a:pPr>
+              <a:tabLst>
+                <a:tab pos="3314700" algn="r"/>
+              </a:tabLst>
+            </a:pPr>
+            <a:r>
+              <a:rPr lang="en-US" sz="1000" b="1" dirty="0" smtClean="0">
+                <a:latin typeface="Helvetica"/>
+                <a:cs typeface="Helvetica"/>
+              </a:rPr>
+              <a:t>Modeling datasets</a:t>
+            </a:r>
+          </a:p>
+          <a:p>
+            <a:pPr>
+              <a:spcAft>
+                <a:spcPts val="300"/>
+              </a:spcAft>
+              <a:tabLst>
+                <a:tab pos="3314700" algn="r"/>
+              </a:tabLst>
+            </a:pPr>
+            <a:r>
+              <a:rPr lang="en-US" sz="1000" dirty="0" smtClean="0">
+                <a:latin typeface="Helvetica"/>
+                <a:cs typeface="Helvetica"/>
+              </a:rPr>
+              <a:t>Simple linear model	</a:t>
+            </a:r>
+            <a:r>
+              <a:rPr lang="en-US" sz="1000" dirty="0" smtClean="0">
+                <a:latin typeface="Monaco"/>
+                <a:cs typeface="Monaco"/>
+              </a:rPr>
+              <a:t>lm</a:t>
+            </a:r>
+            <a:r>
+              <a:rPr lang="en-US" sz="1000" dirty="0">
+                <a:latin typeface="Monaco"/>
+                <a:cs typeface="Monaco"/>
+              </a:rPr>
+              <a:t>(y ~ x, data</a:t>
+            </a:r>
+            <a:r>
+              <a:rPr lang="en-US" sz="1000" dirty="0" smtClean="0">
+                <a:latin typeface="Monaco"/>
+                <a:cs typeface="Monaco"/>
+              </a:rPr>
+              <a:t>)</a:t>
+            </a:r>
+            <a:endParaRPr lang="en-US" sz="1000" dirty="0" smtClean="0">
+              <a:latin typeface="Helvetica"/>
+              <a:cs typeface="Helvetica"/>
+            </a:endParaRPr>
+          </a:p>
+          <a:p>
+            <a:pPr>
+              <a:spcAft>
+                <a:spcPts val="300"/>
+              </a:spcAft>
+              <a:tabLst>
+                <a:tab pos="3314700" algn="r"/>
+              </a:tabLst>
+            </a:pPr>
+            <a:r>
+              <a:rPr lang="en-US" sz="1000" dirty="0" smtClean="0">
+                <a:latin typeface="Helvetica"/>
+                <a:cs typeface="Helvetica"/>
+              </a:rPr>
+              <a:t>Logistic regression	</a:t>
+            </a:r>
+            <a:r>
+              <a:rPr lang="en-US" sz="1000" dirty="0" err="1" smtClean="0">
+                <a:latin typeface="Monaco"/>
+                <a:cs typeface="Monaco"/>
+              </a:rPr>
+              <a:t>glm</a:t>
+            </a:r>
+            <a:r>
+              <a:rPr lang="en-US" sz="1000" dirty="0">
+                <a:latin typeface="Monaco"/>
+                <a:cs typeface="Monaco"/>
+              </a:rPr>
+              <a:t>(y ~ x, </a:t>
+            </a:r>
+            <a:r>
+              <a:rPr lang="en-US" sz="1000" dirty="0" smtClean="0">
+                <a:latin typeface="Monaco"/>
+                <a:cs typeface="Monaco"/>
+              </a:rPr>
+              <a:t>data,</a:t>
+            </a:r>
+          </a:p>
+          <a:p>
+            <a:pPr>
+              <a:spcAft>
+                <a:spcPts val="300"/>
+              </a:spcAft>
+              <a:tabLst>
+                <a:tab pos="3314700" algn="r"/>
+              </a:tabLst>
+            </a:pPr>
+            <a:r>
+              <a:rPr lang="en-US" sz="1000" dirty="0">
+                <a:latin typeface="Monaco"/>
+                <a:cs typeface="Monaco"/>
+              </a:rPr>
+              <a:t>	</a:t>
+            </a:r>
+            <a:r>
+              <a:rPr lang="en-US" sz="1000" dirty="0" smtClean="0">
+                <a:latin typeface="Monaco"/>
+                <a:cs typeface="Monaco"/>
+              </a:rPr>
+              <a:t>family </a:t>
+            </a:r>
+            <a:r>
+              <a:rPr lang="en-US" sz="1000" dirty="0">
+                <a:latin typeface="Monaco"/>
+                <a:cs typeface="Monaco"/>
+              </a:rPr>
+              <a:t>= “binomial”</a:t>
+            </a:r>
+            <a:r>
+              <a:rPr lang="en-US" sz="1000" dirty="0" smtClean="0">
+                <a:latin typeface="Monaco"/>
+                <a:cs typeface="Monaco"/>
+              </a:rPr>
+              <a:t>)</a:t>
+            </a:r>
+            <a:endParaRPr lang="en-US" sz="1000" dirty="0" smtClean="0">
+              <a:latin typeface="Helvetica"/>
+              <a:cs typeface="Helvetica"/>
+            </a:endParaRPr>
+          </a:p>
+          <a:p>
+            <a:pPr>
+              <a:spcAft>
+                <a:spcPts val="300"/>
+              </a:spcAft>
+              <a:tabLst>
+                <a:tab pos="3314700" algn="r"/>
+              </a:tabLst>
+            </a:pPr>
+            <a:r>
+              <a:rPr lang="en-US" sz="1000" dirty="0" smtClean="0">
+                <a:latin typeface="Helvetica"/>
+                <a:cs typeface="Helvetica"/>
+              </a:rPr>
+              <a:t>Mixed-effects model	</a:t>
+            </a:r>
+            <a:r>
+              <a:rPr lang="en-US" sz="1000" dirty="0" err="1" smtClean="0">
+                <a:latin typeface="Monaco"/>
+                <a:cs typeface="Monaco"/>
+              </a:rPr>
+              <a:t>lmer</a:t>
+            </a:r>
+            <a:r>
+              <a:rPr lang="en-US" sz="1000" dirty="0">
+                <a:latin typeface="Monaco"/>
+                <a:cs typeface="Monaco"/>
+              </a:rPr>
+              <a:t>(y ~ x + (</a:t>
+            </a:r>
+            <a:r>
+              <a:rPr lang="en-US" sz="1000" dirty="0" err="1">
+                <a:latin typeface="Monaco"/>
+                <a:cs typeface="Monaco"/>
+              </a:rPr>
+              <a:t>int|slope</a:t>
+            </a:r>
+            <a:r>
+              <a:rPr lang="en-US" sz="1000" dirty="0">
+                <a:latin typeface="Monaco"/>
+                <a:cs typeface="Monaco"/>
+              </a:rPr>
+              <a:t>), </a:t>
+            </a:r>
+            <a:r>
+              <a:rPr lang="en-US" sz="1000" dirty="0" smtClean="0">
+                <a:latin typeface="Monaco"/>
+                <a:cs typeface="Monaco"/>
+              </a:rPr>
+              <a:t>	data </a:t>
+            </a:r>
+            <a:r>
+              <a:rPr lang="en-US" sz="1000" dirty="0">
+                <a:latin typeface="Monaco"/>
+                <a:cs typeface="Monaco"/>
+              </a:rPr>
+              <a:t>= </a:t>
+            </a:r>
+            <a:r>
+              <a:rPr lang="en-US" sz="1000" dirty="0" err="1">
+                <a:latin typeface="Monaco"/>
+                <a:cs typeface="Monaco"/>
+              </a:rPr>
+              <a:t>mydata</a:t>
+            </a:r>
+            <a:r>
+              <a:rPr lang="en-US" sz="1000" dirty="0" smtClean="0">
+                <a:latin typeface="Monaco"/>
+                <a:cs typeface="Monaco"/>
+              </a:rPr>
+              <a:t>)</a:t>
+            </a:r>
+          </a:p>
+          <a:p>
+            <a:pPr>
+              <a:spcAft>
+                <a:spcPts val="300"/>
+              </a:spcAft>
+              <a:tabLst>
+                <a:tab pos="3314700" algn="r"/>
+              </a:tabLst>
+            </a:pPr>
+            <a:r>
+              <a:rPr lang="en-US" sz="1000" dirty="0" smtClean="0">
+                <a:latin typeface="Helvetica"/>
+                <a:cs typeface="Helvetica"/>
+              </a:rPr>
+              <a:t>Summary of model	</a:t>
+            </a:r>
+            <a:r>
+              <a:rPr lang="en-US" sz="1000" dirty="0" smtClean="0">
+                <a:latin typeface="Monaco"/>
+                <a:cs typeface="Monaco"/>
+              </a:rPr>
+              <a:t>summary</a:t>
+            </a:r>
+            <a:r>
+              <a:rPr lang="en-US" sz="1000" dirty="0">
+                <a:latin typeface="Monaco"/>
+                <a:cs typeface="Monaco"/>
+              </a:rPr>
+              <a:t>(</a:t>
+            </a:r>
+            <a:r>
+              <a:rPr lang="en-US" sz="1000" dirty="0" err="1">
+                <a:latin typeface="Monaco"/>
+                <a:cs typeface="Monaco"/>
+              </a:rPr>
+              <a:t>mymodel</a:t>
+            </a:r>
+            <a:r>
+              <a:rPr lang="en-US" sz="1000" dirty="0" smtClean="0">
+                <a:latin typeface="Monaco"/>
+                <a:cs typeface="Monaco"/>
+              </a:rPr>
+              <a:t>)</a:t>
+            </a:r>
+          </a:p>
+          <a:p>
+            <a:pPr>
+              <a:spcAft>
+                <a:spcPts val="300"/>
+              </a:spcAft>
+              <a:tabLst>
+                <a:tab pos="3314700" algn="r"/>
+              </a:tabLst>
+            </a:pPr>
+            <a:r>
+              <a:rPr lang="en-US" sz="1000" dirty="0" smtClean="0">
+                <a:latin typeface="Helvetica"/>
+                <a:cs typeface="Helvetica"/>
+              </a:rPr>
+              <a:t>Compare model fits	</a:t>
+            </a:r>
+            <a:r>
+              <a:rPr lang="en-US" sz="1000" dirty="0" err="1" smtClean="0">
+                <a:latin typeface="Monaco"/>
+                <a:cs typeface="Monaco"/>
+              </a:rPr>
+              <a:t>anova</a:t>
+            </a:r>
+            <a:r>
+              <a:rPr lang="en-US" sz="1000" dirty="0" smtClean="0">
+                <a:latin typeface="Monaco"/>
+                <a:cs typeface="Monaco"/>
+              </a:rPr>
+              <a:t>(model1, model2)</a:t>
+            </a:r>
+            <a:endParaRPr lang="en-US" sz="1000" dirty="0">
+              <a:latin typeface="Monaco"/>
+              <a:cs typeface="Monaco"/>
+            </a:endParaRPr>
+          </a:p>
+        </p:txBody>
+      </p:sp>
+      <p:sp>
+        <p:nvSpPr>
+          <p:cNvPr id="18" name="TextBox 17"/>
+          <p:cNvSpPr txBox="1"/>
+          <p:nvPr/>
+        </p:nvSpPr>
+        <p:spPr>
+          <a:xfrm>
+            <a:off x="270354" y="4617575"/>
+            <a:ext cx="3541112" cy="5170646"/>
+          </a:xfrm>
+          <a:prstGeom prst="rect">
+            <a:avLst/>
+          </a:prstGeom>
+          <a:noFill/>
+          <a:ln>
+            <a:solidFill>
+              <a:srgbClr val="A6A6A6"/>
+            </a:solidFill>
+          </a:ln>
+        </p:spPr>
+        <p:txBody>
+          <a:bodyPr wrap="square" rtlCol="0">
+            <a:spAutoFit/>
+          </a:bodyPr>
+          <a:lstStyle/>
+          <a:p>
+            <a:r>
+              <a:rPr lang="en-US" sz="1000" b="1" dirty="0" smtClean="0">
+                <a:latin typeface="Helvetica"/>
+                <a:cs typeface="Helvetica"/>
+              </a:rPr>
+              <a:t>Comments</a:t>
+            </a:r>
+          </a:p>
+          <a:p>
+            <a:r>
+              <a:rPr lang="en-US" sz="1000" dirty="0" smtClean="0">
+                <a:solidFill>
+                  <a:srgbClr val="7F7F7F"/>
+                </a:solidFill>
+                <a:latin typeface="Monaco"/>
+                <a:cs typeface="Monaco"/>
+              </a:rPr>
+              <a:t>  # this is a comment! the computer will</a:t>
+            </a:r>
+          </a:p>
+          <a:p>
+            <a:r>
+              <a:rPr lang="en-US" sz="1000" dirty="0" smtClean="0">
+                <a:solidFill>
+                  <a:srgbClr val="7F7F7F"/>
+                </a:solidFill>
+                <a:latin typeface="Monaco"/>
+                <a:cs typeface="Monaco"/>
+              </a:rPr>
+              <a:t>  # ignore it, but the humans reading your </a:t>
+            </a:r>
+          </a:p>
+          <a:p>
+            <a:r>
+              <a:rPr lang="en-US" sz="1000" dirty="0" smtClean="0">
+                <a:solidFill>
+                  <a:srgbClr val="7F7F7F"/>
+                </a:solidFill>
+                <a:latin typeface="Monaco"/>
+                <a:cs typeface="Monaco"/>
+              </a:rPr>
+              <a:t>  # code will appreciate it. </a:t>
+            </a:r>
+            <a:endParaRPr lang="en-US" sz="1000" dirty="0">
+              <a:solidFill>
+                <a:srgbClr val="7F7F7F"/>
+              </a:solidFill>
+              <a:latin typeface="Helvetica"/>
+              <a:cs typeface="Helvetica"/>
+            </a:endParaRPr>
+          </a:p>
+          <a:p>
+            <a:endParaRPr lang="en-US" sz="1000" dirty="0">
+              <a:latin typeface="Helvetica"/>
+              <a:cs typeface="Helvetica"/>
+            </a:endParaRPr>
+          </a:p>
+          <a:p>
+            <a:r>
+              <a:rPr lang="en-US" sz="1000" b="1" dirty="0" smtClean="0">
+                <a:latin typeface="Helvetica"/>
+                <a:cs typeface="Helvetica"/>
+              </a:rPr>
+              <a:t>Defining functions</a:t>
+            </a:r>
+          </a:p>
+          <a:p>
+            <a:r>
+              <a:rPr lang="en-US" sz="1000" dirty="0" err="1" smtClean="0">
+                <a:latin typeface="Monaco"/>
+                <a:cs typeface="Monaco"/>
+              </a:rPr>
+              <a:t>myfunction</a:t>
+            </a:r>
+            <a:r>
+              <a:rPr lang="en-US" sz="1000" dirty="0" smtClean="0">
+                <a:latin typeface="Monaco"/>
+                <a:cs typeface="Monaco"/>
+              </a:rPr>
+              <a:t> &lt;- function(input1, input2, … ) {</a:t>
+            </a:r>
+          </a:p>
+          <a:p>
+            <a:pPr>
+              <a:tabLst>
+                <a:tab pos="227013" algn="l"/>
+              </a:tabLst>
+            </a:pPr>
+            <a:r>
+              <a:rPr lang="en-US" sz="1000" dirty="0" smtClean="0">
+                <a:latin typeface="Monaco"/>
+                <a:cs typeface="Monaco"/>
+              </a:rPr>
+              <a:t>	</a:t>
+            </a:r>
+            <a:r>
+              <a:rPr lang="en-US" sz="1000" i="1" dirty="0" smtClean="0">
+                <a:latin typeface="Monaco"/>
+                <a:cs typeface="Monaco"/>
+              </a:rPr>
+              <a:t>statements </a:t>
+            </a:r>
+            <a:endParaRPr lang="en-US" sz="1000" dirty="0">
+              <a:latin typeface="Monaco"/>
+              <a:cs typeface="Monaco"/>
+            </a:endParaRPr>
+          </a:p>
+          <a:p>
+            <a:pPr>
+              <a:tabLst>
+                <a:tab pos="227013" algn="l"/>
+              </a:tabLst>
+            </a:pPr>
+            <a:r>
+              <a:rPr lang="en-US" sz="1000" dirty="0" smtClean="0">
+                <a:latin typeface="Monaco"/>
+                <a:cs typeface="Monaco"/>
+              </a:rPr>
+              <a:t>	return(</a:t>
+            </a:r>
+            <a:r>
+              <a:rPr lang="en-US" sz="1000" i="1" dirty="0" smtClean="0">
+                <a:latin typeface="Monaco"/>
+                <a:cs typeface="Monaco"/>
+              </a:rPr>
+              <a:t>output</a:t>
+            </a:r>
+            <a:r>
+              <a:rPr lang="en-US" sz="1000" dirty="0" smtClean="0">
+                <a:latin typeface="Monaco"/>
+                <a:cs typeface="Monaco"/>
+              </a:rPr>
+              <a:t>)</a:t>
+            </a:r>
+          </a:p>
+          <a:p>
+            <a:r>
+              <a:rPr lang="en-US" sz="1000" dirty="0" smtClean="0">
+                <a:latin typeface="Monaco"/>
+                <a:cs typeface="Monaco"/>
+              </a:rPr>
+              <a:t>}</a:t>
+            </a:r>
+          </a:p>
+          <a:p>
+            <a:endParaRPr lang="en-US" sz="1000" dirty="0" smtClean="0">
+              <a:latin typeface="Helvetica"/>
+              <a:cs typeface="Helvetica"/>
+            </a:endParaRPr>
+          </a:p>
+          <a:p>
+            <a:r>
+              <a:rPr lang="en-US" sz="1000" b="1" dirty="0" smtClean="0">
+                <a:latin typeface="Helvetica"/>
+                <a:cs typeface="Helvetica"/>
+              </a:rPr>
+              <a:t>Control statements</a:t>
+            </a:r>
+          </a:p>
+          <a:p>
+            <a:r>
+              <a:rPr lang="en-US" sz="1000" dirty="0" smtClean="0">
+                <a:latin typeface="Helvetica"/>
+                <a:cs typeface="Helvetica"/>
+              </a:rPr>
+              <a:t>If-else statements:</a:t>
+            </a:r>
+          </a:p>
+          <a:p>
+            <a:r>
+              <a:rPr lang="en-US" sz="1000" dirty="0" smtClean="0">
+                <a:latin typeface="Monaco"/>
+                <a:cs typeface="Monaco"/>
+              </a:rPr>
+              <a:t>if (chk1) {</a:t>
+            </a:r>
+          </a:p>
+          <a:p>
+            <a:pPr>
+              <a:tabLst>
+                <a:tab pos="227013" algn="l"/>
+              </a:tabLst>
+            </a:pPr>
+            <a:r>
+              <a:rPr lang="en-US" sz="1000" dirty="0">
+                <a:solidFill>
+                  <a:schemeClr val="tx1">
+                    <a:lumMod val="50000"/>
+                    <a:lumOff val="50000"/>
+                  </a:schemeClr>
+                </a:solidFill>
+                <a:latin typeface="Monaco"/>
+                <a:cs typeface="Monaco"/>
+              </a:rPr>
+              <a:t> </a:t>
+            </a:r>
+            <a:r>
+              <a:rPr lang="en-US" sz="1000" dirty="0" smtClean="0">
+                <a:solidFill>
+                  <a:schemeClr val="tx1">
+                    <a:lumMod val="50000"/>
+                    <a:lumOff val="50000"/>
+                  </a:schemeClr>
+                </a:solidFill>
+                <a:latin typeface="Monaco"/>
+                <a:cs typeface="Monaco"/>
+              </a:rPr>
+              <a:t> # run this if chk1 is true</a:t>
+            </a:r>
+          </a:p>
+          <a:p>
+            <a:r>
+              <a:rPr lang="en-US" sz="1000" dirty="0" smtClean="0">
+                <a:latin typeface="Monaco"/>
+                <a:cs typeface="Monaco"/>
+              </a:rPr>
+              <a:t>} </a:t>
+            </a:r>
+            <a:r>
+              <a:rPr lang="en-US" sz="1000" dirty="0" err="1" smtClean="0">
+                <a:latin typeface="Monaco"/>
+                <a:cs typeface="Monaco"/>
+              </a:rPr>
+              <a:t>ifelse</a:t>
+            </a:r>
+            <a:r>
+              <a:rPr lang="en-US" sz="1000" dirty="0" smtClean="0">
+                <a:latin typeface="Monaco"/>
+                <a:cs typeface="Monaco"/>
+              </a:rPr>
+              <a:t> (chk2) {</a:t>
+            </a:r>
+          </a:p>
+          <a:p>
+            <a:pPr>
+              <a:tabLst>
+                <a:tab pos="227013" algn="l"/>
+              </a:tabLst>
+            </a:pPr>
+            <a:r>
+              <a:rPr lang="en-US" sz="1000" dirty="0">
+                <a:solidFill>
+                  <a:srgbClr val="7F7F7F"/>
+                </a:solidFill>
+                <a:latin typeface="Monaco"/>
+                <a:cs typeface="Monaco"/>
+              </a:rPr>
+              <a:t> </a:t>
+            </a:r>
+            <a:r>
+              <a:rPr lang="en-US" sz="1000" dirty="0" smtClean="0">
+                <a:solidFill>
+                  <a:srgbClr val="7F7F7F"/>
+                </a:solidFill>
+                <a:latin typeface="Monaco"/>
+                <a:cs typeface="Monaco"/>
+              </a:rPr>
+              <a:t> </a:t>
+            </a:r>
+            <a:r>
+              <a:rPr lang="en-US" sz="1000" dirty="0" smtClean="0">
+                <a:solidFill>
+                  <a:srgbClr val="7F7F7F"/>
+                </a:solidFill>
+                <a:latin typeface="Monaco"/>
+                <a:cs typeface="Monaco"/>
+              </a:rPr>
+              <a:t># run this if chk2, but not chk1, is true</a:t>
+            </a:r>
+          </a:p>
+          <a:p>
+            <a:r>
+              <a:rPr lang="en-US" sz="1000" dirty="0" smtClean="0">
+                <a:latin typeface="Monaco"/>
+                <a:cs typeface="Monaco"/>
+              </a:rPr>
+              <a:t>} else {</a:t>
+            </a:r>
+          </a:p>
+          <a:p>
+            <a:r>
+              <a:rPr lang="en-US" sz="1000" dirty="0">
+                <a:solidFill>
+                  <a:srgbClr val="7F7F7F"/>
+                </a:solidFill>
+                <a:latin typeface="Monaco"/>
+                <a:cs typeface="Monaco"/>
+              </a:rPr>
+              <a:t> </a:t>
+            </a:r>
+            <a:r>
+              <a:rPr lang="en-US" sz="1000" dirty="0" smtClean="0">
+                <a:solidFill>
+                  <a:srgbClr val="7F7F7F"/>
+                </a:solidFill>
+                <a:latin typeface="Monaco"/>
+                <a:cs typeface="Monaco"/>
+              </a:rPr>
+              <a:t> # if all else fails, run this</a:t>
+            </a:r>
+          </a:p>
+          <a:p>
+            <a:r>
+              <a:rPr lang="en-US" sz="1000" dirty="0">
+                <a:latin typeface="Monaco"/>
+                <a:cs typeface="Monaco"/>
+              </a:rPr>
+              <a:t>}</a:t>
+            </a:r>
+          </a:p>
+          <a:p>
+            <a:endParaRPr lang="en-US" sz="1000" b="1" dirty="0" smtClean="0">
+              <a:latin typeface="Helvetica"/>
+              <a:cs typeface="Helvetica"/>
+            </a:endParaRPr>
+          </a:p>
+          <a:p>
+            <a:r>
+              <a:rPr lang="en-US" sz="1000" dirty="0" smtClean="0">
+                <a:latin typeface="Helvetica"/>
+                <a:cs typeface="Helvetica"/>
+              </a:rPr>
+              <a:t>For loops:</a:t>
+            </a:r>
+          </a:p>
+          <a:p>
+            <a:r>
+              <a:rPr lang="en-US" sz="1000" dirty="0" smtClean="0">
+                <a:latin typeface="Monaco"/>
+                <a:cs typeface="Monaco"/>
+              </a:rPr>
+              <a:t>for (</a:t>
+            </a:r>
+            <a:r>
+              <a:rPr lang="en-US" sz="1000" i="1" dirty="0" smtClean="0">
+                <a:latin typeface="Monaco"/>
+                <a:cs typeface="Monaco"/>
+              </a:rPr>
+              <a:t>item </a:t>
+            </a:r>
+            <a:r>
+              <a:rPr lang="en-US" sz="1000" dirty="0" smtClean="0">
+                <a:latin typeface="Monaco"/>
+                <a:cs typeface="Monaco"/>
+              </a:rPr>
+              <a:t>in </a:t>
+            </a:r>
+            <a:r>
+              <a:rPr lang="en-US" sz="1000" i="1" dirty="0" smtClean="0">
+                <a:latin typeface="Monaco"/>
+                <a:cs typeface="Monaco"/>
+              </a:rPr>
+              <a:t>sequence</a:t>
+            </a:r>
+            <a:r>
+              <a:rPr lang="en-US" sz="1000" dirty="0" smtClean="0">
+                <a:latin typeface="Monaco"/>
+                <a:cs typeface="Monaco"/>
+              </a:rPr>
+              <a:t>) {</a:t>
+            </a:r>
+          </a:p>
+          <a:p>
+            <a:pPr>
+              <a:tabLst>
+                <a:tab pos="173038" algn="l"/>
+              </a:tabLst>
+            </a:pPr>
+            <a:r>
+              <a:rPr lang="en-US" sz="1000" dirty="0" smtClean="0">
+                <a:solidFill>
+                  <a:srgbClr val="7F7F7F"/>
+                </a:solidFill>
+                <a:latin typeface="Monaco"/>
+                <a:cs typeface="Monaco"/>
+              </a:rPr>
+              <a:t>	# carry out these same instructions for </a:t>
+            </a:r>
+          </a:p>
+          <a:p>
+            <a:pPr>
+              <a:tabLst>
+                <a:tab pos="173038" algn="l"/>
+              </a:tabLst>
+            </a:pPr>
+            <a:r>
+              <a:rPr lang="en-US" sz="1000" dirty="0">
+                <a:solidFill>
+                  <a:srgbClr val="7F7F7F"/>
+                </a:solidFill>
+                <a:latin typeface="Monaco"/>
+                <a:cs typeface="Monaco"/>
+              </a:rPr>
+              <a:t>	</a:t>
+            </a:r>
+            <a:r>
+              <a:rPr lang="en-US" sz="1000" dirty="0" smtClean="0">
+                <a:solidFill>
+                  <a:srgbClr val="7F7F7F"/>
+                </a:solidFill>
+                <a:latin typeface="Monaco"/>
+                <a:cs typeface="Monaco"/>
+              </a:rPr>
+              <a:t># each </a:t>
+            </a:r>
+            <a:r>
+              <a:rPr lang="en-US" sz="1000" i="1" dirty="0" smtClean="0">
+                <a:solidFill>
+                  <a:srgbClr val="7F7F7F"/>
+                </a:solidFill>
+                <a:latin typeface="Monaco"/>
+                <a:cs typeface="Monaco"/>
+              </a:rPr>
+              <a:t>item </a:t>
+            </a:r>
+            <a:r>
+              <a:rPr lang="en-US" sz="1000" dirty="0" smtClean="0">
+                <a:solidFill>
+                  <a:srgbClr val="7F7F7F"/>
+                </a:solidFill>
+                <a:latin typeface="Monaco"/>
+                <a:cs typeface="Monaco"/>
+              </a:rPr>
+              <a:t>in the vector </a:t>
+            </a:r>
+            <a:r>
+              <a:rPr lang="en-US" sz="1000" i="1" dirty="0" smtClean="0">
+                <a:solidFill>
+                  <a:srgbClr val="7F7F7F"/>
+                </a:solidFill>
+                <a:latin typeface="Monaco"/>
+                <a:cs typeface="Monaco"/>
+              </a:rPr>
+              <a:t>sequence</a:t>
+            </a:r>
+          </a:p>
+          <a:p>
+            <a:r>
+              <a:rPr lang="en-US" sz="1000" dirty="0">
+                <a:latin typeface="Monaco"/>
+                <a:cs typeface="Monaco"/>
+              </a:rPr>
+              <a:t>}</a:t>
+            </a:r>
+          </a:p>
+          <a:p>
+            <a:endParaRPr lang="en-US" sz="1000" b="1" dirty="0" smtClean="0">
+              <a:latin typeface="Helvetica"/>
+              <a:cs typeface="Helvetica"/>
+            </a:endParaRPr>
+          </a:p>
+          <a:p>
+            <a:r>
+              <a:rPr lang="en-US" sz="1000" b="1" dirty="0" smtClean="0">
+                <a:latin typeface="Helvetica"/>
+                <a:cs typeface="Helvetica"/>
+              </a:rPr>
+              <a:t>Useful commands</a:t>
+            </a:r>
+          </a:p>
+          <a:p>
+            <a:pPr>
+              <a:tabLst>
+                <a:tab pos="3314700" algn="r"/>
+              </a:tabLst>
+            </a:pPr>
+            <a:r>
+              <a:rPr lang="en-US" sz="1000" dirty="0" smtClean="0">
+                <a:latin typeface="Helvetica"/>
+                <a:cs typeface="Helvetica"/>
+              </a:rPr>
+              <a:t>Combine strings of text	</a:t>
+            </a:r>
+            <a:r>
+              <a:rPr lang="en-US" sz="1000" dirty="0" smtClean="0">
+                <a:latin typeface="Monaco"/>
+                <a:cs typeface="Monaco"/>
+              </a:rPr>
+              <a:t>paste(str1, str2)</a:t>
+            </a:r>
+          </a:p>
+          <a:p>
+            <a:pPr>
+              <a:tabLst>
+                <a:tab pos="3314700" algn="r"/>
+              </a:tabLst>
+            </a:pPr>
+            <a:r>
+              <a:rPr lang="en-US" sz="1000" dirty="0" smtClean="0">
+                <a:latin typeface="Helvetica"/>
+                <a:cs typeface="Helvetica"/>
+              </a:rPr>
+              <a:t>‘Attach’ dat</a:t>
+            </a:r>
+            <a:r>
+              <a:rPr lang="en-US" sz="1000" dirty="0" smtClean="0">
+                <a:latin typeface="Helvetica"/>
+                <a:cs typeface="Helvetica"/>
+              </a:rPr>
+              <a:t>a frame to environment	</a:t>
+            </a:r>
+            <a:r>
+              <a:rPr lang="en-US" sz="1000" dirty="0" smtClean="0">
+                <a:latin typeface="Monaco"/>
+                <a:cs typeface="Monaco"/>
+              </a:rPr>
+              <a:t>attach(</a:t>
+            </a:r>
+            <a:r>
+              <a:rPr lang="en-US" sz="1000" dirty="0" err="1" smtClean="0">
+                <a:latin typeface="Monaco"/>
+                <a:cs typeface="Monaco"/>
+              </a:rPr>
+              <a:t>mydata</a:t>
+            </a:r>
+            <a:r>
+              <a:rPr lang="en-US" sz="1000" dirty="0" smtClean="0">
+                <a:latin typeface="Monaco"/>
+                <a:cs typeface="Monaco"/>
+              </a:rPr>
+              <a:t>)</a:t>
+            </a:r>
+          </a:p>
+          <a:p>
+            <a:pPr>
+              <a:tabLst>
+                <a:tab pos="3314700" algn="r"/>
+              </a:tabLst>
+            </a:pPr>
+            <a:r>
+              <a:rPr lang="en-US" sz="1000" dirty="0" smtClean="0">
+                <a:latin typeface="Helvetica"/>
+                <a:cs typeface="Helvetica"/>
+              </a:rPr>
+              <a:t>‘Detach’ data frame</a:t>
+            </a:r>
+            <a:r>
+              <a:rPr lang="en-US" sz="1000" baseline="30000" dirty="0" smtClean="0">
+                <a:latin typeface="Helvetica"/>
+                <a:cs typeface="Helvetica"/>
+              </a:rPr>
+              <a:t>[</a:t>
+            </a:r>
+            <a:r>
+              <a:rPr lang="en-US" sz="1000" dirty="0" smtClean="0">
+                <a:latin typeface="Helvetica"/>
+                <a:cs typeface="Helvetica"/>
+              </a:rPr>
+              <a:t>	</a:t>
+            </a:r>
+            <a:r>
+              <a:rPr lang="en-US" sz="1000" dirty="0" smtClean="0">
+                <a:latin typeface="Monaco"/>
+                <a:cs typeface="Monaco"/>
+              </a:rPr>
+              <a:t>detach(</a:t>
+            </a:r>
+            <a:r>
+              <a:rPr lang="en-US" sz="1000" dirty="0" err="1" smtClean="0">
+                <a:latin typeface="Monaco"/>
+                <a:cs typeface="Monaco"/>
+              </a:rPr>
+              <a:t>mydata</a:t>
+            </a:r>
+            <a:r>
+              <a:rPr lang="en-US" sz="1000" dirty="0" smtClean="0">
+                <a:latin typeface="Monaco"/>
+                <a:cs typeface="Monaco"/>
+              </a:rPr>
+              <a:t>)</a:t>
+            </a:r>
+          </a:p>
+          <a:p>
+            <a:pPr>
+              <a:tabLst>
+                <a:tab pos="3314700" algn="r"/>
+              </a:tabLst>
+            </a:pPr>
+            <a:r>
+              <a:rPr lang="en-US" sz="1000" dirty="0" smtClean="0">
+                <a:latin typeface="Helvetica"/>
+                <a:cs typeface="Helvetica"/>
+              </a:rPr>
+              <a:t>Evaluate expression using	</a:t>
+            </a:r>
+            <a:r>
+              <a:rPr lang="en-US" sz="1000" dirty="0" smtClean="0">
+                <a:latin typeface="Monaco"/>
+                <a:cs typeface="Monaco"/>
+              </a:rPr>
+              <a:t>with(</a:t>
+            </a:r>
+            <a:r>
+              <a:rPr lang="en-US" sz="1000" dirty="0" err="1" smtClean="0">
+                <a:latin typeface="Monaco"/>
+                <a:cs typeface="Monaco"/>
+              </a:rPr>
+              <a:t>mydata</a:t>
+            </a:r>
+            <a:r>
+              <a:rPr lang="en-US" sz="1000" dirty="0" smtClean="0">
+                <a:latin typeface="Monaco"/>
+                <a:cs typeface="Monaco"/>
+              </a:rPr>
+              <a:t>, </a:t>
+            </a:r>
+            <a:r>
+              <a:rPr lang="en-US" sz="1000" dirty="0" err="1" smtClean="0">
+                <a:latin typeface="Monaco"/>
+                <a:cs typeface="Monaco"/>
+              </a:rPr>
+              <a:t>expr</a:t>
+            </a:r>
+            <a:r>
+              <a:rPr lang="en-US" sz="1000" dirty="0" smtClean="0">
+                <a:latin typeface="Monaco"/>
+                <a:cs typeface="Monaco"/>
+              </a:rPr>
+              <a:t>, …)</a:t>
+            </a:r>
+          </a:p>
+          <a:p>
+            <a:pPr>
+              <a:tabLst>
+                <a:tab pos="3314700" algn="r"/>
+              </a:tabLst>
+            </a:pPr>
+            <a:r>
+              <a:rPr lang="en-US" sz="1000" dirty="0" smtClean="0">
+                <a:latin typeface="Helvetica"/>
+                <a:cs typeface="Helvetica"/>
+              </a:rPr>
+              <a:t>contents of data frame</a:t>
+            </a:r>
+            <a:endParaRPr lang="en-US" sz="1000" baseline="30000" dirty="0" smtClean="0">
+              <a:latin typeface="Helvetica"/>
+              <a:cs typeface="Helvetica"/>
+            </a:endParaRPr>
+          </a:p>
+        </p:txBody>
+      </p:sp>
+      <p:sp>
+        <p:nvSpPr>
+          <p:cNvPr id="17" name="Rectangle 16"/>
+          <p:cNvSpPr/>
+          <p:nvPr/>
+        </p:nvSpPr>
+        <p:spPr>
+          <a:xfrm>
+            <a:off x="270354" y="4391280"/>
+            <a:ext cx="3541112" cy="226295"/>
+          </a:xfrm>
+          <a:prstGeom prst="rect">
+            <a:avLst/>
+          </a:prstGeom>
+        </p:spPr>
         <p:style>
           <a:lnRef idx="2">
-            <a:schemeClr val="dk1"/>
+            <a:schemeClr val="dk1">
+              <a:shade val="50000"/>
+            </a:schemeClr>
           </a:lnRef>
           <a:fillRef idx="1">
-            <a:schemeClr val="lt1"/>
+            <a:schemeClr val="dk1"/>
           </a:fillRef>
           <a:effectRef idx="0">
             <a:schemeClr val="dk1"/>
           </a:effectRef>
           <a:fontRef idx="minor">
-            <a:schemeClr val="dk1"/>
+            <a:schemeClr val="lt1"/>
           </a:fontRef>
         </p:style>
         <p:txBody>
@@ -11530,7 +12857,14 @@
           <a:lstStyle/>
           <a:p>
             <a:pPr algn="ctr"/>
-            <a:endParaRPr lang="en-US" dirty="0">
+            <a:r>
+              <a:rPr lang="en-US" sz="1200" b="1" dirty="0" smtClean="0">
+                <a:latin typeface="Helvetica"/>
+                <a:cs typeface="Helvetica"/>
+              </a:rPr>
+              <a:t>Programming basics</a:t>
+            </a:r>
+            <a:endParaRPr lang="en-US" sz="1200" b="1" dirty="0">
               <a:latin typeface="Helvetica"/>
               <a:cs typeface="Helvetica"/>
             </a:endParaRPr>
@@ -11539,14 +12873,14 @@
       </p:sp>
       <p:sp>
         <p:nvSpPr>
-          <p:cNvPr id="25" name="Rectangle 24"/>
+          <p:cNvPr id="10" name="Rectangle 9"/>
           <p:cNvSpPr/>
           <p:nvPr/>
         </p:nvSpPr>
         <p:spPr>
           <a:xfrm>
-            <a:off x="4002688" y="217050"/>
-            <a:ext cx="3538728" cy="9644117"/>
+            <a:off x="3998657" y="230904"/>
+            <a:ext cx="3547872" cy="9557317"/>
           </a:xfrm>
           <a:prstGeom prst="rect">
             <a:avLst/>
@@ -11585,13 +12919,13 @@
       </p:sp>
       <p:sp>
         <p:nvSpPr>
-          <p:cNvPr id="26" name="Rectangle 25"/>
+          <p:cNvPr id="11" name="Rectangle 10"/>
           <p:cNvSpPr/>
           <p:nvPr/>
         </p:nvSpPr>
         <p:spPr>
           <a:xfrm>
-            <a:off x="235361" y="230904"/>
+            <a:off x="4005418" y="230904"/>
             <a:ext cx="3541111" cy="226295"/>
           </a:xfrm>
           <a:prstGeom prst="rect">
@@ -11635,164 +12969,14 @@
       </p:sp>
       <p:sp>
         <p:nvSpPr>
-          <p:cNvPr id="8" name="Rectangle 7"/>
-          <p:cNvSpPr/>
-          <p:nvPr/>
-        </p:nvSpPr>
-        <p:spPr>
-          <a:xfrm>
-            <a:off x="4000304" y="3310533"/>
-            <a:ext cx="3541112" cy="226295"/>
-          </a:xfrm>
-          <a:prstGeom prst="rect">
-            <a:avLst/>
-          </a:prstGeom>
-        </p:spPr>
-        <p:style>
-          <a:lnRef idx="2">
-            <a:schemeClr val="dk1">
-              <a:shade val="50000"/>
-            </a:schemeClr>
-          </a:lnRef>
-          <a:fillRef idx="1">
-            <a:schemeClr val="dk1"/>
-          </a:fillRef>
-          <a:effectRef idx="0">
-            <a:schemeClr val="dk1"/>
-          </a:effectRef>
-          <a:fontRef idx="minor">
-            <a:schemeClr val="lt1"/>
-          </a:fontRef>
-        </p:style>
-        <p:txBody>
-          <a:bodyPr rtlCol="0" anchor="ctr"/>
-          <a:lstStyle/>
-          <a:p>
-            <a:pPr algn="ctr"/>
-            <a:r>
-              <a:rPr lang="en-US" sz="1200" b="1" dirty="0" smtClean="0">
-                <a:latin typeface="Helvetica"/>
-                <a:cs typeface="Helvetica"/>
-              </a:rPr>
-              <a:t>More statistics</a:t>
-            </a:r>
-            <a:endParaRPr lang="en-US" sz="1200" b="1" dirty="0">
-              <a:latin typeface="Helvetica"/>
-              <a:cs typeface="Helvetica"/>
-            </a:endParaRPr>
-          </a:p>
-        </p:txBody>
-      </p:sp>
-      <p:sp>
-        <p:nvSpPr>
-          <p:cNvPr id="9" name="Rectangle 8"/>
-          <p:cNvSpPr/>
-          <p:nvPr/>
-        </p:nvSpPr>
-        <p:spPr>
-          <a:xfrm>
-            <a:off x="4000304" y="8079526"/>
-            <a:ext cx="3541112" cy="226295"/>
-          </a:xfrm>
-          <a:prstGeom prst="rect">
-            <a:avLst/>
-          </a:prstGeom>
-        </p:spPr>
-        <p:style>
-          <a:lnRef idx="2">
-            <a:schemeClr val="dk1">
-              <a:shade val="50000"/>
-            </a:schemeClr>
-          </a:lnRef>
-          <a:fillRef idx="1">
-            <a:schemeClr val="dk1"/>
-          </a:fillRef>
-          <a:effectRef idx="0">
-            <a:schemeClr val="dk1"/>
-          </a:effectRef>
-          <a:fontRef idx="minor">
-            <a:schemeClr val="lt1"/>
-          </a:fontRef>
-        </p:style>
-        <p:txBody>
-          <a:bodyPr rtlCol="0" anchor="ctr"/>
-          <a:lstStyle/>
-          <a:p>
-            <a:pPr algn="ctr"/>
-            <a:r>
-              <a:rPr lang="en-US" sz="1200" b="1" dirty="0" smtClean="0">
-                <a:latin typeface="Helvetica"/>
-                <a:cs typeface="Helvetica"/>
-              </a:rPr>
-              <a:t>Useful resources</a:t>
-            </a:r>
-            <a:endParaRPr lang="en-US" sz="1200" b="1" dirty="0">
-              <a:latin typeface="Helvetica"/>
-              <a:cs typeface="Helvetica"/>
-            </a:endParaRPr>
-          </a:p>
-        </p:txBody>
-      </p:sp>
-      <p:sp>
-        <p:nvSpPr>
-          <p:cNvPr id="10" name="Rectangle 9"/>
-          <p:cNvSpPr/>
-          <p:nvPr/>
-        </p:nvSpPr>
-        <p:spPr>
-          <a:xfrm>
-            <a:off x="4000304" y="230904"/>
-            <a:ext cx="3541112" cy="226295"/>
-          </a:xfrm>
-          <a:prstGeom prst="rect">
-            <a:avLst/>
-          </a:prstGeom>
-        </p:spPr>
-        <p:style>
-          <a:lnRef idx="2">
-            <a:schemeClr val="dk1">
-              <a:shade val="50000"/>
-            </a:schemeClr>
-          </a:lnRef>
-          <a:fillRef idx="1">
-            <a:schemeClr val="dk1"/>
-          </a:fillRef>
-          <a:effectRef idx="0">
-            <a:schemeClr val="dk1"/>
-          </a:effectRef>
-          <a:fontRef idx="minor">
-            <a:schemeClr val="lt1"/>
-          </a:fontRef>
-        </p:style>
-        <p:txBody>
-          <a:bodyPr rtlCol="0" anchor="ctr"/>
-          <a:lstStyle/>
-          <a:p>
-            <a:pPr algn="ctr"/>
-            <a:r>
-              <a:rPr lang="en-US" sz="1200" b="1" dirty="0" smtClean="0">
-                <a:latin typeface="Helvetica"/>
-                <a:cs typeface="Helvetica"/>
-              </a:rPr>
-              <a:t>Programming basics</a:t>
-            </a:r>
-            <a:endParaRPr lang="en-US" sz="1200" b="1" dirty="0">
-              <a:latin typeface="Helvetica"/>
-              <a:cs typeface="Helvetica"/>
-            </a:endParaRPr>
-          </a:p>
-        </p:txBody>
-      </p:sp>
-      <p:sp>
-        <p:nvSpPr>
-          <p:cNvPr id="11" name="TextBox 10"/>
+          <p:cNvPr id="12" name="TextBox 11"/>
           <p:cNvSpPr txBox="1"/>
           <p:nvPr/>
         </p:nvSpPr>
         <p:spPr>
           <a:xfrm>
-            <a:off x="4465895" y="969626"/>
-            <a:ext cx="2455251" cy="1754327"/>
+            <a:off x="4005418" y="457199"/>
+            <a:ext cx="3541113" cy="9571850"/>
           </a:xfrm>
           <a:prstGeom prst="rect">
             <a:avLst/>
@@ -11806,143 +12990,6 @@
           <a:lstStyle/>
           <a:p>
             <a:r>
-              <a:rPr lang="en-US" dirty="0" smtClean="0"/>
-              <a:t>Defining functions</a:t>
-            </a:r>
-          </a:p>
-          <a:p>
-            <a:r>
-              <a:rPr lang="en-US" dirty="0" smtClean="0"/>
-              <a:t>if, for, while</a:t>
-            </a:r>
-          </a:p>
-          <a:p>
-            <a:r>
-              <a:rPr lang="en-US" dirty="0" smtClean="0"/>
-              <a:t>Other useful commands:</a:t>
-            </a:r>
-          </a:p>
-          <a:p>
-            <a:r>
-              <a:rPr lang="en-US" dirty="0" smtClean="0"/>
-              <a:t>Paste, attach, detach, with, by</a:t>
-            </a:r>
-          </a:p>
-        </p:txBody>
-      </p:sp>
-      <p:sp>
-        <p:nvSpPr>
-          <p:cNvPr id="2" name="TextBox 1"/>
-          <p:cNvSpPr txBox="1"/>
-          <p:nvPr/>
-        </p:nvSpPr>
-        <p:spPr>
-          <a:xfrm>
-            <a:off x="4000304" y="3536828"/>
-            <a:ext cx="3541112" cy="1323439"/>
-          </a:xfrm>
-          <a:prstGeom prst="rect">
-            <a:avLst/>
-          </a:prstGeom>
-          <a:noFill/>
-        </p:spPr>
-        <p:txBody>
-          <a:bodyPr wrap="square" rtlCol="0">
-            <a:spAutoFit/>
-          </a:bodyPr>
-          <a:lstStyle/>
-          <a:p>
-            <a:r>
-              <a:rPr lang="en-US" sz="1000" b="1" dirty="0" smtClean="0">
-                <a:latin typeface="Helvetica"/>
-                <a:cs typeface="Helvetica"/>
-              </a:rPr>
-              <a:t>Sampling from distributions</a:t>
-            </a:r>
-          </a:p>
-          <a:p>
-            <a:endParaRPr lang="en-US" sz="1000" b="1" dirty="0">
-              <a:latin typeface="Helvetica"/>
-              <a:cs typeface="Helvetica"/>
-            </a:endParaRPr>
-          </a:p>
-          <a:p>
-            <a:r>
-              <a:rPr lang="en-US" sz="1000" b="1" dirty="0" smtClean="0">
-                <a:latin typeface="Helvetica"/>
-                <a:cs typeface="Helvetica"/>
-              </a:rPr>
-              <a:t>Modeling dataset</a:t>
-            </a:r>
-          </a:p>
-          <a:p>
-            <a:r>
-              <a:rPr lang="en-US" sz="1000" dirty="0" smtClean="0">
-                <a:latin typeface="Helvetica"/>
-                <a:cs typeface="Helvetica"/>
-              </a:rPr>
-              <a:t>Simple linear model</a:t>
-            </a:r>
-          </a:p>
-          <a:p>
-            <a:endParaRPr lang="en-US" sz="1000" dirty="0">
-              <a:latin typeface="Helvetica"/>
-              <a:cs typeface="Helvetica"/>
-            </a:endParaRPr>
-          </a:p>
-          <a:p>
-            <a:r>
-              <a:rPr lang="en-US" sz="1000" dirty="0" smtClean="0">
-                <a:latin typeface="Helvetica"/>
-                <a:cs typeface="Helvetica"/>
-              </a:rPr>
-              <a:t>Logistic regression</a:t>
-            </a:r>
-          </a:p>
-          <a:p>
-            <a:endParaRPr lang="en-US" sz="1000" dirty="0">
-              <a:latin typeface="Helvetica"/>
-              <a:cs typeface="Helvetica"/>
-            </a:endParaRPr>
-          </a:p>
-          <a:p>
-            <a:r>
-              <a:rPr lang="en-US" sz="1000" dirty="0" smtClean="0">
-                <a:latin typeface="Helvetica"/>
-                <a:cs typeface="Helvetica"/>
-              </a:rPr>
-              <a:t>Mixed-effects model</a:t>
-            </a:r>
-            <a:endParaRPr lang="en-US" sz="1000" dirty="0">
-              <a:latin typeface="Helvetica"/>
-              <a:cs typeface="Helvetica"/>
-            </a:endParaRPr>
-          </a:p>
-        </p:txBody>
-      </p:sp>
-      <p:sp>
-        <p:nvSpPr>
-          <p:cNvPr id="3" name="TextBox 2"/>
-          <p:cNvSpPr txBox="1"/>
-          <p:nvPr/>
-        </p:nvSpPr>
-        <p:spPr>
-          <a:xfrm>
-            <a:off x="235361" y="457199"/>
-            <a:ext cx="3541113" cy="9448740"/>
-          </a:xfrm>
-          <a:prstGeom prst="rect">
-            <a:avLst/>
-          </a:prstGeom>
-          <a:noFill/>
-        </p:spPr>
-        <p:txBody>
-          <a:bodyPr wrap="square" rtlCol="0">
-            <a:spAutoFit/>
-          </a:bodyPr>
-          <a:lstStyle/>
-          <a:p>
-            <a:r>
               <a:rPr lang="en-US" sz="1000" dirty="0" smtClean="0">
                 <a:latin typeface="Helvetica"/>
                 <a:cs typeface="Helvetica"/>
@@ -12960,7 +14007,7 @@
                 <a:latin typeface="Helvetica"/>
                 <a:cs typeface="Helvetica"/>
               </a:rPr>
-              <a:t>Faceting: splits up plot into many plots based on the values of a factor</a:t>
+              <a:t>Faceting</a:t>
             </a:r>
           </a:p>
           <a:p>
@@ -13076,7 +14123,7 @@
                 <a:latin typeface="Helvetica"/>
                 <a:cs typeface="Helvetica"/>
               </a:rPr>
-              <a:t>Wrap facets</a:t>
+              <a:t>Wrap facets to page</a:t>
             </a:r>
             <a:r>
               <a:rPr lang="en-US" sz="1000" dirty="0" smtClean="0">
@@ -13099,79 +14146,25 @@
               </a:rPr>
               <a:t>(. ~ gender)</a:t>
             </a:r>
-            <a:endParaRPr lang="en-US" sz="1000" dirty="0" smtClean="0">
-              <a:latin typeface="Monaco"/>
-              <a:cs typeface="Monaco"/>
-            </a:endParaRPr>
-          </a:p>
-        </p:txBody>
-      </p:sp>
-      <p:sp>
-        <p:nvSpPr>
-          <p:cNvPr id="15" name="Rectangle 14"/>
-          <p:cNvSpPr/>
-          <p:nvPr/>
-        </p:nvSpPr>
-        <p:spPr>
-          <a:xfrm>
-            <a:off x="4018562" y="6324880"/>
-            <a:ext cx="3541112" cy="226295"/>
-          </a:xfrm>
-          <a:prstGeom prst="rect">
-            <a:avLst/>
-          </a:prstGeom>
-        </p:spPr>
-        <p:style>
-          <a:lnRef idx="2">
-            <a:schemeClr val="dk1">
-              <a:shade val="50000"/>
-            </a:schemeClr>
-          </a:lnRef>
-          <a:fillRef idx="1">
-            <a:schemeClr val="dk1"/>
-          </a:fillRef>
-          <a:effectRef idx="0">
-            <a:schemeClr val="dk1"/>
-          </a:effectRef>
-          <a:fontRef idx="minor">
-            <a:schemeClr val="lt1"/>
-          </a:fontRef>
-        </p:style>
-        <p:txBody>
-          <a:bodyPr rtlCol="0" anchor="ctr"/>
-          <a:lstStyle/>
-          <a:p>
-            <a:pPr algn="ctr"/>
-            <a:r>
-              <a:rPr lang="en-US" sz="1200" b="1" dirty="0" smtClean="0">
-                <a:latin typeface="Helvetica"/>
-                <a:cs typeface="Helvetica"/>
-              </a:rPr>
-              <a:t>Debugging?</a:t>
-            </a:r>
-            <a:endParaRPr lang="en-US" sz="1200" b="1" dirty="0">
-              <a:latin typeface="Helvetica"/>
-              <a:cs typeface="Helvetica"/>
-            </a:endParaRPr>
           </a:p>
         </p:txBody>
       </p:sp>
       <p:graphicFrame>
         <p:nvGraphicFramePr>
-          <p:cNvPr id="6" name="Table 5"/>
+          <p:cNvPr id="14" name="Table 13"/>
           <p:cNvGraphicFramePr>
             <a:graphicFrameLocks noGrp="1"/>
           </p:cNvGraphicFramePr>
           <p:nvPr>
             <p:extLst>
               <p:ext uri="{D42A27DB-BD31-4B8C-83A1-F6EECF244321}">
-                <p14:modId xmlns:p14="http://schemas.microsoft.com/office/powerpoint/2010/main" val="96463305"/>
+                <p14:modId xmlns:p14="http://schemas.microsoft.com/office/powerpoint/2010/main" val="1073944996"/>
               </p:ext>
             </p:extLst>
           </p:nvPr>
         </p:nvGraphicFramePr>
         <p:xfrm>
-          <a:off x="302207" y="4581907"/>
+          <a:off x="4072264" y="4581907"/>
           <a:ext cx="3374268" cy="3566159"/>
         </p:xfrm>
         <a:graphic>
@@ -14184,6 +15177,7 @@
                       </a:r>
                     </a:p>
                     <a:p>
+                      <a:pPr algn="l"/>
                       <a:r>
                         <a:rPr lang="en-US" sz="900" baseline="0" dirty="0" smtClean="0">
                           <a:latin typeface="Monaco"/>
@@ -14235,6 +15229,7 @@
                       </a:r>
                     </a:p>
                     <a:p>
+                      <a:pPr algn="l"/>
                       <a:r>
                         <a:rPr lang="en-US" sz="900" baseline="0" dirty="0" smtClean="0">
                           <a:latin typeface="Monaco"/>
@@ -14314,7 +15309,7 @@
     </p:spTree>
     <p:extLst>
       <p:ext uri="{BB962C8B-B14F-4D97-AF65-F5344CB8AC3E}">
-        <p14:creationId xmlns:p14="http://schemas.microsoft.com/office/powerpoint/2010/main" val="4291011657"/>
+        <p14:creationId xmlns:p14="http://schemas.microsoft.com/office/powerpoint/2010/main" val="715161516"/>
       </p:ext>
     </p:extLst>
   </p:cSld>
